--- a/tutorial/EGI-2011/02_api1.pptx
+++ b/tutorial/EGI-2011/02_api1.pptx
@@ -1,6 +1,6 @@
 
 <file path=ppt/presentation.xml><?xml version="1.0" encoding="utf-8"?>
-<p:presentation xmlns:a="http://schemas.openxmlformats.org/drawingml/2006/main" xmlns:r="http://schemas.openxmlformats.org/officeDocument/2006/relationships" xmlns:mc="http://schemas.openxmlformats.org/markup-compatibility/2006" xmlns:mv="urn:schemas-microsoft-com:mac:vml" xmlns:p="http://schemas.openxmlformats.org/presentationml/2006/main" mc:Ignorable="mv" mc:PreserveAttributes="mv:*" saveSubsetFonts="1" autoCompressPictures="0">
+<p:presentation xmlns:a="http://schemas.openxmlformats.org/drawingml/2006/main" xmlns:r="http://schemas.openxmlformats.org/officeDocument/2006/relationships" xmlns:p="http://schemas.openxmlformats.org/presentationml/2006/main" saveSubsetFonts="1" autoCompressPictures="0">
   <p:sldMasterIdLst>
     <p:sldMasterId id="2147483648" r:id="rId1"/>
   </p:sldMasterIdLst>
@@ -157,7 +157,7 @@
 </file>
 
 <file path=ppt/handoutMasters/handoutMaster1.xml><?xml version="1.0" encoding="utf-8"?>
-<p:handoutMaster xmlns:a="http://schemas.openxmlformats.org/drawingml/2006/main" xmlns:r="http://schemas.openxmlformats.org/officeDocument/2006/relationships" xmlns:mc="http://schemas.openxmlformats.org/markup-compatibility/2006" xmlns:mv="urn:schemas-microsoft-com:mac:vml" xmlns:p="http://schemas.openxmlformats.org/presentationml/2006/main" mc:Ignorable="mv" mc:PreserveAttributes="mv:*">
+<p:handoutMaster xmlns:a="http://schemas.openxmlformats.org/drawingml/2006/main" xmlns:r="http://schemas.openxmlformats.org/officeDocument/2006/relationships" xmlns:p="http://schemas.openxmlformats.org/presentationml/2006/main">
   <p:cSld>
     <p:bg>
       <p:bgRef idx="1001">
@@ -239,7 +239,7 @@
             <a:fld id="{9A6AC4B2-6F12-454D-8DA7-7B9C78843B81}" type="datetimeFigureOut">
               <a:rPr lang="en-US" smtClean="0"/>
               <a:pPr/>
-              <a:t>11/29/10</a:t>
+              <a:t>4/9/2011</a:t>
             </a:fld>
             <a:endParaRPr lang="en-US"/>
           </a:p>
@@ -315,7 +315,7 @@
     </p:spTree>
     <p:extLst>
       <p:ext uri="{BB962C8B-B14F-4D97-AF65-F5344CB8AC3E}">
-        <p14:creationId xmlns:p14="http://schemas.microsoft.com/office/powerpoint/2010/main" xmlns:p="http://schemas.openxmlformats.org/presentationml/2006/main" xmlns:r="http://schemas.openxmlformats.org/officeDocument/2006/relationships" xmlns:a="http://schemas.openxmlformats.org/drawingml/2006/main" xmlns="" val="1850353593"/>
+        <p14:creationId xmlns:p14="http://schemas.microsoft.com/office/powerpoint/2010/main" val="1850353593"/>
       </p:ext>
     </p:extLst>
   </p:cSld>
@@ -325,7 +325,7 @@
 </file>
 
 <file path=ppt/notesMasters/notesMaster1.xml><?xml version="1.0" encoding="utf-8"?>
-<p:notesMaster xmlns:a="http://schemas.openxmlformats.org/drawingml/2006/main" xmlns:r="http://schemas.openxmlformats.org/officeDocument/2006/relationships" xmlns:mc="http://schemas.openxmlformats.org/markup-compatibility/2006" xmlns:mv="urn:schemas-microsoft-com:mac:vml" xmlns:p="http://schemas.openxmlformats.org/presentationml/2006/main" mc:Ignorable="mv" mc:PreserveAttributes="mv:*">
+<p:notesMaster xmlns:a="http://schemas.openxmlformats.org/drawingml/2006/main" xmlns:r="http://schemas.openxmlformats.org/officeDocument/2006/relationships" xmlns:p="http://schemas.openxmlformats.org/presentationml/2006/main">
   <p:cSld>
     <p:bg>
       <p:bgRef idx="1001">
@@ -407,7 +407,7 @@
             <a:fld id="{19F24AD4-A78B-B645-8B43-825B1EB2901C}" type="datetimeFigureOut">
               <a:rPr lang="en-US" smtClean="0"/>
               <a:pPr/>
-              <a:t>11/29/10</a:t>
+              <a:t>4/9/2011</a:t>
             </a:fld>
             <a:endParaRPr lang="en-US"/>
           </a:p>
@@ -578,7 +578,7 @@
     </p:spTree>
     <p:extLst>
       <p:ext uri="{BB962C8B-B14F-4D97-AF65-F5344CB8AC3E}">
-        <p14:creationId xmlns:p14="http://schemas.microsoft.com/office/powerpoint/2010/main" xmlns:p="http://schemas.openxmlformats.org/presentationml/2006/main" xmlns:r="http://schemas.openxmlformats.org/officeDocument/2006/relationships" xmlns:a="http://schemas.openxmlformats.org/drawingml/2006/main" xmlns="" val="1953130109"/>
+        <p14:creationId xmlns:p14="http://schemas.microsoft.com/office/powerpoint/2010/main" val="1953130109"/>
       </p:ext>
     </p:extLst>
   </p:cSld>
@@ -680,7 +680,7 @@
 </file>
 
 <file path=ppt/notesSlides/notesSlide1.xml><?xml version="1.0" encoding="utf-8"?>
-<p:notes xmlns:a="http://schemas.openxmlformats.org/drawingml/2006/main" xmlns:r="http://schemas.openxmlformats.org/officeDocument/2006/relationships" xmlns:mc="http://schemas.openxmlformats.org/markup-compatibility/2006" xmlns:mv="urn:schemas-microsoft-com:mac:vml" xmlns:p="http://schemas.openxmlformats.org/presentationml/2006/main" mc:Ignorable="mv" mc:PreserveAttributes="mv:*">
+<p:notes xmlns:a="http://schemas.openxmlformats.org/drawingml/2006/main" xmlns:r="http://schemas.openxmlformats.org/officeDocument/2006/relationships" xmlns:p="http://schemas.openxmlformats.org/presentationml/2006/main">
   <p:cSld>
     <p:spTree>
       <p:nvGrpSpPr>
@@ -762,7 +762,7 @@
 </file>
 
 <file path=ppt/slideLayouts/slideLayout1.xml><?xml version="1.0" encoding="utf-8"?>
-<p:sldLayout xmlns:a="http://schemas.openxmlformats.org/drawingml/2006/main" xmlns:r="http://schemas.openxmlformats.org/officeDocument/2006/relationships" xmlns:mc="http://schemas.openxmlformats.org/markup-compatibility/2006" xmlns:mv="urn:schemas-microsoft-com:mac:vml" xmlns:p="http://schemas.openxmlformats.org/presentationml/2006/main" mc:Ignorable="mv" mc:PreserveAttributes="mv:*" preserve="1" userDrawn="1">
+<p:sldLayout xmlns:a="http://schemas.openxmlformats.org/drawingml/2006/main" xmlns:r="http://schemas.openxmlformats.org/officeDocument/2006/relationships" xmlns:p="http://schemas.openxmlformats.org/presentationml/2006/main" preserve="1" userDrawn="1">
   <p:cSld name="Title Slide">
     <p:spTree>
       <p:nvGrpSpPr>
@@ -948,7 +948,7 @@
             <a:fld id="{ADB8239A-D789-5443-937F-338E3AE3D41C}" type="datetime1">
               <a:rPr lang="en-US" smtClean="0"/>
               <a:pPr/>
-              <a:t>11/29/10</a:t>
+              <a:t>4/9/2011</a:t>
             </a:fld>
             <a:endParaRPr lang="en-US"/>
           </a:p>
@@ -987,7 +987,7 @@
 </file>
 
 <file path=ppt/slideLayouts/slideLayout10.xml><?xml version="1.0" encoding="utf-8"?>
-<p:sldLayout xmlns:a="http://schemas.openxmlformats.org/drawingml/2006/main" xmlns:r="http://schemas.openxmlformats.org/officeDocument/2006/relationships" xmlns:mc="http://schemas.openxmlformats.org/markup-compatibility/2006" xmlns:mv="urn:schemas-microsoft-com:mac:vml" xmlns:p="http://schemas.openxmlformats.org/presentationml/2006/main" mc:Ignorable="mv" mc:PreserveAttributes="mv:*" type="picTx" preserve="1">
+<p:sldLayout xmlns:a="http://schemas.openxmlformats.org/drawingml/2006/main" xmlns:r="http://schemas.openxmlformats.org/officeDocument/2006/relationships" xmlns:p="http://schemas.openxmlformats.org/presentationml/2006/main" type="picTx" preserve="1">
   <p:cSld name="Picture with Caption">
     <p:spTree>
       <p:nvGrpSpPr>
@@ -1252,7 +1252,7 @@
             <a:fld id="{459EC1CE-E98D-704D-AD6F-6E3323A36483}" type="datetime1">
               <a:rPr lang="en-US" smtClean="0"/>
               <a:pPr/>
-              <a:t>11/29/10</a:t>
+              <a:t>4/9/2011</a:t>
             </a:fld>
             <a:endParaRPr lang="en-US"/>
           </a:p>
@@ -1310,7 +1310,7 @@
 </file>
 
 <file path=ppt/slideLayouts/slideLayout11.xml><?xml version="1.0" encoding="utf-8"?>
-<p:sldLayout xmlns:a="http://schemas.openxmlformats.org/drawingml/2006/main" xmlns:r="http://schemas.openxmlformats.org/officeDocument/2006/relationships" xmlns:mc="http://schemas.openxmlformats.org/markup-compatibility/2006" xmlns:mv="urn:schemas-microsoft-com:mac:vml" xmlns:p="http://schemas.openxmlformats.org/presentationml/2006/main" mc:Ignorable="mv" mc:PreserveAttributes="mv:*" preserve="1">
+<p:sldLayout xmlns:a="http://schemas.openxmlformats.org/drawingml/2006/main" xmlns:r="http://schemas.openxmlformats.org/officeDocument/2006/relationships" xmlns:p="http://schemas.openxmlformats.org/presentationml/2006/main" preserve="1">
   <p:cSld name="Picture above Caption">
     <p:spTree>
       <p:nvGrpSpPr>
@@ -1528,7 +1528,7 @@
             <a:fld id="{23E692A5-8B3E-1949-B0CC-6F0593ACFA8E}" type="datetime1">
               <a:rPr lang="en-US" smtClean="0"/>
               <a:pPr/>
-              <a:t>11/29/10</a:t>
+              <a:t>4/9/2011</a:t>
             </a:fld>
             <a:endParaRPr lang="en-US"/>
           </a:p>
@@ -1597,7 +1597,7 @@
 </file>
 
 <file path=ppt/slideLayouts/slideLayout12.xml><?xml version="1.0" encoding="utf-8"?>
-<p:sldLayout xmlns:a="http://schemas.openxmlformats.org/drawingml/2006/main" xmlns:r="http://schemas.openxmlformats.org/officeDocument/2006/relationships" xmlns:mc="http://schemas.openxmlformats.org/markup-compatibility/2006" xmlns:mv="urn:schemas-microsoft-com:mac:vml" xmlns:p="http://schemas.openxmlformats.org/presentationml/2006/main" mc:Ignorable="mv" mc:PreserveAttributes="mv:*" preserve="1">
+<p:sldLayout xmlns:a="http://schemas.openxmlformats.org/drawingml/2006/main" xmlns:r="http://schemas.openxmlformats.org/officeDocument/2006/relationships" xmlns:p="http://schemas.openxmlformats.org/presentationml/2006/main" preserve="1">
   <p:cSld name="2 Pictures with Caption">
     <p:spTree>
       <p:nvGrpSpPr>
@@ -1820,7 +1820,7 @@
             <a:fld id="{C381DA14-A3C0-9C42-96F2-BEE3D5DE963D}" type="datetime1">
               <a:rPr lang="en-US" smtClean="0"/>
               <a:pPr/>
-              <a:t>11/29/10</a:t>
+              <a:t>4/9/2011</a:t>
             </a:fld>
             <a:endParaRPr lang="en-US"/>
           </a:p>
@@ -1924,7 +1924,7 @@
 </file>
 
 <file path=ppt/slideLayouts/slideLayout13.xml><?xml version="1.0" encoding="utf-8"?>
-<p:sldLayout xmlns:a="http://schemas.openxmlformats.org/drawingml/2006/main" xmlns:r="http://schemas.openxmlformats.org/officeDocument/2006/relationships" xmlns:mc="http://schemas.openxmlformats.org/markup-compatibility/2006" xmlns:mv="urn:schemas-microsoft-com:mac:vml" xmlns:p="http://schemas.openxmlformats.org/presentationml/2006/main" mc:Ignorable="mv" mc:PreserveAttributes="mv:*" preserve="1">
+<p:sldLayout xmlns:a="http://schemas.openxmlformats.org/drawingml/2006/main" xmlns:r="http://schemas.openxmlformats.org/officeDocument/2006/relationships" xmlns:p="http://schemas.openxmlformats.org/presentationml/2006/main" preserve="1">
   <p:cSld name="3 Pictures with Caption">
     <p:spTree>
       <p:nvGrpSpPr>
@@ -2147,7 +2147,7 @@
             <a:fld id="{33319320-9A5F-694B-B7B5-C734EC93AAA2}" type="datetime1">
               <a:rPr lang="en-US" smtClean="0"/>
               <a:pPr/>
-              <a:t>11/29/10</a:t>
+              <a:t>4/9/2011</a:t>
             </a:fld>
             <a:endParaRPr lang="en-US"/>
           </a:p>
@@ -2286,7 +2286,7 @@
 </file>
 
 <file path=ppt/slideLayouts/slideLayout14.xml><?xml version="1.0" encoding="utf-8"?>
-<p:sldLayout xmlns:a="http://schemas.openxmlformats.org/drawingml/2006/main" xmlns:r="http://schemas.openxmlformats.org/officeDocument/2006/relationships" xmlns:mc="http://schemas.openxmlformats.org/markup-compatibility/2006" xmlns:mv="urn:schemas-microsoft-com:mac:vml" xmlns:p="http://schemas.openxmlformats.org/presentationml/2006/main" mc:Ignorable="mv" mc:PreserveAttributes="mv:*" type="vertTx" preserve="1">
+<p:sldLayout xmlns:a="http://schemas.openxmlformats.org/drawingml/2006/main" xmlns:r="http://schemas.openxmlformats.org/officeDocument/2006/relationships" xmlns:p="http://schemas.openxmlformats.org/presentationml/2006/main" type="vertTx" preserve="1">
   <p:cSld name="Title and Vertical Text">
     <p:spTree>
       <p:nvGrpSpPr>
@@ -2395,7 +2395,7 @@
             <a:fld id="{CF6CE397-A6E6-7547-B24A-92BB5049E0F2}" type="datetime1">
               <a:rPr lang="en-US" smtClean="0"/>
               <a:pPr/>
-              <a:t>11/29/10</a:t>
+              <a:t>4/9/2011</a:t>
             </a:fld>
             <a:endParaRPr lang="en-US"/>
           </a:p>
@@ -2453,7 +2453,7 @@
 </file>
 
 <file path=ppt/slideLayouts/slideLayout15.xml><?xml version="1.0" encoding="utf-8"?>
-<p:sldLayout xmlns:a="http://schemas.openxmlformats.org/drawingml/2006/main" xmlns:r="http://schemas.openxmlformats.org/officeDocument/2006/relationships" xmlns:mc="http://schemas.openxmlformats.org/markup-compatibility/2006" xmlns:mv="urn:schemas-microsoft-com:mac:vml" xmlns:p="http://schemas.openxmlformats.org/presentationml/2006/main" mc:Ignorable="mv" mc:PreserveAttributes="mv:*" type="vertTitleAndTx" preserve="1">
+<p:sldLayout xmlns:a="http://schemas.openxmlformats.org/drawingml/2006/main" xmlns:r="http://schemas.openxmlformats.org/officeDocument/2006/relationships" xmlns:p="http://schemas.openxmlformats.org/presentationml/2006/main" type="vertTitleAndTx" preserve="1">
   <p:cSld name="Vertical Title and Text">
     <p:spTree>
       <p:nvGrpSpPr>
@@ -2572,7 +2572,7 @@
             <a:fld id="{27AB7D46-BD5E-E641-9118-DCE28F3B83FA}" type="datetime1">
               <a:rPr lang="en-US" smtClean="0"/>
               <a:pPr/>
-              <a:t>11/29/10</a:t>
+              <a:t>4/9/2011</a:t>
             </a:fld>
             <a:endParaRPr lang="en-US"/>
           </a:p>
@@ -2630,7 +2630,7 @@
 </file>
 
 <file path=ppt/slideLayouts/slideLayout2.xml><?xml version="1.0" encoding="utf-8"?>
-<p:sldLayout xmlns:a="http://schemas.openxmlformats.org/drawingml/2006/main" xmlns:r="http://schemas.openxmlformats.org/officeDocument/2006/relationships" xmlns:mc="http://schemas.openxmlformats.org/markup-compatibility/2006" xmlns:mv="urn:schemas-microsoft-com:mac:vml" xmlns:p="http://schemas.openxmlformats.org/presentationml/2006/main" mc:Ignorable="mv" mc:PreserveAttributes="mv:*" type="obj" preserve="1">
+<p:sldLayout xmlns:a="http://schemas.openxmlformats.org/drawingml/2006/main" xmlns:r="http://schemas.openxmlformats.org/officeDocument/2006/relationships" xmlns:p="http://schemas.openxmlformats.org/presentationml/2006/main" type="obj" preserve="1">
   <p:cSld name="Title and Content">
     <p:spTree>
       <p:nvGrpSpPr>
@@ -2824,7 +2824,7 @@
             <a:fld id="{BC26097E-015C-3B4D-86C1-CD2AD30F0B81}" type="datetime1">
               <a:rPr lang="en-US" smtClean="0"/>
               <a:pPr/>
-              <a:t>11/29/10</a:t>
+              <a:t>4/9/2011</a:t>
             </a:fld>
             <a:endParaRPr lang="en-US"/>
           </a:p>
@@ -2887,7 +2887,7 @@
 </file>
 
 <file path=ppt/slideLayouts/slideLayout3.xml><?xml version="1.0" encoding="utf-8"?>
-<p:sldLayout xmlns:a="http://schemas.openxmlformats.org/drawingml/2006/main" xmlns:r="http://schemas.openxmlformats.org/officeDocument/2006/relationships" xmlns:mc="http://schemas.openxmlformats.org/markup-compatibility/2006" xmlns:mv="urn:schemas-microsoft-com:mac:vml" xmlns:p="http://schemas.openxmlformats.org/presentationml/2006/main" mc:Ignorable="mv" mc:PreserveAttributes="mv:*" preserve="1">
+<p:sldLayout xmlns:a="http://schemas.openxmlformats.org/drawingml/2006/main" xmlns:r="http://schemas.openxmlformats.org/officeDocument/2006/relationships" xmlns:p="http://schemas.openxmlformats.org/presentationml/2006/main" preserve="1">
   <p:cSld name="Title Slide with Picture">
     <p:spTree>
       <p:nvGrpSpPr>
@@ -3100,7 +3100,7 @@
             <a:fld id="{ED6649F4-2545-3040-B7BD-803CA59D50C7}" type="datetime1">
               <a:rPr lang="en-US" smtClean="0"/>
               <a:pPr/>
-              <a:t>11/29/10</a:t>
+              <a:t>4/9/2011</a:t>
             </a:fld>
             <a:endParaRPr lang="en-US"/>
           </a:p>
@@ -3169,7 +3169,7 @@
 </file>
 
 <file path=ppt/slideLayouts/slideLayout4.xml><?xml version="1.0" encoding="utf-8"?>
-<p:sldLayout xmlns:a="http://schemas.openxmlformats.org/drawingml/2006/main" xmlns:r="http://schemas.openxmlformats.org/officeDocument/2006/relationships" xmlns:mc="http://schemas.openxmlformats.org/markup-compatibility/2006" xmlns:mv="urn:schemas-microsoft-com:mac:vml" xmlns:p="http://schemas.openxmlformats.org/presentationml/2006/main" mc:Ignorable="mv" mc:PreserveAttributes="mv:*" type="secHead" preserve="1">
+<p:sldLayout xmlns:a="http://schemas.openxmlformats.org/drawingml/2006/main" xmlns:r="http://schemas.openxmlformats.org/officeDocument/2006/relationships" xmlns:p="http://schemas.openxmlformats.org/presentationml/2006/main" type="secHead" preserve="1">
   <p:cSld name="Section Header">
     <p:spTree>
       <p:nvGrpSpPr>
@@ -3408,7 +3408,7 @@
             <a:fld id="{833A9088-CEDD-2F48-A9A0-611A3CC03FE9}" type="datetime1">
               <a:rPr lang="en-US" smtClean="0"/>
               <a:pPr/>
-              <a:t>11/29/10</a:t>
+              <a:t>4/9/2011</a:t>
             </a:fld>
             <a:endParaRPr lang="en-US"/>
           </a:p>
@@ -3466,7 +3466,7 @@
 </file>
 
 <file path=ppt/slideLayouts/slideLayout5.xml><?xml version="1.0" encoding="utf-8"?>
-<p:sldLayout xmlns:a="http://schemas.openxmlformats.org/drawingml/2006/main" xmlns:r="http://schemas.openxmlformats.org/officeDocument/2006/relationships" xmlns:mc="http://schemas.openxmlformats.org/markup-compatibility/2006" xmlns:mv="urn:schemas-microsoft-com:mac:vml" xmlns:p="http://schemas.openxmlformats.org/presentationml/2006/main" mc:Ignorable="mv" mc:PreserveAttributes="mv:*" type="twoObj" preserve="1">
+<p:sldLayout xmlns:a="http://schemas.openxmlformats.org/drawingml/2006/main" xmlns:r="http://schemas.openxmlformats.org/officeDocument/2006/relationships" xmlns:p="http://schemas.openxmlformats.org/presentationml/2006/main" type="twoObj" preserve="1">
   <p:cSld name="Two Content">
     <p:spTree>
       <p:nvGrpSpPr>
@@ -3702,7 +3702,7 @@
             <a:fld id="{AED87ACF-EB3C-EA42-8610-542FB50388EB}" type="datetime1">
               <a:rPr lang="en-US" smtClean="0"/>
               <a:pPr/>
-              <a:t>11/29/10</a:t>
+              <a:t>4/9/2011</a:t>
             </a:fld>
             <a:endParaRPr lang="en-US"/>
           </a:p>
@@ -3760,7 +3760,7 @@
 </file>
 
 <file path=ppt/slideLayouts/slideLayout6.xml><?xml version="1.0" encoding="utf-8"?>
-<p:sldLayout xmlns:a="http://schemas.openxmlformats.org/drawingml/2006/main" xmlns:r="http://schemas.openxmlformats.org/officeDocument/2006/relationships" xmlns:mc="http://schemas.openxmlformats.org/markup-compatibility/2006" xmlns:mv="urn:schemas-microsoft-com:mac:vml" xmlns:p="http://schemas.openxmlformats.org/presentationml/2006/main" mc:Ignorable="mv" mc:PreserveAttributes="mv:*" type="twoTxTwoObj" preserve="1">
+<p:sldLayout xmlns:a="http://schemas.openxmlformats.org/drawingml/2006/main" xmlns:r="http://schemas.openxmlformats.org/officeDocument/2006/relationships" xmlns:p="http://schemas.openxmlformats.org/presentationml/2006/main" type="twoTxTwoObj" preserve="1">
   <p:cSld name="Comparison">
     <p:spTree>
       <p:nvGrpSpPr>
@@ -4134,7 +4134,7 @@
             <a:fld id="{0E0DC31B-692F-774E-A937-DA560DE61DA8}" type="datetime1">
               <a:rPr lang="en-US" smtClean="0"/>
               <a:pPr/>
-              <a:t>11/29/10</a:t>
+              <a:t>4/9/2011</a:t>
             </a:fld>
             <a:endParaRPr lang="en-US"/>
           </a:p>
@@ -4425,7 +4425,7 @@
 </file>
 
 <file path=ppt/slideLayouts/slideLayout7.xml><?xml version="1.0" encoding="utf-8"?>
-<p:sldLayout xmlns:a="http://schemas.openxmlformats.org/drawingml/2006/main" xmlns:r="http://schemas.openxmlformats.org/officeDocument/2006/relationships" xmlns:mc="http://schemas.openxmlformats.org/markup-compatibility/2006" xmlns:mv="urn:schemas-microsoft-com:mac:vml" xmlns:p="http://schemas.openxmlformats.org/presentationml/2006/main" mc:Ignorable="mv" mc:PreserveAttributes="mv:*" type="titleOnly" preserve="1">
+<p:sldLayout xmlns:a="http://schemas.openxmlformats.org/drawingml/2006/main" xmlns:r="http://schemas.openxmlformats.org/officeDocument/2006/relationships" xmlns:p="http://schemas.openxmlformats.org/presentationml/2006/main" type="titleOnly" preserve="1">
   <p:cSld name="Title Only">
     <p:spTree>
       <p:nvGrpSpPr>
@@ -4482,7 +4482,7 @@
             <a:fld id="{95DEFDAE-5BDC-1B4F-BC4C-23C867CEBC21}" type="datetime1">
               <a:rPr lang="en-US" smtClean="0"/>
               <a:pPr/>
-              <a:t>11/29/10</a:t>
+              <a:t>4/9/2011</a:t>
             </a:fld>
             <a:endParaRPr lang="en-US"/>
           </a:p>
@@ -4540,7 +4540,7 @@
 </file>
 
 <file path=ppt/slideLayouts/slideLayout8.xml><?xml version="1.0" encoding="utf-8"?>
-<p:sldLayout xmlns:a="http://schemas.openxmlformats.org/drawingml/2006/main" xmlns:r="http://schemas.openxmlformats.org/officeDocument/2006/relationships" xmlns:mc="http://schemas.openxmlformats.org/markup-compatibility/2006" xmlns:mv="urn:schemas-microsoft-com:mac:vml" xmlns:p="http://schemas.openxmlformats.org/presentationml/2006/main" mc:Ignorable="mv" mc:PreserveAttributes="mv:*" type="blank" preserve="1">
+<p:sldLayout xmlns:a="http://schemas.openxmlformats.org/drawingml/2006/main" xmlns:r="http://schemas.openxmlformats.org/officeDocument/2006/relationships" xmlns:p="http://schemas.openxmlformats.org/presentationml/2006/main" type="blank" preserve="1">
   <p:cSld name="Blank">
     <p:spTree>
       <p:nvGrpSpPr>
@@ -4574,7 +4574,7 @@
             <a:fld id="{9F53C516-787B-9A45-AFCF-5D75DD78DEBE}" type="datetime1">
               <a:rPr lang="en-US" smtClean="0"/>
               <a:pPr/>
-              <a:t>11/29/10</a:t>
+              <a:t>4/9/2011</a:t>
             </a:fld>
             <a:endParaRPr lang="en-US"/>
           </a:p>
@@ -4632,7 +4632,7 @@
 </file>
 
 <file path=ppt/slideLayouts/slideLayout9.xml><?xml version="1.0" encoding="utf-8"?>
-<p:sldLayout xmlns:a="http://schemas.openxmlformats.org/drawingml/2006/main" xmlns:r="http://schemas.openxmlformats.org/officeDocument/2006/relationships" xmlns:mc="http://schemas.openxmlformats.org/markup-compatibility/2006" xmlns:mv="urn:schemas-microsoft-com:mac:vml" xmlns:p="http://schemas.openxmlformats.org/presentationml/2006/main" mc:Ignorable="mv" mc:PreserveAttributes="mv:*" type="objTx" preserve="1">
+<p:sldLayout xmlns:a="http://schemas.openxmlformats.org/drawingml/2006/main" xmlns:r="http://schemas.openxmlformats.org/officeDocument/2006/relationships" xmlns:p="http://schemas.openxmlformats.org/presentationml/2006/main" type="objTx" preserve="1">
   <p:cSld name="Content with Caption">
     <p:spTree>
       <p:nvGrpSpPr>
@@ -4913,7 +4913,7 @@
             <a:fld id="{F19CAA94-9393-BB4A-8CB6-008B1351A132}" type="datetime1">
               <a:rPr lang="en-US" smtClean="0"/>
               <a:pPr/>
-              <a:t>11/29/10</a:t>
+              <a:t>4/9/2011</a:t>
             </a:fld>
             <a:endParaRPr lang="en-US"/>
           </a:p>
@@ -4971,7 +4971,7 @@
 </file>
 
 <file path=ppt/slideMasters/slideMaster1.xml><?xml version="1.0" encoding="utf-8"?>
-<p:sldMaster xmlns:a="http://schemas.openxmlformats.org/drawingml/2006/main" xmlns:r="http://schemas.openxmlformats.org/officeDocument/2006/relationships" xmlns:mc="http://schemas.openxmlformats.org/markup-compatibility/2006" xmlns:mv="urn:schemas-microsoft-com:mac:vml" xmlns:p="http://schemas.openxmlformats.org/presentationml/2006/main" mc:Ignorable="mv" mc:PreserveAttributes="mv:*">
+<p:sldMaster xmlns:a="http://schemas.openxmlformats.org/drawingml/2006/main" xmlns:r="http://schemas.openxmlformats.org/officeDocument/2006/relationships" xmlns:p="http://schemas.openxmlformats.org/presentationml/2006/main">
   <p:cSld>
     <p:bg>
       <p:bgRef idx="1001">
@@ -5127,7 +5127,7 @@
             <a:fld id="{A3476A5E-2ED6-7749-A8C1-D0B1EEEB97E0}" type="datetime1">
               <a:rPr lang="en-US" smtClean="0"/>
               <a:pPr/>
-              <a:t>11/29/10</a:t>
+              <a:t>4/9/2011</a:t>
             </a:fld>
             <a:endParaRPr lang="en-US"/>
           </a:p>
@@ -5621,7 +5621,7 @@
 </file>
 
 <file path=ppt/slides/slide1.xml><?xml version="1.0" encoding="utf-8"?>
-<p:sld xmlns:a="http://schemas.openxmlformats.org/drawingml/2006/main" xmlns:r="http://schemas.openxmlformats.org/officeDocument/2006/relationships" xmlns:mc="http://schemas.openxmlformats.org/markup-compatibility/2006" xmlns:mv="urn:schemas-microsoft-com:mac:vml" xmlns:p="http://schemas.openxmlformats.org/presentationml/2006/main" mc:Ignorable="mv" mc:PreserveAttributes="mv:*">
+<p:sld xmlns:a="http://schemas.openxmlformats.org/drawingml/2006/main" xmlns:r="http://schemas.openxmlformats.org/officeDocument/2006/relationships" xmlns:p="http://schemas.openxmlformats.org/presentationml/2006/main">
   <p:cSld>
     <p:spTree>
       <p:nvGrpSpPr>
@@ -5770,7 +5770,7 @@
 </file>
 
 <file path=ppt/slides/slide10.xml><?xml version="1.0" encoding="utf-8"?>
-<p:sld xmlns:a="http://schemas.openxmlformats.org/drawingml/2006/main" xmlns:r="http://schemas.openxmlformats.org/officeDocument/2006/relationships" xmlns:mc="http://schemas.openxmlformats.org/markup-compatibility/2006" xmlns:mv="urn:schemas-microsoft-com:mac:vml" xmlns:p="http://schemas.openxmlformats.org/presentationml/2006/main" mc:Ignorable="mv" mc:PreserveAttributes="mv:*">
+<p:sld xmlns:a="http://schemas.openxmlformats.org/drawingml/2006/main" xmlns:r="http://schemas.openxmlformats.org/officeDocument/2006/relationships" xmlns:p="http://schemas.openxmlformats.org/presentationml/2006/main">
   <p:cSld>
     <p:spTree>
       <p:nvGrpSpPr>
@@ -5819,8 +5819,8 @@
             <p:ph idx="1"/>
           </p:nvPr>
         </p:nvPicPr>
-        <mc:AlternateContent xmlns:ma="http://schemas.microsoft.com/office/mac/drawingml/2008/main">
-          <mc:Choice Requires="ma">
+        <mc:AlternateContent xmlns:mc="http://schemas.openxmlformats.org/markup-compatibility/2006">
+          <mc:Choice xmlns:ma="http://schemas.microsoft.com/office/mac/drawingml/2008/main" xmlns:mv="urn:schemas-microsoft-com:mac:vml" xmlns="" Requires="ma">
             <p:blipFill>
               <a:blip r:embed="rId2"/>
               <a:stretch>
@@ -5828,7 +5828,7 @@
               </a:stretch>
             </p:blipFill>
           </mc:Choice>
-          <mc:Fallback xmlns:mc="http://schemas.openxmlformats.org/markup-compatibility/2006" xmlns:p="http://schemas.openxmlformats.org/presentationml/2006/main" xmlns:r="http://schemas.openxmlformats.org/officeDocument/2006/relationships" xmlns:a="http://schemas.openxmlformats.org/drawingml/2006/main" xmlns="">
+          <mc:Fallback>
             <p:blipFill>
               <a:blip r:embed="rId3"/>
               <a:stretch>
@@ -5853,7 +5853,7 @@
 </file>
 
 <file path=ppt/slides/slide11.xml><?xml version="1.0" encoding="utf-8"?>
-<p:sld xmlns:a="http://schemas.openxmlformats.org/drawingml/2006/main" xmlns:r="http://schemas.openxmlformats.org/officeDocument/2006/relationships" xmlns:mc="http://schemas.openxmlformats.org/markup-compatibility/2006" xmlns:mv="urn:schemas-microsoft-com:mac:vml" xmlns:p="http://schemas.openxmlformats.org/presentationml/2006/main" mc:Ignorable="mv" mc:PreserveAttributes="mv:*">
+<p:sld xmlns:a="http://schemas.openxmlformats.org/drawingml/2006/main" xmlns:r="http://schemas.openxmlformats.org/officeDocument/2006/relationships" xmlns:p="http://schemas.openxmlformats.org/presentationml/2006/main">
   <p:cSld>
     <p:spTree>
       <p:nvGrpSpPr>
@@ -5917,7 +5917,7 @@
     </p:spTree>
     <p:extLst>
       <p:ext uri="{BB962C8B-B14F-4D97-AF65-F5344CB8AC3E}">
-        <p14:creationId xmlns:p14="http://schemas.microsoft.com/office/powerpoint/2010/main" xmlns:p="http://schemas.openxmlformats.org/presentationml/2006/main" xmlns:r="http://schemas.openxmlformats.org/officeDocument/2006/relationships" xmlns:a="http://schemas.openxmlformats.org/drawingml/2006/main" xmlns="" val="738217468"/>
+        <p14:creationId xmlns:p14="http://schemas.microsoft.com/office/powerpoint/2010/main" val="738217468"/>
       </p:ext>
     </p:extLst>
   </p:cSld>
@@ -5928,7 +5928,7 @@
 </file>
 
 <file path=ppt/slides/slide12.xml><?xml version="1.0" encoding="utf-8"?>
-<p:sld xmlns:a="http://schemas.openxmlformats.org/drawingml/2006/main" xmlns:r="http://schemas.openxmlformats.org/officeDocument/2006/relationships" xmlns:mc="http://schemas.openxmlformats.org/markup-compatibility/2006" xmlns:mv="urn:schemas-microsoft-com:mac:vml" xmlns:p="http://schemas.openxmlformats.org/presentationml/2006/main" mc:Ignorable="mv" mc:PreserveAttributes="mv:*">
+<p:sld xmlns:a="http://schemas.openxmlformats.org/drawingml/2006/main" xmlns:r="http://schemas.openxmlformats.org/officeDocument/2006/relationships" xmlns:p="http://schemas.openxmlformats.org/presentationml/2006/main">
   <p:cSld>
     <p:spTree>
       <p:nvGrpSpPr>
@@ -5977,8 +5977,8 @@
             <p:ph idx="1"/>
           </p:nvPr>
         </p:nvPicPr>
-        <mc:AlternateContent xmlns:ma="http://schemas.microsoft.com/office/mac/drawingml/2008/main">
-          <mc:Choice Requires="ma">
+        <mc:AlternateContent xmlns:mc="http://schemas.openxmlformats.org/markup-compatibility/2006">
+          <mc:Choice xmlns:ma="http://schemas.microsoft.com/office/mac/drawingml/2008/main" xmlns:mv="urn:schemas-microsoft-com:mac:vml" xmlns="" Requires="ma">
             <p:blipFill>
               <a:blip r:embed="rId2"/>
               <a:stretch>
@@ -5986,7 +5986,7 @@
               </a:stretch>
             </p:blipFill>
           </mc:Choice>
-          <mc:Fallback xmlns:mc="http://schemas.openxmlformats.org/markup-compatibility/2006" xmlns:p="http://schemas.openxmlformats.org/presentationml/2006/main" xmlns:r="http://schemas.openxmlformats.org/officeDocument/2006/relationships" xmlns:a="http://schemas.openxmlformats.org/drawingml/2006/main" xmlns="">
+          <mc:Fallback>
             <p:blipFill>
               <a:blip r:embed="rId3"/>
               <a:stretch>
@@ -6011,7 +6011,7 @@
 </file>
 
 <file path=ppt/slides/slide13.xml><?xml version="1.0" encoding="utf-8"?>
-<p:sld xmlns:a="http://schemas.openxmlformats.org/drawingml/2006/main" xmlns:r="http://schemas.openxmlformats.org/officeDocument/2006/relationships" xmlns:mc="http://schemas.openxmlformats.org/markup-compatibility/2006" xmlns:mv="urn:schemas-microsoft-com:mac:vml" xmlns:p="http://schemas.openxmlformats.org/presentationml/2006/main" mc:Ignorable="mv" mc:PreserveAttributes="mv:*">
+<p:sld xmlns:a="http://schemas.openxmlformats.org/drawingml/2006/main" xmlns:r="http://schemas.openxmlformats.org/officeDocument/2006/relationships" xmlns:p="http://schemas.openxmlformats.org/presentationml/2006/main">
   <p:cSld>
     <p:spTree>
       <p:nvGrpSpPr>
@@ -6082,7 +6082,7 @@
 </file>
 
 <file path=ppt/slides/slide14.xml><?xml version="1.0" encoding="utf-8"?>
-<p:sld xmlns:a="http://schemas.openxmlformats.org/drawingml/2006/main" xmlns:r="http://schemas.openxmlformats.org/officeDocument/2006/relationships" xmlns:mc="http://schemas.openxmlformats.org/markup-compatibility/2006" xmlns:mv="urn:schemas-microsoft-com:mac:vml" xmlns:p="http://schemas.openxmlformats.org/presentationml/2006/main" mc:Ignorable="mv" mc:PreserveAttributes="mv:*">
+<p:sld xmlns:a="http://schemas.openxmlformats.org/drawingml/2006/main" xmlns:r="http://schemas.openxmlformats.org/officeDocument/2006/relationships" xmlns:p="http://schemas.openxmlformats.org/presentationml/2006/main">
   <p:cSld>
     <p:spTree>
       <p:nvGrpSpPr>
@@ -6225,7 +6225,7 @@
     </p:spTree>
     <p:extLst>
       <p:ext uri="{BB962C8B-B14F-4D97-AF65-F5344CB8AC3E}">
-        <p14:creationId xmlns:p14="http://schemas.microsoft.com/office/powerpoint/2010/main" xmlns:p="http://schemas.openxmlformats.org/presentationml/2006/main" xmlns:r="http://schemas.openxmlformats.org/officeDocument/2006/relationships" xmlns:a="http://schemas.openxmlformats.org/drawingml/2006/main" xmlns="" val="2862049404"/>
+        <p14:creationId xmlns:p14="http://schemas.microsoft.com/office/powerpoint/2010/main" val="2862049404"/>
       </p:ext>
     </p:extLst>
   </p:cSld>
@@ -6236,7 +6236,7 @@
 </file>
 
 <file path=ppt/slides/slide15.xml><?xml version="1.0" encoding="utf-8"?>
-<p:sld xmlns:a="http://schemas.openxmlformats.org/drawingml/2006/main" xmlns:r="http://schemas.openxmlformats.org/officeDocument/2006/relationships" xmlns:mc="http://schemas.openxmlformats.org/markup-compatibility/2006" xmlns:mv="urn:schemas-microsoft-com:mac:vml" xmlns:p="http://schemas.openxmlformats.org/presentationml/2006/main" mc:Ignorable="mv" mc:PreserveAttributes="mv:*">
+<p:sld xmlns:a="http://schemas.openxmlformats.org/drawingml/2006/main" xmlns:r="http://schemas.openxmlformats.org/officeDocument/2006/relationships" xmlns:p="http://schemas.openxmlformats.org/presentationml/2006/main">
   <p:cSld>
     <p:spTree>
       <p:nvGrpSpPr>
@@ -6707,7 +6707,7 @@
 </file>
 
 <file path=ppt/slides/slide16.xml><?xml version="1.0" encoding="utf-8"?>
-<p:sld xmlns:a="http://schemas.openxmlformats.org/drawingml/2006/main" xmlns:r="http://schemas.openxmlformats.org/officeDocument/2006/relationships" xmlns:mc="http://schemas.openxmlformats.org/markup-compatibility/2006" xmlns:mv="urn:schemas-microsoft-com:mac:vml" xmlns:p="http://schemas.openxmlformats.org/presentationml/2006/main" mc:Ignorable="mv" mc:PreserveAttributes="mv:*">
+<p:sld xmlns:a="http://schemas.openxmlformats.org/drawingml/2006/main" xmlns:r="http://schemas.openxmlformats.org/officeDocument/2006/relationships" xmlns:p="http://schemas.openxmlformats.org/presentationml/2006/main">
   <p:cSld>
     <p:spTree>
       <p:nvGrpSpPr>
@@ -6760,7 +6760,7 @@
           <a:blip r:embed="rId2">
             <a:extLst>
               <a:ext uri="{28A0092B-C50C-407E-A947-70E740481C1C}">
-                <a14:useLocalDpi xmlns:a14="http://schemas.microsoft.com/office/drawing/2010/main" xmlns:p="http://schemas.openxmlformats.org/presentationml/2006/main" xmlns:r="http://schemas.openxmlformats.org/officeDocument/2006/relationships" xmlns:a="http://schemas.openxmlformats.org/drawingml/2006/main" xmlns="" val="0"/>
+                <a14:useLocalDpi xmlns:a14="http://schemas.microsoft.com/office/drawing/2010/main" val="0"/>
               </a:ext>
             </a:extLst>
           </a:blip>
@@ -6778,7 +6778,7 @@
     </p:spTree>
     <p:extLst>
       <p:ext uri="{BB962C8B-B14F-4D97-AF65-F5344CB8AC3E}">
-        <p14:creationId xmlns:p14="http://schemas.microsoft.com/office/powerpoint/2010/main" xmlns:p="http://schemas.openxmlformats.org/presentationml/2006/main" xmlns:r="http://schemas.openxmlformats.org/officeDocument/2006/relationships" xmlns:a="http://schemas.openxmlformats.org/drawingml/2006/main" xmlns="" val="3604452974"/>
+        <p14:creationId xmlns:p14="http://schemas.microsoft.com/office/powerpoint/2010/main" val="3604452974"/>
       </p:ext>
     </p:extLst>
   </p:cSld>
@@ -6796,7 +6796,7 @@
 </file>
 
 <file path=ppt/slides/slide17.xml><?xml version="1.0" encoding="utf-8"?>
-<p:sld xmlns:a="http://schemas.openxmlformats.org/drawingml/2006/main" xmlns:r="http://schemas.openxmlformats.org/officeDocument/2006/relationships" xmlns:mc="http://schemas.openxmlformats.org/markup-compatibility/2006" xmlns:mv="urn:schemas-microsoft-com:mac:vml" xmlns:p="http://schemas.openxmlformats.org/presentationml/2006/main" mc:Ignorable="mv" mc:PreserveAttributes="mv:*">
+<p:sld xmlns:a="http://schemas.openxmlformats.org/drawingml/2006/main" xmlns:r="http://schemas.openxmlformats.org/officeDocument/2006/relationships" xmlns:p="http://schemas.openxmlformats.org/presentationml/2006/main">
   <p:cSld>
     <p:spTree>
       <p:nvGrpSpPr>
@@ -7157,7 +7157,7 @@
     </p:spTree>
     <p:extLst>
       <p:ext uri="{BB962C8B-B14F-4D97-AF65-F5344CB8AC3E}">
-        <p14:creationId xmlns:p14="http://schemas.microsoft.com/office/powerpoint/2010/main" xmlns:p="http://schemas.openxmlformats.org/presentationml/2006/main" xmlns:r="http://schemas.openxmlformats.org/officeDocument/2006/relationships" xmlns:a="http://schemas.openxmlformats.org/drawingml/2006/main" xmlns="" val="249318202"/>
+        <p14:creationId xmlns:p14="http://schemas.microsoft.com/office/powerpoint/2010/main" val="249318202"/>
       </p:ext>
     </p:extLst>
   </p:cSld>
@@ -7175,7 +7175,7 @@
 </file>
 
 <file path=ppt/slides/slide18.xml><?xml version="1.0" encoding="utf-8"?>
-<p:sld xmlns:a="http://schemas.openxmlformats.org/drawingml/2006/main" xmlns:r="http://schemas.openxmlformats.org/officeDocument/2006/relationships" xmlns:mc="http://schemas.openxmlformats.org/markup-compatibility/2006" xmlns:mv="urn:schemas-microsoft-com:mac:vml" xmlns:p="http://schemas.openxmlformats.org/presentationml/2006/main" mc:Ignorable="mv" mc:PreserveAttributes="mv:*">
+<p:sld xmlns:a="http://schemas.openxmlformats.org/drawingml/2006/main" xmlns:r="http://schemas.openxmlformats.org/officeDocument/2006/relationships" xmlns:p="http://schemas.openxmlformats.org/presentationml/2006/main">
   <p:cSld>
     <p:spTree>
       <p:nvGrpSpPr>
@@ -7609,7 +7609,7 @@
     </p:spTree>
     <p:extLst>
       <p:ext uri="{BB962C8B-B14F-4D97-AF65-F5344CB8AC3E}">
-        <p14:creationId xmlns:p14="http://schemas.microsoft.com/office/powerpoint/2010/main" xmlns:p="http://schemas.openxmlformats.org/presentationml/2006/main" xmlns:r="http://schemas.openxmlformats.org/officeDocument/2006/relationships" xmlns:a="http://schemas.openxmlformats.org/drawingml/2006/main" xmlns="" val="2506735757"/>
+        <p14:creationId xmlns:p14="http://schemas.microsoft.com/office/powerpoint/2010/main" val="2506735757"/>
       </p:ext>
     </p:extLst>
   </p:cSld>
@@ -7627,7 +7627,7 @@
 </file>
 
 <file path=ppt/slides/slide19.xml><?xml version="1.0" encoding="utf-8"?>
-<p:sld xmlns:a="http://schemas.openxmlformats.org/drawingml/2006/main" xmlns:r="http://schemas.openxmlformats.org/officeDocument/2006/relationships" xmlns:mc="http://schemas.openxmlformats.org/markup-compatibility/2006" xmlns:mv="urn:schemas-microsoft-com:mac:vml" xmlns:p="http://schemas.openxmlformats.org/presentationml/2006/main" mc:Ignorable="mv" mc:PreserveAttributes="mv:*">
+<p:sld xmlns:a="http://schemas.openxmlformats.org/drawingml/2006/main" xmlns:r="http://schemas.openxmlformats.org/officeDocument/2006/relationships" xmlns:p="http://schemas.openxmlformats.org/presentationml/2006/main">
   <p:cSld>
     <p:spTree>
       <p:nvGrpSpPr>
@@ -8116,7 +8116,7 @@
     </p:spTree>
     <p:extLst>
       <p:ext uri="{BB962C8B-B14F-4D97-AF65-F5344CB8AC3E}">
-        <p14:creationId xmlns:p14="http://schemas.microsoft.com/office/powerpoint/2010/main" xmlns:p="http://schemas.openxmlformats.org/presentationml/2006/main" xmlns:r="http://schemas.openxmlformats.org/officeDocument/2006/relationships" xmlns:a="http://schemas.openxmlformats.org/drawingml/2006/main" xmlns="" val="3921534399"/>
+        <p14:creationId xmlns:p14="http://schemas.microsoft.com/office/powerpoint/2010/main" val="3921534399"/>
       </p:ext>
     </p:extLst>
   </p:cSld>
@@ -8127,7 +8127,7 @@
 </file>
 
 <file path=ppt/slides/slide2.xml><?xml version="1.0" encoding="utf-8"?>
-<p:sld xmlns:a="http://schemas.openxmlformats.org/drawingml/2006/main" xmlns:r="http://schemas.openxmlformats.org/officeDocument/2006/relationships" xmlns:mc="http://schemas.openxmlformats.org/markup-compatibility/2006" xmlns:mv="urn:schemas-microsoft-com:mac:vml" xmlns:p="http://schemas.openxmlformats.org/presentationml/2006/main" mc:Ignorable="mv" mc:PreserveAttributes="mv:*">
+<p:sld xmlns:a="http://schemas.openxmlformats.org/drawingml/2006/main" xmlns:r="http://schemas.openxmlformats.org/officeDocument/2006/relationships" xmlns:p="http://schemas.openxmlformats.org/presentationml/2006/main">
   <p:cSld>
     <p:spTree>
       <p:nvGrpSpPr>
@@ -8188,7 +8188,7 @@
           <a:p>
             <a:r>
               <a:rPr lang="en-US" dirty="0" smtClean="0"/>
-              <a:t>API structure and scope</a:t>
+              <a:t>SAGA Standardization</a:t>
             </a:r>
           </a:p>
           <a:p>
@@ -8197,9 +8197,85 @@
               <a:t>API </a:t>
             </a:r>
             <a:r>
+              <a:rPr lang="en-US" dirty="0"/>
+              <a:t>S</a:t>
+            </a:r>
+            <a:r>
               <a:rPr lang="en-US" dirty="0" smtClean="0"/>
-              <a:t>walkthrough</a:t>
-            </a:r>
+              <a:t>tructure </a:t>
+            </a:r>
+            <a:r>
+              <a:rPr lang="en-US" dirty="0" smtClean="0"/>
+              <a:t>and </a:t>
+            </a:r>
+            <a:r>
+              <a:rPr lang="en-US" dirty="0" smtClean="0"/>
+              <a:t>Scope</a:t>
+            </a:r>
+            <a:endParaRPr lang="en-US" dirty="0" smtClean="0"/>
+          </a:p>
+          <a:p>
+            <a:r>
+              <a:rPr lang="en-US" dirty="0" smtClean="0"/>
+              <a:t>API </a:t>
+            </a:r>
+            <a:r>
+              <a:rPr lang="en-US" dirty="0"/>
+              <a:t>W</a:t>
+            </a:r>
+            <a:r>
+              <a:rPr lang="en-US" dirty="0" smtClean="0"/>
+              <a:t>alkthrough</a:t>
+            </a:r>
+          </a:p>
+          <a:p>
+            <a:r>
+              <a:rPr lang="en-US" dirty="0" smtClean="0"/>
+              <a:t>SAGA </a:t>
+            </a:r>
+            <a:r>
+              <a:rPr lang="en-US" dirty="0" err="1" smtClean="0"/>
+              <a:t>SoftwareComponents</a:t>
+            </a:r>
+            <a:endParaRPr lang="en-US" dirty="0" smtClean="0"/>
+          </a:p>
+          <a:p>
+            <a:pPr lvl="1"/>
+            <a:r>
+              <a:rPr lang="en-US" dirty="0" smtClean="0"/>
+              <a:t>C++ API bindings</a:t>
+            </a:r>
+          </a:p>
+          <a:p>
+            <a:pPr lvl="1"/>
+            <a:r>
+              <a:rPr lang="en-US" dirty="0" smtClean="0"/>
+              <a:t>Python API bindings</a:t>
+            </a:r>
+          </a:p>
+          <a:p>
+            <a:pPr lvl="1"/>
+            <a:r>
+              <a:rPr lang="en-US" dirty="0" smtClean="0"/>
+              <a:t>[ Java API bindings ]</a:t>
+            </a:r>
+          </a:p>
+          <a:p>
+            <a:pPr lvl="1"/>
+            <a:r>
+              <a:rPr lang="en-US" dirty="0" smtClean="0"/>
+              <a:t>Adaptors (backend bindings)</a:t>
+            </a:r>
+          </a:p>
+          <a:p>
+            <a:pPr lvl="1"/>
+            <a:r>
+              <a:rPr lang="en-US" dirty="0" smtClean="0"/>
+              <a:t>Command Line Tools</a:t>
+            </a:r>
+          </a:p>
+          <a:p>
+            <a:pPr lvl="1"/>
             <a:endParaRPr lang="en-US" dirty="0" smtClean="0"/>
           </a:p>
         </p:txBody>
@@ -8220,7 +8296,7 @@
 </file>
 
 <file path=ppt/slides/slide20.xml><?xml version="1.0" encoding="utf-8"?>
-<p:sld xmlns:a="http://schemas.openxmlformats.org/drawingml/2006/main" xmlns:r="http://schemas.openxmlformats.org/officeDocument/2006/relationships" xmlns:mc="http://schemas.openxmlformats.org/markup-compatibility/2006" xmlns:mv="urn:schemas-microsoft-com:mac:vml" xmlns:p="http://schemas.openxmlformats.org/presentationml/2006/main" mc:Ignorable="mv" mc:PreserveAttributes="mv:*">
+<p:sld xmlns:a="http://schemas.openxmlformats.org/drawingml/2006/main" xmlns:r="http://schemas.openxmlformats.org/officeDocument/2006/relationships" xmlns:p="http://schemas.openxmlformats.org/presentationml/2006/main">
   <p:cSld>
     <p:bg>
       <p:bgRef idx="1001">
@@ -8419,7 +8495,7 @@
     </p:spTree>
     <p:extLst>
       <p:ext uri="{BB962C8B-B14F-4D97-AF65-F5344CB8AC3E}">
-        <p14:creationId xmlns:p14="http://schemas.microsoft.com/office/powerpoint/2010/main" xmlns:p="http://schemas.openxmlformats.org/presentationml/2006/main" xmlns:r="http://schemas.openxmlformats.org/officeDocument/2006/relationships" xmlns:a="http://schemas.openxmlformats.org/drawingml/2006/main" xmlns="" val="1279084256"/>
+        <p14:creationId xmlns:p14="http://schemas.microsoft.com/office/powerpoint/2010/main" val="1279084256"/>
       </p:ext>
     </p:extLst>
   </p:cSld>
@@ -8430,7 +8506,7 @@
 </file>
 
 <file path=ppt/slides/slide21.xml><?xml version="1.0" encoding="utf-8"?>
-<p:sld xmlns:a="http://schemas.openxmlformats.org/drawingml/2006/main" xmlns:r="http://schemas.openxmlformats.org/officeDocument/2006/relationships" xmlns:mc="http://schemas.openxmlformats.org/markup-compatibility/2006" xmlns:mv="urn:schemas-microsoft-com:mac:vml" xmlns:p="http://schemas.openxmlformats.org/presentationml/2006/main" mc:Ignorable="mv" mc:PreserveAttributes="mv:*">
+<p:sld xmlns:a="http://schemas.openxmlformats.org/drawingml/2006/main" xmlns:r="http://schemas.openxmlformats.org/officeDocument/2006/relationships" xmlns:p="http://schemas.openxmlformats.org/presentationml/2006/main">
   <p:cSld>
     <p:spTree>
       <p:nvGrpSpPr>
@@ -8831,7 +8907,7 @@
     </p:spTree>
     <p:extLst>
       <p:ext uri="{BB962C8B-B14F-4D97-AF65-F5344CB8AC3E}">
-        <p14:creationId xmlns:p14="http://schemas.microsoft.com/office/powerpoint/2010/main" xmlns:p="http://schemas.openxmlformats.org/presentationml/2006/main" xmlns:r="http://schemas.openxmlformats.org/officeDocument/2006/relationships" xmlns:a="http://schemas.openxmlformats.org/drawingml/2006/main" xmlns="" val="393658979"/>
+        <p14:creationId xmlns:p14="http://schemas.microsoft.com/office/powerpoint/2010/main" val="393658979"/>
       </p:ext>
     </p:extLst>
   </p:cSld>
@@ -8842,7 +8918,7 @@
 </file>
 
 <file path=ppt/slides/slide22.xml><?xml version="1.0" encoding="utf-8"?>
-<p:sld xmlns:a="http://schemas.openxmlformats.org/drawingml/2006/main" xmlns:r="http://schemas.openxmlformats.org/officeDocument/2006/relationships" xmlns:mc="http://schemas.openxmlformats.org/markup-compatibility/2006" xmlns:mv="urn:schemas-microsoft-com:mac:vml" xmlns:p="http://schemas.openxmlformats.org/presentationml/2006/main" mc:Ignorable="mv" mc:PreserveAttributes="mv:*">
+<p:sld xmlns:a="http://schemas.openxmlformats.org/drawingml/2006/main" xmlns:r="http://schemas.openxmlformats.org/officeDocument/2006/relationships" xmlns:p="http://schemas.openxmlformats.org/presentationml/2006/main">
   <p:cSld>
     <p:spTree>
       <p:nvGrpSpPr>
@@ -8986,7 +9062,7 @@
     </p:spTree>
     <p:extLst>
       <p:ext uri="{BB962C8B-B14F-4D97-AF65-F5344CB8AC3E}">
-        <p14:creationId xmlns:p14="http://schemas.microsoft.com/office/powerpoint/2010/main" xmlns:p="http://schemas.openxmlformats.org/presentationml/2006/main" xmlns:r="http://schemas.openxmlformats.org/officeDocument/2006/relationships" xmlns:a="http://schemas.openxmlformats.org/drawingml/2006/main" xmlns="" val="2936737826"/>
+        <p14:creationId xmlns:p14="http://schemas.microsoft.com/office/powerpoint/2010/main" val="2936737826"/>
       </p:ext>
     </p:extLst>
   </p:cSld>
@@ -8997,7 +9073,7 @@
 </file>
 
 <file path=ppt/slides/slide23.xml><?xml version="1.0" encoding="utf-8"?>
-<p:sld xmlns:a="http://schemas.openxmlformats.org/drawingml/2006/main" xmlns:r="http://schemas.openxmlformats.org/officeDocument/2006/relationships" xmlns:mc="http://schemas.openxmlformats.org/markup-compatibility/2006" xmlns:mv="urn:schemas-microsoft-com:mac:vml" xmlns:p="http://schemas.openxmlformats.org/presentationml/2006/main" mc:Ignorable="mv" mc:PreserveAttributes="mv:*">
+<p:sld xmlns:a="http://schemas.openxmlformats.org/drawingml/2006/main" xmlns:r="http://schemas.openxmlformats.org/officeDocument/2006/relationships" xmlns:p="http://schemas.openxmlformats.org/presentationml/2006/main">
   <p:cSld>
     <p:spTree>
       <p:nvGrpSpPr>
@@ -9143,7 +9219,7 @@
     </p:spTree>
     <p:extLst>
       <p:ext uri="{BB962C8B-B14F-4D97-AF65-F5344CB8AC3E}">
-        <p14:creationId xmlns:p14="http://schemas.microsoft.com/office/powerpoint/2010/main" xmlns:p="http://schemas.openxmlformats.org/presentationml/2006/main" xmlns:r="http://schemas.openxmlformats.org/officeDocument/2006/relationships" xmlns:a="http://schemas.openxmlformats.org/drawingml/2006/main" xmlns="" val="3657352639"/>
+        <p14:creationId xmlns:p14="http://schemas.microsoft.com/office/powerpoint/2010/main" val="3657352639"/>
       </p:ext>
     </p:extLst>
   </p:cSld>
@@ -9154,7 +9230,7 @@
 </file>
 
 <file path=ppt/slides/slide24.xml><?xml version="1.0" encoding="utf-8"?>
-<p:sld xmlns:a="http://schemas.openxmlformats.org/drawingml/2006/main" xmlns:r="http://schemas.openxmlformats.org/officeDocument/2006/relationships" xmlns:mc="http://schemas.openxmlformats.org/markup-compatibility/2006" xmlns:mv="urn:schemas-microsoft-com:mac:vml" xmlns:p="http://schemas.openxmlformats.org/presentationml/2006/main" mc:Ignorable="mv" mc:PreserveAttributes="mv:*">
+<p:sld xmlns:a="http://schemas.openxmlformats.org/drawingml/2006/main" xmlns:r="http://schemas.openxmlformats.org/officeDocument/2006/relationships" xmlns:p="http://schemas.openxmlformats.org/presentationml/2006/main">
   <p:cSld>
     <p:spTree>
       <p:nvGrpSpPr>
@@ -9761,7 +9837,7 @@
     </p:spTree>
     <p:extLst>
       <p:ext uri="{BB962C8B-B14F-4D97-AF65-F5344CB8AC3E}">
-        <p14:creationId xmlns:p14="http://schemas.microsoft.com/office/powerpoint/2010/main" xmlns:p="http://schemas.openxmlformats.org/presentationml/2006/main" xmlns:r="http://schemas.openxmlformats.org/officeDocument/2006/relationships" xmlns:a="http://schemas.openxmlformats.org/drawingml/2006/main" xmlns="" val="1668556561"/>
+        <p14:creationId xmlns:p14="http://schemas.microsoft.com/office/powerpoint/2010/main" val="1668556561"/>
       </p:ext>
     </p:extLst>
   </p:cSld>
@@ -9772,7 +9848,7 @@
 </file>
 
 <file path=ppt/slides/slide25.xml><?xml version="1.0" encoding="utf-8"?>
-<p:sld xmlns:a="http://schemas.openxmlformats.org/drawingml/2006/main" xmlns:r="http://schemas.openxmlformats.org/officeDocument/2006/relationships" xmlns:mc="http://schemas.openxmlformats.org/markup-compatibility/2006" xmlns:mv="urn:schemas-microsoft-com:mac:vml" xmlns:p="http://schemas.openxmlformats.org/presentationml/2006/main" mc:Ignorable="mv" mc:PreserveAttributes="mv:*">
+<p:sld xmlns:a="http://schemas.openxmlformats.org/drawingml/2006/main" xmlns:r="http://schemas.openxmlformats.org/officeDocument/2006/relationships" xmlns:p="http://schemas.openxmlformats.org/presentationml/2006/main">
   <p:cSld>
     <p:spTree>
       <p:nvGrpSpPr>
@@ -10056,7 +10132,7 @@
     </p:spTree>
     <p:extLst>
       <p:ext uri="{BB962C8B-B14F-4D97-AF65-F5344CB8AC3E}">
-        <p14:creationId xmlns:p14="http://schemas.microsoft.com/office/powerpoint/2010/main" xmlns:p="http://schemas.openxmlformats.org/presentationml/2006/main" xmlns:r="http://schemas.openxmlformats.org/officeDocument/2006/relationships" xmlns:a="http://schemas.openxmlformats.org/drawingml/2006/main" xmlns="" val="3427845436"/>
+        <p14:creationId xmlns:p14="http://schemas.microsoft.com/office/powerpoint/2010/main" val="3427845436"/>
       </p:ext>
     </p:extLst>
   </p:cSld>
@@ -10067,7 +10143,7 @@
 </file>
 
 <file path=ppt/slides/slide26.xml><?xml version="1.0" encoding="utf-8"?>
-<p:sld xmlns:a="http://schemas.openxmlformats.org/drawingml/2006/main" xmlns:r="http://schemas.openxmlformats.org/officeDocument/2006/relationships" xmlns:mc="http://schemas.openxmlformats.org/markup-compatibility/2006" xmlns:mv="urn:schemas-microsoft-com:mac:vml" xmlns:p="http://schemas.openxmlformats.org/presentationml/2006/main" mc:Ignorable="mv" mc:PreserveAttributes="mv:*">
+<p:sld xmlns:a="http://schemas.openxmlformats.org/drawingml/2006/main" xmlns:r="http://schemas.openxmlformats.org/officeDocument/2006/relationships" xmlns:p="http://schemas.openxmlformats.org/presentationml/2006/main">
   <p:cSld>
     <p:spTree>
       <p:nvGrpSpPr>
@@ -10252,7 +10328,7 @@
     </p:spTree>
     <p:extLst>
       <p:ext uri="{BB962C8B-B14F-4D97-AF65-F5344CB8AC3E}">
-        <p14:creationId xmlns:p14="http://schemas.microsoft.com/office/powerpoint/2010/main" xmlns:p="http://schemas.openxmlformats.org/presentationml/2006/main" xmlns:r="http://schemas.openxmlformats.org/officeDocument/2006/relationships" xmlns:a="http://schemas.openxmlformats.org/drawingml/2006/main" xmlns="" val="3493384740"/>
+        <p14:creationId xmlns:p14="http://schemas.microsoft.com/office/powerpoint/2010/main" val="3493384740"/>
       </p:ext>
     </p:extLst>
   </p:cSld>
@@ -10263,7 +10339,7 @@
 </file>
 
 <file path=ppt/slides/slide27.xml><?xml version="1.0" encoding="utf-8"?>
-<p:sld xmlns:a="http://schemas.openxmlformats.org/drawingml/2006/main" xmlns:r="http://schemas.openxmlformats.org/officeDocument/2006/relationships" xmlns:mc="http://schemas.openxmlformats.org/markup-compatibility/2006" xmlns:mv="urn:schemas-microsoft-com:mac:vml" xmlns:p="http://schemas.openxmlformats.org/presentationml/2006/main" mc:Ignorable="mv" mc:PreserveAttributes="mv:*">
+<p:sld xmlns:a="http://schemas.openxmlformats.org/drawingml/2006/main" xmlns:r="http://schemas.openxmlformats.org/officeDocument/2006/relationships" xmlns:p="http://schemas.openxmlformats.org/presentationml/2006/main">
   <p:cSld>
     <p:spTree>
       <p:nvGrpSpPr>
@@ -10882,7 +10958,7 @@
     </p:spTree>
     <p:extLst>
       <p:ext uri="{BB962C8B-B14F-4D97-AF65-F5344CB8AC3E}">
-        <p14:creationId xmlns:p14="http://schemas.microsoft.com/office/powerpoint/2010/main" xmlns:p="http://schemas.openxmlformats.org/presentationml/2006/main" xmlns:r="http://schemas.openxmlformats.org/officeDocument/2006/relationships" xmlns:a="http://schemas.openxmlformats.org/drawingml/2006/main" xmlns="" val="3124065083"/>
+        <p14:creationId xmlns:p14="http://schemas.microsoft.com/office/powerpoint/2010/main" val="3124065083"/>
       </p:ext>
     </p:extLst>
   </p:cSld>
@@ -10893,7 +10969,7 @@
 </file>
 
 <file path=ppt/slides/slide28.xml><?xml version="1.0" encoding="utf-8"?>
-<p:sld xmlns:a="http://schemas.openxmlformats.org/drawingml/2006/main" xmlns:r="http://schemas.openxmlformats.org/officeDocument/2006/relationships" xmlns:mc="http://schemas.openxmlformats.org/markup-compatibility/2006" xmlns:mv="urn:schemas-microsoft-com:mac:vml" xmlns:p="http://schemas.openxmlformats.org/presentationml/2006/main" mc:Ignorable="mv" mc:PreserveAttributes="mv:*">
+<p:sld xmlns:a="http://schemas.openxmlformats.org/drawingml/2006/main" xmlns:r="http://schemas.openxmlformats.org/officeDocument/2006/relationships" xmlns:p="http://schemas.openxmlformats.org/presentationml/2006/main">
   <p:cSld>
     <p:spTree>
       <p:nvGrpSpPr>
@@ -11054,7 +11130,7 @@
     </p:spTree>
     <p:extLst>
       <p:ext uri="{BB962C8B-B14F-4D97-AF65-F5344CB8AC3E}">
-        <p14:creationId xmlns:p14="http://schemas.microsoft.com/office/powerpoint/2010/main" xmlns:p="http://schemas.openxmlformats.org/presentationml/2006/main" xmlns:r="http://schemas.openxmlformats.org/officeDocument/2006/relationships" xmlns:a="http://schemas.openxmlformats.org/drawingml/2006/main" xmlns="" val="3394878304"/>
+        <p14:creationId xmlns:p14="http://schemas.microsoft.com/office/powerpoint/2010/main" val="3394878304"/>
       </p:ext>
     </p:extLst>
   </p:cSld>
@@ -11065,7 +11141,7 @@
 </file>
 
 <file path=ppt/slides/slide29.xml><?xml version="1.0" encoding="utf-8"?>
-<p:sld xmlns:a="http://schemas.openxmlformats.org/drawingml/2006/main" xmlns:r="http://schemas.openxmlformats.org/officeDocument/2006/relationships" xmlns:mc="http://schemas.openxmlformats.org/markup-compatibility/2006" xmlns:mv="urn:schemas-microsoft-com:mac:vml" xmlns:p="http://schemas.openxmlformats.org/presentationml/2006/main" mc:Ignorable="mv" mc:PreserveAttributes="mv:*">
+<p:sld xmlns:a="http://schemas.openxmlformats.org/drawingml/2006/main" xmlns:r="http://schemas.openxmlformats.org/officeDocument/2006/relationships" xmlns:p="http://schemas.openxmlformats.org/presentationml/2006/main">
   <p:cSld>
     <p:spTree>
       <p:nvGrpSpPr>
@@ -11498,7 +11574,7 @@
     </p:spTree>
     <p:extLst>
       <p:ext uri="{BB962C8B-B14F-4D97-AF65-F5344CB8AC3E}">
-        <p14:creationId xmlns:p14="http://schemas.microsoft.com/office/powerpoint/2010/main" xmlns:p="http://schemas.openxmlformats.org/presentationml/2006/main" xmlns:r="http://schemas.openxmlformats.org/officeDocument/2006/relationships" xmlns:a="http://schemas.openxmlformats.org/drawingml/2006/main" xmlns="" val="3419220388"/>
+        <p14:creationId xmlns:p14="http://schemas.microsoft.com/office/powerpoint/2010/main" val="3419220388"/>
       </p:ext>
     </p:extLst>
   </p:cSld>
@@ -11509,7 +11585,7 @@
 </file>
 
 <file path=ppt/slides/slide3.xml><?xml version="1.0" encoding="utf-8"?>
-<p:sld xmlns:a="http://schemas.openxmlformats.org/drawingml/2006/main" xmlns:r="http://schemas.openxmlformats.org/officeDocument/2006/relationships" xmlns:mc="http://schemas.openxmlformats.org/markup-compatibility/2006" xmlns:mv="urn:schemas-microsoft-com:mac:vml" xmlns:p="http://schemas.openxmlformats.org/presentationml/2006/main" mc:Ignorable="mv" mc:PreserveAttributes="mv:*">
+<p:sld xmlns:a="http://schemas.openxmlformats.org/drawingml/2006/main" xmlns:r="http://schemas.openxmlformats.org/officeDocument/2006/relationships" xmlns:p="http://schemas.openxmlformats.org/presentationml/2006/main">
   <p:cSld>
     <p:spTree>
       <p:nvGrpSpPr>
@@ -11667,7 +11743,7 @@
 </file>
 
 <file path=ppt/slides/slide30.xml><?xml version="1.0" encoding="utf-8"?>
-<p:sld xmlns:a="http://schemas.openxmlformats.org/drawingml/2006/main" xmlns:r="http://schemas.openxmlformats.org/officeDocument/2006/relationships" xmlns:mc="http://schemas.openxmlformats.org/markup-compatibility/2006" xmlns:mv="urn:schemas-microsoft-com:mac:vml" xmlns:p="http://schemas.openxmlformats.org/presentationml/2006/main" mc:Ignorable="mv" mc:PreserveAttributes="mv:*">
+<p:sld xmlns:a="http://schemas.openxmlformats.org/drawingml/2006/main" xmlns:r="http://schemas.openxmlformats.org/officeDocument/2006/relationships" xmlns:p="http://schemas.openxmlformats.org/presentationml/2006/main">
   <p:cSld>
     <p:spTree>
       <p:nvGrpSpPr>
@@ -11781,7 +11857,7 @@
     </p:spTree>
     <p:extLst>
       <p:ext uri="{BB962C8B-B14F-4D97-AF65-F5344CB8AC3E}">
-        <p14:creationId xmlns:p14="http://schemas.microsoft.com/office/powerpoint/2010/main" xmlns:p="http://schemas.openxmlformats.org/presentationml/2006/main" xmlns:r="http://schemas.openxmlformats.org/officeDocument/2006/relationships" xmlns:a="http://schemas.openxmlformats.org/drawingml/2006/main" xmlns="" val="1782586087"/>
+        <p14:creationId xmlns:p14="http://schemas.microsoft.com/office/powerpoint/2010/main" val="1782586087"/>
       </p:ext>
     </p:extLst>
   </p:cSld>
@@ -11792,7 +11868,7 @@
 </file>
 
 <file path=ppt/slides/slide31.xml><?xml version="1.0" encoding="utf-8"?>
-<p:sld xmlns:a="http://schemas.openxmlformats.org/drawingml/2006/main" xmlns:r="http://schemas.openxmlformats.org/officeDocument/2006/relationships" xmlns:mc="http://schemas.openxmlformats.org/markup-compatibility/2006" xmlns:mv="urn:schemas-microsoft-com:mac:vml" xmlns:p="http://schemas.openxmlformats.org/presentationml/2006/main" mc:Ignorable="mv" mc:PreserveAttributes="mv:*">
+<p:sld xmlns:a="http://schemas.openxmlformats.org/drawingml/2006/main" xmlns:r="http://schemas.openxmlformats.org/officeDocument/2006/relationships" xmlns:p="http://schemas.openxmlformats.org/presentationml/2006/main">
   <p:cSld>
     <p:spTree>
       <p:nvGrpSpPr>
@@ -12459,7 +12535,7 @@
     </p:spTree>
     <p:extLst>
       <p:ext uri="{BB962C8B-B14F-4D97-AF65-F5344CB8AC3E}">
-        <p14:creationId xmlns:p14="http://schemas.microsoft.com/office/powerpoint/2010/main" xmlns:p="http://schemas.openxmlformats.org/presentationml/2006/main" xmlns:r="http://schemas.openxmlformats.org/officeDocument/2006/relationships" xmlns:a="http://schemas.openxmlformats.org/drawingml/2006/main" xmlns="" val="2979891476"/>
+        <p14:creationId xmlns:p14="http://schemas.microsoft.com/office/powerpoint/2010/main" val="2979891476"/>
       </p:ext>
     </p:extLst>
   </p:cSld>
@@ -12470,7 +12546,7 @@
 </file>
 
 <file path=ppt/slides/slide32.xml><?xml version="1.0" encoding="utf-8"?>
-<p:sld xmlns:a="http://schemas.openxmlformats.org/drawingml/2006/main" xmlns:r="http://schemas.openxmlformats.org/officeDocument/2006/relationships" xmlns:mc="http://schemas.openxmlformats.org/markup-compatibility/2006" xmlns:mv="urn:schemas-microsoft-com:mac:vml" xmlns:p="http://schemas.openxmlformats.org/presentationml/2006/main" mc:Ignorable="mv" mc:PreserveAttributes="mv:*">
+<p:sld xmlns:a="http://schemas.openxmlformats.org/drawingml/2006/main" xmlns:r="http://schemas.openxmlformats.org/officeDocument/2006/relationships" xmlns:p="http://schemas.openxmlformats.org/presentationml/2006/main">
   <p:cSld>
     <p:spTree>
       <p:nvGrpSpPr>
@@ -12858,7 +12934,7 @@
     </p:spTree>
     <p:extLst>
       <p:ext uri="{BB962C8B-B14F-4D97-AF65-F5344CB8AC3E}">
-        <p14:creationId xmlns:p14="http://schemas.microsoft.com/office/powerpoint/2010/main" xmlns:p="http://schemas.openxmlformats.org/presentationml/2006/main" xmlns:r="http://schemas.openxmlformats.org/officeDocument/2006/relationships" xmlns:a="http://schemas.openxmlformats.org/drawingml/2006/main" xmlns="" val="1920102061"/>
+        <p14:creationId xmlns:p14="http://schemas.microsoft.com/office/powerpoint/2010/main" val="1920102061"/>
       </p:ext>
     </p:extLst>
   </p:cSld>
@@ -12869,7 +12945,7 @@
 </file>
 
 <file path=ppt/slides/slide33.xml><?xml version="1.0" encoding="utf-8"?>
-<p:sld xmlns:a="http://schemas.openxmlformats.org/drawingml/2006/main" xmlns:r="http://schemas.openxmlformats.org/officeDocument/2006/relationships" xmlns:mc="http://schemas.openxmlformats.org/markup-compatibility/2006" xmlns:mv="urn:schemas-microsoft-com:mac:vml" xmlns:p="http://schemas.openxmlformats.org/presentationml/2006/main" mc:Ignorable="mv" mc:PreserveAttributes="mv:*">
+<p:sld xmlns:a="http://schemas.openxmlformats.org/drawingml/2006/main" xmlns:r="http://schemas.openxmlformats.org/officeDocument/2006/relationships" xmlns:p="http://schemas.openxmlformats.org/presentationml/2006/main">
   <p:cSld>
     <p:spTree>
       <p:nvGrpSpPr>
@@ -12934,7 +13010,7 @@
     </p:spTree>
     <p:extLst>
       <p:ext uri="{BB962C8B-B14F-4D97-AF65-F5344CB8AC3E}">
-        <p14:creationId xmlns:p14="http://schemas.microsoft.com/office/powerpoint/2010/main" xmlns:p="http://schemas.openxmlformats.org/presentationml/2006/main" xmlns:r="http://schemas.openxmlformats.org/officeDocument/2006/relationships" xmlns:a="http://schemas.openxmlformats.org/drawingml/2006/main" xmlns="" val="379548810"/>
+        <p14:creationId xmlns:p14="http://schemas.microsoft.com/office/powerpoint/2010/main" val="379548810"/>
       </p:ext>
     </p:extLst>
   </p:cSld>
@@ -12945,7 +13021,7 @@
 </file>
 
 <file path=ppt/slides/slide34.xml><?xml version="1.0" encoding="utf-8"?>
-<p:sld xmlns:a="http://schemas.openxmlformats.org/drawingml/2006/main" xmlns:r="http://schemas.openxmlformats.org/officeDocument/2006/relationships" xmlns:mc="http://schemas.openxmlformats.org/markup-compatibility/2006" xmlns:mv="urn:schemas-microsoft-com:mac:vml" xmlns:p="http://schemas.openxmlformats.org/presentationml/2006/main" mc:Ignorable="mv" mc:PreserveAttributes="mv:*">
+<p:sld xmlns:a="http://schemas.openxmlformats.org/drawingml/2006/main" xmlns:r="http://schemas.openxmlformats.org/officeDocument/2006/relationships" xmlns:p="http://schemas.openxmlformats.org/presentationml/2006/main">
   <p:cSld>
     <p:spTree>
       <p:nvGrpSpPr>
@@ -13517,7 +13593,7 @@
     </p:spTree>
     <p:extLst>
       <p:ext uri="{BB962C8B-B14F-4D97-AF65-F5344CB8AC3E}">
-        <p14:creationId xmlns:p14="http://schemas.microsoft.com/office/powerpoint/2010/main" xmlns:p="http://schemas.openxmlformats.org/presentationml/2006/main" xmlns:r="http://schemas.openxmlformats.org/officeDocument/2006/relationships" xmlns:a="http://schemas.openxmlformats.org/drawingml/2006/main" xmlns="" val="2115472614"/>
+        <p14:creationId xmlns:p14="http://schemas.microsoft.com/office/powerpoint/2010/main" val="2115472614"/>
       </p:ext>
     </p:extLst>
   </p:cSld>
@@ -13528,7 +13604,7 @@
 </file>
 
 <file path=ppt/slides/slide35.xml><?xml version="1.0" encoding="utf-8"?>
-<p:sld xmlns:a="http://schemas.openxmlformats.org/drawingml/2006/main" xmlns:r="http://schemas.openxmlformats.org/officeDocument/2006/relationships" xmlns:mc="http://schemas.openxmlformats.org/markup-compatibility/2006" xmlns:mv="urn:schemas-microsoft-com:mac:vml" xmlns:p="http://schemas.openxmlformats.org/presentationml/2006/main" mc:Ignorable="mv" mc:PreserveAttributes="mv:*">
+<p:sld xmlns:a="http://schemas.openxmlformats.org/drawingml/2006/main" xmlns:r="http://schemas.openxmlformats.org/officeDocument/2006/relationships" xmlns:p="http://schemas.openxmlformats.org/presentationml/2006/main">
   <p:cSld>
     <p:spTree>
       <p:nvGrpSpPr>
@@ -13671,7 +13747,7 @@
     </p:spTree>
     <p:extLst>
       <p:ext uri="{BB962C8B-B14F-4D97-AF65-F5344CB8AC3E}">
-        <p14:creationId xmlns:p14="http://schemas.microsoft.com/office/powerpoint/2010/main" xmlns:p="http://schemas.openxmlformats.org/presentationml/2006/main" xmlns:r="http://schemas.openxmlformats.org/officeDocument/2006/relationships" xmlns:a="http://schemas.openxmlformats.org/drawingml/2006/main" xmlns="" val="709120760"/>
+        <p14:creationId xmlns:p14="http://schemas.microsoft.com/office/powerpoint/2010/main" val="709120760"/>
       </p:ext>
     </p:extLst>
   </p:cSld>
@@ -13682,7 +13758,7 @@
 </file>
 
 <file path=ppt/slides/slide36.xml><?xml version="1.0" encoding="utf-8"?>
-<p:sld xmlns:a="http://schemas.openxmlformats.org/drawingml/2006/main" xmlns:r="http://schemas.openxmlformats.org/officeDocument/2006/relationships" xmlns:mc="http://schemas.openxmlformats.org/markup-compatibility/2006" xmlns:mv="urn:schemas-microsoft-com:mac:vml" xmlns:p="http://schemas.openxmlformats.org/presentationml/2006/main" mc:Ignorable="mv" mc:PreserveAttributes="mv:*">
+<p:sld xmlns:a="http://schemas.openxmlformats.org/drawingml/2006/main" xmlns:r="http://schemas.openxmlformats.org/officeDocument/2006/relationships" xmlns:p="http://schemas.openxmlformats.org/presentationml/2006/main">
   <p:cSld>
     <p:spTree>
       <p:nvGrpSpPr>
@@ -14028,7 +14104,7 @@
     </p:spTree>
     <p:extLst>
       <p:ext uri="{BB962C8B-B14F-4D97-AF65-F5344CB8AC3E}">
-        <p14:creationId xmlns:p14="http://schemas.microsoft.com/office/powerpoint/2010/main" xmlns:p="http://schemas.openxmlformats.org/presentationml/2006/main" xmlns:r="http://schemas.openxmlformats.org/officeDocument/2006/relationships" xmlns:a="http://schemas.openxmlformats.org/drawingml/2006/main" xmlns="" val="2065531179"/>
+        <p14:creationId xmlns:p14="http://schemas.microsoft.com/office/powerpoint/2010/main" val="2065531179"/>
       </p:ext>
     </p:extLst>
   </p:cSld>
@@ -14039,7 +14115,7 @@
 </file>
 
 <file path=ppt/slides/slide37.xml><?xml version="1.0" encoding="utf-8"?>
-<p:sld xmlns:a="http://schemas.openxmlformats.org/drawingml/2006/main" xmlns:r="http://schemas.openxmlformats.org/officeDocument/2006/relationships" xmlns:mc="http://schemas.openxmlformats.org/markup-compatibility/2006" xmlns:mv="urn:schemas-microsoft-com:mac:vml" xmlns:p="http://schemas.openxmlformats.org/presentationml/2006/main" mc:Ignorable="mv" mc:PreserveAttributes="mv:*">
+<p:sld xmlns:a="http://schemas.openxmlformats.org/drawingml/2006/main" xmlns:r="http://schemas.openxmlformats.org/officeDocument/2006/relationships" xmlns:p="http://schemas.openxmlformats.org/presentationml/2006/main">
   <p:cSld>
     <p:spTree>
       <p:nvGrpSpPr>
@@ -14421,7 +14497,7 @@
     </p:spTree>
     <p:extLst>
       <p:ext uri="{BB962C8B-B14F-4D97-AF65-F5344CB8AC3E}">
-        <p14:creationId xmlns:p14="http://schemas.microsoft.com/office/powerpoint/2010/main" xmlns:p="http://schemas.openxmlformats.org/presentationml/2006/main" xmlns:r="http://schemas.openxmlformats.org/officeDocument/2006/relationships" xmlns:a="http://schemas.openxmlformats.org/drawingml/2006/main" xmlns="" val="3629655379"/>
+        <p14:creationId xmlns:p14="http://schemas.microsoft.com/office/powerpoint/2010/main" val="3629655379"/>
       </p:ext>
     </p:extLst>
   </p:cSld>
@@ -14432,7 +14508,7 @@
 </file>
 
 <file path=ppt/slides/slide38.xml><?xml version="1.0" encoding="utf-8"?>
-<p:sld xmlns:a="http://schemas.openxmlformats.org/drawingml/2006/main" xmlns:r="http://schemas.openxmlformats.org/officeDocument/2006/relationships" xmlns:mc="http://schemas.openxmlformats.org/markup-compatibility/2006" xmlns:mv="urn:schemas-microsoft-com:mac:vml" xmlns:p="http://schemas.openxmlformats.org/presentationml/2006/main" mc:Ignorable="mv" mc:PreserveAttributes="mv:*">
+<p:sld xmlns:a="http://schemas.openxmlformats.org/drawingml/2006/main" xmlns:r="http://schemas.openxmlformats.org/officeDocument/2006/relationships" xmlns:p="http://schemas.openxmlformats.org/presentationml/2006/main">
   <p:cSld>
     <p:spTree>
       <p:nvGrpSpPr>
@@ -14633,7 +14709,7 @@
     </p:spTree>
     <p:extLst>
       <p:ext uri="{BB962C8B-B14F-4D97-AF65-F5344CB8AC3E}">
-        <p14:creationId xmlns:p14="http://schemas.microsoft.com/office/powerpoint/2010/main" xmlns:p="http://schemas.openxmlformats.org/presentationml/2006/main" xmlns:r="http://schemas.openxmlformats.org/officeDocument/2006/relationships" xmlns:a="http://schemas.openxmlformats.org/drawingml/2006/main" xmlns="" val="2400555662"/>
+        <p14:creationId xmlns:p14="http://schemas.microsoft.com/office/powerpoint/2010/main" val="2400555662"/>
       </p:ext>
     </p:extLst>
   </p:cSld>
@@ -14644,7 +14720,7 @@
 </file>
 
 <file path=ppt/slides/slide39.xml><?xml version="1.0" encoding="utf-8"?>
-<p:sld xmlns:a="http://schemas.openxmlformats.org/drawingml/2006/main" xmlns:r="http://schemas.openxmlformats.org/officeDocument/2006/relationships" xmlns:mc="http://schemas.openxmlformats.org/markup-compatibility/2006" xmlns:mv="urn:schemas-microsoft-com:mac:vml" xmlns:p="http://schemas.openxmlformats.org/presentationml/2006/main" mc:Ignorable="mv" mc:PreserveAttributes="mv:*">
+<p:sld xmlns:a="http://schemas.openxmlformats.org/drawingml/2006/main" xmlns:r="http://schemas.openxmlformats.org/officeDocument/2006/relationships" xmlns:p="http://schemas.openxmlformats.org/presentationml/2006/main">
   <p:cSld>
     <p:spTree>
       <p:nvGrpSpPr>
@@ -14697,7 +14773,7 @@
           <a:blip r:embed="rId2">
             <a:extLst>
               <a:ext uri="{28A0092B-C50C-407E-A947-70E740481C1C}">
-                <a14:useLocalDpi xmlns:a14="http://schemas.microsoft.com/office/drawing/2010/main" xmlns:p="http://schemas.openxmlformats.org/presentationml/2006/main" xmlns:r="http://schemas.openxmlformats.org/officeDocument/2006/relationships" xmlns:a="http://schemas.openxmlformats.org/drawingml/2006/main" xmlns="" val="0"/>
+                <a14:useLocalDpi xmlns:a14="http://schemas.microsoft.com/office/drawing/2010/main" val="0"/>
               </a:ext>
             </a:extLst>
           </a:blip>
@@ -14715,7 +14791,7 @@
     </p:spTree>
     <p:extLst>
       <p:ext uri="{BB962C8B-B14F-4D97-AF65-F5344CB8AC3E}">
-        <p14:creationId xmlns:p14="http://schemas.microsoft.com/office/powerpoint/2010/main" xmlns:p="http://schemas.openxmlformats.org/presentationml/2006/main" xmlns:r="http://schemas.openxmlformats.org/officeDocument/2006/relationships" xmlns:a="http://schemas.openxmlformats.org/drawingml/2006/main" xmlns="" val="2314353703"/>
+        <p14:creationId xmlns:p14="http://schemas.microsoft.com/office/powerpoint/2010/main" val="2314353703"/>
       </p:ext>
     </p:extLst>
   </p:cSld>
@@ -14726,7 +14802,7 @@
 </file>
 
 <file path=ppt/slides/slide4.xml><?xml version="1.0" encoding="utf-8"?>
-<p:sld xmlns:a="http://schemas.openxmlformats.org/drawingml/2006/main" xmlns:r="http://schemas.openxmlformats.org/officeDocument/2006/relationships" xmlns:mc="http://schemas.openxmlformats.org/markup-compatibility/2006" xmlns:mv="urn:schemas-microsoft-com:mac:vml" xmlns:p="http://schemas.openxmlformats.org/presentationml/2006/main" mc:Ignorable="mv" mc:PreserveAttributes="mv:*">
+<p:sld xmlns:a="http://schemas.openxmlformats.org/drawingml/2006/main" xmlns:r="http://schemas.openxmlformats.org/officeDocument/2006/relationships" xmlns:p="http://schemas.openxmlformats.org/presentationml/2006/main">
   <p:cSld>
     <p:spTree>
       <p:nvGrpSpPr>
@@ -15124,7 +15200,7 @@
 </file>
 
 <file path=ppt/slides/slide40.xml><?xml version="1.0" encoding="utf-8"?>
-<p:sld xmlns:a="http://schemas.openxmlformats.org/drawingml/2006/main" xmlns:r="http://schemas.openxmlformats.org/officeDocument/2006/relationships" xmlns:mc="http://schemas.openxmlformats.org/markup-compatibility/2006" xmlns:mv="urn:schemas-microsoft-com:mac:vml" xmlns:p="http://schemas.openxmlformats.org/presentationml/2006/main" mc:Ignorable="mv" mc:PreserveAttributes="mv:*">
+<p:sld xmlns:a="http://schemas.openxmlformats.org/drawingml/2006/main" xmlns:r="http://schemas.openxmlformats.org/officeDocument/2006/relationships" xmlns:p="http://schemas.openxmlformats.org/presentationml/2006/main">
   <p:cSld>
     <p:spTree>
       <p:nvGrpSpPr>
@@ -15474,7 +15550,7 @@
     </p:spTree>
     <p:extLst>
       <p:ext uri="{BB962C8B-B14F-4D97-AF65-F5344CB8AC3E}">
-        <p14:creationId xmlns:p14="http://schemas.microsoft.com/office/powerpoint/2010/main" xmlns:p="http://schemas.openxmlformats.org/presentationml/2006/main" xmlns:r="http://schemas.openxmlformats.org/officeDocument/2006/relationships" xmlns:a="http://schemas.openxmlformats.org/drawingml/2006/main" xmlns="" val="847814926"/>
+        <p14:creationId xmlns:p14="http://schemas.microsoft.com/office/powerpoint/2010/main" val="847814926"/>
       </p:ext>
     </p:extLst>
   </p:cSld>
@@ -15485,7 +15561,7 @@
 </file>
 
 <file path=ppt/slides/slide41.xml><?xml version="1.0" encoding="utf-8"?>
-<p:sld xmlns:a="http://schemas.openxmlformats.org/drawingml/2006/main" xmlns:r="http://schemas.openxmlformats.org/officeDocument/2006/relationships" xmlns:mc="http://schemas.openxmlformats.org/markup-compatibility/2006" xmlns:mv="urn:schemas-microsoft-com:mac:vml" xmlns:p="http://schemas.openxmlformats.org/presentationml/2006/main" mc:Ignorable="mv" mc:PreserveAttributes="mv:*">
+<p:sld xmlns:a="http://schemas.openxmlformats.org/drawingml/2006/main" xmlns:r="http://schemas.openxmlformats.org/officeDocument/2006/relationships" xmlns:p="http://schemas.openxmlformats.org/presentationml/2006/main">
   <p:cSld>
     <p:spTree>
       <p:nvGrpSpPr>
@@ -16035,7 +16111,7 @@
     </p:spTree>
     <p:extLst>
       <p:ext uri="{BB962C8B-B14F-4D97-AF65-F5344CB8AC3E}">
-        <p14:creationId xmlns:p14="http://schemas.microsoft.com/office/powerpoint/2010/main" xmlns:p="http://schemas.openxmlformats.org/presentationml/2006/main" xmlns:r="http://schemas.openxmlformats.org/officeDocument/2006/relationships" xmlns:a="http://schemas.openxmlformats.org/drawingml/2006/main" xmlns="" val="2958372846"/>
+        <p14:creationId xmlns:p14="http://schemas.microsoft.com/office/powerpoint/2010/main" val="2958372846"/>
       </p:ext>
     </p:extLst>
   </p:cSld>
@@ -16046,7 +16122,7 @@
 </file>
 
 <file path=ppt/slides/slide42.xml><?xml version="1.0" encoding="utf-8"?>
-<p:sld xmlns:a="http://schemas.openxmlformats.org/drawingml/2006/main" xmlns:r="http://schemas.openxmlformats.org/officeDocument/2006/relationships" xmlns:mc="http://schemas.openxmlformats.org/markup-compatibility/2006" xmlns:mv="urn:schemas-microsoft-com:mac:vml" xmlns:p="http://schemas.openxmlformats.org/presentationml/2006/main" mc:Ignorable="mv" mc:PreserveAttributes="mv:*">
+<p:sld xmlns:a="http://schemas.openxmlformats.org/drawingml/2006/main" xmlns:r="http://schemas.openxmlformats.org/officeDocument/2006/relationships" xmlns:p="http://schemas.openxmlformats.org/presentationml/2006/main">
   <p:cSld>
     <p:spTree>
       <p:nvGrpSpPr>
@@ -16622,7 +16698,7 @@
     </p:spTree>
     <p:extLst>
       <p:ext uri="{BB962C8B-B14F-4D97-AF65-F5344CB8AC3E}">
-        <p14:creationId xmlns:p14="http://schemas.microsoft.com/office/powerpoint/2010/main" xmlns:p="http://schemas.openxmlformats.org/presentationml/2006/main" xmlns:r="http://schemas.openxmlformats.org/officeDocument/2006/relationships" xmlns:a="http://schemas.openxmlformats.org/drawingml/2006/main" xmlns="" val="2570867600"/>
+        <p14:creationId xmlns:p14="http://schemas.microsoft.com/office/powerpoint/2010/main" val="2570867600"/>
       </p:ext>
     </p:extLst>
   </p:cSld>
@@ -16633,7 +16709,7 @@
 </file>
 
 <file path=ppt/slides/slide43.xml><?xml version="1.0" encoding="utf-8"?>
-<p:sld xmlns:a="http://schemas.openxmlformats.org/drawingml/2006/main" xmlns:r="http://schemas.openxmlformats.org/officeDocument/2006/relationships" xmlns:mc="http://schemas.openxmlformats.org/markup-compatibility/2006" xmlns:mv="urn:schemas-microsoft-com:mac:vml" xmlns:p="http://schemas.openxmlformats.org/presentationml/2006/main" mc:Ignorable="mv" mc:PreserveAttributes="mv:*">
+<p:sld xmlns:a="http://schemas.openxmlformats.org/drawingml/2006/main" xmlns:r="http://schemas.openxmlformats.org/officeDocument/2006/relationships" xmlns:p="http://schemas.openxmlformats.org/presentationml/2006/main">
   <p:cSld>
     <p:spTree>
       <p:nvGrpSpPr>
@@ -17056,7 +17132,7 @@
     </p:spTree>
     <p:extLst>
       <p:ext uri="{BB962C8B-B14F-4D97-AF65-F5344CB8AC3E}">
-        <p14:creationId xmlns:p14="http://schemas.microsoft.com/office/powerpoint/2010/main" xmlns:p="http://schemas.openxmlformats.org/presentationml/2006/main" xmlns:r="http://schemas.openxmlformats.org/officeDocument/2006/relationships" xmlns:a="http://schemas.openxmlformats.org/drawingml/2006/main" xmlns="" val="2697782710"/>
+        <p14:creationId xmlns:p14="http://schemas.microsoft.com/office/powerpoint/2010/main" val="2697782710"/>
       </p:ext>
     </p:extLst>
   </p:cSld>
@@ -17067,7 +17143,7 @@
 </file>
 
 <file path=ppt/slides/slide44.xml><?xml version="1.0" encoding="utf-8"?>
-<p:sld xmlns:a="http://schemas.openxmlformats.org/drawingml/2006/main" xmlns:r="http://schemas.openxmlformats.org/officeDocument/2006/relationships" xmlns:mc="http://schemas.openxmlformats.org/markup-compatibility/2006" xmlns:mv="urn:schemas-microsoft-com:mac:vml" xmlns:p="http://schemas.openxmlformats.org/presentationml/2006/main" mc:Ignorable="mv" mc:PreserveAttributes="mv:*">
+<p:sld xmlns:a="http://schemas.openxmlformats.org/drawingml/2006/main" xmlns:r="http://schemas.openxmlformats.org/officeDocument/2006/relationships" xmlns:p="http://schemas.openxmlformats.org/presentationml/2006/main">
   <p:cSld>
     <p:spTree>
       <p:nvGrpSpPr>
@@ -17476,7 +17552,7 @@
     </p:spTree>
     <p:extLst>
       <p:ext uri="{BB962C8B-B14F-4D97-AF65-F5344CB8AC3E}">
-        <p14:creationId xmlns:p14="http://schemas.microsoft.com/office/powerpoint/2010/main" xmlns:p="http://schemas.openxmlformats.org/presentationml/2006/main" xmlns:r="http://schemas.openxmlformats.org/officeDocument/2006/relationships" xmlns:a="http://schemas.openxmlformats.org/drawingml/2006/main" xmlns="" val="3573218890"/>
+        <p14:creationId xmlns:p14="http://schemas.microsoft.com/office/powerpoint/2010/main" val="3573218890"/>
       </p:ext>
     </p:extLst>
   </p:cSld>
@@ -17487,7 +17563,7 @@
 </file>
 
 <file path=ppt/slides/slide5.xml><?xml version="1.0" encoding="utf-8"?>
-<p:sld xmlns:a="http://schemas.openxmlformats.org/drawingml/2006/main" xmlns:r="http://schemas.openxmlformats.org/officeDocument/2006/relationships" xmlns:mc="http://schemas.openxmlformats.org/markup-compatibility/2006" xmlns:mv="urn:schemas-microsoft-com:mac:vml" xmlns:p="http://schemas.openxmlformats.org/presentationml/2006/main" mc:Ignorable="mv" mc:PreserveAttributes="mv:*">
+<p:sld xmlns:a="http://schemas.openxmlformats.org/drawingml/2006/main" xmlns:r="http://schemas.openxmlformats.org/officeDocument/2006/relationships" xmlns:p="http://schemas.openxmlformats.org/presentationml/2006/main">
   <p:cSld>
     <p:spTree>
       <p:nvGrpSpPr>
@@ -17588,7 +17664,7 @@
 </file>
 
 <file path=ppt/slides/slide6.xml><?xml version="1.0" encoding="utf-8"?>
-<p:sld xmlns:a="http://schemas.openxmlformats.org/drawingml/2006/main" xmlns:r="http://schemas.openxmlformats.org/officeDocument/2006/relationships" xmlns:mc="http://schemas.openxmlformats.org/markup-compatibility/2006" xmlns:mv="urn:schemas-microsoft-com:mac:vml" xmlns:p="http://schemas.openxmlformats.org/presentationml/2006/main" mc:Ignorable="mv" mc:PreserveAttributes="mv:*">
+<p:sld xmlns:a="http://schemas.openxmlformats.org/drawingml/2006/main" xmlns:r="http://schemas.openxmlformats.org/officeDocument/2006/relationships" xmlns:p="http://schemas.openxmlformats.org/presentationml/2006/main">
   <p:cSld>
     <p:spTree>
       <p:nvGrpSpPr>
@@ -18005,7 +18081,7 @@
 </file>
 
 <file path=ppt/slides/slide7.xml><?xml version="1.0" encoding="utf-8"?>
-<p:sld xmlns:a="http://schemas.openxmlformats.org/drawingml/2006/main" xmlns:r="http://schemas.openxmlformats.org/officeDocument/2006/relationships" xmlns:mc="http://schemas.openxmlformats.org/markup-compatibility/2006" xmlns:mv="urn:schemas-microsoft-com:mac:vml" xmlns:p="http://schemas.openxmlformats.org/presentationml/2006/main" mc:Ignorable="mv" mc:PreserveAttributes="mv:*">
+<p:sld xmlns:a="http://schemas.openxmlformats.org/drawingml/2006/main" xmlns:r="http://schemas.openxmlformats.org/officeDocument/2006/relationships" xmlns:p="http://schemas.openxmlformats.org/presentationml/2006/main">
   <p:cSld>
     <p:spTree>
       <p:nvGrpSpPr>
@@ -18409,7 +18485,7 @@
 </file>
 
 <file path=ppt/slides/slide8.xml><?xml version="1.0" encoding="utf-8"?>
-<p:sld xmlns:a="http://schemas.openxmlformats.org/drawingml/2006/main" xmlns:r="http://schemas.openxmlformats.org/officeDocument/2006/relationships" xmlns:mc="http://schemas.openxmlformats.org/markup-compatibility/2006" xmlns:mv="urn:schemas-microsoft-com:mac:vml" xmlns:p="http://schemas.openxmlformats.org/presentationml/2006/main" mc:Ignorable="mv" mc:PreserveAttributes="mv:*">
+<p:sld xmlns:a="http://schemas.openxmlformats.org/drawingml/2006/main" xmlns:r="http://schemas.openxmlformats.org/officeDocument/2006/relationships" xmlns:p="http://schemas.openxmlformats.org/presentationml/2006/main">
   <p:cSld>
     <p:spTree>
       <p:nvGrpSpPr>
@@ -18515,7 +18591,7 @@
 </file>
 
 <file path=ppt/slides/slide9.xml><?xml version="1.0" encoding="utf-8"?>
-<p:sld xmlns:a="http://schemas.openxmlformats.org/drawingml/2006/main" xmlns:r="http://schemas.openxmlformats.org/officeDocument/2006/relationships" xmlns:mc="http://schemas.openxmlformats.org/markup-compatibility/2006" xmlns:mv="urn:schemas-microsoft-com:mac:vml" xmlns:p="http://schemas.openxmlformats.org/presentationml/2006/main" mc:Ignorable="mv" mc:PreserveAttributes="mv:*">
+<p:sld xmlns:a="http://schemas.openxmlformats.org/drawingml/2006/main" xmlns:r="http://schemas.openxmlformats.org/officeDocument/2006/relationships" xmlns:p="http://schemas.openxmlformats.org/presentationml/2006/main">
   <p:cSld>
     <p:bg>
       <p:bgRef idx="1001">

--- a/tutorial/EGI-2011/02_api1.pptx
+++ b/tutorial/EGI-2011/02_api1.pptx
@@ -5,56 +5,69 @@
     <p:sldMasterId id="2147483648" r:id="rId1"/>
   </p:sldMasterIdLst>
   <p:notesMasterIdLst>
-    <p:notesMasterId r:id="rId46"/>
+    <p:notesMasterId r:id="rId59"/>
   </p:notesMasterIdLst>
   <p:handoutMasterIdLst>
-    <p:handoutMasterId r:id="rId47"/>
+    <p:handoutMasterId r:id="rId60"/>
   </p:handoutMasterIdLst>
   <p:sldIdLst>
     <p:sldId id="256" r:id="rId2"/>
     <p:sldId id="257" r:id="rId3"/>
-    <p:sldId id="273" r:id="rId4"/>
-    <p:sldId id="274" r:id="rId5"/>
-    <p:sldId id="275" r:id="rId6"/>
-    <p:sldId id="276" r:id="rId7"/>
-    <p:sldId id="277" r:id="rId8"/>
-    <p:sldId id="278" r:id="rId9"/>
-    <p:sldId id="279" r:id="rId10"/>
-    <p:sldId id="281" r:id="rId11"/>
-    <p:sldId id="295" r:id="rId12"/>
-    <p:sldId id="280" r:id="rId13"/>
-    <p:sldId id="293" r:id="rId14"/>
-    <p:sldId id="329" r:id="rId15"/>
-    <p:sldId id="294" r:id="rId16"/>
-    <p:sldId id="323" r:id="rId17"/>
-    <p:sldId id="296" r:id="rId18"/>
-    <p:sldId id="297" r:id="rId19"/>
-    <p:sldId id="298" r:id="rId20"/>
-    <p:sldId id="299" r:id="rId21"/>
-    <p:sldId id="300" r:id="rId22"/>
-    <p:sldId id="301" r:id="rId23"/>
-    <p:sldId id="304" r:id="rId24"/>
-    <p:sldId id="306" r:id="rId25"/>
-    <p:sldId id="307" r:id="rId26"/>
-    <p:sldId id="305" r:id="rId27"/>
-    <p:sldId id="308" r:id="rId28"/>
-    <p:sldId id="309" r:id="rId29"/>
-    <p:sldId id="311" r:id="rId30"/>
-    <p:sldId id="312" r:id="rId31"/>
-    <p:sldId id="313" r:id="rId32"/>
-    <p:sldId id="314" r:id="rId33"/>
-    <p:sldId id="315" r:id="rId34"/>
-    <p:sldId id="317" r:id="rId35"/>
-    <p:sldId id="319" r:id="rId36"/>
-    <p:sldId id="318" r:id="rId37"/>
-    <p:sldId id="320" r:id="rId38"/>
-    <p:sldId id="321" r:id="rId39"/>
-    <p:sldId id="322" r:id="rId40"/>
-    <p:sldId id="324" r:id="rId41"/>
-    <p:sldId id="325" r:id="rId42"/>
-    <p:sldId id="326" r:id="rId43"/>
-    <p:sldId id="327" r:id="rId44"/>
-    <p:sldId id="328" r:id="rId45"/>
+    <p:sldId id="331" r:id="rId4"/>
+    <p:sldId id="332" r:id="rId5"/>
+    <p:sldId id="333" r:id="rId6"/>
+    <p:sldId id="334" r:id="rId7"/>
+    <p:sldId id="335" r:id="rId8"/>
+    <p:sldId id="336" r:id="rId9"/>
+    <p:sldId id="337" r:id="rId10"/>
+    <p:sldId id="338" r:id="rId11"/>
+    <p:sldId id="339" r:id="rId12"/>
+    <p:sldId id="340" r:id="rId13"/>
+    <p:sldId id="341" r:id="rId14"/>
+    <p:sldId id="342" r:id="rId15"/>
+    <p:sldId id="273" r:id="rId16"/>
+    <p:sldId id="281" r:id="rId17"/>
+    <p:sldId id="330" r:id="rId18"/>
+    <p:sldId id="274" r:id="rId19"/>
+    <p:sldId id="275" r:id="rId20"/>
+    <p:sldId id="276" r:id="rId21"/>
+    <p:sldId id="277" r:id="rId22"/>
+    <p:sldId id="278" r:id="rId23"/>
+    <p:sldId id="279" r:id="rId24"/>
+    <p:sldId id="295" r:id="rId25"/>
+    <p:sldId id="280" r:id="rId26"/>
+    <p:sldId id="293" r:id="rId27"/>
+    <p:sldId id="329" r:id="rId28"/>
+    <p:sldId id="294" r:id="rId29"/>
+    <p:sldId id="323" r:id="rId30"/>
+    <p:sldId id="296" r:id="rId31"/>
+    <p:sldId id="297" r:id="rId32"/>
+    <p:sldId id="298" r:id="rId33"/>
+    <p:sldId id="299" r:id="rId34"/>
+    <p:sldId id="300" r:id="rId35"/>
+    <p:sldId id="301" r:id="rId36"/>
+    <p:sldId id="304" r:id="rId37"/>
+    <p:sldId id="306" r:id="rId38"/>
+    <p:sldId id="307" r:id="rId39"/>
+    <p:sldId id="305" r:id="rId40"/>
+    <p:sldId id="308" r:id="rId41"/>
+    <p:sldId id="309" r:id="rId42"/>
+    <p:sldId id="311" r:id="rId43"/>
+    <p:sldId id="312" r:id="rId44"/>
+    <p:sldId id="313" r:id="rId45"/>
+    <p:sldId id="314" r:id="rId46"/>
+    <p:sldId id="315" r:id="rId47"/>
+    <p:sldId id="317" r:id="rId48"/>
+    <p:sldId id="319" r:id="rId49"/>
+    <p:sldId id="318" r:id="rId50"/>
+    <p:sldId id="320" r:id="rId51"/>
+    <p:sldId id="321" r:id="rId52"/>
+    <p:sldId id="322" r:id="rId53"/>
+    <p:sldId id="324" r:id="rId54"/>
+    <p:sldId id="325" r:id="rId55"/>
+    <p:sldId id="326" r:id="rId56"/>
+    <p:sldId id="327" r:id="rId57"/>
+    <p:sldId id="328" r:id="rId58"/>
   </p:sldIdLst>
   <p:sldSz cx="9144000" cy="6858000" type="screen4x3"/>
   <p:notesSz cx="6858000" cy="9144000"/>
@@ -239,7 +252,7 @@
             <a:fld id="{9A6AC4B2-6F12-454D-8DA7-7B9C78843B81}" type="datetimeFigureOut">
               <a:rPr lang="en-US" smtClean="0"/>
               <a:pPr/>
-              <a:t>4/9/2011</a:t>
+              <a:t>4/10/2011</a:t>
             </a:fld>
             <a:endParaRPr lang="en-US"/>
           </a:p>
@@ -407,7 +420,7 @@
             <a:fld id="{19F24AD4-A78B-B645-8B43-825B1EB2901C}" type="datetimeFigureOut">
               <a:rPr lang="en-US" smtClean="0"/>
               <a:pPr/>
-              <a:t>4/9/2011</a:t>
+              <a:t>4/10/2011</a:t>
             </a:fld>
             <a:endParaRPr lang="en-US"/>
           </a:p>
@@ -948,7 +961,7 @@
             <a:fld id="{ADB8239A-D789-5443-937F-338E3AE3D41C}" type="datetime1">
               <a:rPr lang="en-US" smtClean="0"/>
               <a:pPr/>
-              <a:t>4/9/2011</a:t>
+              <a:t>4/10/2011</a:t>
             </a:fld>
             <a:endParaRPr lang="en-US"/>
           </a:p>
@@ -1252,7 +1265,7 @@
             <a:fld id="{459EC1CE-E98D-704D-AD6F-6E3323A36483}" type="datetime1">
               <a:rPr lang="en-US" smtClean="0"/>
               <a:pPr/>
-              <a:t>4/9/2011</a:t>
+              <a:t>4/10/2011</a:t>
             </a:fld>
             <a:endParaRPr lang="en-US"/>
           </a:p>
@@ -1528,7 +1541,7 @@
             <a:fld id="{23E692A5-8B3E-1949-B0CC-6F0593ACFA8E}" type="datetime1">
               <a:rPr lang="en-US" smtClean="0"/>
               <a:pPr/>
-              <a:t>4/9/2011</a:t>
+              <a:t>4/10/2011</a:t>
             </a:fld>
             <a:endParaRPr lang="en-US"/>
           </a:p>
@@ -1820,7 +1833,7 @@
             <a:fld id="{C381DA14-A3C0-9C42-96F2-BEE3D5DE963D}" type="datetime1">
               <a:rPr lang="en-US" smtClean="0"/>
               <a:pPr/>
-              <a:t>4/9/2011</a:t>
+              <a:t>4/10/2011</a:t>
             </a:fld>
             <a:endParaRPr lang="en-US"/>
           </a:p>
@@ -2147,7 +2160,7 @@
             <a:fld id="{33319320-9A5F-694B-B7B5-C734EC93AAA2}" type="datetime1">
               <a:rPr lang="en-US" smtClean="0"/>
               <a:pPr/>
-              <a:t>4/9/2011</a:t>
+              <a:t>4/10/2011</a:t>
             </a:fld>
             <a:endParaRPr lang="en-US"/>
           </a:p>
@@ -2395,7 +2408,7 @@
             <a:fld id="{CF6CE397-A6E6-7547-B24A-92BB5049E0F2}" type="datetime1">
               <a:rPr lang="en-US" smtClean="0"/>
               <a:pPr/>
-              <a:t>4/9/2011</a:t>
+              <a:t>4/10/2011</a:t>
             </a:fld>
             <a:endParaRPr lang="en-US"/>
           </a:p>
@@ -2572,7 +2585,7 @@
             <a:fld id="{27AB7D46-BD5E-E641-9118-DCE28F3B83FA}" type="datetime1">
               <a:rPr lang="en-US" smtClean="0"/>
               <a:pPr/>
-              <a:t>4/9/2011</a:t>
+              <a:t>4/10/2011</a:t>
             </a:fld>
             <a:endParaRPr lang="en-US"/>
           </a:p>
@@ -2824,7 +2837,7 @@
             <a:fld id="{BC26097E-015C-3B4D-86C1-CD2AD30F0B81}" type="datetime1">
               <a:rPr lang="en-US" smtClean="0"/>
               <a:pPr/>
-              <a:t>4/9/2011</a:t>
+              <a:t>4/10/2011</a:t>
             </a:fld>
             <a:endParaRPr lang="en-US"/>
           </a:p>
@@ -3100,7 +3113,7 @@
             <a:fld id="{ED6649F4-2545-3040-B7BD-803CA59D50C7}" type="datetime1">
               <a:rPr lang="en-US" smtClean="0"/>
               <a:pPr/>
-              <a:t>4/9/2011</a:t>
+              <a:t>4/10/2011</a:t>
             </a:fld>
             <a:endParaRPr lang="en-US"/>
           </a:p>
@@ -3408,7 +3421,7 @@
             <a:fld id="{833A9088-CEDD-2F48-A9A0-611A3CC03FE9}" type="datetime1">
               <a:rPr lang="en-US" smtClean="0"/>
               <a:pPr/>
-              <a:t>4/9/2011</a:t>
+              <a:t>4/10/2011</a:t>
             </a:fld>
             <a:endParaRPr lang="en-US"/>
           </a:p>
@@ -3702,7 +3715,7 @@
             <a:fld id="{AED87ACF-EB3C-EA42-8610-542FB50388EB}" type="datetime1">
               <a:rPr lang="en-US" smtClean="0"/>
               <a:pPr/>
-              <a:t>4/9/2011</a:t>
+              <a:t>4/10/2011</a:t>
             </a:fld>
             <a:endParaRPr lang="en-US"/>
           </a:p>
@@ -4134,7 +4147,7 @@
             <a:fld id="{0E0DC31B-692F-774E-A937-DA560DE61DA8}" type="datetime1">
               <a:rPr lang="en-US" smtClean="0"/>
               <a:pPr/>
-              <a:t>4/9/2011</a:t>
+              <a:t>4/10/2011</a:t>
             </a:fld>
             <a:endParaRPr lang="en-US"/>
           </a:p>
@@ -4482,7 +4495,7 @@
             <a:fld id="{95DEFDAE-5BDC-1B4F-BC4C-23C867CEBC21}" type="datetime1">
               <a:rPr lang="en-US" smtClean="0"/>
               <a:pPr/>
-              <a:t>4/9/2011</a:t>
+              <a:t>4/10/2011</a:t>
             </a:fld>
             <a:endParaRPr lang="en-US"/>
           </a:p>
@@ -4574,7 +4587,7 @@
             <a:fld id="{9F53C516-787B-9A45-AFCF-5D75DD78DEBE}" type="datetime1">
               <a:rPr lang="en-US" smtClean="0"/>
               <a:pPr/>
-              <a:t>4/9/2011</a:t>
+              <a:t>4/10/2011</a:t>
             </a:fld>
             <a:endParaRPr lang="en-US"/>
           </a:p>
@@ -4913,7 +4926,7 @@
             <a:fld id="{F19CAA94-9393-BB4A-8CB6-008B1351A132}" type="datetime1">
               <a:rPr lang="en-US" smtClean="0"/>
               <a:pPr/>
-              <a:t>4/9/2011</a:t>
+              <a:t>4/10/2011</a:t>
             </a:fld>
             <a:endParaRPr lang="en-US"/>
           </a:p>
@@ -5127,7 +5140,7 @@
             <a:fld id="{A3476A5E-2ED6-7749-A8C1-D0B1EEEB97E0}" type="datetime1">
               <a:rPr lang="en-US" smtClean="0"/>
               <a:pPr/>
-              <a:t>4/9/2011</a:t>
+              <a:t>4/10/2011</a:t>
             </a:fld>
             <a:endParaRPr lang="en-US"/>
           </a:p>
@@ -5803,48 +5816,416 @@
           <a:p>
             <a:r>
               <a:rPr lang="en-US" dirty="0" smtClean="0"/>
-              <a:t>Implementation</a:t>
+              <a:t>OGF: </a:t>
+            </a:r>
+            <a:r>
+              <a:rPr lang="en-US" dirty="0" err="1" smtClean="0"/>
+              <a:t>GridRPC</a:t>
             </a:r>
             <a:endParaRPr lang="en-US" dirty="0"/>
           </a:p>
         </p:txBody>
       </p:sp>
-      <p:pic>
-        <p:nvPicPr>
-          <p:cNvPr id="4" name="Content Placeholder 3" descr="saga_architecture.pdf"/>
-          <p:cNvPicPr>
-            <a:picLocks noGrp="1" noChangeAspect="1"/>
-          </p:cNvPicPr>
-          <p:nvPr>
-            <p:ph idx="1"/>
-          </p:nvPr>
-        </p:nvPicPr>
-        <mc:AlternateContent xmlns:mc="http://schemas.openxmlformats.org/markup-compatibility/2006">
-          <mc:Choice xmlns:ma="http://schemas.microsoft.com/office/mac/drawingml/2008/main" xmlns:mv="urn:schemas-microsoft-com:mac:vml" xmlns="" Requires="ma">
-            <p:blipFill>
-              <a:blip r:embed="rId2"/>
-              <a:stretch>
-                <a:fillRect/>
-              </a:stretch>
-            </p:blipFill>
-          </mc:Choice>
-          <mc:Fallback>
-            <p:blipFill>
-              <a:blip r:embed="rId3"/>
-              <a:stretch>
-                <a:fillRect/>
-              </a:stretch>
-            </p:blipFill>
-          </mc:Fallback>
-        </mc:AlternateContent>
+      <p:sp>
+        <p:nvSpPr>
+          <p:cNvPr id="4" name="TextBox 3"/>
+          <p:cNvSpPr txBox="1"/>
+          <p:nvPr/>
+        </p:nvSpPr>
         <p:spPr>
           <a:xfrm>
-            <a:off x="1189465" y="2068513"/>
-            <a:ext cx="7103208" cy="4197350"/>
+            <a:off x="946859" y="2159000"/>
+            <a:ext cx="7966954" cy="4185761"/>
           </a:xfrm>
+          <a:prstGeom prst="rect">
+            <a:avLst/>
+          </a:prstGeom>
+          <a:solidFill>
+            <a:srgbClr val="D7D9CD"/>
+          </a:solidFill>
+          <a:ln>
+            <a:solidFill>
+              <a:srgbClr val="8BADBD"/>
+            </a:solidFill>
+          </a:ln>
         </p:spPr>
-      </p:pic>
+        <p:style>
+          <a:lnRef idx="2">
+            <a:schemeClr val="accent4"/>
+          </a:lnRef>
+          <a:fillRef idx="1">
+            <a:schemeClr val="lt1"/>
+          </a:fillRef>
+          <a:effectRef idx="0">
+            <a:schemeClr val="accent4"/>
+          </a:effectRef>
+          <a:fontRef idx="minor">
+            <a:schemeClr val="dk1"/>
+          </a:fontRef>
+        </p:style>
+        <p:txBody>
+          <a:bodyPr wrap="square" rtlCol="0">
+            <a:spAutoFit/>
+          </a:bodyPr>
+          <a:lstStyle/>
+          <a:p>
+            <a:pPr>
+              <a:buNone/>
+            </a:pPr>
+            <a:endParaRPr lang="en-US" sz="1400" dirty="0" smtClean="0">
+              <a:latin typeface="Consolas" pitchFamily="49" charset="0"/>
+              <a:cs typeface="Consolas" pitchFamily="49" charset="0"/>
+            </a:endParaRPr>
+          </a:p>
+          <a:p>
+            <a:pPr>
+              <a:buNone/>
+            </a:pPr>
+            <a:r>
+              <a:rPr lang="en-US" sz="1400" dirty="0" smtClean="0">
+                <a:latin typeface="Consolas" pitchFamily="49" charset="0"/>
+                <a:cs typeface="Consolas" pitchFamily="49" charset="0"/>
+              </a:rPr>
+              <a:t> double A[N*N], B[N*N], C[N*N];</a:t>
+            </a:r>
+          </a:p>
+          <a:p>
+            <a:pPr>
+              <a:buNone/>
+            </a:pPr>
+            <a:r>
+              <a:rPr lang="en-US" sz="1400" dirty="0" smtClean="0">
+                <a:latin typeface="Consolas" pitchFamily="49" charset="0"/>
+                <a:cs typeface="Consolas" pitchFamily="49" charset="0"/>
+              </a:rPr>
+              <a:t> </a:t>
+            </a:r>
+          </a:p>
+          <a:p>
+            <a:pPr>
+              <a:buNone/>
+            </a:pPr>
+            <a:r>
+              <a:rPr lang="en-US" sz="1400" dirty="0" smtClean="0">
+                <a:latin typeface="Consolas" pitchFamily="49" charset="0"/>
+                <a:cs typeface="Consolas" pitchFamily="49" charset="0"/>
+              </a:rPr>
+              <a:t> </a:t>
+            </a:r>
+            <a:r>
+              <a:rPr lang="en-US" sz="1400" dirty="0" err="1" smtClean="0">
+                <a:latin typeface="Consolas" pitchFamily="49" charset="0"/>
+                <a:cs typeface="Consolas" pitchFamily="49" charset="0"/>
+              </a:rPr>
+              <a:t>initMatA</a:t>
+            </a:r>
+            <a:r>
+              <a:rPr lang="en-US" sz="1400" dirty="0" smtClean="0">
+                <a:latin typeface="Consolas" pitchFamily="49" charset="0"/>
+                <a:cs typeface="Consolas" pitchFamily="49" charset="0"/>
+              </a:rPr>
+              <a:t> (N, A); </a:t>
+            </a:r>
+          </a:p>
+          <a:p>
+            <a:pPr>
+              <a:buNone/>
+            </a:pPr>
+            <a:r>
+              <a:rPr lang="en-US" sz="1400" dirty="0" smtClean="0">
+                <a:latin typeface="Consolas" pitchFamily="49" charset="0"/>
+                <a:cs typeface="Consolas" pitchFamily="49" charset="0"/>
+              </a:rPr>
+              <a:t> </a:t>
+            </a:r>
+            <a:r>
+              <a:rPr lang="en-US" sz="1400" dirty="0" err="1" smtClean="0">
+                <a:latin typeface="Consolas" pitchFamily="49" charset="0"/>
+                <a:cs typeface="Consolas" pitchFamily="49" charset="0"/>
+              </a:rPr>
+              <a:t>initMatB</a:t>
+            </a:r>
+            <a:r>
+              <a:rPr lang="en-US" sz="1400" dirty="0" smtClean="0">
+                <a:latin typeface="Consolas" pitchFamily="49" charset="0"/>
+                <a:cs typeface="Consolas" pitchFamily="49" charset="0"/>
+              </a:rPr>
+              <a:t> (N, B);</a:t>
+            </a:r>
+          </a:p>
+          <a:p>
+            <a:pPr>
+              <a:buNone/>
+            </a:pPr>
+            <a:endParaRPr lang="en-US" sz="1400" dirty="0" smtClean="0">
+              <a:latin typeface="Consolas" pitchFamily="49" charset="0"/>
+              <a:cs typeface="Consolas" pitchFamily="49" charset="0"/>
+            </a:endParaRPr>
+          </a:p>
+          <a:p>
+            <a:pPr>
+              <a:buNone/>
+            </a:pPr>
+            <a:r>
+              <a:rPr lang="en-US" sz="1400" dirty="0" smtClean="0">
+                <a:latin typeface="Consolas" pitchFamily="49" charset="0"/>
+                <a:cs typeface="Consolas" pitchFamily="49" charset="0"/>
+              </a:rPr>
+              <a:t> </a:t>
+            </a:r>
+            <a:r>
+              <a:rPr lang="en-US" sz="1400" dirty="0" err="1" smtClean="0">
+                <a:latin typeface="Consolas" pitchFamily="49" charset="0"/>
+                <a:cs typeface="Consolas" pitchFamily="49" charset="0"/>
+              </a:rPr>
+              <a:t>grpc_initialize</a:t>
+            </a:r>
+            <a:r>
+              <a:rPr lang="en-US" sz="1400" dirty="0" smtClean="0">
+                <a:latin typeface="Consolas" pitchFamily="49" charset="0"/>
+                <a:cs typeface="Consolas" pitchFamily="49" charset="0"/>
+              </a:rPr>
+              <a:t> (argv[1]); </a:t>
+            </a:r>
+          </a:p>
+          <a:p>
+            <a:pPr>
+              <a:buNone/>
+            </a:pPr>
+            <a:endParaRPr lang="en-US" sz="1400" dirty="0" smtClean="0">
+              <a:latin typeface="Consolas" pitchFamily="49" charset="0"/>
+              <a:cs typeface="Consolas" pitchFamily="49" charset="0"/>
+            </a:endParaRPr>
+          </a:p>
+          <a:p>
+            <a:pPr>
+              <a:buNone/>
+            </a:pPr>
+            <a:r>
+              <a:rPr lang="en-US" sz="1400" dirty="0" smtClean="0">
+                <a:latin typeface="Consolas" pitchFamily="49" charset="0"/>
+                <a:cs typeface="Consolas" pitchFamily="49" charset="0"/>
+              </a:rPr>
+              <a:t> </a:t>
+            </a:r>
+            <a:r>
+              <a:rPr lang="en-US" sz="1400" dirty="0" err="1" smtClean="0">
+                <a:latin typeface="Consolas" pitchFamily="49" charset="0"/>
+                <a:cs typeface="Consolas" pitchFamily="49" charset="0"/>
+              </a:rPr>
+              <a:t>grpc_function_handle_t</a:t>
+            </a:r>
+            <a:r>
+              <a:rPr lang="en-US" sz="1400" dirty="0" smtClean="0">
+                <a:latin typeface="Consolas" pitchFamily="49" charset="0"/>
+                <a:cs typeface="Consolas" pitchFamily="49" charset="0"/>
+              </a:rPr>
+              <a:t> </a:t>
+            </a:r>
+            <a:r>
+              <a:rPr lang="en-US" sz="1400" dirty="0" smtClean="0">
+                <a:latin typeface="Consolas" pitchFamily="49" charset="0"/>
+                <a:cs typeface="Consolas" pitchFamily="49" charset="0"/>
+              </a:rPr>
+              <a:t>        handle</a:t>
+            </a:r>
+            <a:r>
+              <a:rPr lang="en-US" sz="1400" dirty="0" smtClean="0">
+                <a:latin typeface="Consolas" pitchFamily="49" charset="0"/>
+                <a:cs typeface="Consolas" pitchFamily="49" charset="0"/>
+              </a:rPr>
+              <a:t>; </a:t>
+            </a:r>
+          </a:p>
+          <a:p>
+            <a:pPr>
+              <a:buNone/>
+            </a:pPr>
+            <a:r>
+              <a:rPr lang="en-US" sz="1400" dirty="0" smtClean="0">
+                <a:latin typeface="Consolas" pitchFamily="49" charset="0"/>
+                <a:cs typeface="Consolas" pitchFamily="49" charset="0"/>
+              </a:rPr>
+              <a:t> </a:t>
+            </a:r>
+            <a:r>
+              <a:rPr lang="en-US" sz="1400" dirty="0" err="1" smtClean="0">
+                <a:latin typeface="Consolas" pitchFamily="49" charset="0"/>
+                <a:cs typeface="Consolas" pitchFamily="49" charset="0"/>
+              </a:rPr>
+              <a:t>grpc_function_handle_default</a:t>
+            </a:r>
+            <a:r>
+              <a:rPr lang="en-US" sz="1400" dirty="0" smtClean="0">
+                <a:latin typeface="Consolas" pitchFamily="49" charset="0"/>
+                <a:cs typeface="Consolas" pitchFamily="49" charset="0"/>
+              </a:rPr>
+              <a:t> (&amp;handle, "</a:t>
+            </a:r>
+            <a:r>
+              <a:rPr lang="en-US" sz="1400" dirty="0" err="1" smtClean="0">
+                <a:latin typeface="Consolas" pitchFamily="49" charset="0"/>
+                <a:cs typeface="Consolas" pitchFamily="49" charset="0"/>
+              </a:rPr>
+              <a:t>mat_mult</a:t>
+            </a:r>
+            <a:r>
+              <a:rPr lang="en-US" sz="1400" dirty="0" smtClean="0">
+                <a:latin typeface="Consolas" pitchFamily="49" charset="0"/>
+                <a:cs typeface="Consolas" pitchFamily="49" charset="0"/>
+              </a:rPr>
+              <a:t>");</a:t>
+            </a:r>
+          </a:p>
+          <a:p>
+            <a:pPr>
+              <a:buNone/>
+            </a:pPr>
+            <a:endParaRPr lang="en-US" sz="1400" dirty="0" smtClean="0">
+              <a:latin typeface="Consolas" pitchFamily="49" charset="0"/>
+              <a:cs typeface="Consolas" pitchFamily="49" charset="0"/>
+            </a:endParaRPr>
+          </a:p>
+          <a:p>
+            <a:pPr>
+              <a:buNone/>
+            </a:pPr>
+            <a:r>
+              <a:rPr lang="en-US" sz="1400" dirty="0" smtClean="0">
+                <a:latin typeface="Consolas" pitchFamily="49" charset="0"/>
+                <a:cs typeface="Consolas" pitchFamily="49" charset="0"/>
+              </a:rPr>
+              <a:t> if ( </a:t>
+            </a:r>
+            <a:r>
+              <a:rPr lang="en-US" sz="1400" dirty="0" err="1" smtClean="0">
+                <a:latin typeface="Consolas" pitchFamily="49" charset="0"/>
+                <a:cs typeface="Consolas" pitchFamily="49" charset="0"/>
+              </a:rPr>
+              <a:t>grpc_call</a:t>
+            </a:r>
+            <a:r>
+              <a:rPr lang="en-US" sz="1400" dirty="0" smtClean="0">
+                <a:latin typeface="Consolas" pitchFamily="49" charset="0"/>
+                <a:cs typeface="Consolas" pitchFamily="49" charset="0"/>
+              </a:rPr>
+              <a:t> (&amp;handle, N, A, B, C) != GRPC_NO_ERROR )</a:t>
+            </a:r>
+          </a:p>
+          <a:p>
+            <a:pPr>
+              <a:buNone/>
+            </a:pPr>
+            <a:r>
+              <a:rPr lang="en-US" sz="1400" dirty="0" smtClean="0">
+                <a:latin typeface="Consolas" pitchFamily="49" charset="0"/>
+                <a:cs typeface="Consolas" pitchFamily="49" charset="0"/>
+              </a:rPr>
+              <a:t> { </a:t>
+            </a:r>
+          </a:p>
+          <a:p>
+            <a:pPr>
+              <a:buNone/>
+            </a:pPr>
+            <a:r>
+              <a:rPr lang="en-US" sz="1400" dirty="0" smtClean="0">
+                <a:latin typeface="Consolas" pitchFamily="49" charset="0"/>
+                <a:cs typeface="Consolas" pitchFamily="49" charset="0"/>
+              </a:rPr>
+              <a:t>   exit (1);</a:t>
+            </a:r>
+          </a:p>
+          <a:p>
+            <a:pPr>
+              <a:buNone/>
+            </a:pPr>
+            <a:r>
+              <a:rPr lang="en-US" sz="1400" dirty="0" smtClean="0">
+                <a:latin typeface="Consolas" pitchFamily="49" charset="0"/>
+                <a:cs typeface="Consolas" pitchFamily="49" charset="0"/>
+              </a:rPr>
+              <a:t> } </a:t>
+            </a:r>
+          </a:p>
+          <a:p>
+            <a:pPr>
+              <a:buNone/>
+            </a:pPr>
+            <a:endParaRPr lang="en-US" sz="1400" dirty="0" smtClean="0">
+              <a:latin typeface="Consolas" pitchFamily="49" charset="0"/>
+              <a:cs typeface="Consolas" pitchFamily="49" charset="0"/>
+            </a:endParaRPr>
+          </a:p>
+          <a:p>
+            <a:pPr>
+              <a:buNone/>
+            </a:pPr>
+            <a:r>
+              <a:rPr lang="en-US" sz="1400" dirty="0" smtClean="0">
+                <a:latin typeface="Consolas" pitchFamily="49" charset="0"/>
+                <a:cs typeface="Consolas" pitchFamily="49" charset="0"/>
+              </a:rPr>
+              <a:t> </a:t>
+            </a:r>
+            <a:r>
+              <a:rPr lang="en-US" sz="1400" dirty="0" err="1" smtClean="0">
+                <a:latin typeface="Consolas" pitchFamily="49" charset="0"/>
+                <a:cs typeface="Consolas" pitchFamily="49" charset="0"/>
+              </a:rPr>
+              <a:t>grpc_function_handle_destruct</a:t>
+            </a:r>
+            <a:r>
+              <a:rPr lang="en-US" sz="1400" dirty="0" smtClean="0">
+                <a:latin typeface="Consolas" pitchFamily="49" charset="0"/>
+                <a:cs typeface="Consolas" pitchFamily="49" charset="0"/>
+              </a:rPr>
+              <a:t> (&amp;handle); </a:t>
+            </a:r>
+          </a:p>
+          <a:p>
+            <a:pPr>
+              <a:buNone/>
+            </a:pPr>
+            <a:r>
+              <a:rPr lang="en-US" sz="1400" dirty="0" smtClean="0">
+                <a:latin typeface="Consolas" pitchFamily="49" charset="0"/>
+                <a:cs typeface="Consolas" pitchFamily="49" charset="0"/>
+              </a:rPr>
+              <a:t> </a:t>
+            </a:r>
+            <a:r>
+              <a:rPr lang="en-US" sz="1400" dirty="0" err="1" smtClean="0">
+                <a:latin typeface="Consolas" pitchFamily="49" charset="0"/>
+                <a:cs typeface="Consolas" pitchFamily="49" charset="0"/>
+              </a:rPr>
+              <a:t>grpc_finalize</a:t>
+            </a:r>
+            <a:r>
+              <a:rPr lang="en-US" sz="1400" dirty="0" smtClean="0">
+                <a:latin typeface="Consolas" pitchFamily="49" charset="0"/>
+                <a:cs typeface="Consolas" pitchFamily="49" charset="0"/>
+              </a:rPr>
+              <a:t> ();</a:t>
+            </a:r>
+          </a:p>
+          <a:p>
+            <a:pPr>
+              <a:buNone/>
+            </a:pPr>
+            <a:endParaRPr lang="en-US" sz="1400" dirty="0" smtClean="0">
+              <a:latin typeface="Consolas" pitchFamily="49" charset="0"/>
+              <a:cs typeface="Consolas" pitchFamily="49" charset="0"/>
+            </a:endParaRPr>
+          </a:p>
+        </p:txBody>
+      </p:sp>
     </p:spTree>
+    <p:extLst>
+      <p:ext uri="{BB962C8B-B14F-4D97-AF65-F5344CB8AC3E}">
+        <p14:creationId xmlns:p14="http://schemas.microsoft.com/office/powerpoint/2010/main" val="3392050644"/>
+      </p:ext>
+    </p:extLst>
   </p:cSld>
   <p:clrMapOvr>
     <a:masterClrMapping/>
@@ -5871,7 +6252,7 @@
       </p:grpSpPr>
       <p:sp>
         <p:nvSpPr>
-          <p:cNvPr id="4" name="Title 3"/>
+          <p:cNvPr id="2" name="Title 1"/>
           <p:cNvSpPr>
             <a:spLocks noGrp="1"/>
           </p:cNvSpPr>
@@ -5886,23 +6267,28 @@
           <a:p>
             <a:r>
               <a:rPr lang="en-US" dirty="0" smtClean="0"/>
-              <a:t>SAGA Class </a:t>
-            </a:r>
-            <a:r>
-              <a:rPr lang="en-US" dirty="0"/>
-              <a:t>Hierarchy</a:t>
-            </a:r>
+              <a:t>OGF: </a:t>
+            </a:r>
+            <a:r>
+              <a:rPr lang="en-US" dirty="0" err="1" smtClean="0"/>
+              <a:t>GridCPR</a:t>
+            </a:r>
+            <a:r>
+              <a:rPr lang="en-US" dirty="0" smtClean="0"/>
+              <a:t> (Checkpoint &amp; Recovery)</a:t>
+            </a:r>
+            <a:endParaRPr lang="en-US" dirty="0"/>
           </a:p>
         </p:txBody>
       </p:sp>
       <p:sp>
         <p:nvSpPr>
-          <p:cNvPr id="5" name="Text Placeholder 4"/>
+          <p:cNvPr id="3" name="Content Placeholder 2"/>
           <p:cNvSpPr>
             <a:spLocks noGrp="1"/>
           </p:cNvSpPr>
           <p:nvPr>
-            <p:ph type="body" idx="1"/>
+            <p:ph idx="1"/>
           </p:nvPr>
         </p:nvSpPr>
         <p:spPr/>
@@ -5910,14 +6296,80 @@
           <a:bodyPr/>
           <a:lstStyle/>
           <a:p>
-            <a:endParaRPr lang="en-US" dirty="0"/>
+            <a:r>
+              <a:rPr lang="en-US" dirty="0" smtClean="0"/>
+              <a:t>Grids seem to favor application level </a:t>
+            </a:r>
+            <a:r>
+              <a:rPr lang="en-US" dirty="0" err="1" smtClean="0"/>
+              <a:t>checkpointing</a:t>
+            </a:r>
+            <a:r>
+              <a:rPr lang="en-US" dirty="0" smtClean="0"/>
+              <a:t> </a:t>
+            </a:r>
+          </a:p>
+          <a:p>
+            <a:r>
+              <a:rPr lang="en-US" dirty="0" err="1" smtClean="0"/>
+              <a:t>GridCPR</a:t>
+            </a:r>
+            <a:r>
+              <a:rPr lang="en-US" dirty="0" smtClean="0"/>
+              <a:t> </a:t>
+            </a:r>
+            <a:endParaRPr lang="en-US" dirty="0" smtClean="0"/>
+          </a:p>
+          <a:p>
+            <a:pPr lvl="1"/>
+            <a:r>
+              <a:rPr lang="en-US" dirty="0" smtClean="0"/>
+              <a:t>allows </a:t>
+            </a:r>
+            <a:r>
+              <a:rPr lang="en-US" dirty="0" smtClean="0"/>
+              <a:t>to manage checkpoints </a:t>
+            </a:r>
+          </a:p>
+          <a:p>
+            <a:pPr lvl="1"/>
+            <a:r>
+              <a:rPr lang="en-US" dirty="0" smtClean="0"/>
+              <a:t>defines an architecture, service interfaces, and scope of client </a:t>
+            </a:r>
+            <a:r>
+              <a:rPr lang="en-US" dirty="0" smtClean="0"/>
+              <a:t>API</a:t>
+            </a:r>
+          </a:p>
+          <a:p>
+            <a:pPr lvl="1"/>
+            <a:r>
+              <a:rPr lang="en-US" dirty="0" smtClean="0"/>
+              <a:t>SAGA aligned !</a:t>
+            </a:r>
+            <a:endParaRPr lang="en-US" dirty="0" smtClean="0"/>
+          </a:p>
+          <a:p>
+            <a:r>
+              <a:rPr lang="en-US" dirty="0" smtClean="0"/>
+              <a:t>not many implementations exist, usage declining</a:t>
+            </a:r>
+          </a:p>
+          <a:p>
+            <a:pPr lvl="1"/>
+            <a:r>
+              <a:rPr lang="en-US" dirty="0" smtClean="0"/>
+              <a:t>virtualized hardware makes CPR somewhat superfluous</a:t>
+            </a:r>
+            <a:endParaRPr lang="en-US" dirty="0" smtClean="0"/>
           </a:p>
         </p:txBody>
       </p:sp>
     </p:spTree>
     <p:extLst>
       <p:ext uri="{BB962C8B-B14F-4D97-AF65-F5344CB8AC3E}">
-        <p14:creationId xmlns:p14="http://schemas.microsoft.com/office/powerpoint/2010/main" val="738217468"/>
+        <p14:creationId xmlns:p14="http://schemas.microsoft.com/office/powerpoint/2010/main" val="23716702"/>
       </p:ext>
     </p:extLst>
   </p:cSld>
@@ -5961,48 +6413,85 @@
           <a:p>
             <a:r>
               <a:rPr lang="en-US" dirty="0" smtClean="0"/>
-              <a:t>SAGA: Class hierarchy</a:t>
+              <a:t>OGF: JSDL</a:t>
             </a:r>
             <a:endParaRPr lang="en-US" dirty="0"/>
           </a:p>
         </p:txBody>
       </p:sp>
-      <p:pic>
-        <p:nvPicPr>
-          <p:cNvPr id="6" name="Content Placeholder 5" descr="classes-10.pdf"/>
-          <p:cNvPicPr>
-            <a:picLocks noGrp="1" noChangeAspect="1"/>
-          </p:cNvPicPr>
+      <p:sp>
+        <p:nvSpPr>
+          <p:cNvPr id="3" name="Content Placeholder 2"/>
+          <p:cNvSpPr>
+            <a:spLocks noGrp="1"/>
+          </p:cNvSpPr>
           <p:nvPr>
             <p:ph idx="1"/>
           </p:nvPr>
-        </p:nvPicPr>
-        <mc:AlternateContent xmlns:mc="http://schemas.openxmlformats.org/markup-compatibility/2006">
-          <mc:Choice xmlns:ma="http://schemas.microsoft.com/office/mac/drawingml/2008/main" xmlns:mv="urn:schemas-microsoft-com:mac:vml" xmlns="" Requires="ma">
-            <p:blipFill>
-              <a:blip r:embed="rId2"/>
-              <a:stretch>
-                <a:fillRect/>
-              </a:stretch>
-            </p:blipFill>
-          </mc:Choice>
-          <mc:Fallback>
-            <p:blipFill>
-              <a:blip r:embed="rId3"/>
-              <a:stretch>
-                <a:fillRect/>
-              </a:stretch>
-            </p:blipFill>
-          </mc:Fallback>
-        </mc:AlternateContent>
-        <p:spPr>
-          <a:xfrm>
-            <a:off x="757238" y="2058666"/>
-            <a:ext cx="7967662" cy="3419225"/>
-          </a:xfrm>
-        </p:spPr>
-      </p:pic>
+        </p:nvSpPr>
+        <p:spPr/>
+        <p:txBody>
+          <a:bodyPr/>
+          <a:lstStyle/>
+          <a:p>
+            <a:r>
+              <a:rPr lang="en-US" dirty="0" smtClean="0"/>
+              <a:t>extensible XML based language for describing job requirements </a:t>
+            </a:r>
+          </a:p>
+          <a:p>
+            <a:r>
+              <a:rPr lang="en-US" dirty="0" smtClean="0"/>
+              <a:t>does not cover resource description (on purpose) does not cover workflows, or job dependencies etc (on purpose) </a:t>
+            </a:r>
+          </a:p>
+          <a:p>
+            <a:r>
+              <a:rPr lang="en-US" dirty="0" smtClean="0"/>
+              <a:t>JSDL is extensible (</a:t>
+            </a:r>
+            <a:r>
+              <a:rPr lang="en-US" dirty="0" err="1" smtClean="0"/>
+              <a:t>ParameterSweep</a:t>
+            </a:r>
+            <a:r>
+              <a:rPr lang="en-US" dirty="0" smtClean="0"/>
+              <a:t>, SPMD, </a:t>
+            </a:r>
+            <a:r>
+              <a:rPr lang="en-US" dirty="0" smtClean="0"/>
+              <a:t>...)</a:t>
+            </a:r>
+          </a:p>
+          <a:p>
+            <a:r>
+              <a:rPr lang="en-US" dirty="0" smtClean="0"/>
+              <a:t>top-down approach</a:t>
+            </a:r>
+            <a:endParaRPr lang="en-US" dirty="0" smtClean="0"/>
+          </a:p>
+          <a:p>
+            <a:r>
+              <a:rPr lang="en-US" dirty="0" smtClean="0"/>
+              <a:t>SAGA leans on JSDL for job description</a:t>
+            </a:r>
+          </a:p>
+          <a:p>
+            <a:pPr lvl="1"/>
+            <a:r>
+              <a:rPr lang="en-US" dirty="0" smtClean="0"/>
+              <a:t>future revisions of SAGA will support JSDL directly</a:t>
+            </a:r>
+            <a:endParaRPr lang="en-US" dirty="0"/>
+          </a:p>
+        </p:txBody>
+      </p:sp>
     </p:spTree>
+    <p:extLst>
+      <p:ext uri="{BB962C8B-B14F-4D97-AF65-F5344CB8AC3E}">
+        <p14:creationId xmlns:p14="http://schemas.microsoft.com/office/powerpoint/2010/main" val="1493198162"/>
+      </p:ext>
+    </p:extLst>
   </p:cSld>
   <p:clrMapOvr>
     <a:masterClrMapping/>
@@ -6044,7 +6533,7 @@
           <a:p>
             <a:r>
               <a:rPr lang="en-US" dirty="0" smtClean="0"/>
-              <a:t>SAGA: Class hierarchy</a:t>
+              <a:t>OGF: JSDL</a:t>
             </a:r>
             <a:endParaRPr lang="en-US" dirty="0"/>
           </a:p>
@@ -6052,32 +6541,443 @@
       </p:sp>
       <p:sp>
         <p:nvSpPr>
-          <p:cNvPr id="4" name="Text Placeholder 3"/>
-          <p:cNvSpPr>
-            <a:spLocks noGrp="1"/>
-          </p:cNvSpPr>
-          <p:nvPr>
-            <p:ph type="body" idx="1"/>
-          </p:nvPr>
+          <p:cNvPr id="4" name="TextBox 3"/>
+          <p:cNvSpPr txBox="1"/>
+          <p:nvPr/>
         </p:nvSpPr>
-        <p:spPr/>
+        <p:spPr>
+          <a:xfrm>
+            <a:off x="946859" y="2165992"/>
+            <a:ext cx="7966954" cy="3970318"/>
+          </a:xfrm>
+          <a:prstGeom prst="rect">
+            <a:avLst/>
+          </a:prstGeom>
+          <a:solidFill>
+            <a:srgbClr val="D7D9CD"/>
+          </a:solidFill>
+          <a:ln>
+            <a:solidFill>
+              <a:srgbClr val="8BADBD"/>
+            </a:solidFill>
+          </a:ln>
+        </p:spPr>
+        <p:style>
+          <a:lnRef idx="2">
+            <a:schemeClr val="accent4"/>
+          </a:lnRef>
+          <a:fillRef idx="1">
+            <a:schemeClr val="lt1"/>
+          </a:fillRef>
+          <a:effectRef idx="0">
+            <a:schemeClr val="accent4"/>
+          </a:effectRef>
+          <a:fontRef idx="minor">
+            <a:schemeClr val="dk1"/>
+          </a:fontRef>
+        </p:style>
         <p:txBody>
-          <a:bodyPr/>
+          <a:bodyPr wrap="square" rtlCol="0">
+            <a:spAutoFit/>
+          </a:bodyPr>
           <a:lstStyle/>
           <a:p>
-            <a:r>
-              <a:rPr lang="en-US" dirty="0" smtClean="0"/>
-              <a:t>Functional API Packages</a:t>
-            </a:r>
-            <a:endParaRPr lang="en-US" dirty="0"/>
+            <a:pPr>
+              <a:buNone/>
+            </a:pPr>
+            <a:endParaRPr lang="en-US" sz="1400" dirty="0" smtClean="0">
+              <a:latin typeface="Consolas" pitchFamily="49" charset="0"/>
+              <a:cs typeface="Consolas" pitchFamily="49" charset="0"/>
+            </a:endParaRPr>
+          </a:p>
+          <a:p>
+            <a:pPr>
+              <a:buNone/>
+            </a:pPr>
+            <a:r>
+              <a:rPr lang="en-US" sz="1400" dirty="0" smtClean="0">
+                <a:latin typeface="Consolas" pitchFamily="49" charset="0"/>
+                <a:cs typeface="Consolas" pitchFamily="49" charset="0"/>
+              </a:rPr>
+              <a:t> &lt;</a:t>
+            </a:r>
+            <a:r>
+              <a:rPr lang="en-US" sz="1400" dirty="0" err="1" smtClean="0">
+                <a:latin typeface="Consolas" pitchFamily="49" charset="0"/>
+                <a:cs typeface="Consolas" pitchFamily="49" charset="0"/>
+              </a:rPr>
+              <a:t>jsdl:JobDefinition</a:t>
+            </a:r>
+            <a:r>
+              <a:rPr lang="en-US" sz="1400" dirty="0" smtClean="0">
+                <a:latin typeface="Consolas" pitchFamily="49" charset="0"/>
+                <a:cs typeface="Consolas" pitchFamily="49" charset="0"/>
+              </a:rPr>
+              <a:t>&gt; </a:t>
+            </a:r>
+          </a:p>
+          <a:p>
+            <a:pPr>
+              <a:buNone/>
+            </a:pPr>
+            <a:r>
+              <a:rPr lang="en-US" sz="1400" dirty="0" smtClean="0">
+                <a:latin typeface="Consolas" pitchFamily="49" charset="0"/>
+                <a:cs typeface="Consolas" pitchFamily="49" charset="0"/>
+              </a:rPr>
+              <a:t>  &lt;</a:t>
+            </a:r>
+            <a:r>
+              <a:rPr lang="en-US" sz="1400" dirty="0" err="1" smtClean="0">
+                <a:latin typeface="Consolas" pitchFamily="49" charset="0"/>
+                <a:cs typeface="Consolas" pitchFamily="49" charset="0"/>
+              </a:rPr>
+              <a:t>JobDescription</a:t>
+            </a:r>
+            <a:r>
+              <a:rPr lang="en-US" sz="1400" dirty="0" smtClean="0">
+                <a:latin typeface="Consolas" pitchFamily="49" charset="0"/>
+                <a:cs typeface="Consolas" pitchFamily="49" charset="0"/>
+              </a:rPr>
+              <a:t>&gt; </a:t>
+            </a:r>
+          </a:p>
+          <a:p>
+            <a:pPr>
+              <a:buNone/>
+            </a:pPr>
+            <a:r>
+              <a:rPr lang="en-US" sz="1400" dirty="0" smtClean="0">
+                <a:latin typeface="Consolas" pitchFamily="49" charset="0"/>
+                <a:cs typeface="Consolas" pitchFamily="49" charset="0"/>
+              </a:rPr>
+              <a:t>   &lt;Application&gt; </a:t>
+            </a:r>
+          </a:p>
+          <a:p>
+            <a:pPr>
+              <a:buNone/>
+            </a:pPr>
+            <a:r>
+              <a:rPr lang="en-US" sz="1400" dirty="0" smtClean="0">
+                <a:latin typeface="Consolas" pitchFamily="49" charset="0"/>
+                <a:cs typeface="Consolas" pitchFamily="49" charset="0"/>
+              </a:rPr>
+              <a:t>    &lt;</a:t>
+            </a:r>
+            <a:r>
+              <a:rPr lang="en-US" sz="1400" dirty="0" err="1" smtClean="0">
+                <a:latin typeface="Consolas" pitchFamily="49" charset="0"/>
+                <a:cs typeface="Consolas" pitchFamily="49" charset="0"/>
+              </a:rPr>
+              <a:t>jsdl-posix:POSIXApplication</a:t>
+            </a:r>
+            <a:r>
+              <a:rPr lang="en-US" sz="1400" dirty="0" smtClean="0">
+                <a:latin typeface="Consolas" pitchFamily="49" charset="0"/>
+                <a:cs typeface="Consolas" pitchFamily="49" charset="0"/>
+              </a:rPr>
+              <a:t>&gt; </a:t>
+            </a:r>
+          </a:p>
+          <a:p>
+            <a:pPr>
+              <a:buNone/>
+            </a:pPr>
+            <a:r>
+              <a:rPr lang="en-US" sz="1400" dirty="0" smtClean="0">
+                <a:latin typeface="Consolas" pitchFamily="49" charset="0"/>
+                <a:cs typeface="Consolas" pitchFamily="49" charset="0"/>
+              </a:rPr>
+              <a:t>     &lt;Executable&gt;/bin/date&lt;/Executable&gt; </a:t>
+            </a:r>
+          </a:p>
+          <a:p>
+            <a:pPr>
+              <a:buNone/>
+            </a:pPr>
+            <a:r>
+              <a:rPr lang="en-US" sz="1400" dirty="0" smtClean="0">
+                <a:latin typeface="Consolas" pitchFamily="49" charset="0"/>
+                <a:cs typeface="Consolas" pitchFamily="49" charset="0"/>
+              </a:rPr>
+              <a:t>    &lt;/</a:t>
+            </a:r>
+            <a:r>
+              <a:rPr lang="en-US" sz="1400" dirty="0" err="1" smtClean="0">
+                <a:latin typeface="Consolas" pitchFamily="49" charset="0"/>
+                <a:cs typeface="Consolas" pitchFamily="49" charset="0"/>
+              </a:rPr>
+              <a:t>jsdl-posix:POSIXApplication</a:t>
+            </a:r>
+            <a:r>
+              <a:rPr lang="en-US" sz="1400" dirty="0" smtClean="0">
+                <a:latin typeface="Consolas" pitchFamily="49" charset="0"/>
+                <a:cs typeface="Consolas" pitchFamily="49" charset="0"/>
+              </a:rPr>
+              <a:t>&gt; </a:t>
+            </a:r>
+          </a:p>
+          <a:p>
+            <a:pPr>
+              <a:buNone/>
+            </a:pPr>
+            <a:r>
+              <a:rPr lang="en-US" sz="1400" dirty="0" smtClean="0">
+                <a:latin typeface="Consolas" pitchFamily="49" charset="0"/>
+                <a:cs typeface="Consolas" pitchFamily="49" charset="0"/>
+              </a:rPr>
+              <a:t>   &lt;/Application&gt; </a:t>
+            </a:r>
+          </a:p>
+          <a:p>
+            <a:pPr>
+              <a:buNone/>
+            </a:pPr>
+            <a:r>
+              <a:rPr lang="en-US" sz="1400" dirty="0" smtClean="0">
+                <a:latin typeface="Consolas" pitchFamily="49" charset="0"/>
+                <a:cs typeface="Consolas" pitchFamily="49" charset="0"/>
+              </a:rPr>
+              <a:t>   &lt;Resources ...&gt; </a:t>
+            </a:r>
+          </a:p>
+          <a:p>
+            <a:pPr>
+              <a:buNone/>
+            </a:pPr>
+            <a:r>
+              <a:rPr lang="en-US" sz="1400" dirty="0" smtClean="0">
+                <a:latin typeface="Consolas" pitchFamily="49" charset="0"/>
+                <a:cs typeface="Consolas" pitchFamily="49" charset="0"/>
+              </a:rPr>
+              <a:t>    &lt;</a:t>
+            </a:r>
+            <a:r>
+              <a:rPr lang="en-US" sz="1400" dirty="0" err="1" smtClean="0">
+                <a:latin typeface="Consolas" pitchFamily="49" charset="0"/>
+                <a:cs typeface="Consolas" pitchFamily="49" charset="0"/>
+              </a:rPr>
+              <a:t>OperatingSystem</a:t>
+            </a:r>
+            <a:r>
+              <a:rPr lang="en-US" sz="1400" dirty="0" smtClean="0">
+                <a:latin typeface="Consolas" pitchFamily="49" charset="0"/>
+                <a:cs typeface="Consolas" pitchFamily="49" charset="0"/>
+              </a:rPr>
+              <a:t>&gt; </a:t>
+            </a:r>
+          </a:p>
+          <a:p>
+            <a:pPr>
+              <a:buNone/>
+            </a:pPr>
+            <a:r>
+              <a:rPr lang="en-US" sz="1400" dirty="0" smtClean="0">
+                <a:latin typeface="Consolas" pitchFamily="49" charset="0"/>
+                <a:cs typeface="Consolas" pitchFamily="49" charset="0"/>
+              </a:rPr>
+              <a:t>     &lt;</a:t>
+            </a:r>
+            <a:r>
+              <a:rPr lang="en-US" sz="1400" dirty="0" err="1" smtClean="0">
+                <a:latin typeface="Consolas" pitchFamily="49" charset="0"/>
+                <a:cs typeface="Consolas" pitchFamily="49" charset="0"/>
+              </a:rPr>
+              <a:t>OperatingSystemType</a:t>
+            </a:r>
+            <a:r>
+              <a:rPr lang="en-US" sz="1400" dirty="0" smtClean="0">
+                <a:latin typeface="Consolas" pitchFamily="49" charset="0"/>
+                <a:cs typeface="Consolas" pitchFamily="49" charset="0"/>
+              </a:rPr>
+              <a:t>&gt; </a:t>
+            </a:r>
+          </a:p>
+          <a:p>
+            <a:pPr>
+              <a:buNone/>
+            </a:pPr>
+            <a:r>
+              <a:rPr lang="en-US" sz="1400" dirty="0" smtClean="0">
+                <a:latin typeface="Consolas" pitchFamily="49" charset="0"/>
+                <a:cs typeface="Consolas" pitchFamily="49" charset="0"/>
+              </a:rPr>
+              <a:t>      &lt;</a:t>
+            </a:r>
+            <a:r>
+              <a:rPr lang="en-US" sz="1400" dirty="0" err="1" smtClean="0">
+                <a:latin typeface="Consolas" pitchFamily="49" charset="0"/>
+                <a:cs typeface="Consolas" pitchFamily="49" charset="0"/>
+              </a:rPr>
+              <a:t>OperatingSystemName</a:t>
+            </a:r>
+            <a:r>
+              <a:rPr lang="en-US" sz="1400" dirty="0" smtClean="0">
+                <a:latin typeface="Consolas" pitchFamily="49" charset="0"/>
+                <a:cs typeface="Consolas" pitchFamily="49" charset="0"/>
+              </a:rPr>
+              <a:t>&gt;LINUX&lt;/</a:t>
+            </a:r>
+            <a:r>
+              <a:rPr lang="en-US" sz="1400" dirty="0" err="1" smtClean="0">
+                <a:latin typeface="Consolas" pitchFamily="49" charset="0"/>
+                <a:cs typeface="Consolas" pitchFamily="49" charset="0"/>
+              </a:rPr>
+              <a:t>OperatingSystemName</a:t>
+            </a:r>
+            <a:r>
+              <a:rPr lang="en-US" sz="1400" dirty="0" smtClean="0">
+                <a:latin typeface="Consolas" pitchFamily="49" charset="0"/>
+                <a:cs typeface="Consolas" pitchFamily="49" charset="0"/>
+              </a:rPr>
+              <a:t>&gt; </a:t>
+            </a:r>
+          </a:p>
+          <a:p>
+            <a:pPr>
+              <a:buNone/>
+            </a:pPr>
+            <a:r>
+              <a:rPr lang="en-US" sz="1400" dirty="0" smtClean="0">
+                <a:latin typeface="Consolas" pitchFamily="49" charset="0"/>
+                <a:cs typeface="Consolas" pitchFamily="49" charset="0"/>
+              </a:rPr>
+              <a:t>     &lt;/</a:t>
+            </a:r>
+            <a:r>
+              <a:rPr lang="en-US" sz="1400" dirty="0" err="1" smtClean="0">
+                <a:latin typeface="Consolas" pitchFamily="49" charset="0"/>
+                <a:cs typeface="Consolas" pitchFamily="49" charset="0"/>
+              </a:rPr>
+              <a:t>OperatingSystemType</a:t>
+            </a:r>
+            <a:r>
+              <a:rPr lang="en-US" sz="1400" dirty="0" smtClean="0">
+                <a:latin typeface="Consolas" pitchFamily="49" charset="0"/>
+                <a:cs typeface="Consolas" pitchFamily="49" charset="0"/>
+              </a:rPr>
+              <a:t>&gt; </a:t>
+            </a:r>
+          </a:p>
+          <a:p>
+            <a:pPr>
+              <a:buNone/>
+            </a:pPr>
+            <a:r>
+              <a:rPr lang="en-US" sz="1400" dirty="0" smtClean="0">
+                <a:latin typeface="Consolas" pitchFamily="49" charset="0"/>
+                <a:cs typeface="Consolas" pitchFamily="49" charset="0"/>
+              </a:rPr>
+              <a:t>    &lt;/</a:t>
+            </a:r>
+            <a:r>
+              <a:rPr lang="en-US" sz="1400" dirty="0" err="1" smtClean="0">
+                <a:latin typeface="Consolas" pitchFamily="49" charset="0"/>
+                <a:cs typeface="Consolas" pitchFamily="49" charset="0"/>
+              </a:rPr>
+              <a:t>OperatingSystem</a:t>
+            </a:r>
+            <a:r>
+              <a:rPr lang="en-US" sz="1400" dirty="0" smtClean="0">
+                <a:latin typeface="Consolas" pitchFamily="49" charset="0"/>
+                <a:cs typeface="Consolas" pitchFamily="49" charset="0"/>
+              </a:rPr>
+              <a:t>&gt; </a:t>
+            </a:r>
+          </a:p>
+          <a:p>
+            <a:pPr>
+              <a:buNone/>
+            </a:pPr>
+            <a:r>
+              <a:rPr lang="en-US" sz="1400" dirty="0" smtClean="0">
+                <a:latin typeface="Consolas" pitchFamily="49" charset="0"/>
+                <a:cs typeface="Consolas" pitchFamily="49" charset="0"/>
+              </a:rPr>
+              <a:t>   &lt;/Resources&gt; </a:t>
+            </a:r>
+          </a:p>
+          <a:p>
+            <a:pPr>
+              <a:buNone/>
+            </a:pPr>
+            <a:r>
+              <a:rPr lang="en-US" sz="1400" dirty="0" smtClean="0">
+                <a:latin typeface="Consolas" pitchFamily="49" charset="0"/>
+                <a:cs typeface="Consolas" pitchFamily="49" charset="0"/>
+              </a:rPr>
+              <a:t>  &lt;/</a:t>
+            </a:r>
+            <a:r>
+              <a:rPr lang="en-US" sz="1400" dirty="0" err="1" smtClean="0">
+                <a:latin typeface="Consolas" pitchFamily="49" charset="0"/>
+                <a:cs typeface="Consolas" pitchFamily="49" charset="0"/>
+              </a:rPr>
+              <a:t>JobDescription</a:t>
+            </a:r>
+            <a:r>
+              <a:rPr lang="en-US" sz="1400" dirty="0" smtClean="0">
+                <a:latin typeface="Consolas" pitchFamily="49" charset="0"/>
+                <a:cs typeface="Consolas" pitchFamily="49" charset="0"/>
+              </a:rPr>
+              <a:t>&gt; </a:t>
+            </a:r>
+          </a:p>
+          <a:p>
+            <a:pPr>
+              <a:buNone/>
+            </a:pPr>
+            <a:r>
+              <a:rPr lang="en-US" sz="1400" dirty="0" smtClean="0">
+                <a:latin typeface="Consolas" pitchFamily="49" charset="0"/>
+                <a:cs typeface="Consolas" pitchFamily="49" charset="0"/>
+              </a:rPr>
+              <a:t> &lt;</a:t>
+            </a:r>
+            <a:r>
+              <a:rPr lang="en-US" sz="1400" dirty="0" err="1" smtClean="0">
+                <a:latin typeface="Consolas" pitchFamily="49" charset="0"/>
+                <a:cs typeface="Consolas" pitchFamily="49" charset="0"/>
+              </a:rPr>
+              <a:t>jsdl:JobDefinition</a:t>
+            </a:r>
+            <a:r>
+              <a:rPr lang="en-US" sz="1400" dirty="0" smtClean="0">
+                <a:latin typeface="Consolas" pitchFamily="49" charset="0"/>
+                <a:cs typeface="Consolas" pitchFamily="49" charset="0"/>
+              </a:rPr>
+              <a:t>&gt;</a:t>
+            </a:r>
+          </a:p>
+          <a:p>
+            <a:pPr>
+              <a:buNone/>
+            </a:pPr>
+            <a:endParaRPr lang="en-US" sz="1400" dirty="0">
+              <a:latin typeface="Consolas" pitchFamily="49" charset="0"/>
+              <a:cs typeface="Consolas" pitchFamily="49" charset="0"/>
+            </a:endParaRPr>
           </a:p>
         </p:txBody>
       </p:sp>
     </p:spTree>
+    <p:extLst>
+      <p:ext uri="{BB962C8B-B14F-4D97-AF65-F5344CB8AC3E}">
+        <p14:creationId xmlns:p14="http://schemas.microsoft.com/office/powerpoint/2010/main" val="1008652089"/>
+      </p:ext>
+    </p:extLst>
   </p:cSld>
   <p:clrMapOvr>
     <a:masterClrMapping/>
   </p:clrMapOvr>
+  <p:timing>
+    <p:tnLst>
+      <p:par>
+        <p:cTn id="1" dur="indefinite" restart="never" nodeType="tmRoot"/>
+      </p:par>
+    </p:tnLst>
+  </p:timing>
 </p:sld>
 </file>
 
@@ -6114,6 +7014,2559 @@
           <a:lstStyle/>
           <a:p>
             <a:r>
+              <a:rPr lang="en-US" dirty="0" smtClean="0"/>
+              <a:t>OGF: Summary</a:t>
+            </a:r>
+            <a:endParaRPr lang="en-US" dirty="0"/>
+          </a:p>
+        </p:txBody>
+      </p:sp>
+      <p:sp>
+        <p:nvSpPr>
+          <p:cNvPr id="3" name="Content Placeholder 2"/>
+          <p:cNvSpPr>
+            <a:spLocks noGrp="1"/>
+          </p:cNvSpPr>
+          <p:nvPr>
+            <p:ph idx="1"/>
+          </p:nvPr>
+        </p:nvSpPr>
+        <p:spPr/>
+        <p:txBody>
+          <a:bodyPr/>
+          <a:lstStyle/>
+          <a:p>
+            <a:r>
+              <a:rPr lang="en-US" dirty="0" smtClean="0"/>
+              <a:t>some </a:t>
+            </a:r>
+            <a:r>
+              <a:rPr lang="en-US" dirty="0" smtClean="0"/>
+              <a:t>high-level API </a:t>
+            </a:r>
+            <a:r>
+              <a:rPr lang="en-US" dirty="0" smtClean="0"/>
+              <a:t>specs exist in OGF, and are successful </a:t>
+            </a:r>
+          </a:p>
+          <a:p>
+            <a:r>
+              <a:rPr lang="en-US" dirty="0" smtClean="0"/>
+              <a:t>OGF APIs do not cover the complete OGF scope </a:t>
+            </a:r>
+          </a:p>
+          <a:p>
+            <a:r>
+              <a:rPr lang="en-US" dirty="0" smtClean="0"/>
+              <a:t>the various API standards are disjoint </a:t>
+            </a:r>
+          </a:p>
+          <a:p>
+            <a:r>
+              <a:rPr lang="en-US" dirty="0" smtClean="0"/>
+              <a:t>WSDL as service interface specification cannot replace an application level API (wrong level of abstraction) </a:t>
+            </a:r>
+            <a:endParaRPr lang="en-US" dirty="0" smtClean="0"/>
+          </a:p>
+          <a:p>
+            <a:pPr marL="0" indent="0">
+              <a:buNone/>
+            </a:pPr>
+            <a:endParaRPr lang="en-US" dirty="0" smtClean="0"/>
+          </a:p>
+          <a:p>
+            <a:r>
+              <a:rPr lang="en-US" b="1" dirty="0" smtClean="0"/>
+              <a:t>SAGA tries to address these issues</a:t>
+            </a:r>
+            <a:endParaRPr lang="en-US" dirty="0"/>
+          </a:p>
+        </p:txBody>
+      </p:sp>
+    </p:spTree>
+    <p:extLst>
+      <p:ext uri="{BB962C8B-B14F-4D97-AF65-F5344CB8AC3E}">
+        <p14:creationId xmlns:p14="http://schemas.microsoft.com/office/powerpoint/2010/main" val="2683418167"/>
+      </p:ext>
+    </p:extLst>
+  </p:cSld>
+  <p:clrMapOvr>
+    <a:masterClrMapping/>
+  </p:clrMapOvr>
+  <p:timing>
+    <p:tnLst>
+      <p:par>
+        <p:cTn id="1" dur="indefinite" restart="never" nodeType="tmRoot"/>
+      </p:par>
+    </p:tnLst>
+  </p:timing>
+</p:sld>
+</file>
+
+<file path=ppt/slides/slide15.xml><?xml version="1.0" encoding="utf-8"?>
+<p:sld xmlns:a="http://schemas.openxmlformats.org/drawingml/2006/main" xmlns:r="http://schemas.openxmlformats.org/officeDocument/2006/relationships" xmlns:p="http://schemas.openxmlformats.org/presentationml/2006/main">
+  <p:cSld>
+    <p:spTree>
+      <p:nvGrpSpPr>
+        <p:cNvPr id="1" name=""/>
+        <p:cNvGrpSpPr/>
+        <p:nvPr/>
+      </p:nvGrpSpPr>
+      <p:grpSpPr>
+        <a:xfrm>
+          <a:off x="0" y="0"/>
+          <a:ext cx="0" cy="0"/>
+          <a:chOff x="0" y="0"/>
+          <a:chExt cx="0" cy="0"/>
+        </a:xfrm>
+      </p:grpSpPr>
+      <p:sp>
+        <p:nvSpPr>
+          <p:cNvPr id="2" name="Title 1"/>
+          <p:cNvSpPr>
+            <a:spLocks noGrp="1"/>
+          </p:cNvSpPr>
+          <p:nvPr>
+            <p:ph type="title"/>
+          </p:nvPr>
+        </p:nvSpPr>
+        <p:spPr/>
+        <p:txBody>
+          <a:bodyPr/>
+          <a:lstStyle/>
+          <a:p>
+            <a:r>
+              <a:rPr lang="en-US" dirty="0" smtClean="0"/>
+              <a:t>SAGA Design Principles</a:t>
+            </a:r>
+            <a:endParaRPr lang="en-US" dirty="0"/>
+          </a:p>
+        </p:txBody>
+      </p:sp>
+      <p:sp>
+        <p:nvSpPr>
+          <p:cNvPr id="3" name="Content Placeholder 2"/>
+          <p:cNvSpPr>
+            <a:spLocks noGrp="1"/>
+          </p:cNvSpPr>
+          <p:nvPr>
+            <p:ph idx="1"/>
+          </p:nvPr>
+        </p:nvSpPr>
+        <p:spPr>
+          <a:xfrm>
+            <a:off x="757947" y="2004892"/>
+            <a:ext cx="7966954" cy="4448688"/>
+          </a:xfrm>
+        </p:spPr>
+        <p:txBody>
+          <a:bodyPr>
+            <a:normAutofit fontScale="85000" lnSpcReduction="20000"/>
+          </a:bodyPr>
+          <a:lstStyle/>
+          <a:p>
+            <a:r>
+              <a:rPr lang="en-US" dirty="0" smtClean="0"/>
+              <a:t>SAGA: Simple API for Grid Applications </a:t>
+            </a:r>
+          </a:p>
+          <a:p>
+            <a:pPr lvl="1"/>
+            <a:r>
+              <a:rPr lang="en-US" dirty="0" smtClean="0"/>
+              <a:t>OGF approach to a uniform API layer (facade) </a:t>
+            </a:r>
+          </a:p>
+          <a:p>
+            <a:r>
+              <a:rPr lang="en-US" dirty="0" smtClean="0"/>
+              <a:t>top-down approach</a:t>
+            </a:r>
+          </a:p>
+          <a:p>
+            <a:pPr lvl="1"/>
+            <a:r>
+              <a:rPr lang="en-US" dirty="0" smtClean="0"/>
+              <a:t>use case driven! </a:t>
+            </a:r>
+          </a:p>
+          <a:p>
+            <a:pPr lvl="1"/>
+            <a:r>
+              <a:rPr lang="en-US" dirty="0" smtClean="0"/>
+              <a:t>defines application level abstractions </a:t>
+            </a:r>
+          </a:p>
+          <a:p>
+            <a:r>
+              <a:rPr lang="en-US" dirty="0" smtClean="0"/>
+              <a:t>governing </a:t>
+            </a:r>
+            <a:r>
+              <a:rPr lang="en-US" dirty="0" smtClean="0"/>
+              <a:t>principle: 80:20 rule </a:t>
+            </a:r>
+          </a:p>
+          <a:p>
+            <a:pPr lvl="1"/>
+            <a:r>
+              <a:rPr lang="en-US" dirty="0" smtClean="0"/>
+              <a:t>simplicity versus control! </a:t>
+            </a:r>
+          </a:p>
+          <a:p>
+            <a:r>
+              <a:rPr lang="en-US" dirty="0" smtClean="0"/>
+              <a:t>extensible</a:t>
+            </a:r>
+            <a:endParaRPr lang="en-US" dirty="0" smtClean="0"/>
+          </a:p>
+          <a:p>
+            <a:pPr lvl="1"/>
+            <a:r>
+              <a:rPr lang="en-US" dirty="0" smtClean="0"/>
+              <a:t>stable look &amp; feel </a:t>
+            </a:r>
+          </a:p>
+          <a:p>
+            <a:pPr lvl="1"/>
+            <a:r>
+              <a:rPr lang="en-US" dirty="0" smtClean="0"/>
+              <a:t>API packages </a:t>
+            </a:r>
+          </a:p>
+          <a:p>
+            <a:r>
+              <a:rPr lang="en-US" dirty="0" smtClean="0"/>
+              <a:t>API Specification is language independent (IDL) </a:t>
+            </a:r>
+          </a:p>
+          <a:p>
+            <a:pPr lvl="1"/>
+            <a:r>
+              <a:rPr lang="en-US" dirty="0" smtClean="0"/>
+              <a:t>Renderings exist in C++, Python, Java </a:t>
+            </a:r>
+          </a:p>
+          <a:p>
+            <a:pPr lvl="1"/>
+            <a:r>
+              <a:rPr lang="en-US" dirty="0" smtClean="0"/>
+              <a:t>focus today on C++ or Python</a:t>
+            </a:r>
+            <a:endParaRPr lang="en-US" dirty="0"/>
+          </a:p>
+        </p:txBody>
+      </p:sp>
+    </p:spTree>
+  </p:cSld>
+  <p:clrMapOvr>
+    <a:masterClrMapping/>
+  </p:clrMapOvr>
+  <p:timing>
+    <p:tnLst>
+      <p:par>
+        <p:cTn id="1" dur="indefinite" restart="never" nodeType="tmRoot"/>
+      </p:par>
+    </p:tnLst>
+  </p:timing>
+</p:sld>
+</file>
+
+<file path=ppt/slides/slide16.xml><?xml version="1.0" encoding="utf-8"?>
+<p:sld xmlns:a="http://schemas.openxmlformats.org/drawingml/2006/main" xmlns:r="http://schemas.openxmlformats.org/officeDocument/2006/relationships" xmlns:p="http://schemas.openxmlformats.org/presentationml/2006/main">
+  <p:cSld>
+    <p:spTree>
+      <p:nvGrpSpPr>
+        <p:cNvPr id="1" name=""/>
+        <p:cNvGrpSpPr/>
+        <p:nvPr/>
+      </p:nvGrpSpPr>
+      <p:grpSpPr>
+        <a:xfrm>
+          <a:off x="0" y="0"/>
+          <a:ext cx="0" cy="0"/>
+          <a:chOff x="0" y="0"/>
+          <a:chExt cx="0" cy="0"/>
+        </a:xfrm>
+      </p:grpSpPr>
+      <p:sp>
+        <p:nvSpPr>
+          <p:cNvPr id="2" name="Title 1"/>
+          <p:cNvSpPr>
+            <a:spLocks noGrp="1"/>
+          </p:cNvSpPr>
+          <p:nvPr>
+            <p:ph type="title"/>
+          </p:nvPr>
+        </p:nvSpPr>
+        <p:spPr/>
+        <p:txBody>
+          <a:bodyPr/>
+          <a:lstStyle/>
+          <a:p>
+            <a:r>
+              <a:rPr lang="en-US" dirty="0" smtClean="0"/>
+              <a:t>Implementation</a:t>
+            </a:r>
+            <a:endParaRPr lang="en-US" dirty="0"/>
+          </a:p>
+        </p:txBody>
+      </p:sp>
+      <p:pic>
+        <p:nvPicPr>
+          <p:cNvPr id="4" name="Content Placeholder 3" descr="saga_architecture.pdf"/>
+          <p:cNvPicPr>
+            <a:picLocks noGrp="1" noChangeAspect="1"/>
+          </p:cNvPicPr>
+          <p:nvPr>
+            <p:ph idx="1"/>
+          </p:nvPr>
+        </p:nvPicPr>
+        <mc:AlternateContent xmlns:mc="http://schemas.openxmlformats.org/markup-compatibility/2006">
+          <mc:Choice xmlns="" xmlns:mv="urn:schemas-microsoft-com:mac:vml" xmlns:ma="http://schemas.microsoft.com/office/mac/drawingml/2008/main" Requires="ma">
+            <p:blipFill>
+              <a:blip r:embed="rId2"/>
+              <a:stretch>
+                <a:fillRect/>
+              </a:stretch>
+            </p:blipFill>
+          </mc:Choice>
+          <mc:Fallback>
+            <p:blipFill>
+              <a:blip r:embed="rId3"/>
+              <a:stretch>
+                <a:fillRect/>
+              </a:stretch>
+            </p:blipFill>
+          </mc:Fallback>
+        </mc:AlternateContent>
+        <p:spPr>
+          <a:xfrm>
+            <a:off x="1189465" y="2068513"/>
+            <a:ext cx="7103208" cy="4197350"/>
+          </a:xfrm>
+        </p:spPr>
+      </p:pic>
+    </p:spTree>
+  </p:cSld>
+  <p:clrMapOvr>
+    <a:masterClrMapping/>
+  </p:clrMapOvr>
+  <p:timing>
+    <p:tnLst>
+      <p:par>
+        <p:cTn id="1" dur="indefinite" restart="never" nodeType="tmRoot"/>
+      </p:par>
+    </p:tnLst>
+  </p:timing>
+</p:sld>
+</file>
+
+<file path=ppt/slides/slide17.xml><?xml version="1.0" encoding="utf-8"?>
+<p:sld xmlns:a="http://schemas.openxmlformats.org/drawingml/2006/main" xmlns:r="http://schemas.openxmlformats.org/officeDocument/2006/relationships" xmlns:p="http://schemas.openxmlformats.org/presentationml/2006/main">
+  <p:cSld>
+    <p:spTree>
+      <p:nvGrpSpPr>
+        <p:cNvPr id="1" name=""/>
+        <p:cNvGrpSpPr/>
+        <p:nvPr/>
+      </p:nvGrpSpPr>
+      <p:grpSpPr>
+        <a:xfrm>
+          <a:off x="0" y="0"/>
+          <a:ext cx="0" cy="0"/>
+          <a:chOff x="0" y="0"/>
+          <a:chExt cx="0" cy="0"/>
+        </a:xfrm>
+      </p:grpSpPr>
+      <p:sp>
+        <p:nvSpPr>
+          <p:cNvPr id="2" name="Title 1"/>
+          <p:cNvSpPr>
+            <a:spLocks noGrp="1"/>
+          </p:cNvSpPr>
+          <p:nvPr>
+            <p:ph type="title"/>
+          </p:nvPr>
+        </p:nvSpPr>
+        <p:spPr/>
+        <p:txBody>
+          <a:bodyPr/>
+          <a:lstStyle/>
+          <a:p>
+            <a:r>
+              <a:rPr lang="en-US" dirty="0" smtClean="0"/>
+              <a:t>SAGA API Landscape</a:t>
+            </a:r>
+            <a:endParaRPr lang="en-US" dirty="0"/>
+          </a:p>
+        </p:txBody>
+      </p:sp>
+      <p:pic>
+        <p:nvPicPr>
+          <p:cNvPr id="6" name="Content Placeholder 5"/>
+          <p:cNvPicPr>
+            <a:picLocks noGrp="1" noChangeAspect="1"/>
+          </p:cNvPicPr>
+          <p:nvPr>
+            <p:ph idx="1"/>
+          </p:nvPr>
+        </p:nvPicPr>
+        <p:blipFill>
+          <a:blip r:embed="rId2">
+            <a:extLst>
+              <a:ext uri="{28A0092B-C50C-407E-A947-70E740481C1C}">
+                <a14:useLocalDpi xmlns:a14="http://schemas.microsoft.com/office/drawing/2010/main" val="0"/>
+              </a:ext>
+            </a:extLst>
+          </a:blip>
+          <a:stretch>
+            <a:fillRect/>
+          </a:stretch>
+        </p:blipFill>
+        <p:spPr>
+          <a:xfrm>
+            <a:off x="1557496" y="1917787"/>
+            <a:ext cx="5726274" cy="4726309"/>
+          </a:xfrm>
+        </p:spPr>
+      </p:pic>
+    </p:spTree>
+    <p:extLst>
+      <p:ext uri="{BB962C8B-B14F-4D97-AF65-F5344CB8AC3E}">
+        <p14:creationId xmlns:p14="http://schemas.microsoft.com/office/powerpoint/2010/main" val="995116563"/>
+      </p:ext>
+    </p:extLst>
+  </p:cSld>
+  <p:clrMapOvr>
+    <a:masterClrMapping/>
+  </p:clrMapOvr>
+  <p:timing>
+    <p:tnLst>
+      <p:par>
+        <p:cTn id="1" dur="indefinite" restart="never" nodeType="tmRoot"/>
+      </p:par>
+    </p:tnLst>
+  </p:timing>
+</p:sld>
+</file>
+
+<file path=ppt/slides/slide18.xml><?xml version="1.0" encoding="utf-8"?>
+<p:sld xmlns:a="http://schemas.openxmlformats.org/drawingml/2006/main" xmlns:r="http://schemas.openxmlformats.org/officeDocument/2006/relationships" xmlns:p="http://schemas.openxmlformats.org/presentationml/2006/main">
+  <p:cSld>
+    <p:spTree>
+      <p:nvGrpSpPr>
+        <p:cNvPr id="1" name=""/>
+        <p:cNvGrpSpPr/>
+        <p:nvPr/>
+      </p:nvGrpSpPr>
+      <p:grpSpPr>
+        <a:xfrm>
+          <a:off x="0" y="0"/>
+          <a:ext cx="0" cy="0"/>
+          <a:chOff x="0" y="0"/>
+          <a:chExt cx="0" cy="0"/>
+        </a:xfrm>
+      </p:grpSpPr>
+      <p:sp>
+        <p:nvSpPr>
+          <p:cNvPr id="2" name="Title 1"/>
+          <p:cNvSpPr>
+            <a:spLocks noGrp="1"/>
+          </p:cNvSpPr>
+          <p:nvPr>
+            <p:ph type="title"/>
+          </p:nvPr>
+        </p:nvSpPr>
+        <p:spPr/>
+        <p:txBody>
+          <a:bodyPr/>
+          <a:lstStyle/>
+          <a:p>
+            <a:r>
+              <a:rPr lang="en-US" dirty="0" smtClean="0"/>
+              <a:t>SAGA Intro: Example 1</a:t>
+            </a:r>
+            <a:endParaRPr lang="en-US" dirty="0"/>
+          </a:p>
+        </p:txBody>
+      </p:sp>
+      <p:sp>
+        <p:nvSpPr>
+          <p:cNvPr id="4" name="TextBox 3"/>
+          <p:cNvSpPr txBox="1"/>
+          <p:nvPr/>
+        </p:nvSpPr>
+        <p:spPr>
+          <a:xfrm>
+            <a:off x="946859" y="2165805"/>
+            <a:ext cx="7966954" cy="3323987"/>
+          </a:xfrm>
+          <a:prstGeom prst="rect">
+            <a:avLst/>
+          </a:prstGeom>
+          <a:solidFill>
+            <a:srgbClr val="D7D9CD"/>
+          </a:solidFill>
+          <a:ln>
+            <a:solidFill>
+              <a:srgbClr val="8BADBD"/>
+            </a:solidFill>
+          </a:ln>
+        </p:spPr>
+        <p:style>
+          <a:lnRef idx="2">
+            <a:schemeClr val="accent4"/>
+          </a:lnRef>
+          <a:fillRef idx="1">
+            <a:schemeClr val="lt1"/>
+          </a:fillRef>
+          <a:effectRef idx="0">
+            <a:schemeClr val="accent4"/>
+          </a:effectRef>
+          <a:fontRef idx="minor">
+            <a:schemeClr val="dk1"/>
+          </a:fontRef>
+        </p:style>
+        <p:txBody>
+          <a:bodyPr wrap="square" rtlCol="0">
+            <a:spAutoFit/>
+          </a:bodyPr>
+          <a:lstStyle/>
+          <a:p>
+            <a:endParaRPr lang="en-US" sz="1400" dirty="0" smtClean="0">
+              <a:latin typeface="Consolas" pitchFamily="49" charset="0"/>
+              <a:cs typeface="Consolas" pitchFamily="49" charset="0"/>
+            </a:endParaRPr>
+          </a:p>
+          <a:p>
+            <a:r>
+              <a:rPr lang="en-US" sz="1400" dirty="0" smtClean="0">
+                <a:latin typeface="Consolas" pitchFamily="49" charset="0"/>
+                <a:cs typeface="Consolas" pitchFamily="49" charset="0"/>
+              </a:rPr>
+              <a:t> // SAGA: File Management example</a:t>
+            </a:r>
+          </a:p>
+          <a:p>
+            <a:endParaRPr lang="en-US" sz="1400" dirty="0" smtClean="0">
+              <a:latin typeface="Consolas" pitchFamily="49" charset="0"/>
+              <a:cs typeface="Consolas" pitchFamily="49" charset="0"/>
+            </a:endParaRPr>
+          </a:p>
+          <a:p>
+            <a:r>
+              <a:rPr lang="en-US" sz="1400" dirty="0" smtClean="0">
+                <a:latin typeface="Consolas" pitchFamily="49" charset="0"/>
+                <a:cs typeface="Consolas" pitchFamily="49" charset="0"/>
+              </a:rPr>
+              <a:t> saga::</a:t>
+            </a:r>
+            <a:r>
+              <a:rPr lang="en-US" sz="1400" dirty="0" err="1" smtClean="0">
+                <a:latin typeface="Consolas" pitchFamily="49" charset="0"/>
+                <a:cs typeface="Consolas" pitchFamily="49" charset="0"/>
+              </a:rPr>
+              <a:t>filesystem</a:t>
+            </a:r>
+            <a:r>
+              <a:rPr lang="en-US" sz="1400" dirty="0" smtClean="0">
+                <a:latin typeface="Consolas" pitchFamily="49" charset="0"/>
+                <a:cs typeface="Consolas" pitchFamily="49" charset="0"/>
+              </a:rPr>
+              <a:t>::directory dir ("any://remote.host.net//data/"); </a:t>
+            </a:r>
+          </a:p>
+          <a:p>
+            <a:endParaRPr lang="en-US" sz="1400" dirty="0" smtClean="0">
+              <a:latin typeface="Consolas" pitchFamily="49" charset="0"/>
+              <a:cs typeface="Consolas" pitchFamily="49" charset="0"/>
+            </a:endParaRPr>
+          </a:p>
+          <a:p>
+            <a:r>
+              <a:rPr lang="en-US" sz="1400" dirty="0" smtClean="0">
+                <a:latin typeface="Consolas" pitchFamily="49" charset="0"/>
+                <a:cs typeface="Consolas" pitchFamily="49" charset="0"/>
+              </a:rPr>
+              <a:t> if ( </a:t>
+            </a:r>
+            <a:r>
+              <a:rPr lang="en-US" sz="1400" dirty="0" err="1" smtClean="0">
+                <a:latin typeface="Consolas" pitchFamily="49" charset="0"/>
+                <a:cs typeface="Consolas" pitchFamily="49" charset="0"/>
+              </a:rPr>
+              <a:t>dir.exists</a:t>
+            </a:r>
+            <a:r>
+              <a:rPr lang="en-US" sz="1400" dirty="0" smtClean="0">
+                <a:latin typeface="Consolas" pitchFamily="49" charset="0"/>
+                <a:cs typeface="Consolas" pitchFamily="49" charset="0"/>
+              </a:rPr>
+              <a:t> ("a") &amp;&amp; ! </a:t>
+            </a:r>
+            <a:r>
+              <a:rPr lang="en-US" sz="1400" dirty="0" err="1" smtClean="0">
+                <a:latin typeface="Consolas" pitchFamily="49" charset="0"/>
+                <a:cs typeface="Consolas" pitchFamily="49" charset="0"/>
+              </a:rPr>
+              <a:t>dir.is_dir</a:t>
+            </a:r>
+            <a:r>
+              <a:rPr lang="en-US" sz="1400" dirty="0" smtClean="0">
+                <a:latin typeface="Consolas" pitchFamily="49" charset="0"/>
+                <a:cs typeface="Consolas" pitchFamily="49" charset="0"/>
+              </a:rPr>
+              <a:t> ("a") ) </a:t>
+            </a:r>
+          </a:p>
+          <a:p>
+            <a:r>
+              <a:rPr lang="en-US" sz="1400" dirty="0" smtClean="0">
+                <a:latin typeface="Consolas" pitchFamily="49" charset="0"/>
+                <a:cs typeface="Consolas" pitchFamily="49" charset="0"/>
+              </a:rPr>
+              <a:t> {</a:t>
+            </a:r>
+          </a:p>
+          <a:p>
+            <a:r>
+              <a:rPr lang="en-US" sz="1400" dirty="0" smtClean="0">
+                <a:latin typeface="Consolas" pitchFamily="49" charset="0"/>
+                <a:cs typeface="Consolas" pitchFamily="49" charset="0"/>
+              </a:rPr>
+              <a:t>   </a:t>
+            </a:r>
+            <a:r>
+              <a:rPr lang="en-US" sz="1400" dirty="0" err="1" smtClean="0">
+                <a:latin typeface="Consolas" pitchFamily="49" charset="0"/>
+                <a:cs typeface="Consolas" pitchFamily="49" charset="0"/>
+              </a:rPr>
+              <a:t>dir.copy</a:t>
+            </a:r>
+            <a:r>
+              <a:rPr lang="en-US" sz="1400" dirty="0" smtClean="0">
+                <a:latin typeface="Consolas" pitchFamily="49" charset="0"/>
+                <a:cs typeface="Consolas" pitchFamily="49" charset="0"/>
+              </a:rPr>
+              <a:t> ("a", "b", Overwrite); </a:t>
+            </a:r>
+          </a:p>
+          <a:p>
+            <a:r>
+              <a:rPr lang="en-US" sz="1400" dirty="0" smtClean="0">
+                <a:latin typeface="Consolas" pitchFamily="49" charset="0"/>
+                <a:cs typeface="Consolas" pitchFamily="49" charset="0"/>
+              </a:rPr>
+              <a:t> } </a:t>
+            </a:r>
+          </a:p>
+          <a:p>
+            <a:endParaRPr lang="en-US" sz="1400" dirty="0" smtClean="0">
+              <a:latin typeface="Consolas" pitchFamily="49" charset="0"/>
+              <a:cs typeface="Consolas" pitchFamily="49" charset="0"/>
+            </a:endParaRPr>
+          </a:p>
+          <a:p>
+            <a:r>
+              <a:rPr lang="en-US" sz="1400" dirty="0" smtClean="0">
+                <a:latin typeface="Consolas" pitchFamily="49" charset="0"/>
+                <a:cs typeface="Consolas" pitchFamily="49" charset="0"/>
+              </a:rPr>
+              <a:t> list &lt;saga::</a:t>
+            </a:r>
+            <a:r>
+              <a:rPr lang="en-US" sz="1400" dirty="0" err="1" smtClean="0">
+                <a:latin typeface="Consolas" pitchFamily="49" charset="0"/>
+                <a:cs typeface="Consolas" pitchFamily="49" charset="0"/>
+              </a:rPr>
+              <a:t>url</a:t>
+            </a:r>
+            <a:r>
+              <a:rPr lang="en-US" sz="1400" dirty="0" smtClean="0">
+                <a:latin typeface="Consolas" pitchFamily="49" charset="0"/>
+                <a:cs typeface="Consolas" pitchFamily="49" charset="0"/>
+              </a:rPr>
+              <a:t>&gt; names = </a:t>
+            </a:r>
+            <a:r>
+              <a:rPr lang="en-US" sz="1400" dirty="0" err="1" smtClean="0">
+                <a:latin typeface="Consolas" pitchFamily="49" charset="0"/>
+                <a:cs typeface="Consolas" pitchFamily="49" charset="0"/>
+              </a:rPr>
+              <a:t>dir.find</a:t>
+            </a:r>
+            <a:r>
+              <a:rPr lang="en-US" sz="1400" dirty="0" smtClean="0">
+                <a:latin typeface="Consolas" pitchFamily="49" charset="0"/>
+                <a:cs typeface="Consolas" pitchFamily="49" charset="0"/>
+              </a:rPr>
+              <a:t> ("*-{123}.txt");</a:t>
+            </a:r>
+          </a:p>
+          <a:p>
+            <a:endParaRPr lang="en-US" sz="1400" dirty="0" smtClean="0">
+              <a:latin typeface="Consolas" pitchFamily="49" charset="0"/>
+              <a:cs typeface="Consolas" pitchFamily="49" charset="0"/>
+            </a:endParaRPr>
+          </a:p>
+          <a:p>
+            <a:r>
+              <a:rPr lang="en-US" sz="1400" dirty="0" smtClean="0">
+                <a:latin typeface="Consolas" pitchFamily="49" charset="0"/>
+                <a:cs typeface="Consolas" pitchFamily="49" charset="0"/>
+              </a:rPr>
+              <a:t> saga::</a:t>
+            </a:r>
+            <a:r>
+              <a:rPr lang="en-US" sz="1400" dirty="0" err="1" smtClean="0">
+                <a:latin typeface="Consolas" pitchFamily="49" charset="0"/>
+                <a:cs typeface="Consolas" pitchFamily="49" charset="0"/>
+              </a:rPr>
+              <a:t>filesystem</a:t>
+            </a:r>
+            <a:r>
+              <a:rPr lang="en-US" sz="1400" dirty="0" smtClean="0">
+                <a:latin typeface="Consolas" pitchFamily="49" charset="0"/>
+                <a:cs typeface="Consolas" pitchFamily="49" charset="0"/>
+              </a:rPr>
+              <a:t>::directory </a:t>
+            </a:r>
+            <a:r>
+              <a:rPr lang="en-US" sz="1400" dirty="0" err="1" smtClean="0">
+                <a:latin typeface="Consolas" pitchFamily="49" charset="0"/>
+                <a:cs typeface="Consolas" pitchFamily="49" charset="0"/>
+              </a:rPr>
+              <a:t>tmp</a:t>
+            </a:r>
+            <a:r>
+              <a:rPr lang="en-US" sz="1400" dirty="0" smtClean="0">
+                <a:latin typeface="Consolas" pitchFamily="49" charset="0"/>
+                <a:cs typeface="Consolas" pitchFamily="49" charset="0"/>
+              </a:rPr>
+              <a:t>  = </a:t>
+            </a:r>
+            <a:r>
+              <a:rPr lang="en-US" sz="1400" dirty="0" err="1" smtClean="0">
+                <a:latin typeface="Consolas" pitchFamily="49" charset="0"/>
+                <a:cs typeface="Consolas" pitchFamily="49" charset="0"/>
+              </a:rPr>
+              <a:t>dir.open_dir</a:t>
+            </a:r>
+            <a:r>
+              <a:rPr lang="en-US" sz="1400" dirty="0" smtClean="0">
+                <a:latin typeface="Consolas" pitchFamily="49" charset="0"/>
+                <a:cs typeface="Consolas" pitchFamily="49" charset="0"/>
+              </a:rPr>
+              <a:t> ("</a:t>
+            </a:r>
+            <a:r>
+              <a:rPr lang="en-US" sz="1400" dirty="0" err="1" smtClean="0">
+                <a:latin typeface="Consolas" pitchFamily="49" charset="0"/>
+                <a:cs typeface="Consolas" pitchFamily="49" charset="0"/>
+              </a:rPr>
+              <a:t>tmp</a:t>
+            </a:r>
+            <a:r>
+              <a:rPr lang="en-US" sz="1400" dirty="0" smtClean="0">
+                <a:latin typeface="Consolas" pitchFamily="49" charset="0"/>
+                <a:cs typeface="Consolas" pitchFamily="49" charset="0"/>
+              </a:rPr>
+              <a:t>/", Create);     </a:t>
+            </a:r>
+          </a:p>
+          <a:p>
+            <a:r>
+              <a:rPr lang="en-US" sz="1400" dirty="0">
+                <a:latin typeface="Consolas" pitchFamily="49" charset="0"/>
+                <a:cs typeface="Consolas" pitchFamily="49" charset="0"/>
+              </a:rPr>
+              <a:t> </a:t>
+            </a:r>
+            <a:r>
+              <a:rPr lang="en-US" sz="1400" dirty="0" smtClean="0">
+                <a:latin typeface="Consolas" pitchFamily="49" charset="0"/>
+                <a:cs typeface="Consolas" pitchFamily="49" charset="0"/>
+              </a:rPr>
+              <a:t>saga::</a:t>
+            </a:r>
+            <a:r>
+              <a:rPr lang="en-US" sz="1400" dirty="0" err="1" smtClean="0">
+                <a:latin typeface="Consolas" pitchFamily="49" charset="0"/>
+                <a:cs typeface="Consolas" pitchFamily="49" charset="0"/>
+              </a:rPr>
+              <a:t>filesystem</a:t>
+            </a:r>
+            <a:r>
+              <a:rPr lang="en-US" sz="1400" dirty="0" smtClean="0">
+                <a:latin typeface="Consolas" pitchFamily="49" charset="0"/>
+                <a:cs typeface="Consolas" pitchFamily="49" charset="0"/>
+              </a:rPr>
+              <a:t>::file      file = </a:t>
+            </a:r>
+            <a:r>
+              <a:rPr lang="en-US" sz="1400" dirty="0" err="1" smtClean="0">
+                <a:latin typeface="Consolas" pitchFamily="49" charset="0"/>
+                <a:cs typeface="Consolas" pitchFamily="49" charset="0"/>
+              </a:rPr>
+              <a:t>dir.open</a:t>
+            </a:r>
+            <a:r>
+              <a:rPr lang="en-US" sz="1400" dirty="0" smtClean="0">
+                <a:latin typeface="Consolas" pitchFamily="49" charset="0"/>
+                <a:cs typeface="Consolas" pitchFamily="49" charset="0"/>
+              </a:rPr>
+              <a:t>     ("</a:t>
+            </a:r>
+            <a:r>
+              <a:rPr lang="en-US" sz="1400" dirty="0" err="1" smtClean="0">
+                <a:latin typeface="Consolas" pitchFamily="49" charset="0"/>
+                <a:cs typeface="Consolas" pitchFamily="49" charset="0"/>
+              </a:rPr>
+              <a:t>tmp</a:t>
+            </a:r>
+            <a:r>
+              <a:rPr lang="en-US" sz="1400" dirty="0" smtClean="0">
+                <a:latin typeface="Consolas" pitchFamily="49" charset="0"/>
+                <a:cs typeface="Consolas" pitchFamily="49" charset="0"/>
+              </a:rPr>
+              <a:t>/data.txt");</a:t>
+            </a:r>
+          </a:p>
+          <a:p>
+            <a:endParaRPr lang="en-US" sz="1400" dirty="0" smtClean="0">
+              <a:latin typeface="Consolas" pitchFamily="49" charset="0"/>
+              <a:cs typeface="Consolas" pitchFamily="49" charset="0"/>
+            </a:endParaRPr>
+          </a:p>
+        </p:txBody>
+      </p:sp>
+    </p:spTree>
+  </p:cSld>
+  <p:clrMapOvr>
+    <a:masterClrMapping/>
+  </p:clrMapOvr>
+  <p:timing>
+    <p:tnLst>
+      <p:par>
+        <p:cTn id="1" dur="indefinite" restart="never" nodeType="tmRoot"/>
+      </p:par>
+    </p:tnLst>
+  </p:timing>
+</p:sld>
+</file>
+
+<file path=ppt/slides/slide19.xml><?xml version="1.0" encoding="utf-8"?>
+<p:sld xmlns:a="http://schemas.openxmlformats.org/drawingml/2006/main" xmlns:r="http://schemas.openxmlformats.org/officeDocument/2006/relationships" xmlns:p="http://schemas.openxmlformats.org/presentationml/2006/main">
+  <p:cSld>
+    <p:spTree>
+      <p:nvGrpSpPr>
+        <p:cNvPr id="1" name=""/>
+        <p:cNvGrpSpPr/>
+        <p:nvPr/>
+      </p:nvGrpSpPr>
+      <p:grpSpPr>
+        <a:xfrm>
+          <a:off x="0" y="0"/>
+          <a:ext cx="0" cy="0"/>
+          <a:chOff x="0" y="0"/>
+          <a:chExt cx="0" cy="0"/>
+        </a:xfrm>
+      </p:grpSpPr>
+      <p:sp>
+        <p:nvSpPr>
+          <p:cNvPr id="2" name="Title 1"/>
+          <p:cNvSpPr>
+            <a:spLocks noGrp="1"/>
+          </p:cNvSpPr>
+          <p:nvPr>
+            <p:ph type="title"/>
+          </p:nvPr>
+        </p:nvSpPr>
+        <p:spPr/>
+        <p:txBody>
+          <a:bodyPr/>
+          <a:lstStyle/>
+          <a:p>
+            <a:r>
+              <a:rPr lang="en-US" dirty="0" smtClean="0"/>
+              <a:t>SAGA Intro: Example 1 </a:t>
+            </a:r>
+            <a:endParaRPr lang="en-US" dirty="0"/>
+          </a:p>
+        </p:txBody>
+      </p:sp>
+      <p:sp>
+        <p:nvSpPr>
+          <p:cNvPr id="3" name="Content Placeholder 2"/>
+          <p:cNvSpPr>
+            <a:spLocks noGrp="1"/>
+          </p:cNvSpPr>
+          <p:nvPr>
+            <p:ph idx="1"/>
+          </p:nvPr>
+        </p:nvSpPr>
+        <p:spPr/>
+        <p:txBody>
+          <a:bodyPr/>
+          <a:lstStyle/>
+          <a:p>
+            <a:r>
+              <a:rPr lang="en-US" dirty="0" smtClean="0"/>
+              <a:t>API is clearly POSIX (</a:t>
+            </a:r>
+            <a:r>
+              <a:rPr lang="en-US" dirty="0" err="1" smtClean="0"/>
+              <a:t>libc</a:t>
+            </a:r>
+            <a:r>
+              <a:rPr lang="en-US" dirty="0" smtClean="0"/>
+              <a:t> + shell) inspired </a:t>
+            </a:r>
+          </a:p>
+          <a:p>
+            <a:r>
+              <a:rPr lang="en-US" dirty="0" smtClean="0"/>
+              <a:t>where is my security?? </a:t>
+            </a:r>
+          </a:p>
+          <a:p>
+            <a:r>
+              <a:rPr lang="en-US" dirty="0" smtClean="0"/>
+              <a:t>what is ’any://’ ???</a:t>
+            </a:r>
+          </a:p>
+          <a:p>
+            <a:r>
+              <a:rPr lang="en-US" dirty="0"/>
+              <a:t>u</a:t>
+            </a:r>
+            <a:r>
+              <a:rPr lang="en-US" dirty="0" smtClean="0"/>
+              <a:t>sage should be intuitive (hopefully) </a:t>
+            </a:r>
+            <a:endParaRPr lang="en-US" dirty="0"/>
+          </a:p>
+        </p:txBody>
+      </p:sp>
+    </p:spTree>
+  </p:cSld>
+  <p:clrMapOvr>
+    <a:masterClrMapping/>
+  </p:clrMapOvr>
+  <p:timing>
+    <p:tnLst>
+      <p:par>
+        <p:cTn id="1" dur="indefinite" restart="never" nodeType="tmRoot"/>
+      </p:par>
+    </p:tnLst>
+  </p:timing>
+</p:sld>
+</file>
+
+<file path=ppt/slides/slide2.xml><?xml version="1.0" encoding="utf-8"?>
+<p:sld xmlns:a="http://schemas.openxmlformats.org/drawingml/2006/main" xmlns:r="http://schemas.openxmlformats.org/officeDocument/2006/relationships" xmlns:p="http://schemas.openxmlformats.org/presentationml/2006/main">
+  <p:cSld>
+    <p:spTree>
+      <p:nvGrpSpPr>
+        <p:cNvPr id="1" name=""/>
+        <p:cNvGrpSpPr/>
+        <p:nvPr/>
+      </p:nvGrpSpPr>
+      <p:grpSpPr>
+        <a:xfrm>
+          <a:off x="0" y="0"/>
+          <a:ext cx="0" cy="0"/>
+          <a:chOff x="0" y="0"/>
+          <a:chExt cx="0" cy="0"/>
+        </a:xfrm>
+      </p:grpSpPr>
+      <p:sp>
+        <p:nvSpPr>
+          <p:cNvPr id="2" name="Title 1"/>
+          <p:cNvSpPr>
+            <a:spLocks noGrp="1"/>
+          </p:cNvSpPr>
+          <p:nvPr>
+            <p:ph type="title"/>
+          </p:nvPr>
+        </p:nvSpPr>
+        <p:spPr/>
+        <p:txBody>
+          <a:bodyPr/>
+          <a:lstStyle/>
+          <a:p>
+            <a:r>
+              <a:rPr lang="en-US" dirty="0" smtClean="0"/>
+              <a:t>Outline</a:t>
+            </a:r>
+            <a:endParaRPr lang="en-US" dirty="0"/>
+          </a:p>
+        </p:txBody>
+      </p:sp>
+      <p:sp>
+        <p:nvSpPr>
+          <p:cNvPr id="3" name="Content Placeholder 2"/>
+          <p:cNvSpPr>
+            <a:spLocks noGrp="1"/>
+          </p:cNvSpPr>
+          <p:nvPr>
+            <p:ph idx="1"/>
+          </p:nvPr>
+        </p:nvSpPr>
+        <p:spPr>
+          <a:xfrm>
+            <a:off x="1107129" y="2068618"/>
+            <a:ext cx="7617771" cy="4197711"/>
+          </a:xfrm>
+        </p:spPr>
+        <p:txBody>
+          <a:bodyPr/>
+          <a:lstStyle/>
+          <a:p>
+            <a:r>
+              <a:rPr lang="en-US" dirty="0" smtClean="0"/>
+              <a:t>SAGA Standardization</a:t>
+            </a:r>
+          </a:p>
+          <a:p>
+            <a:r>
+              <a:rPr lang="en-US" dirty="0" smtClean="0"/>
+              <a:t>API </a:t>
+            </a:r>
+            <a:r>
+              <a:rPr lang="en-US" dirty="0"/>
+              <a:t>S</a:t>
+            </a:r>
+            <a:r>
+              <a:rPr lang="en-US" dirty="0" smtClean="0"/>
+              <a:t>tructure and Scope</a:t>
+            </a:r>
+          </a:p>
+          <a:p>
+            <a:r>
+              <a:rPr lang="en-US" dirty="0" smtClean="0"/>
+              <a:t>API </a:t>
+            </a:r>
+            <a:r>
+              <a:rPr lang="en-US" dirty="0"/>
+              <a:t>W</a:t>
+            </a:r>
+            <a:r>
+              <a:rPr lang="en-US" dirty="0" smtClean="0"/>
+              <a:t>alkthrough</a:t>
+            </a:r>
+          </a:p>
+          <a:p>
+            <a:r>
+              <a:rPr lang="en-US" dirty="0" smtClean="0"/>
+              <a:t>SAGA </a:t>
+            </a:r>
+            <a:r>
+              <a:rPr lang="en-US" dirty="0" err="1" smtClean="0"/>
+              <a:t>SoftwareComponents</a:t>
+            </a:r>
+            <a:endParaRPr lang="en-US" dirty="0" smtClean="0"/>
+          </a:p>
+          <a:p>
+            <a:pPr lvl="1"/>
+            <a:r>
+              <a:rPr lang="en-US" dirty="0" smtClean="0"/>
+              <a:t>C++ API bindings</a:t>
+            </a:r>
+          </a:p>
+          <a:p>
+            <a:pPr lvl="1"/>
+            <a:r>
+              <a:rPr lang="en-US" dirty="0" smtClean="0"/>
+              <a:t>Python API bindings</a:t>
+            </a:r>
+          </a:p>
+          <a:p>
+            <a:pPr lvl="1"/>
+            <a:r>
+              <a:rPr lang="en-US" dirty="0" smtClean="0"/>
+              <a:t>[ Java API bindings ]</a:t>
+            </a:r>
+          </a:p>
+          <a:p>
+            <a:pPr lvl="1"/>
+            <a:r>
+              <a:rPr lang="en-US" dirty="0" smtClean="0"/>
+              <a:t>Adaptors (backend </a:t>
+            </a:r>
+            <a:r>
+              <a:rPr lang="en-US" dirty="0" smtClean="0"/>
+              <a:t>connect)</a:t>
+            </a:r>
+            <a:endParaRPr lang="en-US" dirty="0" smtClean="0"/>
+          </a:p>
+          <a:p>
+            <a:pPr lvl="1"/>
+            <a:r>
+              <a:rPr lang="en-US" dirty="0" smtClean="0"/>
+              <a:t>Command Line Tools</a:t>
+            </a:r>
+          </a:p>
+          <a:p>
+            <a:pPr lvl="1"/>
+            <a:endParaRPr lang="en-US" dirty="0" smtClean="0"/>
+          </a:p>
+        </p:txBody>
+      </p:sp>
+    </p:spTree>
+  </p:cSld>
+  <p:clrMapOvr>
+    <a:masterClrMapping/>
+  </p:clrMapOvr>
+  <p:timing>
+    <p:tnLst>
+      <p:par>
+        <p:cTn id="1" dur="indefinite" restart="never" nodeType="tmRoot"/>
+      </p:par>
+    </p:tnLst>
+  </p:timing>
+</p:sld>
+</file>
+
+<file path=ppt/slides/slide20.xml><?xml version="1.0" encoding="utf-8"?>
+<p:sld xmlns:a="http://schemas.openxmlformats.org/drawingml/2006/main" xmlns:r="http://schemas.openxmlformats.org/officeDocument/2006/relationships" xmlns:p="http://schemas.openxmlformats.org/presentationml/2006/main">
+  <p:cSld>
+    <p:spTree>
+      <p:nvGrpSpPr>
+        <p:cNvPr id="1" name=""/>
+        <p:cNvGrpSpPr/>
+        <p:nvPr/>
+      </p:nvGrpSpPr>
+      <p:grpSpPr>
+        <a:xfrm>
+          <a:off x="0" y="0"/>
+          <a:ext cx="0" cy="0"/>
+          <a:chOff x="0" y="0"/>
+          <a:chExt cx="0" cy="0"/>
+        </a:xfrm>
+      </p:grpSpPr>
+      <p:sp>
+        <p:nvSpPr>
+          <p:cNvPr id="2" name="Title 1"/>
+          <p:cNvSpPr>
+            <a:spLocks noGrp="1"/>
+          </p:cNvSpPr>
+          <p:nvPr>
+            <p:ph type="title"/>
+          </p:nvPr>
+        </p:nvSpPr>
+        <p:spPr/>
+        <p:txBody>
+          <a:bodyPr/>
+          <a:lstStyle/>
+          <a:p>
+            <a:r>
+              <a:rPr lang="en-US" dirty="0" smtClean="0"/>
+              <a:t>SAGA Intro: Example 2 </a:t>
+            </a:r>
+            <a:endParaRPr lang="en-US" dirty="0"/>
+          </a:p>
+        </p:txBody>
+      </p:sp>
+      <p:sp>
+        <p:nvSpPr>
+          <p:cNvPr id="4" name="TextBox 3"/>
+          <p:cNvSpPr txBox="1"/>
+          <p:nvPr/>
+        </p:nvSpPr>
+        <p:spPr>
+          <a:xfrm>
+            <a:off x="946859" y="2164665"/>
+            <a:ext cx="7966954" cy="3754874"/>
+          </a:xfrm>
+          <a:prstGeom prst="rect">
+            <a:avLst/>
+          </a:prstGeom>
+          <a:solidFill>
+            <a:srgbClr val="D7D9CD"/>
+          </a:solidFill>
+          <a:ln>
+            <a:solidFill>
+              <a:srgbClr val="8BADBD"/>
+            </a:solidFill>
+          </a:ln>
+        </p:spPr>
+        <p:style>
+          <a:lnRef idx="2">
+            <a:schemeClr val="accent4"/>
+          </a:lnRef>
+          <a:fillRef idx="1">
+            <a:schemeClr val="lt1"/>
+          </a:fillRef>
+          <a:effectRef idx="0">
+            <a:schemeClr val="accent4"/>
+          </a:effectRef>
+          <a:fontRef idx="minor">
+            <a:schemeClr val="dk1"/>
+          </a:fontRef>
+        </p:style>
+        <p:txBody>
+          <a:bodyPr wrap="square" rtlCol="0">
+            <a:spAutoFit/>
+          </a:bodyPr>
+          <a:lstStyle/>
+          <a:p>
+            <a:endParaRPr lang="en-US" sz="1400" dirty="0" smtClean="0">
+              <a:latin typeface="Consolas" pitchFamily="49" charset="0"/>
+              <a:cs typeface="Consolas" pitchFamily="49" charset="0"/>
+            </a:endParaRPr>
+          </a:p>
+          <a:p>
+            <a:r>
+              <a:rPr lang="en-US" sz="1400" dirty="0" smtClean="0">
+                <a:latin typeface="Consolas" pitchFamily="49" charset="0"/>
+                <a:cs typeface="Consolas" pitchFamily="49" charset="0"/>
+              </a:rPr>
+              <a:t> // SAGA: Job Submission example</a:t>
+            </a:r>
+          </a:p>
+          <a:p>
+            <a:endParaRPr lang="en-US" sz="1400" dirty="0" smtClean="0">
+              <a:latin typeface="Consolas" pitchFamily="49" charset="0"/>
+              <a:cs typeface="Consolas" pitchFamily="49" charset="0"/>
+            </a:endParaRPr>
+          </a:p>
+          <a:p>
+            <a:r>
+              <a:rPr lang="en-US" sz="1400" dirty="0" smtClean="0">
+                <a:latin typeface="Consolas" pitchFamily="49" charset="0"/>
+                <a:cs typeface="Consolas" pitchFamily="49" charset="0"/>
+              </a:rPr>
+              <a:t> saga::job::description </a:t>
+            </a:r>
+            <a:r>
+              <a:rPr lang="en-US" sz="1400" dirty="0" err="1" smtClean="0">
+                <a:latin typeface="Consolas" pitchFamily="49" charset="0"/>
+                <a:cs typeface="Consolas" pitchFamily="49" charset="0"/>
+              </a:rPr>
+              <a:t>jd</a:t>
+            </a:r>
+            <a:r>
+              <a:rPr lang="en-US" sz="1400" dirty="0" smtClean="0">
+                <a:latin typeface="Consolas" pitchFamily="49" charset="0"/>
+                <a:cs typeface="Consolas" pitchFamily="49" charset="0"/>
+              </a:rPr>
+              <a:t>; </a:t>
+            </a:r>
+          </a:p>
+          <a:p>
+            <a:r>
+              <a:rPr lang="en-US" sz="1400" dirty="0" smtClean="0">
+                <a:latin typeface="Consolas" pitchFamily="49" charset="0"/>
+                <a:cs typeface="Consolas" pitchFamily="49" charset="0"/>
+              </a:rPr>
+              <a:t> // details left out </a:t>
+            </a:r>
+          </a:p>
+          <a:p>
+            <a:endParaRPr lang="en-US" sz="1400" dirty="0" smtClean="0">
+              <a:latin typeface="Consolas" pitchFamily="49" charset="0"/>
+              <a:cs typeface="Consolas" pitchFamily="49" charset="0"/>
+            </a:endParaRPr>
+          </a:p>
+          <a:p>
+            <a:r>
+              <a:rPr lang="en-US" sz="1400" dirty="0" smtClean="0">
+                <a:latin typeface="Consolas" pitchFamily="49" charset="0"/>
+                <a:cs typeface="Consolas" pitchFamily="49" charset="0"/>
+              </a:rPr>
+              <a:t> saga::job::service </a:t>
+            </a:r>
+            <a:r>
+              <a:rPr lang="en-US" sz="1400" dirty="0" err="1" smtClean="0">
+                <a:latin typeface="Consolas" pitchFamily="49" charset="0"/>
+                <a:cs typeface="Consolas" pitchFamily="49" charset="0"/>
+              </a:rPr>
+              <a:t>js</a:t>
+            </a:r>
+            <a:r>
+              <a:rPr lang="en-US" sz="1400" dirty="0" smtClean="0">
+                <a:latin typeface="Consolas" pitchFamily="49" charset="0"/>
+                <a:cs typeface="Consolas" pitchFamily="49" charset="0"/>
+              </a:rPr>
+              <a:t> ("any://remote.host.net/"); </a:t>
+            </a:r>
+          </a:p>
+          <a:p>
+            <a:r>
+              <a:rPr lang="en-US" sz="1400" dirty="0" smtClean="0">
+                <a:latin typeface="Consolas" pitchFamily="49" charset="0"/>
+                <a:cs typeface="Consolas" pitchFamily="49" charset="0"/>
+              </a:rPr>
+              <a:t> saga::job::job     j = </a:t>
+            </a:r>
+            <a:r>
+              <a:rPr lang="en-US" sz="1400" dirty="0" err="1" smtClean="0">
+                <a:latin typeface="Consolas" pitchFamily="49" charset="0"/>
+                <a:cs typeface="Consolas" pitchFamily="49" charset="0"/>
+              </a:rPr>
+              <a:t>js.create_job</a:t>
+            </a:r>
+            <a:r>
+              <a:rPr lang="en-US" sz="1400" dirty="0" smtClean="0">
+                <a:latin typeface="Consolas" pitchFamily="49" charset="0"/>
+                <a:cs typeface="Consolas" pitchFamily="49" charset="0"/>
+              </a:rPr>
+              <a:t> (</a:t>
+            </a:r>
+            <a:r>
+              <a:rPr lang="en-US" sz="1400" dirty="0" err="1" smtClean="0">
+                <a:latin typeface="Consolas" pitchFamily="49" charset="0"/>
+                <a:cs typeface="Consolas" pitchFamily="49" charset="0"/>
+              </a:rPr>
+              <a:t>jd</a:t>
+            </a:r>
+            <a:r>
+              <a:rPr lang="en-US" sz="1400" dirty="0" smtClean="0">
+                <a:latin typeface="Consolas" pitchFamily="49" charset="0"/>
+                <a:cs typeface="Consolas" pitchFamily="49" charset="0"/>
+              </a:rPr>
+              <a:t>); </a:t>
+            </a:r>
+          </a:p>
+          <a:p>
+            <a:endParaRPr lang="en-US" sz="1400" dirty="0" smtClean="0">
+              <a:latin typeface="Consolas" pitchFamily="49" charset="0"/>
+              <a:cs typeface="Consolas" pitchFamily="49" charset="0"/>
+            </a:endParaRPr>
+          </a:p>
+          <a:p>
+            <a:r>
+              <a:rPr lang="en-US" sz="1400" dirty="0" smtClean="0">
+                <a:latin typeface="Consolas" pitchFamily="49" charset="0"/>
+                <a:cs typeface="Consolas" pitchFamily="49" charset="0"/>
+              </a:rPr>
+              <a:t> </a:t>
+            </a:r>
+            <a:r>
+              <a:rPr lang="en-US" sz="1400" dirty="0" err="1" smtClean="0">
+                <a:latin typeface="Consolas" pitchFamily="49" charset="0"/>
+                <a:cs typeface="Consolas" pitchFamily="49" charset="0"/>
+              </a:rPr>
+              <a:t>j.run</a:t>
+            </a:r>
+            <a:r>
+              <a:rPr lang="en-US" sz="1400" dirty="0" smtClean="0">
+                <a:latin typeface="Consolas" pitchFamily="49" charset="0"/>
+                <a:cs typeface="Consolas" pitchFamily="49" charset="0"/>
+              </a:rPr>
+              <a:t> (); </a:t>
+            </a:r>
+          </a:p>
+          <a:p>
+            <a:endParaRPr lang="en-US" sz="1400" dirty="0" smtClean="0">
+              <a:latin typeface="Consolas" pitchFamily="49" charset="0"/>
+              <a:cs typeface="Consolas" pitchFamily="49" charset="0"/>
+            </a:endParaRPr>
+          </a:p>
+          <a:p>
+            <a:r>
+              <a:rPr lang="en-US" sz="1400" dirty="0" smtClean="0">
+                <a:latin typeface="Consolas" pitchFamily="49" charset="0"/>
+                <a:cs typeface="Consolas" pitchFamily="49" charset="0"/>
+              </a:rPr>
+              <a:t> </a:t>
+            </a:r>
+            <a:r>
+              <a:rPr lang="en-US" sz="1400" dirty="0" err="1" smtClean="0">
+                <a:latin typeface="Consolas" pitchFamily="49" charset="0"/>
+                <a:cs typeface="Consolas" pitchFamily="49" charset="0"/>
+              </a:rPr>
+              <a:t>cout</a:t>
+            </a:r>
+            <a:r>
+              <a:rPr lang="en-US" sz="1400" dirty="0" smtClean="0">
+                <a:latin typeface="Consolas" pitchFamily="49" charset="0"/>
+                <a:cs typeface="Consolas" pitchFamily="49" charset="0"/>
+              </a:rPr>
+              <a:t> &lt;&lt; "Job State: " &lt;&lt; </a:t>
+            </a:r>
+            <a:r>
+              <a:rPr lang="en-US" sz="1400" dirty="0" err="1" smtClean="0">
+                <a:latin typeface="Consolas" pitchFamily="49" charset="0"/>
+                <a:cs typeface="Consolas" pitchFamily="49" charset="0"/>
+              </a:rPr>
+              <a:t>j.get_state</a:t>
+            </a:r>
+            <a:r>
+              <a:rPr lang="en-US" sz="1400" dirty="0" smtClean="0">
+                <a:latin typeface="Consolas" pitchFamily="49" charset="0"/>
+                <a:cs typeface="Consolas" pitchFamily="49" charset="0"/>
+              </a:rPr>
+              <a:t> () &lt;&lt; </a:t>
+            </a:r>
+            <a:r>
+              <a:rPr lang="en-US" sz="1400" dirty="0" err="1" smtClean="0">
+                <a:latin typeface="Consolas" pitchFamily="49" charset="0"/>
+                <a:cs typeface="Consolas" pitchFamily="49" charset="0"/>
+              </a:rPr>
+              <a:t>endl</a:t>
+            </a:r>
+            <a:r>
+              <a:rPr lang="en-US" sz="1400" dirty="0" smtClean="0">
+                <a:latin typeface="Consolas" pitchFamily="49" charset="0"/>
+                <a:cs typeface="Consolas" pitchFamily="49" charset="0"/>
+              </a:rPr>
+              <a:t>; </a:t>
+            </a:r>
+          </a:p>
+          <a:p>
+            <a:endParaRPr lang="en-US" sz="1400" dirty="0" smtClean="0">
+              <a:latin typeface="Consolas" pitchFamily="49" charset="0"/>
+              <a:cs typeface="Consolas" pitchFamily="49" charset="0"/>
+            </a:endParaRPr>
+          </a:p>
+          <a:p>
+            <a:r>
+              <a:rPr lang="en-US" sz="1400" dirty="0" smtClean="0">
+                <a:latin typeface="Consolas" pitchFamily="49" charset="0"/>
+                <a:cs typeface="Consolas" pitchFamily="49" charset="0"/>
+              </a:rPr>
+              <a:t> </a:t>
+            </a:r>
+            <a:r>
+              <a:rPr lang="en-US" sz="1400" dirty="0" err="1" smtClean="0">
+                <a:latin typeface="Consolas" pitchFamily="49" charset="0"/>
+                <a:cs typeface="Consolas" pitchFamily="49" charset="0"/>
+              </a:rPr>
+              <a:t>j.wait</a:t>
+            </a:r>
+            <a:r>
+              <a:rPr lang="en-US" sz="1400" dirty="0" smtClean="0">
+                <a:latin typeface="Consolas" pitchFamily="49" charset="0"/>
+                <a:cs typeface="Consolas" pitchFamily="49" charset="0"/>
+              </a:rPr>
+              <a:t> (); </a:t>
+            </a:r>
+          </a:p>
+          <a:p>
+            <a:endParaRPr lang="en-US" sz="1400" dirty="0" smtClean="0">
+              <a:latin typeface="Consolas" pitchFamily="49" charset="0"/>
+              <a:cs typeface="Consolas" pitchFamily="49" charset="0"/>
+            </a:endParaRPr>
+          </a:p>
+          <a:p>
+            <a:r>
+              <a:rPr lang="en-US" sz="1400" dirty="0" smtClean="0">
+                <a:latin typeface="Consolas" pitchFamily="49" charset="0"/>
+                <a:cs typeface="Consolas" pitchFamily="49" charset="0"/>
+              </a:rPr>
+              <a:t> </a:t>
+            </a:r>
+            <a:r>
+              <a:rPr lang="en-US" sz="1400" dirty="0" err="1" smtClean="0">
+                <a:latin typeface="Consolas" pitchFamily="49" charset="0"/>
+                <a:cs typeface="Consolas" pitchFamily="49" charset="0"/>
+              </a:rPr>
+              <a:t>cout</a:t>
+            </a:r>
+            <a:r>
+              <a:rPr lang="en-US" sz="1400" dirty="0" smtClean="0">
+                <a:latin typeface="Consolas" pitchFamily="49" charset="0"/>
+                <a:cs typeface="Consolas" pitchFamily="49" charset="0"/>
+              </a:rPr>
+              <a:t> &lt;&lt; "</a:t>
+            </a:r>
+            <a:r>
+              <a:rPr lang="en-US" sz="1400" dirty="0" err="1" smtClean="0">
+                <a:latin typeface="Consolas" pitchFamily="49" charset="0"/>
+                <a:cs typeface="Consolas" pitchFamily="49" charset="0"/>
+              </a:rPr>
+              <a:t>Retval</a:t>
+            </a:r>
+            <a:r>
+              <a:rPr lang="en-US" sz="1400" dirty="0" smtClean="0">
+                <a:latin typeface="Consolas" pitchFamily="49" charset="0"/>
+                <a:cs typeface="Consolas" pitchFamily="49" charset="0"/>
+              </a:rPr>
+              <a:t> " &lt;&lt; </a:t>
+            </a:r>
+            <a:r>
+              <a:rPr lang="en-US" sz="1400" dirty="0" err="1" smtClean="0">
+                <a:latin typeface="Consolas" pitchFamily="49" charset="0"/>
+                <a:cs typeface="Consolas" pitchFamily="49" charset="0"/>
+              </a:rPr>
+              <a:t>j.get_attribute</a:t>
+            </a:r>
+            <a:r>
+              <a:rPr lang="en-US" sz="1400" dirty="0" smtClean="0">
+                <a:latin typeface="Consolas" pitchFamily="49" charset="0"/>
+                <a:cs typeface="Consolas" pitchFamily="49" charset="0"/>
+              </a:rPr>
+              <a:t> ("</a:t>
+            </a:r>
+            <a:r>
+              <a:rPr lang="en-US" sz="1400" dirty="0" err="1" smtClean="0">
+                <a:latin typeface="Consolas" pitchFamily="49" charset="0"/>
+                <a:cs typeface="Consolas" pitchFamily="49" charset="0"/>
+              </a:rPr>
+              <a:t>ExitCode</a:t>
+            </a:r>
+            <a:r>
+              <a:rPr lang="en-US" sz="1400" dirty="0" smtClean="0">
+                <a:latin typeface="Consolas" pitchFamily="49" charset="0"/>
+                <a:cs typeface="Consolas" pitchFamily="49" charset="0"/>
+              </a:rPr>
+              <a:t>") &lt;&lt; </a:t>
+            </a:r>
+            <a:r>
+              <a:rPr lang="en-US" sz="1400" dirty="0" err="1" smtClean="0">
+                <a:latin typeface="Consolas" pitchFamily="49" charset="0"/>
+                <a:cs typeface="Consolas" pitchFamily="49" charset="0"/>
+              </a:rPr>
+              <a:t>endl</a:t>
+            </a:r>
+            <a:r>
+              <a:rPr lang="en-US" sz="1400" dirty="0" smtClean="0">
+                <a:latin typeface="Consolas" pitchFamily="49" charset="0"/>
+                <a:cs typeface="Consolas" pitchFamily="49" charset="0"/>
+              </a:rPr>
+              <a:t>;</a:t>
+            </a:r>
+          </a:p>
+          <a:p>
+            <a:endParaRPr lang="en-US" sz="1400" dirty="0">
+              <a:latin typeface="Consolas" pitchFamily="49" charset="0"/>
+              <a:cs typeface="Consolas" pitchFamily="49" charset="0"/>
+            </a:endParaRPr>
+          </a:p>
+        </p:txBody>
+      </p:sp>
+    </p:spTree>
+  </p:cSld>
+  <p:clrMapOvr>
+    <a:masterClrMapping/>
+  </p:clrMapOvr>
+  <p:timing>
+    <p:tnLst>
+      <p:par>
+        <p:cTn id="1" dur="indefinite" restart="never" nodeType="tmRoot"/>
+      </p:par>
+    </p:tnLst>
+  </p:timing>
+</p:sld>
+</file>
+
+<file path=ppt/slides/slide21.xml><?xml version="1.0" encoding="utf-8"?>
+<p:sld xmlns:a="http://schemas.openxmlformats.org/drawingml/2006/main" xmlns:r="http://schemas.openxmlformats.org/officeDocument/2006/relationships" xmlns:p="http://schemas.openxmlformats.org/presentationml/2006/main">
+  <p:cSld>
+    <p:spTree>
+      <p:nvGrpSpPr>
+        <p:cNvPr id="1" name=""/>
+        <p:cNvGrpSpPr/>
+        <p:nvPr/>
+      </p:nvGrpSpPr>
+      <p:grpSpPr>
+        <a:xfrm>
+          <a:off x="0" y="0"/>
+          <a:ext cx="0" cy="0"/>
+          <a:chOff x="0" y="0"/>
+          <a:chExt cx="0" cy="0"/>
+        </a:xfrm>
+      </p:grpSpPr>
+      <p:sp>
+        <p:nvSpPr>
+          <p:cNvPr id="2" name="Title 1"/>
+          <p:cNvSpPr>
+            <a:spLocks noGrp="1"/>
+          </p:cNvSpPr>
+          <p:nvPr>
+            <p:ph type="title"/>
+          </p:nvPr>
+        </p:nvSpPr>
+        <p:spPr/>
+        <p:txBody>
+          <a:bodyPr/>
+          <a:lstStyle/>
+          <a:p>
+            <a:r>
+              <a:rPr lang="en-US" dirty="0" smtClean="0"/>
+              <a:t>SAGA Intro: Example 2’</a:t>
+            </a:r>
+            <a:endParaRPr lang="en-US" dirty="0"/>
+          </a:p>
+        </p:txBody>
+      </p:sp>
+      <p:sp>
+        <p:nvSpPr>
+          <p:cNvPr id="4" name="TextBox 3"/>
+          <p:cNvSpPr txBox="1"/>
+          <p:nvPr/>
+        </p:nvSpPr>
+        <p:spPr>
+          <a:xfrm>
+            <a:off x="946859" y="2164665"/>
+            <a:ext cx="7966954" cy="3754874"/>
+          </a:xfrm>
+          <a:prstGeom prst="rect">
+            <a:avLst/>
+          </a:prstGeom>
+          <a:solidFill>
+            <a:srgbClr val="D7D9CD"/>
+          </a:solidFill>
+          <a:ln>
+            <a:solidFill>
+              <a:srgbClr val="8BADBD"/>
+            </a:solidFill>
+          </a:ln>
+        </p:spPr>
+        <p:style>
+          <a:lnRef idx="2">
+            <a:schemeClr val="accent4"/>
+          </a:lnRef>
+          <a:fillRef idx="1">
+            <a:schemeClr val="lt1"/>
+          </a:fillRef>
+          <a:effectRef idx="0">
+            <a:schemeClr val="accent4"/>
+          </a:effectRef>
+          <a:fontRef idx="minor">
+            <a:schemeClr val="dk1"/>
+          </a:fontRef>
+        </p:style>
+        <p:txBody>
+          <a:bodyPr wrap="square" rtlCol="0">
+            <a:spAutoFit/>
+          </a:bodyPr>
+          <a:lstStyle/>
+          <a:p>
+            <a:endParaRPr lang="en-US" sz="1400" dirty="0" smtClean="0">
+              <a:latin typeface="Consolas" pitchFamily="49" charset="0"/>
+              <a:cs typeface="Consolas" pitchFamily="49" charset="0"/>
+            </a:endParaRPr>
+          </a:p>
+          <a:p>
+            <a:r>
+              <a:rPr lang="en-US" sz="1400" dirty="0" smtClean="0">
+                <a:latin typeface="Consolas" pitchFamily="49" charset="0"/>
+                <a:cs typeface="Consolas" pitchFamily="49" charset="0"/>
+              </a:rPr>
+              <a:t> // SAGA: Job Submission example</a:t>
+            </a:r>
+          </a:p>
+          <a:p>
+            <a:endParaRPr lang="en-US" sz="1400" dirty="0" smtClean="0">
+              <a:latin typeface="Consolas" pitchFamily="49" charset="0"/>
+              <a:cs typeface="Consolas" pitchFamily="49" charset="0"/>
+            </a:endParaRPr>
+          </a:p>
+          <a:p>
+            <a:endParaRPr lang="en-US" sz="1400" dirty="0" smtClean="0">
+              <a:latin typeface="Consolas" pitchFamily="49" charset="0"/>
+              <a:cs typeface="Consolas" pitchFamily="49" charset="0"/>
+            </a:endParaRPr>
+          </a:p>
+          <a:p>
+            <a:endParaRPr lang="en-US" sz="1400" dirty="0" smtClean="0">
+              <a:latin typeface="Consolas" pitchFamily="49" charset="0"/>
+              <a:cs typeface="Consolas" pitchFamily="49" charset="0"/>
+            </a:endParaRPr>
+          </a:p>
+          <a:p>
+            <a:endParaRPr lang="en-US" sz="1400" dirty="0" smtClean="0">
+              <a:latin typeface="Consolas" pitchFamily="49" charset="0"/>
+              <a:cs typeface="Consolas" pitchFamily="49" charset="0"/>
+            </a:endParaRPr>
+          </a:p>
+          <a:p>
+            <a:r>
+              <a:rPr lang="en-US" sz="1400" dirty="0" smtClean="0">
+                <a:latin typeface="Consolas" pitchFamily="49" charset="0"/>
+                <a:cs typeface="Consolas" pitchFamily="49" charset="0"/>
+              </a:rPr>
+              <a:t> saga::job::service </a:t>
+            </a:r>
+            <a:r>
+              <a:rPr lang="en-US" sz="1400" dirty="0" err="1" smtClean="0">
+                <a:latin typeface="Consolas" pitchFamily="49" charset="0"/>
+                <a:cs typeface="Consolas" pitchFamily="49" charset="0"/>
+              </a:rPr>
+              <a:t>js</a:t>
+            </a:r>
+            <a:r>
+              <a:rPr lang="en-US" sz="1400" dirty="0" smtClean="0">
+                <a:latin typeface="Consolas" pitchFamily="49" charset="0"/>
+                <a:cs typeface="Consolas" pitchFamily="49" charset="0"/>
+              </a:rPr>
+              <a:t> ("any://</a:t>
+            </a:r>
+            <a:r>
+              <a:rPr lang="en-US" sz="1400" dirty="0" err="1" smtClean="0">
+                <a:latin typeface="Consolas" pitchFamily="49" charset="0"/>
+                <a:cs typeface="Consolas" pitchFamily="49" charset="0"/>
+              </a:rPr>
+              <a:t>remote.host.net</a:t>
+            </a:r>
+            <a:r>
+              <a:rPr lang="en-US" sz="1400" dirty="0" smtClean="0">
+                <a:latin typeface="Consolas" pitchFamily="49" charset="0"/>
+                <a:cs typeface="Consolas" pitchFamily="49" charset="0"/>
+              </a:rPr>
+              <a:t>"); </a:t>
+            </a:r>
+          </a:p>
+          <a:p>
+            <a:r>
+              <a:rPr lang="en-US" sz="1400" dirty="0" smtClean="0">
+                <a:latin typeface="Consolas" pitchFamily="49" charset="0"/>
+                <a:cs typeface="Consolas" pitchFamily="49" charset="0"/>
+              </a:rPr>
+              <a:t> saga::job::job     j = </a:t>
+            </a:r>
+            <a:r>
+              <a:rPr lang="en-US" sz="1400" dirty="0" err="1" smtClean="0">
+                <a:latin typeface="Consolas" pitchFamily="49" charset="0"/>
+                <a:cs typeface="Consolas" pitchFamily="49" charset="0"/>
+              </a:rPr>
+              <a:t>js.run_job</a:t>
+            </a:r>
+            <a:r>
+              <a:rPr lang="en-US" sz="1400" dirty="0" smtClean="0">
+                <a:latin typeface="Consolas" pitchFamily="49" charset="0"/>
+                <a:cs typeface="Consolas" pitchFamily="49" charset="0"/>
+              </a:rPr>
+              <a:t> ("touch /</a:t>
+            </a:r>
+            <a:r>
+              <a:rPr lang="en-US" sz="1400" dirty="0" err="1" smtClean="0">
+                <a:latin typeface="Consolas" pitchFamily="49" charset="0"/>
+                <a:cs typeface="Consolas" pitchFamily="49" charset="0"/>
+              </a:rPr>
+              <a:t>tmp/touch.me</a:t>
+            </a:r>
+            <a:r>
+              <a:rPr lang="en-US" sz="1400" dirty="0" smtClean="0">
+                <a:latin typeface="Consolas" pitchFamily="49" charset="0"/>
+                <a:cs typeface="Consolas" pitchFamily="49" charset="0"/>
+              </a:rPr>
+              <a:t>");</a:t>
+            </a:r>
+          </a:p>
+          <a:p>
+            <a:endParaRPr lang="en-US" sz="1400" dirty="0" smtClean="0">
+              <a:latin typeface="Consolas" pitchFamily="49" charset="0"/>
+              <a:cs typeface="Consolas" pitchFamily="49" charset="0"/>
+            </a:endParaRPr>
+          </a:p>
+          <a:p>
+            <a:r>
+              <a:rPr lang="en-US" sz="1400" dirty="0" smtClean="0">
+                <a:latin typeface="Consolas" pitchFamily="49" charset="0"/>
+                <a:cs typeface="Consolas" pitchFamily="49" charset="0"/>
+              </a:rPr>
+              <a:t> </a:t>
+            </a:r>
+          </a:p>
+          <a:p>
+            <a:endParaRPr lang="en-US" sz="1400" dirty="0" smtClean="0">
+              <a:latin typeface="Consolas" pitchFamily="49" charset="0"/>
+              <a:cs typeface="Consolas" pitchFamily="49" charset="0"/>
+            </a:endParaRPr>
+          </a:p>
+          <a:p>
+            <a:r>
+              <a:rPr lang="en-US" sz="1400" dirty="0" smtClean="0">
+                <a:latin typeface="Consolas" pitchFamily="49" charset="0"/>
+                <a:cs typeface="Consolas" pitchFamily="49" charset="0"/>
+              </a:rPr>
+              <a:t> </a:t>
+            </a:r>
+            <a:r>
+              <a:rPr lang="en-US" sz="1400" dirty="0" err="1" smtClean="0">
+                <a:latin typeface="Consolas" pitchFamily="49" charset="0"/>
+                <a:cs typeface="Consolas" pitchFamily="49" charset="0"/>
+              </a:rPr>
+              <a:t>cout</a:t>
+            </a:r>
+            <a:r>
+              <a:rPr lang="en-US" sz="1400" dirty="0" smtClean="0">
+                <a:latin typeface="Consolas" pitchFamily="49" charset="0"/>
+                <a:cs typeface="Consolas" pitchFamily="49" charset="0"/>
+              </a:rPr>
+              <a:t> &lt;&lt; "Job State: " &lt;&lt; </a:t>
+            </a:r>
+            <a:r>
+              <a:rPr lang="en-US" sz="1400" dirty="0" err="1" smtClean="0">
+                <a:latin typeface="Consolas" pitchFamily="49" charset="0"/>
+                <a:cs typeface="Consolas" pitchFamily="49" charset="0"/>
+              </a:rPr>
+              <a:t>j.get_state</a:t>
+            </a:r>
+            <a:r>
+              <a:rPr lang="en-US" sz="1400" dirty="0" smtClean="0">
+                <a:latin typeface="Consolas" pitchFamily="49" charset="0"/>
+                <a:cs typeface="Consolas" pitchFamily="49" charset="0"/>
+              </a:rPr>
+              <a:t> () &lt;&lt; </a:t>
+            </a:r>
+            <a:r>
+              <a:rPr lang="en-US" sz="1400" dirty="0" err="1" smtClean="0">
+                <a:latin typeface="Consolas" pitchFamily="49" charset="0"/>
+                <a:cs typeface="Consolas" pitchFamily="49" charset="0"/>
+              </a:rPr>
+              <a:t>endl</a:t>
+            </a:r>
+            <a:r>
+              <a:rPr lang="en-US" sz="1400" dirty="0" smtClean="0">
+                <a:latin typeface="Consolas" pitchFamily="49" charset="0"/>
+                <a:cs typeface="Consolas" pitchFamily="49" charset="0"/>
+              </a:rPr>
+              <a:t>; </a:t>
+            </a:r>
+          </a:p>
+          <a:p>
+            <a:endParaRPr lang="en-US" sz="1400" dirty="0" smtClean="0">
+              <a:latin typeface="Consolas" pitchFamily="49" charset="0"/>
+              <a:cs typeface="Consolas" pitchFamily="49" charset="0"/>
+            </a:endParaRPr>
+          </a:p>
+          <a:p>
+            <a:r>
+              <a:rPr lang="en-US" sz="1400" dirty="0" smtClean="0">
+                <a:latin typeface="Consolas" pitchFamily="49" charset="0"/>
+                <a:cs typeface="Consolas" pitchFamily="49" charset="0"/>
+              </a:rPr>
+              <a:t> </a:t>
+            </a:r>
+            <a:r>
+              <a:rPr lang="en-US" sz="1400" dirty="0" err="1" smtClean="0">
+                <a:latin typeface="Consolas" pitchFamily="49" charset="0"/>
+                <a:cs typeface="Consolas" pitchFamily="49" charset="0"/>
+              </a:rPr>
+              <a:t>j.wait</a:t>
+            </a:r>
+            <a:r>
+              <a:rPr lang="en-US" sz="1400" dirty="0" smtClean="0">
+                <a:latin typeface="Consolas" pitchFamily="49" charset="0"/>
+                <a:cs typeface="Consolas" pitchFamily="49" charset="0"/>
+              </a:rPr>
+              <a:t> (); </a:t>
+            </a:r>
+          </a:p>
+          <a:p>
+            <a:endParaRPr lang="en-US" sz="1400" dirty="0" smtClean="0">
+              <a:latin typeface="Consolas" pitchFamily="49" charset="0"/>
+              <a:cs typeface="Consolas" pitchFamily="49" charset="0"/>
+            </a:endParaRPr>
+          </a:p>
+          <a:p>
+            <a:r>
+              <a:rPr lang="en-US" sz="1400" dirty="0" smtClean="0">
+                <a:latin typeface="Consolas" pitchFamily="49" charset="0"/>
+                <a:cs typeface="Consolas" pitchFamily="49" charset="0"/>
+              </a:rPr>
+              <a:t> </a:t>
+            </a:r>
+            <a:r>
+              <a:rPr lang="en-US" sz="1400" dirty="0" err="1" smtClean="0">
+                <a:latin typeface="Consolas" pitchFamily="49" charset="0"/>
+                <a:cs typeface="Consolas" pitchFamily="49" charset="0"/>
+              </a:rPr>
+              <a:t>cout</a:t>
+            </a:r>
+            <a:r>
+              <a:rPr lang="en-US" sz="1400" dirty="0" smtClean="0">
+                <a:latin typeface="Consolas" pitchFamily="49" charset="0"/>
+                <a:cs typeface="Consolas" pitchFamily="49" charset="0"/>
+              </a:rPr>
+              <a:t> &lt;&lt; "</a:t>
+            </a:r>
+            <a:r>
+              <a:rPr lang="en-US" sz="1400" dirty="0" err="1" smtClean="0">
+                <a:latin typeface="Consolas" pitchFamily="49" charset="0"/>
+                <a:cs typeface="Consolas" pitchFamily="49" charset="0"/>
+              </a:rPr>
+              <a:t>Retval</a:t>
+            </a:r>
+            <a:r>
+              <a:rPr lang="en-US" sz="1400" dirty="0" smtClean="0">
+                <a:latin typeface="Consolas" pitchFamily="49" charset="0"/>
+                <a:cs typeface="Consolas" pitchFamily="49" charset="0"/>
+              </a:rPr>
+              <a:t> " &lt;&lt; </a:t>
+            </a:r>
+            <a:r>
+              <a:rPr lang="en-US" sz="1400" dirty="0" err="1" smtClean="0">
+                <a:latin typeface="Consolas" pitchFamily="49" charset="0"/>
+                <a:cs typeface="Consolas" pitchFamily="49" charset="0"/>
+              </a:rPr>
+              <a:t>j.get_attribute</a:t>
+            </a:r>
+            <a:r>
+              <a:rPr lang="en-US" sz="1400" dirty="0" smtClean="0">
+                <a:latin typeface="Consolas" pitchFamily="49" charset="0"/>
+                <a:cs typeface="Consolas" pitchFamily="49" charset="0"/>
+              </a:rPr>
+              <a:t> ("</a:t>
+            </a:r>
+            <a:r>
+              <a:rPr lang="en-US" sz="1400" dirty="0" err="1" smtClean="0">
+                <a:latin typeface="Consolas" pitchFamily="49" charset="0"/>
+                <a:cs typeface="Consolas" pitchFamily="49" charset="0"/>
+              </a:rPr>
+              <a:t>ExitCode</a:t>
+            </a:r>
+            <a:r>
+              <a:rPr lang="en-US" sz="1400" dirty="0" smtClean="0">
+                <a:latin typeface="Consolas" pitchFamily="49" charset="0"/>
+                <a:cs typeface="Consolas" pitchFamily="49" charset="0"/>
+              </a:rPr>
+              <a:t>") &lt;&lt; </a:t>
+            </a:r>
+            <a:r>
+              <a:rPr lang="en-US" sz="1400" dirty="0" err="1" smtClean="0">
+                <a:latin typeface="Consolas" pitchFamily="49" charset="0"/>
+                <a:cs typeface="Consolas" pitchFamily="49" charset="0"/>
+              </a:rPr>
+              <a:t>endl</a:t>
+            </a:r>
+            <a:r>
+              <a:rPr lang="en-US" sz="1400" dirty="0" smtClean="0">
+                <a:latin typeface="Consolas" pitchFamily="49" charset="0"/>
+                <a:cs typeface="Consolas" pitchFamily="49" charset="0"/>
+              </a:rPr>
+              <a:t>;</a:t>
+            </a:r>
+          </a:p>
+          <a:p>
+            <a:r>
+              <a:rPr lang="en-US" sz="1400" dirty="0" smtClean="0">
+                <a:latin typeface="Consolas" pitchFamily="49" charset="0"/>
+                <a:cs typeface="Consolas" pitchFamily="49" charset="0"/>
+              </a:rPr>
+              <a:t> </a:t>
+            </a:r>
+            <a:endParaRPr lang="en-US" sz="1400" dirty="0">
+              <a:latin typeface="Consolas" pitchFamily="49" charset="0"/>
+              <a:cs typeface="Consolas" pitchFamily="49" charset="0"/>
+            </a:endParaRPr>
+          </a:p>
+        </p:txBody>
+      </p:sp>
+    </p:spTree>
+  </p:cSld>
+  <p:clrMapOvr>
+    <a:masterClrMapping/>
+  </p:clrMapOvr>
+  <p:timing>
+    <p:tnLst>
+      <p:par>
+        <p:cTn id="1" dur="indefinite" restart="never" nodeType="tmRoot"/>
+      </p:par>
+    </p:tnLst>
+  </p:timing>
+</p:sld>
+</file>
+
+<file path=ppt/slides/slide22.xml><?xml version="1.0" encoding="utf-8"?>
+<p:sld xmlns:a="http://schemas.openxmlformats.org/drawingml/2006/main" xmlns:r="http://schemas.openxmlformats.org/officeDocument/2006/relationships" xmlns:p="http://schemas.openxmlformats.org/presentationml/2006/main">
+  <p:cSld>
+    <p:spTree>
+      <p:nvGrpSpPr>
+        <p:cNvPr id="1" name=""/>
+        <p:cNvGrpSpPr/>
+        <p:nvPr/>
+      </p:nvGrpSpPr>
+      <p:grpSpPr>
+        <a:xfrm>
+          <a:off x="0" y="0"/>
+          <a:ext cx="0" cy="0"/>
+          <a:chOff x="0" y="0"/>
+          <a:chExt cx="0" cy="0"/>
+        </a:xfrm>
+      </p:grpSpPr>
+      <p:sp>
+        <p:nvSpPr>
+          <p:cNvPr id="2" name="Title 1"/>
+          <p:cNvSpPr>
+            <a:spLocks noGrp="1"/>
+          </p:cNvSpPr>
+          <p:nvPr>
+            <p:ph type="title"/>
+          </p:nvPr>
+        </p:nvSpPr>
+        <p:spPr/>
+        <p:txBody>
+          <a:bodyPr/>
+          <a:lstStyle/>
+          <a:p>
+            <a:r>
+              <a:rPr lang="en-US" dirty="0" smtClean="0"/>
+              <a:t>SAGA Intro: Example 2</a:t>
+            </a:r>
+            <a:endParaRPr lang="en-US" dirty="0"/>
+          </a:p>
+        </p:txBody>
+      </p:sp>
+      <p:sp>
+        <p:nvSpPr>
+          <p:cNvPr id="3" name="Content Placeholder 2"/>
+          <p:cNvSpPr>
+            <a:spLocks noGrp="1"/>
+          </p:cNvSpPr>
+          <p:nvPr>
+            <p:ph idx="1"/>
+          </p:nvPr>
+        </p:nvSpPr>
+        <p:spPr/>
+        <p:txBody>
+          <a:bodyPr/>
+          <a:lstStyle/>
+          <a:p>
+            <a:r>
+              <a:rPr lang="en-US" dirty="0" err="1" smtClean="0"/>
+              <a:t>stateful</a:t>
+            </a:r>
+            <a:r>
+              <a:rPr lang="en-US" dirty="0" smtClean="0"/>
+              <a:t> objects! </a:t>
+            </a:r>
+          </a:p>
+          <a:p>
+            <a:r>
+              <a:rPr lang="en-US" dirty="0" smtClean="0"/>
+              <a:t>yet another job description language? :-( </a:t>
+            </a:r>
+          </a:p>
+          <a:p>
+            <a:r>
+              <a:rPr lang="en-US" dirty="0" smtClean="0"/>
+              <a:t>many hidden/default parameters </a:t>
+            </a:r>
+          </a:p>
+          <a:p>
+            <a:pPr lvl="1"/>
+            <a:r>
+              <a:rPr lang="en-US" dirty="0" smtClean="0"/>
+              <a:t>keeps call signatures small</a:t>
+            </a:r>
+          </a:p>
+          <a:p>
+            <a:r>
+              <a:rPr lang="en-US" dirty="0" smtClean="0"/>
+              <a:t>’any://’ again! </a:t>
+            </a:r>
+          </a:p>
+          <a:p>
+            <a:r>
+              <a:rPr lang="en-US" dirty="0" smtClean="0"/>
+              <a:t>TIMTOWTDI (there is more than one way to do it) </a:t>
+            </a:r>
+            <a:endParaRPr lang="en-US" dirty="0"/>
+          </a:p>
+        </p:txBody>
+      </p:sp>
+    </p:spTree>
+  </p:cSld>
+  <p:clrMapOvr>
+    <a:masterClrMapping/>
+  </p:clrMapOvr>
+  <p:timing>
+    <p:tnLst>
+      <p:par>
+        <p:cTn id="1" dur="indefinite" restart="never" nodeType="tmRoot"/>
+      </p:par>
+    </p:tnLst>
+  </p:timing>
+</p:sld>
+</file>
+
+<file path=ppt/slides/slide23.xml><?xml version="1.0" encoding="utf-8"?>
+<p:sld xmlns:a="http://schemas.openxmlformats.org/drawingml/2006/main" xmlns:r="http://schemas.openxmlformats.org/officeDocument/2006/relationships" xmlns:p="http://schemas.openxmlformats.org/presentationml/2006/main">
+  <p:cSld>
+    <p:bg>
+      <p:bgRef idx="1001">
+        <a:schemeClr val="bg1"/>
+      </p:bgRef>
+    </p:bg>
+    <p:spTree>
+      <p:nvGrpSpPr>
+        <p:cNvPr id="1" name=""/>
+        <p:cNvGrpSpPr/>
+        <p:nvPr/>
+      </p:nvGrpSpPr>
+      <p:grpSpPr>
+        <a:xfrm>
+          <a:off x="0" y="0"/>
+          <a:ext cx="0" cy="0"/>
+          <a:chOff x="0" y="0"/>
+          <a:chExt cx="0" cy="0"/>
+        </a:xfrm>
+      </p:grpSpPr>
+      <p:sp>
+        <p:nvSpPr>
+          <p:cNvPr id="2" name="Title 1"/>
+          <p:cNvSpPr>
+            <a:spLocks noGrp="1"/>
+          </p:cNvSpPr>
+          <p:nvPr>
+            <p:ph type="title"/>
+          </p:nvPr>
+        </p:nvSpPr>
+        <p:spPr/>
+        <p:txBody>
+          <a:bodyPr/>
+          <a:lstStyle/>
+          <a:p>
+            <a:r>
+              <a:rPr lang="en-US" dirty="0" smtClean="0"/>
+              <a:t>SAGA Intro: 10.000 feet</a:t>
+            </a:r>
+            <a:endParaRPr lang="en-US" dirty="0"/>
+          </a:p>
+        </p:txBody>
+      </p:sp>
+      <p:sp>
+        <p:nvSpPr>
+          <p:cNvPr id="3" name="Content Placeholder 2"/>
+          <p:cNvSpPr>
+            <a:spLocks noGrp="1"/>
+          </p:cNvSpPr>
+          <p:nvPr>
+            <p:ph idx="1"/>
+          </p:nvPr>
+        </p:nvSpPr>
+        <p:spPr/>
+        <p:txBody>
+          <a:bodyPr>
+            <a:normAutofit fontScale="92500" lnSpcReduction="20000"/>
+          </a:bodyPr>
+          <a:lstStyle/>
+          <a:p>
+            <a:r>
+              <a:rPr lang="en-US" dirty="0" smtClean="0"/>
+              <a:t>object oriented: </a:t>
+            </a:r>
+          </a:p>
+          <a:p>
+            <a:pPr lvl="1"/>
+            <a:r>
+              <a:rPr lang="en-US" dirty="0" smtClean="0"/>
+              <a:t>uses inheritance</a:t>
+            </a:r>
+            <a:r>
+              <a:rPr lang="en-US" dirty="0"/>
+              <a:t> </a:t>
+            </a:r>
+            <a:r>
+              <a:rPr lang="en-US" dirty="0" smtClean="0"/>
+              <a:t>and interfaces </a:t>
+            </a:r>
+          </a:p>
+          <a:p>
+            <a:pPr lvl="1"/>
+            <a:r>
+              <a:rPr lang="en-US" dirty="0" smtClean="0"/>
+              <a:t>very moderate use of templates though! </a:t>
+            </a:r>
+          </a:p>
+          <a:p>
+            <a:r>
+              <a:rPr lang="en-US" dirty="0" smtClean="0"/>
+              <a:t>functional and non-functional elements strictly separated </a:t>
+            </a:r>
+          </a:p>
+          <a:p>
+            <a:pPr lvl="1"/>
+            <a:r>
+              <a:rPr lang="en-US" dirty="0" smtClean="0"/>
+              <a:t>functional API: </a:t>
+            </a:r>
+          </a:p>
+          <a:p>
+            <a:pPr lvl="2"/>
+            <a:r>
+              <a:rPr lang="en-US" dirty="0" smtClean="0"/>
+              <a:t>typically </a:t>
+            </a:r>
+            <a:r>
+              <a:rPr lang="en-US" dirty="0" err="1" smtClean="0"/>
+              <a:t>mappable</a:t>
+            </a:r>
+            <a:r>
+              <a:rPr lang="en-US" dirty="0" smtClean="0"/>
+              <a:t> to remote operations </a:t>
+            </a:r>
+          </a:p>
+          <a:p>
+            <a:pPr lvl="2"/>
+            <a:r>
+              <a:rPr lang="en-US" dirty="0" smtClean="0"/>
+              <a:t>ordered in API </a:t>
+            </a:r>
+            <a:r>
+              <a:rPr lang="en-US" dirty="0"/>
+              <a:t>’Packages</a:t>
+            </a:r>
+            <a:r>
+              <a:rPr lang="en-US" dirty="0" smtClean="0"/>
+              <a:t>’:  </a:t>
+            </a:r>
+            <a:r>
+              <a:rPr lang="en-US" dirty="0"/>
+              <a:t>extensible </a:t>
+            </a:r>
+            <a:endParaRPr lang="en-US" dirty="0" smtClean="0"/>
+          </a:p>
+          <a:p>
+            <a:pPr lvl="1"/>
+            <a:r>
+              <a:rPr lang="en-US" dirty="0"/>
+              <a:t> non-functional API: </a:t>
+            </a:r>
+          </a:p>
+          <a:p>
+            <a:pPr lvl="2"/>
+            <a:r>
+              <a:rPr lang="en-US" dirty="0"/>
+              <a:t>typically not </a:t>
+            </a:r>
+            <a:r>
+              <a:rPr lang="en-US" dirty="0" err="1"/>
+              <a:t>mappable</a:t>
+            </a:r>
+            <a:r>
+              <a:rPr lang="en-US" dirty="0"/>
+              <a:t> to </a:t>
+            </a:r>
+            <a:r>
+              <a:rPr lang="en-US" dirty="0" smtClean="0"/>
+              <a:t>explicit remote </a:t>
+            </a:r>
+            <a:r>
+              <a:rPr lang="en-US" dirty="0"/>
+              <a:t>operations </a:t>
+            </a:r>
+          </a:p>
+          <a:p>
+            <a:pPr lvl="2"/>
+            <a:r>
+              <a:rPr lang="en-US" dirty="0"/>
+              <a:t>“look &amp; feel”: orthogonal to functional API </a:t>
+            </a:r>
+            <a:endParaRPr lang="en-US" dirty="0" smtClean="0"/>
+          </a:p>
+          <a:p>
+            <a:pPr lvl="2"/>
+            <a:r>
+              <a:rPr lang="en-US" dirty="0" smtClean="0"/>
+              <a:t>security, asynchronous ops, notifications, ...</a:t>
+            </a:r>
+          </a:p>
+          <a:p>
+            <a:r>
+              <a:rPr lang="en-US" dirty="0" smtClean="0"/>
+              <a:t>few inter-package dependencies - allows for partial implementations </a:t>
+            </a:r>
+            <a:endParaRPr lang="en-US" dirty="0"/>
+          </a:p>
+        </p:txBody>
+      </p:sp>
+    </p:spTree>
+  </p:cSld>
+  <p:clrMapOvr>
+    <a:overrideClrMapping bg1="lt1" tx1="dk1" bg2="lt2" tx2="dk2" accent1="accent1" accent2="accent2" accent3="accent3" accent4="accent4" accent5="accent5" accent6="accent6" hlink="hlink" folHlink="folHlink"/>
+  </p:clrMapOvr>
+  <p:timing>
+    <p:tnLst>
+      <p:par>
+        <p:cTn id="1" dur="indefinite" restart="never" nodeType="tmRoot"/>
+      </p:par>
+    </p:tnLst>
+  </p:timing>
+</p:sld>
+</file>
+
+<file path=ppt/slides/slide24.xml><?xml version="1.0" encoding="utf-8"?>
+<p:sld xmlns:a="http://schemas.openxmlformats.org/drawingml/2006/main" xmlns:r="http://schemas.openxmlformats.org/officeDocument/2006/relationships" xmlns:p="http://schemas.openxmlformats.org/presentationml/2006/main">
+  <p:cSld>
+    <p:spTree>
+      <p:nvGrpSpPr>
+        <p:cNvPr id="1" name=""/>
+        <p:cNvGrpSpPr/>
+        <p:nvPr/>
+      </p:nvGrpSpPr>
+      <p:grpSpPr>
+        <a:xfrm>
+          <a:off x="0" y="0"/>
+          <a:ext cx="0" cy="0"/>
+          <a:chOff x="0" y="0"/>
+          <a:chExt cx="0" cy="0"/>
+        </a:xfrm>
+      </p:grpSpPr>
+      <p:sp>
+        <p:nvSpPr>
+          <p:cNvPr id="4" name="Title 3"/>
+          <p:cNvSpPr>
+            <a:spLocks noGrp="1"/>
+          </p:cNvSpPr>
+          <p:nvPr>
+            <p:ph type="title"/>
+          </p:nvPr>
+        </p:nvSpPr>
+        <p:spPr/>
+        <p:txBody>
+          <a:bodyPr/>
+          <a:lstStyle/>
+          <a:p>
+            <a:r>
+              <a:rPr lang="en-US" dirty="0" smtClean="0"/>
+              <a:t>SAGA Class </a:t>
+            </a:r>
+            <a:r>
+              <a:rPr lang="en-US" dirty="0"/>
+              <a:t>Hierarchy</a:t>
+            </a:r>
+          </a:p>
+        </p:txBody>
+      </p:sp>
+      <p:sp>
+        <p:nvSpPr>
+          <p:cNvPr id="5" name="Text Placeholder 4"/>
+          <p:cNvSpPr>
+            <a:spLocks noGrp="1"/>
+          </p:cNvSpPr>
+          <p:nvPr>
+            <p:ph type="body" idx="1"/>
+          </p:nvPr>
+        </p:nvSpPr>
+        <p:spPr/>
+        <p:txBody>
+          <a:bodyPr/>
+          <a:lstStyle/>
+          <a:p>
+            <a:endParaRPr lang="en-US" dirty="0"/>
+          </a:p>
+        </p:txBody>
+      </p:sp>
+    </p:spTree>
+    <p:extLst>
+      <p:ext uri="{BB962C8B-B14F-4D97-AF65-F5344CB8AC3E}">
+        <p14:creationId xmlns:p14="http://schemas.microsoft.com/office/powerpoint/2010/main" val="738217468"/>
+      </p:ext>
+    </p:extLst>
+  </p:cSld>
+  <p:clrMapOvr>
+    <a:masterClrMapping/>
+  </p:clrMapOvr>
+  <p:timing>
+    <p:tnLst>
+      <p:par>
+        <p:cTn id="1" dur="indefinite" restart="never" nodeType="tmRoot"/>
+      </p:par>
+    </p:tnLst>
+  </p:timing>
+</p:sld>
+</file>
+
+<file path=ppt/slides/slide25.xml><?xml version="1.0" encoding="utf-8"?>
+<p:sld xmlns:a="http://schemas.openxmlformats.org/drawingml/2006/main" xmlns:r="http://schemas.openxmlformats.org/officeDocument/2006/relationships" xmlns:p="http://schemas.openxmlformats.org/presentationml/2006/main">
+  <p:cSld>
+    <p:spTree>
+      <p:nvGrpSpPr>
+        <p:cNvPr id="1" name=""/>
+        <p:cNvGrpSpPr/>
+        <p:nvPr/>
+      </p:nvGrpSpPr>
+      <p:grpSpPr>
+        <a:xfrm>
+          <a:off x="0" y="0"/>
+          <a:ext cx="0" cy="0"/>
+          <a:chOff x="0" y="0"/>
+          <a:chExt cx="0" cy="0"/>
+        </a:xfrm>
+      </p:grpSpPr>
+      <p:sp>
+        <p:nvSpPr>
+          <p:cNvPr id="2" name="Title 1"/>
+          <p:cNvSpPr>
+            <a:spLocks noGrp="1"/>
+          </p:cNvSpPr>
+          <p:nvPr>
+            <p:ph type="title"/>
+          </p:nvPr>
+        </p:nvSpPr>
+        <p:spPr/>
+        <p:txBody>
+          <a:bodyPr/>
+          <a:lstStyle/>
+          <a:p>
+            <a:r>
+              <a:rPr lang="en-US" dirty="0" smtClean="0"/>
+              <a:t>SAGA: Class hierarchy</a:t>
+            </a:r>
+            <a:endParaRPr lang="en-US" dirty="0"/>
+          </a:p>
+        </p:txBody>
+      </p:sp>
+      <p:pic>
+        <p:nvPicPr>
+          <p:cNvPr id="6" name="Content Placeholder 5" descr="classes-10.pdf"/>
+          <p:cNvPicPr>
+            <a:picLocks noGrp="1" noChangeAspect="1"/>
+          </p:cNvPicPr>
+          <p:nvPr>
+            <p:ph idx="1"/>
+          </p:nvPr>
+        </p:nvPicPr>
+        <mc:AlternateContent xmlns:mc="http://schemas.openxmlformats.org/markup-compatibility/2006">
+          <mc:Choice xmlns="" xmlns:mv="urn:schemas-microsoft-com:mac:vml" xmlns:ma="http://schemas.microsoft.com/office/mac/drawingml/2008/main" Requires="ma">
+            <p:blipFill>
+              <a:blip r:embed="rId2"/>
+              <a:stretch>
+                <a:fillRect/>
+              </a:stretch>
+            </p:blipFill>
+          </mc:Choice>
+          <mc:Fallback>
+            <p:blipFill>
+              <a:blip r:embed="rId3"/>
+              <a:stretch>
+                <a:fillRect/>
+              </a:stretch>
+            </p:blipFill>
+          </mc:Fallback>
+        </mc:AlternateContent>
+        <p:spPr>
+          <a:xfrm>
+            <a:off x="757238" y="2058666"/>
+            <a:ext cx="7967662" cy="3419225"/>
+          </a:xfrm>
+        </p:spPr>
+      </p:pic>
+    </p:spTree>
+  </p:cSld>
+  <p:clrMapOvr>
+    <a:masterClrMapping/>
+  </p:clrMapOvr>
+  <p:timing>
+    <p:tnLst>
+      <p:par>
+        <p:cTn id="1" dur="indefinite" restart="never" nodeType="tmRoot"/>
+      </p:par>
+    </p:tnLst>
+  </p:timing>
+</p:sld>
+</file>
+
+<file path=ppt/slides/slide26.xml><?xml version="1.0" encoding="utf-8"?>
+<p:sld xmlns:a="http://schemas.openxmlformats.org/drawingml/2006/main" xmlns:r="http://schemas.openxmlformats.org/officeDocument/2006/relationships" xmlns:p="http://schemas.openxmlformats.org/presentationml/2006/main">
+  <p:cSld>
+    <p:spTree>
+      <p:nvGrpSpPr>
+        <p:cNvPr id="1" name=""/>
+        <p:cNvGrpSpPr/>
+        <p:nvPr/>
+      </p:nvGrpSpPr>
+      <p:grpSpPr>
+        <a:xfrm>
+          <a:off x="0" y="0"/>
+          <a:ext cx="0" cy="0"/>
+          <a:chOff x="0" y="0"/>
+          <a:chExt cx="0" cy="0"/>
+        </a:xfrm>
+      </p:grpSpPr>
+      <p:sp>
+        <p:nvSpPr>
+          <p:cNvPr id="2" name="Title 1"/>
+          <p:cNvSpPr>
+            <a:spLocks noGrp="1"/>
+          </p:cNvSpPr>
+          <p:nvPr>
+            <p:ph type="title"/>
+          </p:nvPr>
+        </p:nvSpPr>
+        <p:spPr/>
+        <p:txBody>
+          <a:bodyPr/>
+          <a:lstStyle/>
+          <a:p>
+            <a:r>
+              <a:rPr lang="en-US" dirty="0" smtClean="0"/>
+              <a:t>SAGA: Class hierarchy</a:t>
+            </a:r>
+            <a:endParaRPr lang="en-US" dirty="0"/>
+          </a:p>
+        </p:txBody>
+      </p:sp>
+      <p:sp>
+        <p:nvSpPr>
+          <p:cNvPr id="4" name="Text Placeholder 3"/>
+          <p:cNvSpPr>
+            <a:spLocks noGrp="1"/>
+          </p:cNvSpPr>
+          <p:nvPr>
+            <p:ph type="body" idx="1"/>
+          </p:nvPr>
+        </p:nvSpPr>
+        <p:spPr/>
+        <p:txBody>
+          <a:bodyPr/>
+          <a:lstStyle/>
+          <a:p>
+            <a:r>
+              <a:rPr lang="en-US" dirty="0" smtClean="0"/>
+              <a:t>Functional API Packages</a:t>
+            </a:r>
+            <a:endParaRPr lang="en-US" dirty="0"/>
+          </a:p>
+        </p:txBody>
+      </p:sp>
+    </p:spTree>
+  </p:cSld>
+  <p:clrMapOvr>
+    <a:masterClrMapping/>
+  </p:clrMapOvr>
+  <p:timing>
+    <p:tnLst>
+      <p:par>
+        <p:cTn id="1" dur="indefinite" restart="never" nodeType="tmRoot"/>
+      </p:par>
+    </p:tnLst>
+  </p:timing>
+</p:sld>
+</file>
+
+<file path=ppt/slides/slide27.xml><?xml version="1.0" encoding="utf-8"?>
+<p:sld xmlns:a="http://schemas.openxmlformats.org/drawingml/2006/main" xmlns:r="http://schemas.openxmlformats.org/officeDocument/2006/relationships" xmlns:p="http://schemas.openxmlformats.org/presentationml/2006/main">
+  <p:cSld>
+    <p:spTree>
+      <p:nvGrpSpPr>
+        <p:cNvPr id="1" name=""/>
+        <p:cNvGrpSpPr/>
+        <p:nvPr/>
+      </p:nvGrpSpPr>
+      <p:grpSpPr>
+        <a:xfrm>
+          <a:off x="0" y="0"/>
+          <a:ext cx="0" cy="0"/>
+          <a:chOff x="0" y="0"/>
+          <a:chExt cx="0" cy="0"/>
+        </a:xfrm>
+      </p:grpSpPr>
+      <p:sp>
+        <p:nvSpPr>
+          <p:cNvPr id="2" name="Title 1"/>
+          <p:cNvSpPr>
+            <a:spLocks noGrp="1"/>
+          </p:cNvSpPr>
+          <p:nvPr>
+            <p:ph type="title"/>
+          </p:nvPr>
+        </p:nvSpPr>
+        <p:spPr/>
+        <p:txBody>
+          <a:bodyPr/>
+          <a:lstStyle/>
+          <a:p>
+            <a:r>
               <a:rPr lang="en-US" dirty="0"/>
               <a:t>SAGA Job </a:t>
             </a:r>
@@ -6179,12 +9632,12 @@
               <a:t>well </a:t>
             </a:r>
             <a:r>
-              <a:rPr lang="en-US" dirty="0" err="1" smtClean="0"/>
-              <a:t>stablished</a:t>
-            </a:r>
-            <a:r>
-              <a:rPr lang="en-US" dirty="0" smtClean="0"/>
-              <a:t> patterns exist</a:t>
+              <a:rPr lang="en-US" dirty="0" smtClean="0"/>
+              <a:t>established </a:t>
+            </a:r>
+            <a:r>
+              <a:rPr lang="en-US" dirty="0" smtClean="0"/>
+              <a:t>patterns exist</a:t>
             </a:r>
           </a:p>
           <a:p>
@@ -6232,10 +9685,17 @@
   <p:clrMapOvr>
     <a:masterClrMapping/>
   </p:clrMapOvr>
+  <p:timing>
+    <p:tnLst>
+      <p:par>
+        <p:cTn id="1" dur="indefinite" restart="never" nodeType="tmRoot"/>
+      </p:par>
+    </p:tnLst>
+  </p:timing>
 </p:sld>
 </file>
 
-<file path=ppt/slides/slide15.xml><?xml version="1.0" encoding="utf-8"?>
+<file path=ppt/slides/slide28.xml><?xml version="1.0" encoding="utf-8"?>
 <p:sld xmlns:a="http://schemas.openxmlformats.org/drawingml/2006/main" xmlns:r="http://schemas.openxmlformats.org/officeDocument/2006/relationships" xmlns:p="http://schemas.openxmlformats.org/presentationml/2006/main">
   <p:cSld>
     <p:spTree>
@@ -6706,7 +10166,7 @@
 </p:sld>
 </file>
 
-<file path=ppt/slides/slide16.xml><?xml version="1.0" encoding="utf-8"?>
+<file path=ppt/slides/slide29.xml><?xml version="1.0" encoding="utf-8"?>
 <p:sld xmlns:a="http://schemas.openxmlformats.org/drawingml/2006/main" xmlns:r="http://schemas.openxmlformats.org/officeDocument/2006/relationships" xmlns:p="http://schemas.openxmlformats.org/presentationml/2006/main">
   <p:cSld>
     <p:spTree>
@@ -6795,7 +10255,651 @@
 </p:sld>
 </file>
 
-<file path=ppt/slides/slide17.xml><?xml version="1.0" encoding="utf-8"?>
+<file path=ppt/slides/slide3.xml><?xml version="1.0" encoding="utf-8"?>
+<p:sld xmlns:a="http://schemas.openxmlformats.org/drawingml/2006/main" xmlns:r="http://schemas.openxmlformats.org/officeDocument/2006/relationships" xmlns:p="http://schemas.openxmlformats.org/presentationml/2006/main">
+  <p:cSld>
+    <p:spTree>
+      <p:nvGrpSpPr>
+        <p:cNvPr id="1" name=""/>
+        <p:cNvGrpSpPr/>
+        <p:nvPr/>
+      </p:nvGrpSpPr>
+      <p:grpSpPr>
+        <a:xfrm>
+          <a:off x="0" y="0"/>
+          <a:ext cx="0" cy="0"/>
+          <a:chOff x="0" y="0"/>
+          <a:chExt cx="0" cy="0"/>
+        </a:xfrm>
+      </p:grpSpPr>
+      <p:sp>
+        <p:nvSpPr>
+          <p:cNvPr id="2" name="Title 1"/>
+          <p:cNvSpPr>
+            <a:spLocks noGrp="1"/>
+          </p:cNvSpPr>
+          <p:nvPr>
+            <p:ph type="title"/>
+          </p:nvPr>
+        </p:nvSpPr>
+        <p:spPr/>
+        <p:txBody>
+          <a:bodyPr/>
+          <a:lstStyle/>
+          <a:p>
+            <a:r>
+              <a:rPr lang="en-US" dirty="0" smtClean="0"/>
+              <a:t>SAGA: Teaser</a:t>
+            </a:r>
+            <a:endParaRPr lang="en-US" dirty="0"/>
+          </a:p>
+        </p:txBody>
+      </p:sp>
+      <p:sp>
+        <p:nvSpPr>
+          <p:cNvPr id="4" name="TextBox 3"/>
+          <p:cNvSpPr txBox="1"/>
+          <p:nvPr/>
+        </p:nvSpPr>
+        <p:spPr>
+          <a:xfrm>
+            <a:off x="946859" y="1933330"/>
+            <a:ext cx="7966954" cy="4832092"/>
+          </a:xfrm>
+          <a:prstGeom prst="rect">
+            <a:avLst/>
+          </a:prstGeom>
+          <a:solidFill>
+            <a:srgbClr val="D7D9CD"/>
+          </a:solidFill>
+          <a:ln>
+            <a:solidFill>
+              <a:srgbClr val="8BADBD"/>
+            </a:solidFill>
+          </a:ln>
+        </p:spPr>
+        <p:style>
+          <a:lnRef idx="2">
+            <a:schemeClr val="accent4"/>
+          </a:lnRef>
+          <a:fillRef idx="1">
+            <a:schemeClr val="lt1"/>
+          </a:fillRef>
+          <a:effectRef idx="0">
+            <a:schemeClr val="accent4"/>
+          </a:effectRef>
+          <a:fontRef idx="minor">
+            <a:schemeClr val="dk1"/>
+          </a:fontRef>
+        </p:style>
+        <p:txBody>
+          <a:bodyPr wrap="square" rtlCol="0">
+            <a:spAutoFit/>
+          </a:bodyPr>
+          <a:lstStyle/>
+          <a:p>
+            <a:endParaRPr lang="en-US" sz="1400" dirty="0" smtClean="0">
+              <a:latin typeface="Consolas" pitchFamily="49" charset="0"/>
+              <a:cs typeface="Consolas" pitchFamily="49" charset="0"/>
+            </a:endParaRPr>
+          </a:p>
+          <a:p>
+            <a:r>
+              <a:rPr lang="en-US" sz="1400" dirty="0" smtClean="0">
+                <a:latin typeface="Consolas" pitchFamily="49" charset="0"/>
+                <a:cs typeface="Consolas" pitchFamily="49" charset="0"/>
+              </a:rPr>
+              <a:t> // SAGA: File Management example</a:t>
+            </a:r>
+          </a:p>
+          <a:p>
+            <a:endParaRPr lang="en-US" sz="1400" dirty="0" smtClean="0">
+              <a:latin typeface="Consolas" pitchFamily="49" charset="0"/>
+              <a:cs typeface="Consolas" pitchFamily="49" charset="0"/>
+            </a:endParaRPr>
+          </a:p>
+          <a:p>
+            <a:r>
+              <a:rPr lang="en-US" sz="1400" dirty="0" smtClean="0">
+                <a:latin typeface="Consolas" pitchFamily="49" charset="0"/>
+                <a:cs typeface="Consolas" pitchFamily="49" charset="0"/>
+              </a:rPr>
+              <a:t> #include &lt;saga/saga.hpp&gt;</a:t>
+            </a:r>
+          </a:p>
+          <a:p>
+            <a:endParaRPr lang="en-US" sz="1400" dirty="0">
+              <a:latin typeface="Consolas" pitchFamily="49" charset="0"/>
+              <a:cs typeface="Consolas" pitchFamily="49" charset="0"/>
+            </a:endParaRPr>
+          </a:p>
+          <a:p>
+            <a:r>
+              <a:rPr lang="en-US" sz="1400" dirty="0" smtClean="0">
+                <a:latin typeface="Consolas" pitchFamily="49" charset="0"/>
+                <a:cs typeface="Consolas" pitchFamily="49" charset="0"/>
+              </a:rPr>
+              <a:t> </a:t>
+            </a:r>
+            <a:r>
+              <a:rPr lang="en-US" sz="1400" dirty="0" err="1" smtClean="0">
+                <a:latin typeface="Consolas" pitchFamily="49" charset="0"/>
+                <a:cs typeface="Consolas" pitchFamily="49" charset="0"/>
+              </a:rPr>
+              <a:t>int</a:t>
+            </a:r>
+            <a:r>
+              <a:rPr lang="en-US" sz="1400" dirty="0" smtClean="0">
+                <a:latin typeface="Consolas" pitchFamily="49" charset="0"/>
+                <a:cs typeface="Consolas" pitchFamily="49" charset="0"/>
+              </a:rPr>
+              <a:t> main ()</a:t>
+            </a:r>
+          </a:p>
+          <a:p>
+            <a:r>
+              <a:rPr lang="en-US" sz="1400" dirty="0" smtClean="0">
+                <a:latin typeface="Consolas" pitchFamily="49" charset="0"/>
+                <a:cs typeface="Consolas" pitchFamily="49" charset="0"/>
+              </a:rPr>
+              <a:t> {</a:t>
+            </a:r>
+            <a:endParaRPr lang="en-US" sz="1400" dirty="0" smtClean="0">
+              <a:latin typeface="Consolas" pitchFamily="49" charset="0"/>
+              <a:cs typeface="Consolas" pitchFamily="49" charset="0"/>
+            </a:endParaRPr>
+          </a:p>
+          <a:p>
+            <a:r>
+              <a:rPr lang="en-US" sz="1400" dirty="0" smtClean="0">
+                <a:latin typeface="Consolas" pitchFamily="49" charset="0"/>
+                <a:cs typeface="Consolas" pitchFamily="49" charset="0"/>
+              </a:rPr>
+              <a:t> </a:t>
+            </a:r>
+            <a:r>
+              <a:rPr lang="en-US" sz="1400" dirty="0" smtClean="0">
+                <a:latin typeface="Consolas" pitchFamily="49" charset="0"/>
+                <a:cs typeface="Consolas" pitchFamily="49" charset="0"/>
+              </a:rPr>
+              <a:t>  saga</a:t>
+            </a:r>
+            <a:r>
+              <a:rPr lang="en-US" sz="1400" dirty="0" smtClean="0">
+                <a:latin typeface="Consolas" pitchFamily="49" charset="0"/>
+                <a:cs typeface="Consolas" pitchFamily="49" charset="0"/>
+              </a:rPr>
+              <a:t>::</a:t>
+            </a:r>
+            <a:r>
+              <a:rPr lang="en-US" sz="1400" dirty="0" err="1" smtClean="0">
+                <a:latin typeface="Consolas" pitchFamily="49" charset="0"/>
+                <a:cs typeface="Consolas" pitchFamily="49" charset="0"/>
+              </a:rPr>
+              <a:t>filesystem</a:t>
+            </a:r>
+            <a:r>
+              <a:rPr lang="en-US" sz="1400" dirty="0" smtClean="0">
+                <a:latin typeface="Consolas" pitchFamily="49" charset="0"/>
+                <a:cs typeface="Consolas" pitchFamily="49" charset="0"/>
+              </a:rPr>
+              <a:t>::directory dir ("any://remote.host.net//data/"); </a:t>
+            </a:r>
+          </a:p>
+          <a:p>
+            <a:endParaRPr lang="en-US" sz="1400" dirty="0" smtClean="0">
+              <a:latin typeface="Consolas" pitchFamily="49" charset="0"/>
+              <a:cs typeface="Consolas" pitchFamily="49" charset="0"/>
+            </a:endParaRPr>
+          </a:p>
+          <a:p>
+            <a:r>
+              <a:rPr lang="en-US" sz="1400" dirty="0" smtClean="0">
+                <a:latin typeface="Consolas" pitchFamily="49" charset="0"/>
+                <a:cs typeface="Consolas" pitchFamily="49" charset="0"/>
+              </a:rPr>
+              <a:t>   </a:t>
+            </a:r>
+            <a:r>
+              <a:rPr lang="en-US" sz="1400" dirty="0" smtClean="0">
+                <a:latin typeface="Consolas" pitchFamily="49" charset="0"/>
+                <a:cs typeface="Consolas" pitchFamily="49" charset="0"/>
+              </a:rPr>
+              <a:t>if ( </a:t>
+            </a:r>
+            <a:r>
+              <a:rPr lang="en-US" sz="1400" dirty="0" err="1" smtClean="0">
+                <a:latin typeface="Consolas" pitchFamily="49" charset="0"/>
+                <a:cs typeface="Consolas" pitchFamily="49" charset="0"/>
+              </a:rPr>
+              <a:t>dir.exists</a:t>
+            </a:r>
+            <a:r>
+              <a:rPr lang="en-US" sz="1400" dirty="0" smtClean="0">
+                <a:latin typeface="Consolas" pitchFamily="49" charset="0"/>
+                <a:cs typeface="Consolas" pitchFamily="49" charset="0"/>
+              </a:rPr>
+              <a:t> ("a") &amp;&amp; ! </a:t>
+            </a:r>
+            <a:r>
+              <a:rPr lang="en-US" sz="1400" dirty="0" err="1" smtClean="0">
+                <a:latin typeface="Consolas" pitchFamily="49" charset="0"/>
+                <a:cs typeface="Consolas" pitchFamily="49" charset="0"/>
+              </a:rPr>
+              <a:t>dir.is_dir</a:t>
+            </a:r>
+            <a:r>
+              <a:rPr lang="en-US" sz="1400" dirty="0" smtClean="0">
+                <a:latin typeface="Consolas" pitchFamily="49" charset="0"/>
+                <a:cs typeface="Consolas" pitchFamily="49" charset="0"/>
+              </a:rPr>
+              <a:t> ("a") ) </a:t>
+            </a:r>
+          </a:p>
+          <a:p>
+            <a:r>
+              <a:rPr lang="en-US" sz="1400" dirty="0" smtClean="0">
+                <a:latin typeface="Consolas" pitchFamily="49" charset="0"/>
+                <a:cs typeface="Consolas" pitchFamily="49" charset="0"/>
+              </a:rPr>
+              <a:t> </a:t>
+            </a:r>
+            <a:r>
+              <a:rPr lang="en-US" sz="1400" dirty="0" smtClean="0">
+                <a:latin typeface="Consolas" pitchFamily="49" charset="0"/>
+                <a:cs typeface="Consolas" pitchFamily="49" charset="0"/>
+              </a:rPr>
+              <a:t>  {</a:t>
+            </a:r>
+            <a:endParaRPr lang="en-US" sz="1400" dirty="0" smtClean="0">
+              <a:latin typeface="Consolas" pitchFamily="49" charset="0"/>
+              <a:cs typeface="Consolas" pitchFamily="49" charset="0"/>
+            </a:endParaRPr>
+          </a:p>
+          <a:p>
+            <a:r>
+              <a:rPr lang="en-US" sz="1400" dirty="0" smtClean="0">
+                <a:latin typeface="Consolas" pitchFamily="49" charset="0"/>
+                <a:cs typeface="Consolas" pitchFamily="49" charset="0"/>
+              </a:rPr>
+              <a:t>   </a:t>
+            </a:r>
+            <a:r>
+              <a:rPr lang="en-US" sz="1400" dirty="0" smtClean="0">
+                <a:latin typeface="Consolas" pitchFamily="49" charset="0"/>
+                <a:cs typeface="Consolas" pitchFamily="49" charset="0"/>
+              </a:rPr>
+              <a:t>  </a:t>
+            </a:r>
+            <a:r>
+              <a:rPr lang="en-US" sz="1400" dirty="0" err="1" smtClean="0">
+                <a:latin typeface="Consolas" pitchFamily="49" charset="0"/>
+                <a:cs typeface="Consolas" pitchFamily="49" charset="0"/>
+              </a:rPr>
+              <a:t>dir.copy</a:t>
+            </a:r>
+            <a:r>
+              <a:rPr lang="en-US" sz="1400" dirty="0" smtClean="0">
+                <a:latin typeface="Consolas" pitchFamily="49" charset="0"/>
+                <a:cs typeface="Consolas" pitchFamily="49" charset="0"/>
+              </a:rPr>
+              <a:t> </a:t>
+            </a:r>
+            <a:r>
+              <a:rPr lang="en-US" sz="1400" dirty="0" smtClean="0">
+                <a:latin typeface="Consolas" pitchFamily="49" charset="0"/>
+                <a:cs typeface="Consolas" pitchFamily="49" charset="0"/>
+              </a:rPr>
+              <a:t>("a", "b", </a:t>
+            </a:r>
+            <a:r>
+              <a:rPr lang="en-US" sz="1400" dirty="0" smtClean="0">
+                <a:latin typeface="Consolas" pitchFamily="49" charset="0"/>
+                <a:cs typeface="Consolas" pitchFamily="49" charset="0"/>
+              </a:rPr>
+              <a:t>saga::</a:t>
+            </a:r>
+            <a:r>
+              <a:rPr lang="en-US" sz="1400" dirty="0" err="1" smtClean="0">
+                <a:latin typeface="Consolas" pitchFamily="49" charset="0"/>
+                <a:cs typeface="Consolas" pitchFamily="49" charset="0"/>
+              </a:rPr>
+              <a:t>filesystem</a:t>
+            </a:r>
+            <a:r>
+              <a:rPr lang="en-US" sz="1400" dirty="0" smtClean="0">
+                <a:latin typeface="Consolas" pitchFamily="49" charset="0"/>
+                <a:cs typeface="Consolas" pitchFamily="49" charset="0"/>
+              </a:rPr>
+              <a:t>::Overwrite</a:t>
+            </a:r>
+            <a:r>
+              <a:rPr lang="en-US" sz="1400" dirty="0" smtClean="0">
+                <a:latin typeface="Consolas" pitchFamily="49" charset="0"/>
+                <a:cs typeface="Consolas" pitchFamily="49" charset="0"/>
+              </a:rPr>
+              <a:t>); </a:t>
+            </a:r>
+          </a:p>
+          <a:p>
+            <a:r>
+              <a:rPr lang="en-US" sz="1400" dirty="0" smtClean="0">
+                <a:latin typeface="Consolas" pitchFamily="49" charset="0"/>
+                <a:cs typeface="Consolas" pitchFamily="49" charset="0"/>
+              </a:rPr>
+              <a:t> </a:t>
+            </a:r>
+            <a:r>
+              <a:rPr lang="en-US" sz="1400" dirty="0" smtClean="0">
+                <a:latin typeface="Consolas" pitchFamily="49" charset="0"/>
+                <a:cs typeface="Consolas" pitchFamily="49" charset="0"/>
+              </a:rPr>
+              <a:t>  } </a:t>
+            </a:r>
+            <a:endParaRPr lang="en-US" sz="1400" dirty="0" smtClean="0">
+              <a:latin typeface="Consolas" pitchFamily="49" charset="0"/>
+              <a:cs typeface="Consolas" pitchFamily="49" charset="0"/>
+            </a:endParaRPr>
+          </a:p>
+          <a:p>
+            <a:endParaRPr lang="en-US" sz="1400" dirty="0" smtClean="0">
+              <a:latin typeface="Consolas" pitchFamily="49" charset="0"/>
+              <a:cs typeface="Consolas" pitchFamily="49" charset="0"/>
+            </a:endParaRPr>
+          </a:p>
+          <a:p>
+            <a:r>
+              <a:rPr lang="en-US" sz="1400" dirty="0" smtClean="0">
+                <a:latin typeface="Consolas" pitchFamily="49" charset="0"/>
+                <a:cs typeface="Consolas" pitchFamily="49" charset="0"/>
+              </a:rPr>
+              <a:t> </a:t>
+            </a:r>
+            <a:r>
+              <a:rPr lang="en-US" sz="1400" dirty="0" smtClean="0">
+                <a:latin typeface="Consolas" pitchFamily="49" charset="0"/>
+                <a:cs typeface="Consolas" pitchFamily="49" charset="0"/>
+              </a:rPr>
+              <a:t>  list </a:t>
+            </a:r>
+            <a:r>
+              <a:rPr lang="en-US" sz="1400" dirty="0" smtClean="0">
+                <a:latin typeface="Consolas" pitchFamily="49" charset="0"/>
+                <a:cs typeface="Consolas" pitchFamily="49" charset="0"/>
+              </a:rPr>
+              <a:t>&lt;saga::</a:t>
+            </a:r>
+            <a:r>
+              <a:rPr lang="en-US" sz="1400" dirty="0" err="1" smtClean="0">
+                <a:latin typeface="Consolas" pitchFamily="49" charset="0"/>
+                <a:cs typeface="Consolas" pitchFamily="49" charset="0"/>
+              </a:rPr>
+              <a:t>url</a:t>
+            </a:r>
+            <a:r>
+              <a:rPr lang="en-US" sz="1400" dirty="0" smtClean="0">
+                <a:latin typeface="Consolas" pitchFamily="49" charset="0"/>
+                <a:cs typeface="Consolas" pitchFamily="49" charset="0"/>
+              </a:rPr>
+              <a:t>&gt; names = </a:t>
+            </a:r>
+            <a:r>
+              <a:rPr lang="en-US" sz="1400" dirty="0" err="1" smtClean="0">
+                <a:latin typeface="Consolas" pitchFamily="49" charset="0"/>
+                <a:cs typeface="Consolas" pitchFamily="49" charset="0"/>
+              </a:rPr>
+              <a:t>dir.find</a:t>
+            </a:r>
+            <a:r>
+              <a:rPr lang="en-US" sz="1400" dirty="0" smtClean="0">
+                <a:latin typeface="Consolas" pitchFamily="49" charset="0"/>
+                <a:cs typeface="Consolas" pitchFamily="49" charset="0"/>
+              </a:rPr>
+              <a:t> ("*-{123}.txt");</a:t>
+            </a:r>
+          </a:p>
+          <a:p>
+            <a:endParaRPr lang="en-US" sz="1400" dirty="0" smtClean="0">
+              <a:latin typeface="Consolas" pitchFamily="49" charset="0"/>
+              <a:cs typeface="Consolas" pitchFamily="49" charset="0"/>
+            </a:endParaRPr>
+          </a:p>
+          <a:p>
+            <a:r>
+              <a:rPr lang="en-US" sz="1400" dirty="0" smtClean="0">
+                <a:latin typeface="Consolas" pitchFamily="49" charset="0"/>
+                <a:cs typeface="Consolas" pitchFamily="49" charset="0"/>
+              </a:rPr>
+              <a:t> </a:t>
+            </a:r>
+            <a:r>
+              <a:rPr lang="en-US" sz="1400" dirty="0" smtClean="0">
+                <a:latin typeface="Consolas" pitchFamily="49" charset="0"/>
+                <a:cs typeface="Consolas" pitchFamily="49" charset="0"/>
+              </a:rPr>
+              <a:t>  saga</a:t>
+            </a:r>
+            <a:r>
+              <a:rPr lang="en-US" sz="1400" dirty="0" smtClean="0">
+                <a:latin typeface="Consolas" pitchFamily="49" charset="0"/>
+                <a:cs typeface="Consolas" pitchFamily="49" charset="0"/>
+              </a:rPr>
+              <a:t>::</a:t>
+            </a:r>
+            <a:r>
+              <a:rPr lang="en-US" sz="1400" dirty="0" err="1" smtClean="0">
+                <a:latin typeface="Consolas" pitchFamily="49" charset="0"/>
+                <a:cs typeface="Consolas" pitchFamily="49" charset="0"/>
+              </a:rPr>
+              <a:t>filesystem</a:t>
+            </a:r>
+            <a:r>
+              <a:rPr lang="en-US" sz="1400" dirty="0" smtClean="0">
+                <a:latin typeface="Consolas" pitchFamily="49" charset="0"/>
+                <a:cs typeface="Consolas" pitchFamily="49" charset="0"/>
+              </a:rPr>
+              <a:t>::directory </a:t>
+            </a:r>
+            <a:r>
+              <a:rPr lang="en-US" sz="1400" dirty="0" err="1" smtClean="0">
+                <a:latin typeface="Consolas" pitchFamily="49" charset="0"/>
+                <a:cs typeface="Consolas" pitchFamily="49" charset="0"/>
+              </a:rPr>
+              <a:t>tmp</a:t>
+            </a:r>
+            <a:r>
+              <a:rPr lang="en-US" sz="1400" dirty="0" smtClean="0">
+                <a:latin typeface="Consolas" pitchFamily="49" charset="0"/>
+                <a:cs typeface="Consolas" pitchFamily="49" charset="0"/>
+              </a:rPr>
+              <a:t>  = </a:t>
+            </a:r>
+            <a:r>
+              <a:rPr lang="en-US" sz="1400" dirty="0" err="1" smtClean="0">
+                <a:latin typeface="Consolas" pitchFamily="49" charset="0"/>
+                <a:cs typeface="Consolas" pitchFamily="49" charset="0"/>
+              </a:rPr>
+              <a:t>dir.open_dir</a:t>
+            </a:r>
+            <a:r>
+              <a:rPr lang="en-US" sz="1400" dirty="0" smtClean="0">
+                <a:latin typeface="Consolas" pitchFamily="49" charset="0"/>
+                <a:cs typeface="Consolas" pitchFamily="49" charset="0"/>
+              </a:rPr>
+              <a:t> ("</a:t>
+            </a:r>
+            <a:r>
+              <a:rPr lang="en-US" sz="1400" dirty="0" err="1" smtClean="0">
+                <a:latin typeface="Consolas" pitchFamily="49" charset="0"/>
+                <a:cs typeface="Consolas" pitchFamily="49" charset="0"/>
+              </a:rPr>
+              <a:t>tmp</a:t>
+            </a:r>
+            <a:r>
+              <a:rPr lang="en-US" sz="1400" dirty="0" smtClean="0">
+                <a:latin typeface="Consolas" pitchFamily="49" charset="0"/>
+                <a:cs typeface="Consolas" pitchFamily="49" charset="0"/>
+              </a:rPr>
+              <a:t>/", </a:t>
+            </a:r>
+            <a:r>
+              <a:rPr lang="en-US" sz="1400" dirty="0" smtClean="0">
+                <a:latin typeface="Consolas" pitchFamily="49" charset="0"/>
+                <a:cs typeface="Consolas" pitchFamily="49" charset="0"/>
+              </a:rPr>
+              <a:t>saga::</a:t>
+            </a:r>
+            <a:r>
+              <a:rPr lang="en-US" sz="1400" dirty="0" err="1" smtClean="0">
+                <a:latin typeface="Consolas" pitchFamily="49" charset="0"/>
+                <a:cs typeface="Consolas" pitchFamily="49" charset="0"/>
+              </a:rPr>
+              <a:t>fs</a:t>
+            </a:r>
+            <a:r>
+              <a:rPr lang="en-US" sz="1400" dirty="0" smtClean="0">
+                <a:latin typeface="Consolas" pitchFamily="49" charset="0"/>
+                <a:cs typeface="Consolas" pitchFamily="49" charset="0"/>
+              </a:rPr>
+              <a:t>::Create</a:t>
+            </a:r>
+            <a:r>
+              <a:rPr lang="en-US" sz="1400" dirty="0" smtClean="0">
+                <a:latin typeface="Consolas" pitchFamily="49" charset="0"/>
+                <a:cs typeface="Consolas" pitchFamily="49" charset="0"/>
+              </a:rPr>
+              <a:t>);     </a:t>
+            </a:r>
+          </a:p>
+          <a:p>
+            <a:r>
+              <a:rPr lang="en-US" sz="1400" dirty="0">
+                <a:latin typeface="Consolas" pitchFamily="49" charset="0"/>
+                <a:cs typeface="Consolas" pitchFamily="49" charset="0"/>
+              </a:rPr>
+              <a:t> </a:t>
+            </a:r>
+            <a:r>
+              <a:rPr lang="en-US" sz="1400" dirty="0" smtClean="0">
+                <a:latin typeface="Consolas" pitchFamily="49" charset="0"/>
+                <a:cs typeface="Consolas" pitchFamily="49" charset="0"/>
+              </a:rPr>
+              <a:t>  saga</a:t>
+            </a:r>
+            <a:r>
+              <a:rPr lang="en-US" sz="1400" dirty="0" smtClean="0">
+                <a:latin typeface="Consolas" pitchFamily="49" charset="0"/>
+                <a:cs typeface="Consolas" pitchFamily="49" charset="0"/>
+              </a:rPr>
+              <a:t>::</a:t>
+            </a:r>
+            <a:r>
+              <a:rPr lang="en-US" sz="1400" dirty="0" err="1" smtClean="0">
+                <a:latin typeface="Consolas" pitchFamily="49" charset="0"/>
+                <a:cs typeface="Consolas" pitchFamily="49" charset="0"/>
+              </a:rPr>
+              <a:t>filesystem</a:t>
+            </a:r>
+            <a:r>
+              <a:rPr lang="en-US" sz="1400" dirty="0" smtClean="0">
+                <a:latin typeface="Consolas" pitchFamily="49" charset="0"/>
+                <a:cs typeface="Consolas" pitchFamily="49" charset="0"/>
+              </a:rPr>
+              <a:t>::file      file = </a:t>
+            </a:r>
+            <a:r>
+              <a:rPr lang="en-US" sz="1400" dirty="0" err="1" smtClean="0">
+                <a:latin typeface="Consolas" pitchFamily="49" charset="0"/>
+                <a:cs typeface="Consolas" pitchFamily="49" charset="0"/>
+              </a:rPr>
+              <a:t>dir.open</a:t>
+            </a:r>
+            <a:r>
+              <a:rPr lang="en-US" sz="1400" dirty="0" smtClean="0">
+                <a:latin typeface="Consolas" pitchFamily="49" charset="0"/>
+                <a:cs typeface="Consolas" pitchFamily="49" charset="0"/>
+              </a:rPr>
+              <a:t>     ("</a:t>
+            </a:r>
+            <a:r>
+              <a:rPr lang="en-US" sz="1400" dirty="0" err="1" smtClean="0">
+                <a:latin typeface="Consolas" pitchFamily="49" charset="0"/>
+                <a:cs typeface="Consolas" pitchFamily="49" charset="0"/>
+              </a:rPr>
+              <a:t>tmp</a:t>
+            </a:r>
+            <a:r>
+              <a:rPr lang="en-US" sz="1400" dirty="0" smtClean="0">
+                <a:latin typeface="Consolas" pitchFamily="49" charset="0"/>
+                <a:cs typeface="Consolas" pitchFamily="49" charset="0"/>
+              </a:rPr>
+              <a:t>/data.txt</a:t>
+            </a:r>
+            <a:r>
+              <a:rPr lang="en-US" sz="1400" dirty="0" smtClean="0">
+                <a:latin typeface="Consolas" pitchFamily="49" charset="0"/>
+                <a:cs typeface="Consolas" pitchFamily="49" charset="0"/>
+              </a:rPr>
+              <a:t>");</a:t>
+            </a:r>
+          </a:p>
+          <a:p>
+            <a:endParaRPr lang="en-US" sz="1400" dirty="0">
+              <a:latin typeface="Consolas" pitchFamily="49" charset="0"/>
+              <a:cs typeface="Consolas" pitchFamily="49" charset="0"/>
+            </a:endParaRPr>
+          </a:p>
+          <a:p>
+            <a:r>
+              <a:rPr lang="en-US" sz="1400" dirty="0" smtClean="0">
+                <a:latin typeface="Consolas" pitchFamily="49" charset="0"/>
+                <a:cs typeface="Consolas" pitchFamily="49" charset="0"/>
+              </a:rPr>
+              <a:t>   return 0;</a:t>
+            </a:r>
+            <a:endParaRPr lang="en-US" sz="1400" dirty="0" smtClean="0">
+              <a:latin typeface="Consolas" pitchFamily="49" charset="0"/>
+              <a:cs typeface="Consolas" pitchFamily="49" charset="0"/>
+            </a:endParaRPr>
+          </a:p>
+          <a:p>
+            <a:r>
+              <a:rPr lang="en-US" sz="1400" dirty="0" smtClean="0">
+                <a:latin typeface="Consolas" pitchFamily="49" charset="0"/>
+                <a:cs typeface="Consolas" pitchFamily="49" charset="0"/>
+              </a:rPr>
+              <a:t> }</a:t>
+            </a:r>
+          </a:p>
+          <a:p>
+            <a:endParaRPr lang="en-US" sz="1400" dirty="0" smtClean="0">
+              <a:latin typeface="Consolas" pitchFamily="49" charset="0"/>
+              <a:cs typeface="Consolas" pitchFamily="49" charset="0"/>
+            </a:endParaRPr>
+          </a:p>
+        </p:txBody>
+      </p:sp>
+    </p:spTree>
+    <p:extLst>
+      <p:ext uri="{BB962C8B-B14F-4D97-AF65-F5344CB8AC3E}">
+        <p14:creationId xmlns:p14="http://schemas.microsoft.com/office/powerpoint/2010/main" val="3368234905"/>
+      </p:ext>
+    </p:extLst>
+  </p:cSld>
+  <p:clrMapOvr>
+    <a:masterClrMapping/>
+  </p:clrMapOvr>
+  <p:timing>
+    <p:tnLst>
+      <p:par>
+        <p:cTn id="1" dur="indefinite" restart="never" nodeType="tmRoot"/>
+      </p:par>
+    </p:tnLst>
+  </p:timing>
+</p:sld>
+</file>
+
+<file path=ppt/slides/slide30.xml><?xml version="1.0" encoding="utf-8"?>
 <p:sld xmlns:a="http://schemas.openxmlformats.org/drawingml/2006/main" xmlns:r="http://schemas.openxmlformats.org/officeDocument/2006/relationships" xmlns:p="http://schemas.openxmlformats.org/presentationml/2006/main">
   <p:cSld>
     <p:spTree>
@@ -7174,7 +11278,7 @@
 </p:sld>
 </file>
 
-<file path=ppt/slides/slide18.xml><?xml version="1.0" encoding="utf-8"?>
+<file path=ppt/slides/slide31.xml><?xml version="1.0" encoding="utf-8"?>
 <p:sld xmlns:a="http://schemas.openxmlformats.org/drawingml/2006/main" xmlns:r="http://schemas.openxmlformats.org/officeDocument/2006/relationships" xmlns:p="http://schemas.openxmlformats.org/presentationml/2006/main">
   <p:cSld>
     <p:spTree>
@@ -7626,7 +11730,7 @@
 </p:sld>
 </file>
 
-<file path=ppt/slides/slide19.xml><?xml version="1.0" encoding="utf-8"?>
+<file path=ppt/slides/slide32.xml><?xml version="1.0" encoding="utf-8"?>
 <p:sld xmlns:a="http://schemas.openxmlformats.org/drawingml/2006/main" xmlns:r="http://schemas.openxmlformats.org/officeDocument/2006/relationships" xmlns:p="http://schemas.openxmlformats.org/presentationml/2006/main">
   <p:cSld>
     <p:spTree>
@@ -8126,176 +12230,7 @@
 </p:sld>
 </file>
 
-<file path=ppt/slides/slide2.xml><?xml version="1.0" encoding="utf-8"?>
-<p:sld xmlns:a="http://schemas.openxmlformats.org/drawingml/2006/main" xmlns:r="http://schemas.openxmlformats.org/officeDocument/2006/relationships" xmlns:p="http://schemas.openxmlformats.org/presentationml/2006/main">
-  <p:cSld>
-    <p:spTree>
-      <p:nvGrpSpPr>
-        <p:cNvPr id="1" name=""/>
-        <p:cNvGrpSpPr/>
-        <p:nvPr/>
-      </p:nvGrpSpPr>
-      <p:grpSpPr>
-        <a:xfrm>
-          <a:off x="0" y="0"/>
-          <a:ext cx="0" cy="0"/>
-          <a:chOff x="0" y="0"/>
-          <a:chExt cx="0" cy="0"/>
-        </a:xfrm>
-      </p:grpSpPr>
-      <p:sp>
-        <p:nvSpPr>
-          <p:cNvPr id="2" name="Title 1"/>
-          <p:cNvSpPr>
-            <a:spLocks noGrp="1"/>
-          </p:cNvSpPr>
-          <p:nvPr>
-            <p:ph type="title"/>
-          </p:nvPr>
-        </p:nvSpPr>
-        <p:spPr/>
-        <p:txBody>
-          <a:bodyPr/>
-          <a:lstStyle/>
-          <a:p>
-            <a:r>
-              <a:rPr lang="en-US" dirty="0" smtClean="0"/>
-              <a:t>Outline</a:t>
-            </a:r>
-            <a:endParaRPr lang="en-US" dirty="0"/>
-          </a:p>
-        </p:txBody>
-      </p:sp>
-      <p:sp>
-        <p:nvSpPr>
-          <p:cNvPr id="3" name="Content Placeholder 2"/>
-          <p:cNvSpPr>
-            <a:spLocks noGrp="1"/>
-          </p:cNvSpPr>
-          <p:nvPr>
-            <p:ph idx="1"/>
-          </p:nvPr>
-        </p:nvSpPr>
-        <p:spPr>
-          <a:xfrm>
-            <a:off x="1107129" y="2068618"/>
-            <a:ext cx="7617771" cy="4197711"/>
-          </a:xfrm>
-        </p:spPr>
-        <p:txBody>
-          <a:bodyPr/>
-          <a:lstStyle/>
-          <a:p>
-            <a:r>
-              <a:rPr lang="en-US" dirty="0" smtClean="0"/>
-              <a:t>SAGA Standardization</a:t>
-            </a:r>
-          </a:p>
-          <a:p>
-            <a:r>
-              <a:rPr lang="en-US" dirty="0" smtClean="0"/>
-              <a:t>API </a:t>
-            </a:r>
-            <a:r>
-              <a:rPr lang="en-US" dirty="0"/>
-              <a:t>S</a:t>
-            </a:r>
-            <a:r>
-              <a:rPr lang="en-US" dirty="0" smtClean="0"/>
-              <a:t>tructure </a:t>
-            </a:r>
-            <a:r>
-              <a:rPr lang="en-US" dirty="0" smtClean="0"/>
-              <a:t>and </a:t>
-            </a:r>
-            <a:r>
-              <a:rPr lang="en-US" dirty="0" smtClean="0"/>
-              <a:t>Scope</a:t>
-            </a:r>
-            <a:endParaRPr lang="en-US" dirty="0" smtClean="0"/>
-          </a:p>
-          <a:p>
-            <a:r>
-              <a:rPr lang="en-US" dirty="0" smtClean="0"/>
-              <a:t>API </a:t>
-            </a:r>
-            <a:r>
-              <a:rPr lang="en-US" dirty="0"/>
-              <a:t>W</a:t>
-            </a:r>
-            <a:r>
-              <a:rPr lang="en-US" dirty="0" smtClean="0"/>
-              <a:t>alkthrough</a:t>
-            </a:r>
-          </a:p>
-          <a:p>
-            <a:r>
-              <a:rPr lang="en-US" dirty="0" smtClean="0"/>
-              <a:t>SAGA </a:t>
-            </a:r>
-            <a:r>
-              <a:rPr lang="en-US" dirty="0" err="1" smtClean="0"/>
-              <a:t>SoftwareComponents</a:t>
-            </a:r>
-            <a:endParaRPr lang="en-US" dirty="0" smtClean="0"/>
-          </a:p>
-          <a:p>
-            <a:pPr lvl="1"/>
-            <a:r>
-              <a:rPr lang="en-US" dirty="0" smtClean="0"/>
-              <a:t>C++ API bindings</a:t>
-            </a:r>
-          </a:p>
-          <a:p>
-            <a:pPr lvl="1"/>
-            <a:r>
-              <a:rPr lang="en-US" dirty="0" smtClean="0"/>
-              <a:t>Python API bindings</a:t>
-            </a:r>
-          </a:p>
-          <a:p>
-            <a:pPr lvl="1"/>
-            <a:r>
-              <a:rPr lang="en-US" dirty="0" smtClean="0"/>
-              <a:t>[ Java API bindings ]</a:t>
-            </a:r>
-          </a:p>
-          <a:p>
-            <a:pPr lvl="1"/>
-            <a:r>
-              <a:rPr lang="en-US" dirty="0" smtClean="0"/>
-              <a:t>Adaptors (backend bindings)</a:t>
-            </a:r>
-          </a:p>
-          <a:p>
-            <a:pPr lvl="1"/>
-            <a:r>
-              <a:rPr lang="en-US" dirty="0" smtClean="0"/>
-              <a:t>Command Line Tools</a:t>
-            </a:r>
-          </a:p>
-          <a:p>
-            <a:pPr lvl="1"/>
-            <a:endParaRPr lang="en-US" dirty="0" smtClean="0"/>
-          </a:p>
-        </p:txBody>
-      </p:sp>
-    </p:spTree>
-  </p:cSld>
-  <p:clrMapOvr>
-    <a:masterClrMapping/>
-  </p:clrMapOvr>
-  <p:timing>
-    <p:tnLst>
-      <p:par>
-        <p:cTn id="1" dur="indefinite" restart="never" nodeType="tmRoot"/>
-      </p:par>
-    </p:tnLst>
-  </p:timing>
-</p:sld>
-</file>
-
-<file path=ppt/slides/slide20.xml><?xml version="1.0" encoding="utf-8"?>
+<file path=ppt/slides/slide33.xml><?xml version="1.0" encoding="utf-8"?>
 <p:sld xmlns:a="http://schemas.openxmlformats.org/drawingml/2006/main" xmlns:r="http://schemas.openxmlformats.org/officeDocument/2006/relationships" xmlns:p="http://schemas.openxmlformats.org/presentationml/2006/main">
   <p:cSld>
     <p:bg>
@@ -8505,7 +12440,7 @@
 </p:sld>
 </file>
 
-<file path=ppt/slides/slide21.xml><?xml version="1.0" encoding="utf-8"?>
+<file path=ppt/slides/slide34.xml><?xml version="1.0" encoding="utf-8"?>
 <p:sld xmlns:a="http://schemas.openxmlformats.org/drawingml/2006/main" xmlns:r="http://schemas.openxmlformats.org/officeDocument/2006/relationships" xmlns:p="http://schemas.openxmlformats.org/presentationml/2006/main">
   <p:cSld>
     <p:spTree>
@@ -8917,7 +12852,7 @@
 </p:sld>
 </file>
 
-<file path=ppt/slides/slide22.xml><?xml version="1.0" encoding="utf-8"?>
+<file path=ppt/slides/slide35.xml><?xml version="1.0" encoding="utf-8"?>
 <p:sld xmlns:a="http://schemas.openxmlformats.org/drawingml/2006/main" xmlns:r="http://schemas.openxmlformats.org/officeDocument/2006/relationships" xmlns:p="http://schemas.openxmlformats.org/presentationml/2006/main">
   <p:cSld>
     <p:spTree>
@@ -9072,7 +13007,7 @@
 </p:sld>
 </file>
 
-<file path=ppt/slides/slide23.xml><?xml version="1.0" encoding="utf-8"?>
+<file path=ppt/slides/slide36.xml><?xml version="1.0" encoding="utf-8"?>
 <p:sld xmlns:a="http://schemas.openxmlformats.org/drawingml/2006/main" xmlns:r="http://schemas.openxmlformats.org/officeDocument/2006/relationships" xmlns:p="http://schemas.openxmlformats.org/presentationml/2006/main">
   <p:cSld>
     <p:spTree>
@@ -9229,7 +13164,7 @@
 </p:sld>
 </file>
 
-<file path=ppt/slides/slide24.xml><?xml version="1.0" encoding="utf-8"?>
+<file path=ppt/slides/slide37.xml><?xml version="1.0" encoding="utf-8"?>
 <p:sld xmlns:a="http://schemas.openxmlformats.org/drawingml/2006/main" xmlns:r="http://schemas.openxmlformats.org/officeDocument/2006/relationships" xmlns:p="http://schemas.openxmlformats.org/presentationml/2006/main">
   <p:cSld>
     <p:spTree>
@@ -9847,7 +13782,7 @@
 </p:sld>
 </file>
 
-<file path=ppt/slides/slide25.xml><?xml version="1.0" encoding="utf-8"?>
+<file path=ppt/slides/slide38.xml><?xml version="1.0" encoding="utf-8"?>
 <p:sld xmlns:a="http://schemas.openxmlformats.org/drawingml/2006/main" xmlns:r="http://schemas.openxmlformats.org/officeDocument/2006/relationships" xmlns:p="http://schemas.openxmlformats.org/presentationml/2006/main">
   <p:cSld>
     <p:spTree>
@@ -10142,7 +14077,7 @@
 </p:sld>
 </file>
 
-<file path=ppt/slides/slide26.xml><?xml version="1.0" encoding="utf-8"?>
+<file path=ppt/slides/slide39.xml><?xml version="1.0" encoding="utf-8"?>
 <p:sld xmlns:a="http://schemas.openxmlformats.org/drawingml/2006/main" xmlns:r="http://schemas.openxmlformats.org/officeDocument/2006/relationships" xmlns:p="http://schemas.openxmlformats.org/presentationml/2006/main">
   <p:cSld>
     <p:spTree>
@@ -10338,7 +14273,198 @@
 </p:sld>
 </file>
 
-<file path=ppt/slides/slide27.xml><?xml version="1.0" encoding="utf-8"?>
+<file path=ppt/slides/slide4.xml><?xml version="1.0" encoding="utf-8"?>
+<p:sld xmlns:a="http://schemas.openxmlformats.org/drawingml/2006/main" xmlns:r="http://schemas.openxmlformats.org/officeDocument/2006/relationships" xmlns:p="http://schemas.openxmlformats.org/presentationml/2006/main">
+  <p:cSld>
+    <p:spTree>
+      <p:nvGrpSpPr>
+        <p:cNvPr id="1" name=""/>
+        <p:cNvGrpSpPr/>
+        <p:nvPr/>
+      </p:nvGrpSpPr>
+      <p:grpSpPr>
+        <a:xfrm>
+          <a:off x="0" y="0"/>
+          <a:ext cx="0" cy="0"/>
+          <a:chOff x="0" y="0"/>
+          <a:chExt cx="0" cy="0"/>
+        </a:xfrm>
+      </p:grpSpPr>
+      <p:sp>
+        <p:nvSpPr>
+          <p:cNvPr id="2" name="Title 1"/>
+          <p:cNvSpPr>
+            <a:spLocks noGrp="1"/>
+          </p:cNvSpPr>
+          <p:nvPr>
+            <p:ph type="title"/>
+          </p:nvPr>
+        </p:nvSpPr>
+        <p:spPr/>
+        <p:txBody>
+          <a:bodyPr/>
+          <a:lstStyle/>
+          <a:p>
+            <a:r>
+              <a:rPr lang="en-US" dirty="0" smtClean="0"/>
+              <a:t>Grid </a:t>
+            </a:r>
+            <a:r>
+              <a:rPr lang="en-US" dirty="0" smtClean="0"/>
+              <a:t>APIs: some observations</a:t>
+            </a:r>
+            <a:endParaRPr lang="en-US" dirty="0"/>
+          </a:p>
+        </p:txBody>
+      </p:sp>
+      <p:sp>
+        <p:nvSpPr>
+          <p:cNvPr id="3" name="Content Placeholder 2"/>
+          <p:cNvSpPr>
+            <a:spLocks noGrp="1"/>
+          </p:cNvSpPr>
+          <p:nvPr>
+            <p:ph idx="1"/>
+          </p:nvPr>
+        </p:nvSpPr>
+        <p:spPr/>
+        <p:txBody>
+          <a:bodyPr>
+            <a:normAutofit/>
+          </a:bodyPr>
+          <a:lstStyle/>
+          <a:p>
+            <a:r>
+              <a:rPr lang="en-US" dirty="0" smtClean="0"/>
+              <a:t>diversity of </a:t>
+            </a:r>
+            <a:r>
+              <a:rPr lang="en-US" dirty="0" smtClean="0"/>
+              <a:t>(G</a:t>
+            </a:r>
+            <a:r>
+              <a:rPr lang="en-US" dirty="0" smtClean="0"/>
+              <a:t>rid) middleware </a:t>
+            </a:r>
+            <a:r>
+              <a:rPr lang="en-US" dirty="0" smtClean="0"/>
+              <a:t>implies diversity of </a:t>
+            </a:r>
+            <a:r>
+              <a:rPr lang="en-US" dirty="0" smtClean="0"/>
+              <a:t>APIs</a:t>
+            </a:r>
+          </a:p>
+          <a:p>
+            <a:r>
+              <a:rPr lang="en-US" dirty="0" smtClean="0"/>
+              <a:t>middleware APIs are often a by-product</a:t>
+            </a:r>
+            <a:endParaRPr lang="en-US" dirty="0" smtClean="0"/>
+          </a:p>
+          <a:p>
+            <a:r>
+              <a:rPr lang="en-US" dirty="0" smtClean="0"/>
+              <a:t>APIs are difficult to sync with middleware development, and to stay </a:t>
+            </a:r>
+            <a:r>
+              <a:rPr lang="en-US" b="1" dirty="0" smtClean="0"/>
+              <a:t>simple</a:t>
+            </a:r>
+            <a:endParaRPr lang="en-US" dirty="0" smtClean="0"/>
+          </a:p>
+          <a:p>
+            <a:r>
+              <a:rPr lang="en-US" dirty="0" smtClean="0"/>
+              <a:t>successful APIs generalize programming concepts</a:t>
+            </a:r>
+          </a:p>
+          <a:p>
+            <a:pPr lvl="1"/>
+            <a:r>
+              <a:rPr lang="en-US" dirty="0"/>
+              <a:t>MPI, CORBA, COM, RPC, PVM, SSH, … </a:t>
+            </a:r>
+            <a:endParaRPr lang="en-US" dirty="0" smtClean="0"/>
+          </a:p>
+          <a:p>
+            <a:r>
+              <a:rPr lang="en-US" dirty="0"/>
+              <a:t>no </a:t>
+            </a:r>
+            <a:r>
+              <a:rPr lang="en-US" dirty="0" smtClean="0"/>
+              <a:t>new </a:t>
+            </a:r>
+            <a:r>
+              <a:rPr lang="en-US" dirty="0"/>
+              <a:t>API standards for distributed computing</a:t>
+            </a:r>
+          </a:p>
+          <a:p>
+            <a:pPr lvl="1"/>
+            <a:r>
+              <a:rPr lang="en-US" dirty="0" smtClean="0"/>
+              <a:t>!</a:t>
+            </a:r>
+            <a:r>
+              <a:rPr lang="en-US" dirty="0"/>
+              <a:t>standard:  </a:t>
+            </a:r>
+            <a:r>
+              <a:rPr lang="en-US" dirty="0" smtClean="0"/>
+              <a:t>Globus</a:t>
+            </a:r>
+            <a:r>
+              <a:rPr lang="en-US" dirty="0"/>
+              <a:t>, </a:t>
+            </a:r>
+            <a:r>
+              <a:rPr lang="en-US" dirty="0" err="1"/>
+              <a:t>gLite</a:t>
+            </a:r>
+            <a:r>
+              <a:rPr lang="en-US" dirty="0"/>
+              <a:t>, </a:t>
+            </a:r>
+            <a:r>
+              <a:rPr lang="en-US" dirty="0" err="1"/>
+              <a:t>Unicore</a:t>
+            </a:r>
+            <a:r>
+              <a:rPr lang="en-US" dirty="0"/>
+              <a:t>, Condor, </a:t>
+            </a:r>
+            <a:r>
+              <a:rPr lang="en-US" dirty="0" err="1"/>
+              <a:t>iRods</a:t>
+            </a:r>
+            <a:r>
+              <a:rPr lang="en-US" dirty="0"/>
+              <a:t>, </a:t>
+            </a:r>
+            <a:r>
+              <a:rPr lang="en-US" dirty="0" smtClean="0"/>
+              <a:t>…</a:t>
+            </a:r>
+            <a:endParaRPr lang="en-US" dirty="0"/>
+          </a:p>
+        </p:txBody>
+      </p:sp>
+    </p:spTree>
+    <p:extLst>
+      <p:ext uri="{BB962C8B-B14F-4D97-AF65-F5344CB8AC3E}">
+        <p14:creationId xmlns:p14="http://schemas.microsoft.com/office/powerpoint/2010/main" val="848814707"/>
+      </p:ext>
+    </p:extLst>
+  </p:cSld>
+  <p:clrMapOvr>
+    <a:masterClrMapping/>
+  </p:clrMapOvr>
+</p:sld>
+</file>
+
+<file path=ppt/slides/slide40.xml><?xml version="1.0" encoding="utf-8"?>
 <p:sld xmlns:a="http://schemas.openxmlformats.org/drawingml/2006/main" xmlns:r="http://schemas.openxmlformats.org/officeDocument/2006/relationships" xmlns:p="http://schemas.openxmlformats.org/presentationml/2006/main">
   <p:cSld>
     <p:spTree>
@@ -10968,7 +15094,7 @@
 </p:sld>
 </file>
 
-<file path=ppt/slides/slide28.xml><?xml version="1.0" encoding="utf-8"?>
+<file path=ppt/slides/slide41.xml><?xml version="1.0" encoding="utf-8"?>
 <p:sld xmlns:a="http://schemas.openxmlformats.org/drawingml/2006/main" xmlns:r="http://schemas.openxmlformats.org/officeDocument/2006/relationships" xmlns:p="http://schemas.openxmlformats.org/presentationml/2006/main">
   <p:cSld>
     <p:spTree>
@@ -11140,7 +15266,7 @@
 </p:sld>
 </file>
 
-<file path=ppt/slides/slide29.xml><?xml version="1.0" encoding="utf-8"?>
+<file path=ppt/slides/slide42.xml><?xml version="1.0" encoding="utf-8"?>
 <p:sld xmlns:a="http://schemas.openxmlformats.org/drawingml/2006/main" xmlns:r="http://schemas.openxmlformats.org/officeDocument/2006/relationships" xmlns:p="http://schemas.openxmlformats.org/presentationml/2006/main">
   <p:cSld>
     <p:spTree>
@@ -11584,7 +15710,7 @@
 </p:sld>
 </file>
 
-<file path=ppt/slides/slide3.xml><?xml version="1.0" encoding="utf-8"?>
+<file path=ppt/slides/slide43.xml><?xml version="1.0" encoding="utf-8"?>
 <p:sld xmlns:a="http://schemas.openxmlformats.org/drawingml/2006/main" xmlns:r="http://schemas.openxmlformats.org/officeDocument/2006/relationships" xmlns:p="http://schemas.openxmlformats.org/presentationml/2006/main">
   <p:cSld>
     <p:spTree>
@@ -11617,164 +15743,6 @@
           <a:lstStyle/>
           <a:p>
             <a:r>
-              <a:rPr lang="en-US" dirty="0" smtClean="0"/>
-              <a:t>SAGA Design Principles</a:t>
-            </a:r>
-            <a:endParaRPr lang="en-US" dirty="0"/>
-          </a:p>
-        </p:txBody>
-      </p:sp>
-      <p:sp>
-        <p:nvSpPr>
-          <p:cNvPr id="3" name="Content Placeholder 2"/>
-          <p:cNvSpPr>
-            <a:spLocks noGrp="1"/>
-          </p:cNvSpPr>
-          <p:nvPr>
-            <p:ph idx="1"/>
-          </p:nvPr>
-        </p:nvSpPr>
-        <p:spPr>
-          <a:xfrm>
-            <a:off x="757947" y="2004892"/>
-            <a:ext cx="7966954" cy="4448688"/>
-          </a:xfrm>
-        </p:spPr>
-        <p:txBody>
-          <a:bodyPr>
-            <a:normAutofit fontScale="85000" lnSpcReduction="20000"/>
-          </a:bodyPr>
-          <a:lstStyle/>
-          <a:p>
-            <a:r>
-              <a:rPr lang="en-US" dirty="0" smtClean="0"/>
-              <a:t>SAGA: Simple API for Grid Applications </a:t>
-            </a:r>
-          </a:p>
-          <a:p>
-            <a:pPr lvl="1"/>
-            <a:r>
-              <a:rPr lang="en-US" dirty="0" smtClean="0"/>
-              <a:t>OGF approach to a uniform API layer (facade) </a:t>
-            </a:r>
-          </a:p>
-          <a:p>
-            <a:r>
-              <a:rPr lang="en-US" dirty="0" smtClean="0"/>
-              <a:t>governing principle: 80:20 rule </a:t>
-            </a:r>
-          </a:p>
-          <a:p>
-            <a:pPr lvl="1"/>
-            <a:r>
-              <a:rPr lang="en-US" dirty="0" smtClean="0"/>
-              <a:t>simplicity versus control! </a:t>
-            </a:r>
-          </a:p>
-          <a:p>
-            <a:r>
-              <a:rPr lang="en-US" dirty="0" smtClean="0"/>
-              <a:t>top-down approach</a:t>
-            </a:r>
-          </a:p>
-          <a:p>
-            <a:pPr lvl="1"/>
-            <a:r>
-              <a:rPr lang="en-US" dirty="0" smtClean="0"/>
-              <a:t>use case driven! </a:t>
-            </a:r>
-          </a:p>
-          <a:p>
-            <a:pPr lvl="1"/>
-            <a:r>
-              <a:rPr lang="en-US" dirty="0" smtClean="0"/>
-              <a:t>defines application level abstractions </a:t>
-            </a:r>
-          </a:p>
-          <a:p>
-            <a:r>
-              <a:rPr lang="en-US" dirty="0" smtClean="0"/>
-              <a:t>extensible</a:t>
-            </a:r>
-          </a:p>
-          <a:p>
-            <a:pPr lvl="1"/>
-            <a:r>
-              <a:rPr lang="en-US" dirty="0" smtClean="0"/>
-              <a:t>stable look &amp; feel </a:t>
-            </a:r>
-          </a:p>
-          <a:p>
-            <a:pPr lvl="1"/>
-            <a:r>
-              <a:rPr lang="en-US" dirty="0" smtClean="0"/>
-              <a:t>API packages </a:t>
-            </a:r>
-          </a:p>
-          <a:p>
-            <a:r>
-              <a:rPr lang="en-US" dirty="0" smtClean="0"/>
-              <a:t>API Specification is language independent (IDL) </a:t>
-            </a:r>
-          </a:p>
-          <a:p>
-            <a:pPr lvl="1"/>
-            <a:r>
-              <a:rPr lang="en-US" dirty="0" smtClean="0"/>
-              <a:t>Renderings exist in C++, Python, Java </a:t>
-            </a:r>
-          </a:p>
-          <a:p>
-            <a:pPr lvl="1"/>
-            <a:r>
-              <a:rPr lang="en-US" dirty="0" smtClean="0"/>
-              <a:t>Examples here are in C++</a:t>
-            </a:r>
-            <a:endParaRPr lang="en-US" dirty="0"/>
-          </a:p>
-        </p:txBody>
-      </p:sp>
-    </p:spTree>
-  </p:cSld>
-  <p:clrMapOvr>
-    <a:masterClrMapping/>
-  </p:clrMapOvr>
-</p:sld>
-</file>
-
-<file path=ppt/slides/slide30.xml><?xml version="1.0" encoding="utf-8"?>
-<p:sld xmlns:a="http://schemas.openxmlformats.org/drawingml/2006/main" xmlns:r="http://schemas.openxmlformats.org/officeDocument/2006/relationships" xmlns:p="http://schemas.openxmlformats.org/presentationml/2006/main">
-  <p:cSld>
-    <p:spTree>
-      <p:nvGrpSpPr>
-        <p:cNvPr id="1" name=""/>
-        <p:cNvGrpSpPr/>
-        <p:nvPr/>
-      </p:nvGrpSpPr>
-      <p:grpSpPr>
-        <a:xfrm>
-          <a:off x="0" y="0"/>
-          <a:ext cx="0" cy="0"/>
-          <a:chOff x="0" y="0"/>
-          <a:chExt cx="0" cy="0"/>
-        </a:xfrm>
-      </p:grpSpPr>
-      <p:sp>
-        <p:nvSpPr>
-          <p:cNvPr id="2" name="Title 1"/>
-          <p:cNvSpPr>
-            <a:spLocks noGrp="1"/>
-          </p:cNvSpPr>
-          <p:nvPr>
-            <p:ph type="title"/>
-          </p:nvPr>
-        </p:nvSpPr>
-        <p:spPr/>
-        <p:txBody>
-          <a:bodyPr/>
-          <a:lstStyle/>
-          <a:p>
-            <a:r>
               <a:rPr lang="en-US" dirty="0"/>
               <a:t>SAGA </a:t>
             </a:r>
@@ -11867,7 +15835,7 @@
 </p:sld>
 </file>
 
-<file path=ppt/slides/slide31.xml><?xml version="1.0" encoding="utf-8"?>
+<file path=ppt/slides/slide44.xml><?xml version="1.0" encoding="utf-8"?>
 <p:sld xmlns:a="http://schemas.openxmlformats.org/drawingml/2006/main" xmlns:r="http://schemas.openxmlformats.org/officeDocument/2006/relationships" xmlns:p="http://schemas.openxmlformats.org/presentationml/2006/main">
   <p:cSld>
     <p:spTree>
@@ -12545,7 +16513,7 @@
 </p:sld>
 </file>
 
-<file path=ppt/slides/slide32.xml><?xml version="1.0" encoding="utf-8"?>
+<file path=ppt/slides/slide45.xml><?xml version="1.0" encoding="utf-8"?>
 <p:sld xmlns:a="http://schemas.openxmlformats.org/drawingml/2006/main" xmlns:r="http://schemas.openxmlformats.org/officeDocument/2006/relationships" xmlns:p="http://schemas.openxmlformats.org/presentationml/2006/main">
   <p:cSld>
     <p:spTree>
@@ -12944,7 +16912,7 @@
 </p:sld>
 </file>
 
-<file path=ppt/slides/slide33.xml><?xml version="1.0" encoding="utf-8"?>
+<file path=ppt/slides/slide46.xml><?xml version="1.0" encoding="utf-8"?>
 <p:sld xmlns:a="http://schemas.openxmlformats.org/drawingml/2006/main" xmlns:r="http://schemas.openxmlformats.org/officeDocument/2006/relationships" xmlns:p="http://schemas.openxmlformats.org/presentationml/2006/main">
   <p:cSld>
     <p:spTree>
@@ -13020,7 +16988,7 @@
 </p:sld>
 </file>
 
-<file path=ppt/slides/slide34.xml><?xml version="1.0" encoding="utf-8"?>
+<file path=ppt/slides/slide47.xml><?xml version="1.0" encoding="utf-8"?>
 <p:sld xmlns:a="http://schemas.openxmlformats.org/drawingml/2006/main" xmlns:r="http://schemas.openxmlformats.org/officeDocument/2006/relationships" xmlns:p="http://schemas.openxmlformats.org/presentationml/2006/main">
   <p:cSld>
     <p:spTree>
@@ -13603,7 +17571,7 @@
 </p:sld>
 </file>
 
-<file path=ppt/slides/slide35.xml><?xml version="1.0" encoding="utf-8"?>
+<file path=ppt/slides/slide48.xml><?xml version="1.0" encoding="utf-8"?>
 <p:sld xmlns:a="http://schemas.openxmlformats.org/drawingml/2006/main" xmlns:r="http://schemas.openxmlformats.org/officeDocument/2006/relationships" xmlns:p="http://schemas.openxmlformats.org/presentationml/2006/main">
   <p:cSld>
     <p:spTree>
@@ -13757,7 +17725,7 @@
 </p:sld>
 </file>
 
-<file path=ppt/slides/slide36.xml><?xml version="1.0" encoding="utf-8"?>
+<file path=ppt/slides/slide49.xml><?xml version="1.0" encoding="utf-8"?>
 <p:sld xmlns:a="http://schemas.openxmlformats.org/drawingml/2006/main" xmlns:r="http://schemas.openxmlformats.org/officeDocument/2006/relationships" xmlns:p="http://schemas.openxmlformats.org/presentationml/2006/main">
   <p:cSld>
     <p:spTree>
@@ -14114,7 +18082,7 @@
 </p:sld>
 </file>
 
-<file path=ppt/slides/slide37.xml><?xml version="1.0" encoding="utf-8"?>
+<file path=ppt/slides/slide5.xml><?xml version="1.0" encoding="utf-8"?>
 <p:sld xmlns:a="http://schemas.openxmlformats.org/drawingml/2006/main" xmlns:r="http://schemas.openxmlformats.org/officeDocument/2006/relationships" xmlns:p="http://schemas.openxmlformats.org/presentationml/2006/main">
   <p:cSld>
     <p:spTree>
@@ -14148,6 +18116,135 @@
           <a:p>
             <a:r>
               <a:rPr lang="en-US" dirty="0" smtClean="0"/>
+              <a:t>Open Grid Forum (OGF)</a:t>
+            </a:r>
+            <a:endParaRPr lang="en-US" dirty="0"/>
+          </a:p>
+        </p:txBody>
+      </p:sp>
+      <p:sp>
+        <p:nvSpPr>
+          <p:cNvPr id="3" name="Content Placeholder 2"/>
+          <p:cNvSpPr>
+            <a:spLocks noGrp="1"/>
+          </p:cNvSpPr>
+          <p:nvPr>
+            <p:ph idx="1"/>
+          </p:nvPr>
+        </p:nvSpPr>
+        <p:spPr/>
+        <p:txBody>
+          <a:bodyPr/>
+          <a:lstStyle/>
+          <a:p>
+            <a:r>
+              <a:rPr lang="en-US" dirty="0" smtClean="0"/>
+              <a:t>The Open Grid Forum (aka GF, EGF, </a:t>
+            </a:r>
+            <a:r>
+              <a:rPr lang="en-US" dirty="0" smtClean="0"/>
+              <a:t>GGF, EGA) </a:t>
+            </a:r>
+            <a:r>
+              <a:rPr lang="en-US" dirty="0" smtClean="0"/>
+              <a:t>standardizes distributed computing infrastructures/MW</a:t>
+            </a:r>
+          </a:p>
+          <a:p>
+            <a:r>
+              <a:rPr lang="en-US" dirty="0" smtClean="0"/>
+              <a:t>e.g. </a:t>
+            </a:r>
+            <a:r>
+              <a:rPr lang="en-US" dirty="0" err="1" smtClean="0"/>
+              <a:t>gridFTP</a:t>
+            </a:r>
+            <a:r>
+              <a:rPr lang="en-US" dirty="0" smtClean="0"/>
+              <a:t>, JSDL, OCCI, …</a:t>
+            </a:r>
+            <a:endParaRPr lang="en-US" dirty="0" smtClean="0"/>
+          </a:p>
+          <a:p>
+            <a:r>
+              <a:rPr lang="en-US" dirty="0" smtClean="0"/>
+              <a:t>focuses on interfaces, but also protocols, </a:t>
+            </a:r>
+            <a:r>
+              <a:rPr lang="en-US" dirty="0" smtClean="0"/>
+              <a:t>architectures, APIs</a:t>
+            </a:r>
+          </a:p>
+          <a:p>
+            <a:r>
+              <a:rPr lang="en-US" dirty="0"/>
+              <a:t>d</a:t>
+            </a:r>
+            <a:r>
+              <a:rPr lang="en-US" dirty="0" smtClean="0"/>
+              <a:t>riven by academia, but some buy-in / acceptance in industry</a:t>
+            </a:r>
+          </a:p>
+          <a:p>
+            <a:r>
+              <a:rPr lang="en-US" dirty="0"/>
+              <a:t>c</a:t>
+            </a:r>
+            <a:r>
+              <a:rPr lang="en-US" dirty="0" smtClean="0"/>
+              <a:t>ooperation with SDOs like SNIA, DMTF, IETF, etc.</a:t>
+            </a:r>
+            <a:endParaRPr lang="en-US" dirty="0"/>
+          </a:p>
+        </p:txBody>
+      </p:sp>
+    </p:spTree>
+    <p:extLst>
+      <p:ext uri="{BB962C8B-B14F-4D97-AF65-F5344CB8AC3E}">
+        <p14:creationId xmlns:p14="http://schemas.microsoft.com/office/powerpoint/2010/main" val="3637210698"/>
+      </p:ext>
+    </p:extLst>
+  </p:cSld>
+  <p:clrMapOvr>
+    <a:masterClrMapping/>
+  </p:clrMapOvr>
+</p:sld>
+</file>
+
+<file path=ppt/slides/slide50.xml><?xml version="1.0" encoding="utf-8"?>
+<p:sld xmlns:a="http://schemas.openxmlformats.org/drawingml/2006/main" xmlns:r="http://schemas.openxmlformats.org/officeDocument/2006/relationships" xmlns:p="http://schemas.openxmlformats.org/presentationml/2006/main">
+  <p:cSld>
+    <p:spTree>
+      <p:nvGrpSpPr>
+        <p:cNvPr id="1" name=""/>
+        <p:cNvGrpSpPr/>
+        <p:nvPr/>
+      </p:nvGrpSpPr>
+      <p:grpSpPr>
+        <a:xfrm>
+          <a:off x="0" y="0"/>
+          <a:ext cx="0" cy="0"/>
+          <a:chOff x="0" y="0"/>
+          <a:chExt cx="0" cy="0"/>
+        </a:xfrm>
+      </p:grpSpPr>
+      <p:sp>
+        <p:nvSpPr>
+          <p:cNvPr id="2" name="Title 1"/>
+          <p:cNvSpPr>
+            <a:spLocks noGrp="1"/>
+          </p:cNvSpPr>
+          <p:nvPr>
+            <p:ph type="title"/>
+          </p:nvPr>
+        </p:nvSpPr>
+        <p:spPr/>
+        <p:txBody>
+          <a:bodyPr/>
+          <a:lstStyle/>
+          <a:p>
+            <a:r>
+              <a:rPr lang="en-US" dirty="0" smtClean="0"/>
               <a:t>SAGA Session: Lifetime</a:t>
             </a:r>
             <a:endParaRPr lang="en-US" dirty="0"/>
@@ -14163,7 +18260,7 @@
         <p:spPr>
           <a:xfrm>
             <a:off x="946859" y="2162915"/>
-            <a:ext cx="7966954" cy="2246769"/>
+            <a:ext cx="7966954" cy="4401205"/>
           </a:xfrm>
           <a:prstGeom prst="rect">
             <a:avLst/>
@@ -14204,74 +18301,325 @@
           </a:p>
           <a:p>
             <a:r>
-              <a:rPr lang="en-US" sz="1400" dirty="0" smtClean="0">
-                <a:latin typeface="Consolas" pitchFamily="49" charset="0"/>
-                <a:cs typeface="Consolas" pitchFamily="49" charset="0"/>
-              </a:rPr>
-              <a:t> saga</a:t>
-            </a:r>
-            <a:r>
-              <a:rPr lang="en-US" sz="1400" dirty="0">
+              <a:rPr lang="pt-BR" sz="1400" dirty="0">
+                <a:latin typeface="Consolas" pitchFamily="49" charset="0"/>
+                <a:cs typeface="Consolas" pitchFamily="49" charset="0"/>
+              </a:rPr>
+              <a:t> </a:t>
+            </a:r>
+            <a:r>
+              <a:rPr lang="pt-BR" sz="1400" dirty="0" smtClean="0">
+                <a:latin typeface="Consolas" pitchFamily="49" charset="0"/>
+                <a:cs typeface="Consolas" pitchFamily="49" charset="0"/>
+              </a:rPr>
+              <a:t>saga::filesystem::file file;</a:t>
+            </a:r>
+          </a:p>
+          <a:p>
+            <a:endParaRPr lang="pt-BR" sz="1400" dirty="0">
+              <a:latin typeface="Consolas" pitchFamily="49" charset="0"/>
+              <a:cs typeface="Consolas" pitchFamily="49" charset="0"/>
+            </a:endParaRPr>
+          </a:p>
+          <a:p>
+            <a:r>
+              <a:rPr lang="pt-BR" sz="1400" dirty="0" smtClean="0">
+                <a:latin typeface="Consolas" pitchFamily="49" charset="0"/>
+                <a:cs typeface="Consolas" pitchFamily="49" charset="0"/>
+              </a:rPr>
+              <a:t> {</a:t>
+            </a:r>
+          </a:p>
+          <a:p>
+            <a:r>
+              <a:rPr lang="pt-BR" sz="1400" dirty="0" smtClean="0">
+                <a:latin typeface="Consolas" pitchFamily="49" charset="0"/>
+                <a:cs typeface="Consolas" pitchFamily="49" charset="0"/>
+              </a:rPr>
+              <a:t>   saga</a:t>
+            </a:r>
+            <a:r>
+              <a:rPr lang="pt-BR" sz="1400" dirty="0">
+                <a:latin typeface="Consolas" pitchFamily="49" charset="0"/>
+                <a:cs typeface="Consolas" pitchFamily="49" charset="0"/>
+              </a:rPr>
+              <a:t>::context </a:t>
+            </a:r>
+            <a:r>
+              <a:rPr lang="pt-BR" sz="1400" dirty="0" smtClean="0">
+                <a:latin typeface="Consolas" pitchFamily="49" charset="0"/>
+                <a:cs typeface="Consolas" pitchFamily="49" charset="0"/>
+              </a:rPr>
+              <a:t>c </a:t>
+            </a:r>
+            <a:r>
+              <a:rPr lang="pt-BR" sz="1400" dirty="0">
+                <a:latin typeface="Consolas" pitchFamily="49" charset="0"/>
+                <a:cs typeface="Consolas" pitchFamily="49" charset="0"/>
+              </a:rPr>
+              <a:t>(saga::context::X509);</a:t>
+            </a:r>
+          </a:p>
+          <a:p>
+            <a:endParaRPr lang="en-US" sz="1400" dirty="0">
+              <a:latin typeface="Consolas" pitchFamily="49" charset="0"/>
+              <a:cs typeface="Consolas" pitchFamily="49" charset="0"/>
+            </a:endParaRPr>
+          </a:p>
+          <a:p>
+            <a:r>
+              <a:rPr lang="en-US" sz="1400" dirty="0">
+                <a:latin typeface="Consolas" pitchFamily="49" charset="0"/>
+                <a:cs typeface="Consolas" pitchFamily="49" charset="0"/>
+              </a:rPr>
+              <a:t> </a:t>
+            </a:r>
+            <a:r>
+              <a:rPr lang="en-US" sz="1400" dirty="0" smtClean="0">
+                <a:latin typeface="Consolas" pitchFamily="49" charset="0"/>
+                <a:cs typeface="Consolas" pitchFamily="49" charset="0"/>
+              </a:rPr>
+              <a:t>  </a:t>
+            </a:r>
+            <a:r>
+              <a:rPr lang="en-US" sz="1400" dirty="0" err="1" smtClean="0">
+                <a:latin typeface="Consolas" pitchFamily="49" charset="0"/>
+                <a:cs typeface="Consolas" pitchFamily="49" charset="0"/>
+              </a:rPr>
+              <a:t>c.set_attribute</a:t>
+            </a:r>
+            <a:r>
+              <a:rPr lang="en-US" sz="1400" dirty="0" smtClean="0">
+                <a:latin typeface="Consolas" pitchFamily="49" charset="0"/>
+                <a:cs typeface="Consolas" pitchFamily="49" charset="0"/>
+              </a:rPr>
+              <a:t> </a:t>
+            </a:r>
+            <a:r>
+              <a:rPr lang="en-US" sz="1400" dirty="0">
+                <a:latin typeface="Consolas" pitchFamily="49" charset="0"/>
+                <a:cs typeface="Consolas" pitchFamily="49" charset="0"/>
+              </a:rPr>
+              <a:t>("</a:t>
+            </a:r>
+            <a:r>
+              <a:rPr lang="en-US" sz="1400" dirty="0" err="1">
+                <a:latin typeface="Consolas" pitchFamily="49" charset="0"/>
+                <a:cs typeface="Consolas" pitchFamily="49" charset="0"/>
+              </a:rPr>
+              <a:t>UserProxy</a:t>
+            </a:r>
+            <a:r>
+              <a:rPr lang="en-US" sz="1400" dirty="0">
+                <a:latin typeface="Consolas" pitchFamily="49" charset="0"/>
+                <a:cs typeface="Consolas" pitchFamily="49" charset="0"/>
+              </a:rPr>
+              <a:t>", "/</a:t>
+            </a:r>
+            <a:r>
+              <a:rPr lang="en-US" sz="1400" dirty="0" err="1">
+                <a:latin typeface="Consolas" pitchFamily="49" charset="0"/>
+                <a:cs typeface="Consolas" pitchFamily="49" charset="0"/>
+              </a:rPr>
+              <a:t>tmp</a:t>
+            </a:r>
+            <a:r>
+              <a:rPr lang="en-US" sz="1400" dirty="0">
+                <a:latin typeface="Consolas" pitchFamily="49" charset="0"/>
+                <a:cs typeface="Consolas" pitchFamily="49" charset="0"/>
+              </a:rPr>
+              <a:t>/x509up_u123.special");</a:t>
+            </a:r>
+          </a:p>
+          <a:p>
+            <a:endParaRPr lang="en-US" sz="1400" dirty="0">
+              <a:latin typeface="Consolas" pitchFamily="49" charset="0"/>
+              <a:cs typeface="Consolas" pitchFamily="49" charset="0"/>
+            </a:endParaRPr>
+          </a:p>
+          <a:p>
+            <a:r>
+              <a:rPr lang="en-US" sz="1400" dirty="0">
+                <a:latin typeface="Consolas" pitchFamily="49" charset="0"/>
+                <a:cs typeface="Consolas" pitchFamily="49" charset="0"/>
+              </a:rPr>
+              <a:t> </a:t>
+            </a:r>
+            <a:r>
+              <a:rPr lang="en-US" sz="1400" dirty="0" smtClean="0">
+                <a:latin typeface="Consolas" pitchFamily="49" charset="0"/>
+                <a:cs typeface="Consolas" pitchFamily="49" charset="0"/>
+              </a:rPr>
+              <a:t>  saga</a:t>
+            </a:r>
+            <a:r>
+              <a:rPr lang="en-US" sz="1400" dirty="0">
+                <a:latin typeface="Consolas" pitchFamily="49" charset="0"/>
+                <a:cs typeface="Consolas" pitchFamily="49" charset="0"/>
+              </a:rPr>
+              <a:t>::session s;</a:t>
+            </a:r>
+          </a:p>
+          <a:p>
+            <a:endParaRPr lang="en-US" sz="1400" dirty="0">
+              <a:latin typeface="Consolas" pitchFamily="49" charset="0"/>
+              <a:cs typeface="Consolas" pitchFamily="49" charset="0"/>
+            </a:endParaRPr>
+          </a:p>
+          <a:p>
+            <a:r>
+              <a:rPr lang="en-US" sz="1400" dirty="0">
+                <a:latin typeface="Consolas" pitchFamily="49" charset="0"/>
+                <a:cs typeface="Consolas" pitchFamily="49" charset="0"/>
+              </a:rPr>
+              <a:t> </a:t>
+            </a:r>
+            <a:r>
+              <a:rPr lang="en-US" sz="1400" dirty="0" smtClean="0">
+                <a:latin typeface="Consolas" pitchFamily="49" charset="0"/>
+                <a:cs typeface="Consolas" pitchFamily="49" charset="0"/>
+              </a:rPr>
+              <a:t>  </a:t>
+            </a:r>
+            <a:r>
+              <a:rPr lang="en-US" sz="1400" dirty="0" err="1" smtClean="0">
+                <a:latin typeface="Consolas" pitchFamily="49" charset="0"/>
+                <a:cs typeface="Consolas" pitchFamily="49" charset="0"/>
+              </a:rPr>
+              <a:t>s.add_context</a:t>
+            </a:r>
+            <a:r>
+              <a:rPr lang="en-US" sz="1400" dirty="0" smtClean="0">
+                <a:latin typeface="Consolas" pitchFamily="49" charset="0"/>
+                <a:cs typeface="Consolas" pitchFamily="49" charset="0"/>
+              </a:rPr>
+              <a:t> </a:t>
+            </a:r>
+            <a:r>
+              <a:rPr lang="en-US" sz="1400" dirty="0">
+                <a:latin typeface="Consolas" pitchFamily="49" charset="0"/>
+                <a:cs typeface="Consolas" pitchFamily="49" charset="0"/>
+              </a:rPr>
+              <a:t>(</a:t>
+            </a:r>
+            <a:r>
+              <a:rPr lang="en-US" sz="1400" dirty="0" smtClean="0">
+                <a:latin typeface="Consolas" pitchFamily="49" charset="0"/>
+                <a:cs typeface="Consolas" pitchFamily="49" charset="0"/>
+              </a:rPr>
+              <a:t>c);</a:t>
+            </a:r>
+            <a:endParaRPr lang="en-US" sz="1400" dirty="0">
+              <a:latin typeface="Consolas" pitchFamily="49" charset="0"/>
+              <a:cs typeface="Consolas" pitchFamily="49" charset="0"/>
+            </a:endParaRPr>
+          </a:p>
+          <a:p>
+            <a:endParaRPr lang="pt-BR" sz="1400" dirty="0" smtClean="0">
+              <a:latin typeface="Consolas" pitchFamily="49" charset="0"/>
+              <a:cs typeface="Consolas" pitchFamily="49" charset="0"/>
+            </a:endParaRPr>
+          </a:p>
+          <a:p>
+            <a:r>
+              <a:rPr lang="en-US" sz="1400" dirty="0" smtClean="0">
+                <a:latin typeface="Consolas" pitchFamily="49" charset="0"/>
+                <a:cs typeface="Consolas" pitchFamily="49" charset="0"/>
+              </a:rPr>
+              <a:t> </a:t>
+            </a:r>
+            <a:r>
+              <a:rPr lang="en-US" sz="1400" dirty="0" smtClean="0">
+                <a:latin typeface="Consolas" pitchFamily="49" charset="0"/>
+                <a:cs typeface="Consolas" pitchFamily="49" charset="0"/>
+              </a:rPr>
+              <a:t>  saga::</a:t>
+            </a:r>
+            <a:r>
+              <a:rPr lang="en-US" sz="1400" dirty="0" err="1" smtClean="0">
+                <a:latin typeface="Consolas" pitchFamily="49" charset="0"/>
+                <a:cs typeface="Consolas" pitchFamily="49" charset="0"/>
+              </a:rPr>
+              <a:t>filesystem</a:t>
+            </a:r>
+            <a:r>
+              <a:rPr lang="en-US" sz="1400" dirty="0" smtClean="0">
                 <a:latin typeface="Consolas" pitchFamily="49" charset="0"/>
                 <a:cs typeface="Consolas" pitchFamily="49" charset="0"/>
               </a:rPr>
               <a:t>::</a:t>
             </a:r>
             <a:r>
+              <a:rPr lang="en-US" sz="1400" dirty="0" err="1" smtClean="0">
+                <a:latin typeface="Consolas" pitchFamily="49" charset="0"/>
+                <a:cs typeface="Consolas" pitchFamily="49" charset="0"/>
+              </a:rPr>
+              <a:t>dir</a:t>
+            </a:r>
+            <a:r>
+              <a:rPr lang="en-US" sz="1400" dirty="0" smtClean="0">
+                <a:latin typeface="Consolas" pitchFamily="49" charset="0"/>
+                <a:cs typeface="Consolas" pitchFamily="49" charset="0"/>
+              </a:rPr>
+              <a:t>  </a:t>
+            </a:r>
+            <a:r>
+              <a:rPr lang="en-US" sz="1400" dirty="0" err="1" smtClean="0">
+                <a:latin typeface="Consolas" pitchFamily="49" charset="0"/>
+                <a:cs typeface="Consolas" pitchFamily="49" charset="0"/>
+              </a:rPr>
+              <a:t>dir</a:t>
+            </a:r>
+            <a:r>
+              <a:rPr lang="en-US" sz="1400" dirty="0" smtClean="0">
+                <a:latin typeface="Consolas" pitchFamily="49" charset="0"/>
+                <a:cs typeface="Consolas" pitchFamily="49" charset="0"/>
+              </a:rPr>
+              <a:t> </a:t>
+            </a:r>
+            <a:r>
+              <a:rPr lang="en-US" sz="1400" dirty="0">
+                <a:latin typeface="Consolas" pitchFamily="49" charset="0"/>
+                <a:cs typeface="Consolas" pitchFamily="49" charset="0"/>
+              </a:rPr>
+              <a:t>(s, "</a:t>
+            </a:r>
+            <a:r>
               <a:rPr lang="en-US" sz="1400" dirty="0" err="1">
                 <a:latin typeface="Consolas" pitchFamily="49" charset="0"/>
                 <a:cs typeface="Consolas" pitchFamily="49" charset="0"/>
               </a:rPr>
-              <a:t>dir</a:t>
-            </a:r>
-            <a:r>
-              <a:rPr lang="en-US" sz="1400" dirty="0">
-                <a:latin typeface="Consolas" pitchFamily="49" charset="0"/>
-                <a:cs typeface="Consolas" pitchFamily="49" charset="0"/>
-              </a:rPr>
-              <a:t> </a:t>
-            </a:r>
-            <a:r>
-              <a:rPr lang="en-US" sz="1400" dirty="0" smtClean="0">
-                <a:latin typeface="Consolas" pitchFamily="49" charset="0"/>
-                <a:cs typeface="Consolas" pitchFamily="49" charset="0"/>
-              </a:rPr>
-              <a:t> </a:t>
-            </a:r>
-            <a:r>
-              <a:rPr lang="en-US" sz="1400" dirty="0" err="1" smtClean="0">
-                <a:latin typeface="Consolas" pitchFamily="49" charset="0"/>
-                <a:cs typeface="Consolas" pitchFamily="49" charset="0"/>
-              </a:rPr>
-              <a:t>dir</a:t>
-            </a:r>
-            <a:r>
-              <a:rPr lang="en-US" sz="1400" dirty="0" smtClean="0">
-                <a:latin typeface="Consolas" pitchFamily="49" charset="0"/>
-                <a:cs typeface="Consolas" pitchFamily="49" charset="0"/>
-              </a:rPr>
-              <a:t> </a:t>
-            </a:r>
-            <a:r>
-              <a:rPr lang="en-US" sz="1400" dirty="0">
-                <a:latin typeface="Consolas" pitchFamily="49" charset="0"/>
-                <a:cs typeface="Consolas" pitchFamily="49" charset="0"/>
-              </a:rPr>
-              <a:t>(s, "</a:t>
+              <a:t>gridftp</a:t>
+            </a:r>
+            <a:r>
+              <a:rPr lang="en-US" sz="1400" dirty="0">
+                <a:latin typeface="Consolas" pitchFamily="49" charset="0"/>
+                <a:cs typeface="Consolas" pitchFamily="49" charset="0"/>
+              </a:rPr>
+              <a:t>://remote.host.net/data/");</a:t>
+            </a:r>
+          </a:p>
+          <a:p>
+            <a:r>
+              <a:rPr lang="en-US" sz="1400" dirty="0" smtClean="0">
+                <a:latin typeface="Consolas" pitchFamily="49" charset="0"/>
+                <a:cs typeface="Consolas" pitchFamily="49" charset="0"/>
+              </a:rPr>
+              <a:t>   </a:t>
             </a:r>
             <a:r>
               <a:rPr lang="en-US" sz="1400" dirty="0" err="1">
                 <a:latin typeface="Consolas" pitchFamily="49" charset="0"/>
                 <a:cs typeface="Consolas" pitchFamily="49" charset="0"/>
               </a:rPr>
-              <a:t>gridftp</a:t>
-            </a:r>
-            <a:r>
-              <a:rPr lang="en-US" sz="1400" dirty="0">
-                <a:latin typeface="Consolas" pitchFamily="49" charset="0"/>
-                <a:cs typeface="Consolas" pitchFamily="49" charset="0"/>
-              </a:rPr>
-              <a:t>://remote.host.net/data/");</a:t>
+              <a:t>s.remove_context</a:t>
+            </a:r>
+            <a:r>
+              <a:rPr lang="en-US" sz="1400" dirty="0">
+                <a:latin typeface="Consolas" pitchFamily="49" charset="0"/>
+                <a:cs typeface="Consolas" pitchFamily="49" charset="0"/>
+              </a:rPr>
+              <a:t> (c1);</a:t>
             </a:r>
           </a:p>
           <a:p>
@@ -14286,48 +18634,41 @@
                 <a:latin typeface="Consolas" pitchFamily="49" charset="0"/>
                 <a:cs typeface="Consolas" pitchFamily="49" charset="0"/>
               </a:rPr>
-              <a:t> saga</a:t>
-            </a:r>
-            <a:r>
-              <a:rPr lang="en-US" sz="1400" dirty="0">
-                <a:latin typeface="Consolas" pitchFamily="49" charset="0"/>
-                <a:cs typeface="Consolas" pitchFamily="49" charset="0"/>
-              </a:rPr>
-              <a:t>::file </a:t>
+              <a:t> </a:t>
+            </a:r>
+            <a:r>
+              <a:rPr lang="en-US" sz="1400" dirty="0" smtClean="0">
+                <a:latin typeface="Consolas" pitchFamily="49" charset="0"/>
+                <a:cs typeface="Consolas" pitchFamily="49" charset="0"/>
+              </a:rPr>
+              <a:t>  file </a:t>
+            </a:r>
+            <a:r>
+              <a:rPr lang="en-US" sz="1400" dirty="0">
+                <a:latin typeface="Consolas" pitchFamily="49" charset="0"/>
+                <a:cs typeface="Consolas" pitchFamily="49" charset="0"/>
+              </a:rPr>
+              <a:t>= </a:t>
             </a:r>
             <a:r>
               <a:rPr lang="en-US" sz="1400" dirty="0" err="1">
                 <a:latin typeface="Consolas" pitchFamily="49" charset="0"/>
                 <a:cs typeface="Consolas" pitchFamily="49" charset="0"/>
               </a:rPr>
-              <a:t>file</a:t>
-            </a:r>
-            <a:r>
-              <a:rPr lang="en-US" sz="1400" dirty="0">
-                <a:latin typeface="Consolas" pitchFamily="49" charset="0"/>
-                <a:cs typeface="Consolas" pitchFamily="49" charset="0"/>
-              </a:rPr>
-              <a:t> = </a:t>
+              <a:t>dir.open</a:t>
+            </a:r>
+            <a:r>
+              <a:rPr lang="en-US" sz="1400" dirty="0">
+                <a:latin typeface="Consolas" pitchFamily="49" charset="0"/>
+                <a:cs typeface="Consolas" pitchFamily="49" charset="0"/>
+              </a:rPr>
+              <a:t> ("</a:t>
             </a:r>
             <a:r>
               <a:rPr lang="en-US" sz="1400" dirty="0" err="1">
                 <a:latin typeface="Consolas" pitchFamily="49" charset="0"/>
                 <a:cs typeface="Consolas" pitchFamily="49" charset="0"/>
               </a:rPr>
-              <a:t>dir.open</a:t>
-            </a:r>
-            <a:r>
-              <a:rPr lang="en-US" sz="1400" dirty="0">
-                <a:latin typeface="Consolas" pitchFamily="49" charset="0"/>
-                <a:cs typeface="Consolas" pitchFamily="49" charset="0"/>
-              </a:rPr>
-              <a:t> ("</a:t>
-            </a:r>
-            <a:r>
-              <a:rPr lang="en-US" sz="1400" dirty="0" err="1">
-                <a:latin typeface="Consolas" pitchFamily="49" charset="0"/>
-                <a:cs typeface="Consolas" pitchFamily="49" charset="0"/>
-              </a:rPr>
               <a:t>data.bin</a:t>
             </a:r>
             <a:r>
@@ -14339,83 +18680,19 @@
             </a:r>
           </a:p>
           <a:p>
+            <a:r>
+              <a:rPr lang="en-US" sz="1400" dirty="0" smtClean="0">
+                <a:latin typeface="Consolas" pitchFamily="49" charset="0"/>
+                <a:cs typeface="Consolas" pitchFamily="49" charset="0"/>
+              </a:rPr>
+              <a:t> }</a:t>
+            </a:r>
             <a:endParaRPr lang="en-US" sz="1400" dirty="0" smtClean="0">
               <a:latin typeface="Consolas" pitchFamily="49" charset="0"/>
               <a:cs typeface="Consolas" pitchFamily="49" charset="0"/>
             </a:endParaRPr>
           </a:p>
           <a:p>
-            <a:r>
-              <a:rPr lang="en-US" sz="1400" dirty="0" smtClean="0">
-                <a:latin typeface="Consolas" pitchFamily="49" charset="0"/>
-                <a:cs typeface="Consolas" pitchFamily="49" charset="0"/>
-              </a:rPr>
-              <a:t> </a:t>
-            </a:r>
-            <a:r>
-              <a:rPr lang="en-US" sz="1400" dirty="0" err="1" smtClean="0">
-                <a:latin typeface="Consolas" pitchFamily="49" charset="0"/>
-                <a:cs typeface="Consolas" pitchFamily="49" charset="0"/>
-              </a:rPr>
-              <a:t>s.remove_context</a:t>
-            </a:r>
-            <a:r>
-              <a:rPr lang="en-US" sz="1400" dirty="0" smtClean="0">
-                <a:latin typeface="Consolas" pitchFamily="49" charset="0"/>
-                <a:cs typeface="Consolas" pitchFamily="49" charset="0"/>
-              </a:rPr>
-              <a:t> </a:t>
-            </a:r>
-            <a:r>
-              <a:rPr lang="en-US" sz="1400" dirty="0">
-                <a:latin typeface="Consolas" pitchFamily="49" charset="0"/>
-                <a:cs typeface="Consolas" pitchFamily="49" charset="0"/>
-              </a:rPr>
-              <a:t>(c1);</a:t>
-            </a:r>
-          </a:p>
-          <a:p>
-            <a:r>
-              <a:rPr lang="en-US" sz="1400" dirty="0" smtClean="0">
-                <a:latin typeface="Consolas" pitchFamily="49" charset="0"/>
-                <a:cs typeface="Consolas" pitchFamily="49" charset="0"/>
-              </a:rPr>
-              <a:t> </a:t>
-            </a:r>
-            <a:r>
-              <a:rPr lang="en-US" sz="1400" dirty="0" err="1" smtClean="0">
-                <a:latin typeface="Consolas" pitchFamily="49" charset="0"/>
-                <a:cs typeface="Consolas" pitchFamily="49" charset="0"/>
-              </a:rPr>
-              <a:t>s.remove_context</a:t>
-            </a:r>
-            <a:r>
-              <a:rPr lang="en-US" sz="1400" dirty="0" smtClean="0">
-                <a:latin typeface="Consolas" pitchFamily="49" charset="0"/>
-                <a:cs typeface="Consolas" pitchFamily="49" charset="0"/>
-              </a:rPr>
-              <a:t> </a:t>
-            </a:r>
-            <a:r>
-              <a:rPr lang="en-US" sz="1400" dirty="0">
-                <a:latin typeface="Consolas" pitchFamily="49" charset="0"/>
-                <a:cs typeface="Consolas" pitchFamily="49" charset="0"/>
-              </a:rPr>
-              <a:t>(c2</a:t>
-            </a:r>
-            <a:r>
-              <a:rPr lang="en-US" sz="1400" dirty="0" smtClean="0">
-                <a:latin typeface="Consolas" pitchFamily="49" charset="0"/>
-                <a:cs typeface="Consolas" pitchFamily="49" charset="0"/>
-              </a:rPr>
-              <a:t>);</a:t>
-            </a:r>
-            <a:endParaRPr lang="en-US" sz="1400" dirty="0">
-              <a:latin typeface="Consolas" pitchFamily="49" charset="0"/>
-              <a:cs typeface="Consolas" pitchFamily="49" charset="0"/>
-            </a:endParaRPr>
-          </a:p>
-          <a:p>
             <a:endParaRPr lang="en-US" sz="1400" dirty="0" smtClean="0">
               <a:latin typeface="Consolas" pitchFamily="49" charset="0"/>
               <a:cs typeface="Consolas" pitchFamily="49" charset="0"/>
@@ -14469,7 +18746,14 @@
                 <a:latin typeface="Consolas" pitchFamily="49" charset="0"/>
                 <a:cs typeface="Consolas" pitchFamily="49" charset="0"/>
               </a:rPr>
-              <a:t> // this works – session is </a:t>
+              <a:t> // this works – session </a:t>
+            </a:r>
+            <a:r>
+              <a:rPr lang="en-US" sz="1400" dirty="0" smtClean="0">
+                <a:latin typeface="Consolas" pitchFamily="49" charset="0"/>
+                <a:cs typeface="Consolas" pitchFamily="49" charset="0"/>
+              </a:rPr>
+              <a:t>and contexts are </a:t>
             </a:r>
             <a:r>
               <a:rPr lang="en-US" sz="1400" dirty="0">
@@ -14507,7 +18791,7 @@
 </p:sld>
 </file>
 
-<file path=ppt/slides/slide38.xml><?xml version="1.0" encoding="utf-8"?>
+<file path=ppt/slides/slide51.xml><?xml version="1.0" encoding="utf-8"?>
 <p:sld xmlns:a="http://schemas.openxmlformats.org/drawingml/2006/main" xmlns:r="http://schemas.openxmlformats.org/officeDocument/2006/relationships" xmlns:p="http://schemas.openxmlformats.org/presentationml/2006/main">
   <p:cSld>
     <p:spTree>
@@ -14719,7 +19003,7 @@
 </p:sld>
 </file>
 
-<file path=ppt/slides/slide39.xml><?xml version="1.0" encoding="utf-8"?>
+<file path=ppt/slides/slide52.xml><?xml version="1.0" encoding="utf-8"?>
 <p:sld xmlns:a="http://schemas.openxmlformats.org/drawingml/2006/main" xmlns:r="http://schemas.openxmlformats.org/officeDocument/2006/relationships" xmlns:p="http://schemas.openxmlformats.org/presentationml/2006/main">
   <p:cSld>
     <p:spTree>
@@ -14801,7 +19085,7 @@
 </p:sld>
 </file>
 
-<file path=ppt/slides/slide4.xml><?xml version="1.0" encoding="utf-8"?>
+<file path=ppt/slides/slide53.xml><?xml version="1.0" encoding="utf-8"?>
 <p:sld xmlns:a="http://schemas.openxmlformats.org/drawingml/2006/main" xmlns:r="http://schemas.openxmlformats.org/officeDocument/2006/relationships" xmlns:p="http://schemas.openxmlformats.org/presentationml/2006/main">
   <p:cSld>
     <p:spTree>
@@ -14834,404 +19118,6 @@
           <a:lstStyle/>
           <a:p>
             <a:r>
-              <a:rPr lang="en-US" dirty="0" smtClean="0"/>
-              <a:t>SAGA Intro: Example 1</a:t>
-            </a:r>
-            <a:endParaRPr lang="en-US" dirty="0"/>
-          </a:p>
-        </p:txBody>
-      </p:sp>
-      <p:sp>
-        <p:nvSpPr>
-          <p:cNvPr id="4" name="TextBox 3"/>
-          <p:cNvSpPr txBox="1"/>
-          <p:nvPr/>
-        </p:nvSpPr>
-        <p:spPr>
-          <a:xfrm>
-            <a:off x="946859" y="2165805"/>
-            <a:ext cx="7966954" cy="3323987"/>
-          </a:xfrm>
-          <a:prstGeom prst="rect">
-            <a:avLst/>
-          </a:prstGeom>
-          <a:solidFill>
-            <a:srgbClr val="D7D9CD"/>
-          </a:solidFill>
-          <a:ln>
-            <a:solidFill>
-              <a:srgbClr val="8BADBD"/>
-            </a:solidFill>
-          </a:ln>
-        </p:spPr>
-        <p:style>
-          <a:lnRef idx="2">
-            <a:schemeClr val="accent4"/>
-          </a:lnRef>
-          <a:fillRef idx="1">
-            <a:schemeClr val="lt1"/>
-          </a:fillRef>
-          <a:effectRef idx="0">
-            <a:schemeClr val="accent4"/>
-          </a:effectRef>
-          <a:fontRef idx="minor">
-            <a:schemeClr val="dk1"/>
-          </a:fontRef>
-        </p:style>
-        <p:txBody>
-          <a:bodyPr wrap="square" rtlCol="0">
-            <a:spAutoFit/>
-          </a:bodyPr>
-          <a:lstStyle/>
-          <a:p>
-            <a:endParaRPr lang="en-US" sz="1400" dirty="0" smtClean="0">
-              <a:latin typeface="Consolas" pitchFamily="49" charset="0"/>
-              <a:cs typeface="Consolas" pitchFamily="49" charset="0"/>
-            </a:endParaRPr>
-          </a:p>
-          <a:p>
-            <a:r>
-              <a:rPr lang="en-US" sz="1400" dirty="0" smtClean="0">
-                <a:latin typeface="Consolas" pitchFamily="49" charset="0"/>
-                <a:cs typeface="Consolas" pitchFamily="49" charset="0"/>
-              </a:rPr>
-              <a:t> // SAGA: File Management example</a:t>
-            </a:r>
-          </a:p>
-          <a:p>
-            <a:endParaRPr lang="en-US" sz="1400" dirty="0" smtClean="0">
-              <a:latin typeface="Consolas" pitchFamily="49" charset="0"/>
-              <a:cs typeface="Consolas" pitchFamily="49" charset="0"/>
-            </a:endParaRPr>
-          </a:p>
-          <a:p>
-            <a:r>
-              <a:rPr lang="en-US" sz="1400" dirty="0" smtClean="0">
-                <a:latin typeface="Consolas" pitchFamily="49" charset="0"/>
-                <a:cs typeface="Consolas" pitchFamily="49" charset="0"/>
-              </a:rPr>
-              <a:t> saga::</a:t>
-            </a:r>
-            <a:r>
-              <a:rPr lang="en-US" sz="1400" dirty="0" err="1" smtClean="0">
-                <a:latin typeface="Consolas" pitchFamily="49" charset="0"/>
-                <a:cs typeface="Consolas" pitchFamily="49" charset="0"/>
-              </a:rPr>
-              <a:t>filesystem</a:t>
-            </a:r>
-            <a:r>
-              <a:rPr lang="en-US" sz="1400" dirty="0" smtClean="0">
-                <a:latin typeface="Consolas" pitchFamily="49" charset="0"/>
-                <a:cs typeface="Consolas" pitchFamily="49" charset="0"/>
-              </a:rPr>
-              <a:t>::directory dir ("any://remote.host.net//data/"); </a:t>
-            </a:r>
-          </a:p>
-          <a:p>
-            <a:endParaRPr lang="en-US" sz="1400" dirty="0" smtClean="0">
-              <a:latin typeface="Consolas" pitchFamily="49" charset="0"/>
-              <a:cs typeface="Consolas" pitchFamily="49" charset="0"/>
-            </a:endParaRPr>
-          </a:p>
-          <a:p>
-            <a:r>
-              <a:rPr lang="en-US" sz="1400" dirty="0" smtClean="0">
-                <a:latin typeface="Consolas" pitchFamily="49" charset="0"/>
-                <a:cs typeface="Consolas" pitchFamily="49" charset="0"/>
-              </a:rPr>
-              <a:t> if ( </a:t>
-            </a:r>
-            <a:r>
-              <a:rPr lang="en-US" sz="1400" dirty="0" err="1" smtClean="0">
-                <a:latin typeface="Consolas" pitchFamily="49" charset="0"/>
-                <a:cs typeface="Consolas" pitchFamily="49" charset="0"/>
-              </a:rPr>
-              <a:t>dir.exists</a:t>
-            </a:r>
-            <a:r>
-              <a:rPr lang="en-US" sz="1400" dirty="0" smtClean="0">
-                <a:latin typeface="Consolas" pitchFamily="49" charset="0"/>
-                <a:cs typeface="Consolas" pitchFamily="49" charset="0"/>
-              </a:rPr>
-              <a:t> ("a") &amp;&amp; ! </a:t>
-            </a:r>
-            <a:r>
-              <a:rPr lang="en-US" sz="1400" dirty="0" err="1" smtClean="0">
-                <a:latin typeface="Consolas" pitchFamily="49" charset="0"/>
-                <a:cs typeface="Consolas" pitchFamily="49" charset="0"/>
-              </a:rPr>
-              <a:t>dir.is_dir</a:t>
-            </a:r>
-            <a:r>
-              <a:rPr lang="en-US" sz="1400" dirty="0" smtClean="0">
-                <a:latin typeface="Consolas" pitchFamily="49" charset="0"/>
-                <a:cs typeface="Consolas" pitchFamily="49" charset="0"/>
-              </a:rPr>
-              <a:t> ("a") ) </a:t>
-            </a:r>
-          </a:p>
-          <a:p>
-            <a:r>
-              <a:rPr lang="en-US" sz="1400" dirty="0" smtClean="0">
-                <a:latin typeface="Consolas" pitchFamily="49" charset="0"/>
-                <a:cs typeface="Consolas" pitchFamily="49" charset="0"/>
-              </a:rPr>
-              <a:t> {</a:t>
-            </a:r>
-          </a:p>
-          <a:p>
-            <a:r>
-              <a:rPr lang="en-US" sz="1400" dirty="0" smtClean="0">
-                <a:latin typeface="Consolas" pitchFamily="49" charset="0"/>
-                <a:cs typeface="Consolas" pitchFamily="49" charset="0"/>
-              </a:rPr>
-              <a:t>   </a:t>
-            </a:r>
-            <a:r>
-              <a:rPr lang="en-US" sz="1400" dirty="0" err="1" smtClean="0">
-                <a:latin typeface="Consolas" pitchFamily="49" charset="0"/>
-                <a:cs typeface="Consolas" pitchFamily="49" charset="0"/>
-              </a:rPr>
-              <a:t>dir.copy</a:t>
-            </a:r>
-            <a:r>
-              <a:rPr lang="en-US" sz="1400" dirty="0" smtClean="0">
-                <a:latin typeface="Consolas" pitchFamily="49" charset="0"/>
-                <a:cs typeface="Consolas" pitchFamily="49" charset="0"/>
-              </a:rPr>
-              <a:t> ("a", "b", Overwrite); </a:t>
-            </a:r>
-          </a:p>
-          <a:p>
-            <a:r>
-              <a:rPr lang="en-US" sz="1400" dirty="0" smtClean="0">
-                <a:latin typeface="Consolas" pitchFamily="49" charset="0"/>
-                <a:cs typeface="Consolas" pitchFamily="49" charset="0"/>
-              </a:rPr>
-              <a:t> } </a:t>
-            </a:r>
-          </a:p>
-          <a:p>
-            <a:endParaRPr lang="en-US" sz="1400" dirty="0" smtClean="0">
-              <a:latin typeface="Consolas" pitchFamily="49" charset="0"/>
-              <a:cs typeface="Consolas" pitchFamily="49" charset="0"/>
-            </a:endParaRPr>
-          </a:p>
-          <a:p>
-            <a:r>
-              <a:rPr lang="en-US" sz="1400" dirty="0" smtClean="0">
-                <a:latin typeface="Consolas" pitchFamily="49" charset="0"/>
-                <a:cs typeface="Consolas" pitchFamily="49" charset="0"/>
-              </a:rPr>
-              <a:t> list &lt;saga::</a:t>
-            </a:r>
-            <a:r>
-              <a:rPr lang="en-US" sz="1400" dirty="0" err="1" smtClean="0">
-                <a:latin typeface="Consolas" pitchFamily="49" charset="0"/>
-                <a:cs typeface="Consolas" pitchFamily="49" charset="0"/>
-              </a:rPr>
-              <a:t>url</a:t>
-            </a:r>
-            <a:r>
-              <a:rPr lang="en-US" sz="1400" dirty="0" smtClean="0">
-                <a:latin typeface="Consolas" pitchFamily="49" charset="0"/>
-                <a:cs typeface="Consolas" pitchFamily="49" charset="0"/>
-              </a:rPr>
-              <a:t>&gt; names = </a:t>
-            </a:r>
-            <a:r>
-              <a:rPr lang="en-US" sz="1400" dirty="0" err="1" smtClean="0">
-                <a:latin typeface="Consolas" pitchFamily="49" charset="0"/>
-                <a:cs typeface="Consolas" pitchFamily="49" charset="0"/>
-              </a:rPr>
-              <a:t>dir.find</a:t>
-            </a:r>
-            <a:r>
-              <a:rPr lang="en-US" sz="1400" dirty="0" smtClean="0">
-                <a:latin typeface="Consolas" pitchFamily="49" charset="0"/>
-                <a:cs typeface="Consolas" pitchFamily="49" charset="0"/>
-              </a:rPr>
-              <a:t> ("*-{123}.txt");</a:t>
-            </a:r>
-          </a:p>
-          <a:p>
-            <a:endParaRPr lang="en-US" sz="1400" dirty="0" smtClean="0">
-              <a:latin typeface="Consolas" pitchFamily="49" charset="0"/>
-              <a:cs typeface="Consolas" pitchFamily="49" charset="0"/>
-            </a:endParaRPr>
-          </a:p>
-          <a:p>
-            <a:r>
-              <a:rPr lang="en-US" sz="1400" dirty="0" smtClean="0">
-                <a:latin typeface="Consolas" pitchFamily="49" charset="0"/>
-                <a:cs typeface="Consolas" pitchFamily="49" charset="0"/>
-              </a:rPr>
-              <a:t> saga::</a:t>
-            </a:r>
-            <a:r>
-              <a:rPr lang="en-US" sz="1400" dirty="0" err="1" smtClean="0">
-                <a:latin typeface="Consolas" pitchFamily="49" charset="0"/>
-                <a:cs typeface="Consolas" pitchFamily="49" charset="0"/>
-              </a:rPr>
-              <a:t>filesystem</a:t>
-            </a:r>
-            <a:r>
-              <a:rPr lang="en-US" sz="1400" dirty="0" smtClean="0">
-                <a:latin typeface="Consolas" pitchFamily="49" charset="0"/>
-                <a:cs typeface="Consolas" pitchFamily="49" charset="0"/>
-              </a:rPr>
-              <a:t>::directory </a:t>
-            </a:r>
-            <a:r>
-              <a:rPr lang="en-US" sz="1400" dirty="0" err="1" smtClean="0">
-                <a:latin typeface="Consolas" pitchFamily="49" charset="0"/>
-                <a:cs typeface="Consolas" pitchFamily="49" charset="0"/>
-              </a:rPr>
-              <a:t>tmp</a:t>
-            </a:r>
-            <a:r>
-              <a:rPr lang="en-US" sz="1400" dirty="0" smtClean="0">
-                <a:latin typeface="Consolas" pitchFamily="49" charset="0"/>
-                <a:cs typeface="Consolas" pitchFamily="49" charset="0"/>
-              </a:rPr>
-              <a:t>  = </a:t>
-            </a:r>
-            <a:r>
-              <a:rPr lang="en-US" sz="1400" dirty="0" err="1" smtClean="0">
-                <a:latin typeface="Consolas" pitchFamily="49" charset="0"/>
-                <a:cs typeface="Consolas" pitchFamily="49" charset="0"/>
-              </a:rPr>
-              <a:t>dir.open_dir</a:t>
-            </a:r>
-            <a:r>
-              <a:rPr lang="en-US" sz="1400" dirty="0" smtClean="0">
-                <a:latin typeface="Consolas" pitchFamily="49" charset="0"/>
-                <a:cs typeface="Consolas" pitchFamily="49" charset="0"/>
-              </a:rPr>
-              <a:t> ("</a:t>
-            </a:r>
-            <a:r>
-              <a:rPr lang="en-US" sz="1400" dirty="0" err="1" smtClean="0">
-                <a:latin typeface="Consolas" pitchFamily="49" charset="0"/>
-                <a:cs typeface="Consolas" pitchFamily="49" charset="0"/>
-              </a:rPr>
-              <a:t>tmp</a:t>
-            </a:r>
-            <a:r>
-              <a:rPr lang="en-US" sz="1400" dirty="0" smtClean="0">
-                <a:latin typeface="Consolas" pitchFamily="49" charset="0"/>
-                <a:cs typeface="Consolas" pitchFamily="49" charset="0"/>
-              </a:rPr>
-              <a:t>/", Create);     </a:t>
-            </a:r>
-          </a:p>
-          <a:p>
-            <a:r>
-              <a:rPr lang="en-US" sz="1400" dirty="0">
-                <a:latin typeface="Consolas" pitchFamily="49" charset="0"/>
-                <a:cs typeface="Consolas" pitchFamily="49" charset="0"/>
-              </a:rPr>
-              <a:t> </a:t>
-            </a:r>
-            <a:r>
-              <a:rPr lang="en-US" sz="1400" dirty="0" smtClean="0">
-                <a:latin typeface="Consolas" pitchFamily="49" charset="0"/>
-                <a:cs typeface="Consolas" pitchFamily="49" charset="0"/>
-              </a:rPr>
-              <a:t>saga::</a:t>
-            </a:r>
-            <a:r>
-              <a:rPr lang="en-US" sz="1400" dirty="0" err="1" smtClean="0">
-                <a:latin typeface="Consolas" pitchFamily="49" charset="0"/>
-                <a:cs typeface="Consolas" pitchFamily="49" charset="0"/>
-              </a:rPr>
-              <a:t>filesystem</a:t>
-            </a:r>
-            <a:r>
-              <a:rPr lang="en-US" sz="1400" dirty="0" smtClean="0">
-                <a:latin typeface="Consolas" pitchFamily="49" charset="0"/>
-                <a:cs typeface="Consolas" pitchFamily="49" charset="0"/>
-              </a:rPr>
-              <a:t>::file      file = </a:t>
-            </a:r>
-            <a:r>
-              <a:rPr lang="en-US" sz="1400" dirty="0" err="1" smtClean="0">
-                <a:latin typeface="Consolas" pitchFamily="49" charset="0"/>
-                <a:cs typeface="Consolas" pitchFamily="49" charset="0"/>
-              </a:rPr>
-              <a:t>dir.open</a:t>
-            </a:r>
-            <a:r>
-              <a:rPr lang="en-US" sz="1400" dirty="0" smtClean="0">
-                <a:latin typeface="Consolas" pitchFamily="49" charset="0"/>
-                <a:cs typeface="Consolas" pitchFamily="49" charset="0"/>
-              </a:rPr>
-              <a:t>     ("</a:t>
-            </a:r>
-            <a:r>
-              <a:rPr lang="en-US" sz="1400" dirty="0" err="1" smtClean="0">
-                <a:latin typeface="Consolas" pitchFamily="49" charset="0"/>
-                <a:cs typeface="Consolas" pitchFamily="49" charset="0"/>
-              </a:rPr>
-              <a:t>tmp</a:t>
-            </a:r>
-            <a:r>
-              <a:rPr lang="en-US" sz="1400" dirty="0" smtClean="0">
-                <a:latin typeface="Consolas" pitchFamily="49" charset="0"/>
-                <a:cs typeface="Consolas" pitchFamily="49" charset="0"/>
-              </a:rPr>
-              <a:t>/data.txt");</a:t>
-            </a:r>
-          </a:p>
-          <a:p>
-            <a:endParaRPr lang="en-US" sz="1400" dirty="0" smtClean="0">
-              <a:latin typeface="Consolas" pitchFamily="49" charset="0"/>
-              <a:cs typeface="Consolas" pitchFamily="49" charset="0"/>
-            </a:endParaRPr>
-          </a:p>
-        </p:txBody>
-      </p:sp>
-    </p:spTree>
-  </p:cSld>
-  <p:clrMapOvr>
-    <a:masterClrMapping/>
-  </p:clrMapOvr>
-</p:sld>
-</file>
-
-<file path=ppt/slides/slide40.xml><?xml version="1.0" encoding="utf-8"?>
-<p:sld xmlns:a="http://schemas.openxmlformats.org/drawingml/2006/main" xmlns:r="http://schemas.openxmlformats.org/officeDocument/2006/relationships" xmlns:p="http://schemas.openxmlformats.org/presentationml/2006/main">
-  <p:cSld>
-    <p:spTree>
-      <p:nvGrpSpPr>
-        <p:cNvPr id="1" name=""/>
-        <p:cNvGrpSpPr/>
-        <p:nvPr/>
-      </p:nvGrpSpPr>
-      <p:grpSpPr>
-        <a:xfrm>
-          <a:off x="0" y="0"/>
-          <a:ext cx="0" cy="0"/>
-          <a:chOff x="0" y="0"/>
-          <a:chExt cx="0" cy="0"/>
-        </a:xfrm>
-      </p:grpSpPr>
-      <p:sp>
-        <p:nvSpPr>
-          <p:cNvPr id="2" name="Title 1"/>
-          <p:cNvSpPr>
-            <a:spLocks noGrp="1"/>
-          </p:cNvSpPr>
-          <p:nvPr>
-            <p:ph type="title"/>
-          </p:nvPr>
-        </p:nvSpPr>
-        <p:spPr/>
-        <p:txBody>
-          <a:bodyPr/>
-          <a:lstStyle/>
-          <a:p>
-            <a:r>
               <a:rPr lang="en-US" dirty="0"/>
               <a:t>SAGA </a:t>
             </a:r>
@@ -15560,7 +19446,7 @@
 </p:sld>
 </file>
 
-<file path=ppt/slides/slide41.xml><?xml version="1.0" encoding="utf-8"?>
+<file path=ppt/slides/slide54.xml><?xml version="1.0" encoding="utf-8"?>
 <p:sld xmlns:a="http://schemas.openxmlformats.org/drawingml/2006/main" xmlns:r="http://schemas.openxmlformats.org/officeDocument/2006/relationships" xmlns:p="http://schemas.openxmlformats.org/presentationml/2006/main">
   <p:cSld>
     <p:spTree>
@@ -16121,7 +20007,7 @@
 </p:sld>
 </file>
 
-<file path=ppt/slides/slide42.xml><?xml version="1.0" encoding="utf-8"?>
+<file path=ppt/slides/slide55.xml><?xml version="1.0" encoding="utf-8"?>
 <p:sld xmlns:a="http://schemas.openxmlformats.org/drawingml/2006/main" xmlns:r="http://schemas.openxmlformats.org/officeDocument/2006/relationships" xmlns:p="http://schemas.openxmlformats.org/presentationml/2006/main">
   <p:cSld>
     <p:spTree>
@@ -16708,7 +20594,7 @@
 </p:sld>
 </file>
 
-<file path=ppt/slides/slide43.xml><?xml version="1.0" encoding="utf-8"?>
+<file path=ppt/slides/slide56.xml><?xml version="1.0" encoding="utf-8"?>
 <p:sld xmlns:a="http://schemas.openxmlformats.org/drawingml/2006/main" xmlns:r="http://schemas.openxmlformats.org/officeDocument/2006/relationships" xmlns:p="http://schemas.openxmlformats.org/presentationml/2006/main">
   <p:cSld>
     <p:spTree>
@@ -17142,7 +21028,7 @@
 </p:sld>
 </file>
 
-<file path=ppt/slides/slide44.xml><?xml version="1.0" encoding="utf-8"?>
+<file path=ppt/slides/slide57.xml><?xml version="1.0" encoding="utf-8"?>
 <p:sld xmlns:a="http://schemas.openxmlformats.org/drawingml/2006/main" xmlns:r="http://schemas.openxmlformats.org/officeDocument/2006/relationships" xmlns:p="http://schemas.openxmlformats.org/presentationml/2006/main">
   <p:cSld>
     <p:spTree>
@@ -17562,107 +21448,6 @@
 </p:sld>
 </file>
 
-<file path=ppt/slides/slide5.xml><?xml version="1.0" encoding="utf-8"?>
-<p:sld xmlns:a="http://schemas.openxmlformats.org/drawingml/2006/main" xmlns:r="http://schemas.openxmlformats.org/officeDocument/2006/relationships" xmlns:p="http://schemas.openxmlformats.org/presentationml/2006/main">
-  <p:cSld>
-    <p:spTree>
-      <p:nvGrpSpPr>
-        <p:cNvPr id="1" name=""/>
-        <p:cNvGrpSpPr/>
-        <p:nvPr/>
-      </p:nvGrpSpPr>
-      <p:grpSpPr>
-        <a:xfrm>
-          <a:off x="0" y="0"/>
-          <a:ext cx="0" cy="0"/>
-          <a:chOff x="0" y="0"/>
-          <a:chExt cx="0" cy="0"/>
-        </a:xfrm>
-      </p:grpSpPr>
-      <p:sp>
-        <p:nvSpPr>
-          <p:cNvPr id="2" name="Title 1"/>
-          <p:cNvSpPr>
-            <a:spLocks noGrp="1"/>
-          </p:cNvSpPr>
-          <p:nvPr>
-            <p:ph type="title"/>
-          </p:nvPr>
-        </p:nvSpPr>
-        <p:spPr/>
-        <p:txBody>
-          <a:bodyPr/>
-          <a:lstStyle/>
-          <a:p>
-            <a:r>
-              <a:rPr lang="en-US" dirty="0" smtClean="0"/>
-              <a:t>SAGA Intro: Example 1 </a:t>
-            </a:r>
-            <a:endParaRPr lang="en-US" dirty="0"/>
-          </a:p>
-        </p:txBody>
-      </p:sp>
-      <p:sp>
-        <p:nvSpPr>
-          <p:cNvPr id="3" name="Content Placeholder 2"/>
-          <p:cNvSpPr>
-            <a:spLocks noGrp="1"/>
-          </p:cNvSpPr>
-          <p:nvPr>
-            <p:ph idx="1"/>
-          </p:nvPr>
-        </p:nvSpPr>
-        <p:spPr/>
-        <p:txBody>
-          <a:bodyPr/>
-          <a:lstStyle/>
-          <a:p>
-            <a:r>
-              <a:rPr lang="en-US" dirty="0" smtClean="0"/>
-              <a:t>API is clearly POSIX (</a:t>
-            </a:r>
-            <a:r>
-              <a:rPr lang="en-US" dirty="0" err="1" smtClean="0"/>
-              <a:t>libc</a:t>
-            </a:r>
-            <a:r>
-              <a:rPr lang="en-US" dirty="0" smtClean="0"/>
-              <a:t> + shell) inspired </a:t>
-            </a:r>
-          </a:p>
-          <a:p>
-            <a:r>
-              <a:rPr lang="en-US" dirty="0" smtClean="0"/>
-              <a:t>where is my security?? </a:t>
-            </a:r>
-          </a:p>
-          <a:p>
-            <a:r>
-              <a:rPr lang="en-US" dirty="0" smtClean="0"/>
-              <a:t>what is ’any://’ ???</a:t>
-            </a:r>
-          </a:p>
-          <a:p>
-            <a:r>
-              <a:rPr lang="en-US" dirty="0"/>
-              <a:t>u</a:t>
-            </a:r>
-            <a:r>
-              <a:rPr lang="en-US" dirty="0" smtClean="0"/>
-              <a:t>sage should be intuitive (hopefully) </a:t>
-            </a:r>
-            <a:endParaRPr lang="en-US" dirty="0"/>
-          </a:p>
-        </p:txBody>
-      </p:sp>
-    </p:spTree>
-  </p:cSld>
-  <p:clrMapOvr>
-    <a:masterClrMapping/>
-  </p:clrMapOvr>
-</p:sld>
-</file>
-
 <file path=ppt/slides/slide6.xml><?xml version="1.0" encoding="utf-8"?>
 <p:sld xmlns:a="http://schemas.openxmlformats.org/drawingml/2006/main" xmlns:r="http://schemas.openxmlformats.org/officeDocument/2006/relationships" xmlns:p="http://schemas.openxmlformats.org/presentationml/2006/main">
   <p:cSld>
@@ -17697,7 +21482,7 @@
           <a:p>
             <a:r>
               <a:rPr lang="en-US" dirty="0" smtClean="0"/>
-              <a:t>SAGA Intro: Example 2 </a:t>
+              <a:t>APIs within OGF</a:t>
             </a:r>
             <a:endParaRPr lang="en-US" dirty="0"/>
           </a:p>
@@ -17705,374 +21490,115 @@
       </p:sp>
       <p:sp>
         <p:nvSpPr>
-          <p:cNvPr id="4" name="TextBox 3"/>
-          <p:cNvSpPr txBox="1"/>
-          <p:nvPr/>
+          <p:cNvPr id="3" name="Content Placeholder 2"/>
+          <p:cNvSpPr>
+            <a:spLocks noGrp="1"/>
+          </p:cNvSpPr>
+          <p:nvPr>
+            <p:ph idx="1"/>
+          </p:nvPr>
         </p:nvSpPr>
         <p:spPr>
           <a:xfrm>
-            <a:off x="946859" y="2164665"/>
-            <a:ext cx="7966954" cy="3754874"/>
+            <a:off x="772316" y="2068618"/>
+            <a:ext cx="7966954" cy="4197711"/>
           </a:xfrm>
-          <a:prstGeom prst="rect">
-            <a:avLst/>
-          </a:prstGeom>
-          <a:solidFill>
-            <a:srgbClr val="D7D9CD"/>
-          </a:solidFill>
-          <a:ln>
-            <a:solidFill>
-              <a:srgbClr val="8BADBD"/>
-            </a:solidFill>
-          </a:ln>
         </p:spPr>
-        <p:style>
-          <a:lnRef idx="2">
-            <a:schemeClr val="accent4"/>
-          </a:lnRef>
-          <a:fillRef idx="1">
-            <a:schemeClr val="lt1"/>
-          </a:fillRef>
-          <a:effectRef idx="0">
-            <a:schemeClr val="accent4"/>
-          </a:effectRef>
-          <a:fontRef idx="minor">
-            <a:schemeClr val="dk1"/>
-          </a:fontRef>
-        </p:style>
         <p:txBody>
-          <a:bodyPr wrap="square" rtlCol="0">
-            <a:spAutoFit/>
+          <a:bodyPr>
+            <a:normAutofit/>
           </a:bodyPr>
           <a:lstStyle/>
           <a:p>
-            <a:endParaRPr lang="en-US" sz="1400" dirty="0" smtClean="0">
-              <a:latin typeface="Consolas" pitchFamily="49" charset="0"/>
-              <a:cs typeface="Consolas" pitchFamily="49" charset="0"/>
-            </a:endParaRPr>
-          </a:p>
-          <a:p>
-            <a:r>
-              <a:rPr lang="en-US" sz="1400" dirty="0" smtClean="0">
-                <a:latin typeface="Consolas" pitchFamily="49" charset="0"/>
-                <a:cs typeface="Consolas" pitchFamily="49" charset="0"/>
-              </a:rPr>
-              <a:t> // SAGA: Job Submission example</a:t>
-            </a:r>
-          </a:p>
-          <a:p>
-            <a:endParaRPr lang="en-US" sz="1400" dirty="0" smtClean="0">
-              <a:latin typeface="Consolas" pitchFamily="49" charset="0"/>
-              <a:cs typeface="Consolas" pitchFamily="49" charset="0"/>
-            </a:endParaRPr>
-          </a:p>
-          <a:p>
-            <a:r>
-              <a:rPr lang="en-US" sz="1400" dirty="0" smtClean="0">
-                <a:latin typeface="Consolas" pitchFamily="49" charset="0"/>
-                <a:cs typeface="Consolas" pitchFamily="49" charset="0"/>
-              </a:rPr>
-              <a:t> saga::job::description </a:t>
-            </a:r>
-            <a:r>
-              <a:rPr lang="en-US" sz="1400" dirty="0" err="1" smtClean="0">
-                <a:latin typeface="Consolas" pitchFamily="49" charset="0"/>
-                <a:cs typeface="Consolas" pitchFamily="49" charset="0"/>
-              </a:rPr>
-              <a:t>jd</a:t>
-            </a:r>
-            <a:r>
-              <a:rPr lang="en-US" sz="1400" dirty="0" smtClean="0">
-                <a:latin typeface="Consolas" pitchFamily="49" charset="0"/>
-                <a:cs typeface="Consolas" pitchFamily="49" charset="0"/>
-              </a:rPr>
-              <a:t>; </a:t>
-            </a:r>
-          </a:p>
-          <a:p>
-            <a:r>
-              <a:rPr lang="en-US" sz="1400" dirty="0" smtClean="0">
-                <a:latin typeface="Consolas" pitchFamily="49" charset="0"/>
-                <a:cs typeface="Consolas" pitchFamily="49" charset="0"/>
-              </a:rPr>
-              <a:t> // details left out </a:t>
-            </a:r>
-          </a:p>
-          <a:p>
-            <a:endParaRPr lang="en-US" sz="1400" dirty="0" smtClean="0">
-              <a:latin typeface="Consolas" pitchFamily="49" charset="0"/>
-              <a:cs typeface="Consolas" pitchFamily="49" charset="0"/>
-            </a:endParaRPr>
-          </a:p>
-          <a:p>
-            <a:r>
-              <a:rPr lang="en-US" sz="1400" dirty="0" smtClean="0">
-                <a:latin typeface="Consolas" pitchFamily="49" charset="0"/>
-                <a:cs typeface="Consolas" pitchFamily="49" charset="0"/>
-              </a:rPr>
-              <a:t> saga::job::service </a:t>
-            </a:r>
-            <a:r>
-              <a:rPr lang="en-US" sz="1400" dirty="0" err="1" smtClean="0">
-                <a:latin typeface="Consolas" pitchFamily="49" charset="0"/>
-                <a:cs typeface="Consolas" pitchFamily="49" charset="0"/>
-              </a:rPr>
-              <a:t>js</a:t>
-            </a:r>
-            <a:r>
-              <a:rPr lang="en-US" sz="1400" dirty="0" smtClean="0">
-                <a:latin typeface="Consolas" pitchFamily="49" charset="0"/>
-                <a:cs typeface="Consolas" pitchFamily="49" charset="0"/>
-              </a:rPr>
-              <a:t> ("any://remote.host.net/"); </a:t>
-            </a:r>
-          </a:p>
-          <a:p>
-            <a:r>
-              <a:rPr lang="en-US" sz="1400" dirty="0" smtClean="0">
-                <a:latin typeface="Consolas" pitchFamily="49" charset="0"/>
-                <a:cs typeface="Consolas" pitchFamily="49" charset="0"/>
-              </a:rPr>
-              <a:t> saga::job::job     j = </a:t>
-            </a:r>
-            <a:r>
-              <a:rPr lang="en-US" sz="1400" dirty="0" err="1" smtClean="0">
-                <a:latin typeface="Consolas" pitchFamily="49" charset="0"/>
-                <a:cs typeface="Consolas" pitchFamily="49" charset="0"/>
-              </a:rPr>
-              <a:t>js.create_job</a:t>
-            </a:r>
-            <a:r>
-              <a:rPr lang="en-US" sz="1400" dirty="0" smtClean="0">
-                <a:latin typeface="Consolas" pitchFamily="49" charset="0"/>
-                <a:cs typeface="Consolas" pitchFamily="49" charset="0"/>
-              </a:rPr>
-              <a:t> (</a:t>
-            </a:r>
-            <a:r>
-              <a:rPr lang="en-US" sz="1400" dirty="0" err="1" smtClean="0">
-                <a:latin typeface="Consolas" pitchFamily="49" charset="0"/>
-                <a:cs typeface="Consolas" pitchFamily="49" charset="0"/>
-              </a:rPr>
-              <a:t>jd</a:t>
-            </a:r>
-            <a:r>
-              <a:rPr lang="en-US" sz="1400" dirty="0" smtClean="0">
-                <a:latin typeface="Consolas" pitchFamily="49" charset="0"/>
-                <a:cs typeface="Consolas" pitchFamily="49" charset="0"/>
-              </a:rPr>
-              <a:t>); </a:t>
-            </a:r>
-          </a:p>
-          <a:p>
-            <a:endParaRPr lang="en-US" sz="1400" dirty="0" smtClean="0">
-              <a:latin typeface="Consolas" pitchFamily="49" charset="0"/>
-              <a:cs typeface="Consolas" pitchFamily="49" charset="0"/>
-            </a:endParaRPr>
-          </a:p>
-          <a:p>
-            <a:r>
-              <a:rPr lang="en-US" sz="1400" dirty="0" smtClean="0">
-                <a:latin typeface="Consolas" pitchFamily="49" charset="0"/>
-                <a:cs typeface="Consolas" pitchFamily="49" charset="0"/>
-              </a:rPr>
-              <a:t> </a:t>
-            </a:r>
-            <a:r>
-              <a:rPr lang="en-US" sz="1400" dirty="0" err="1" smtClean="0">
-                <a:latin typeface="Consolas" pitchFamily="49" charset="0"/>
-                <a:cs typeface="Consolas" pitchFamily="49" charset="0"/>
-              </a:rPr>
-              <a:t>j.run</a:t>
-            </a:r>
-            <a:r>
-              <a:rPr lang="en-US" sz="1400" dirty="0" smtClean="0">
-                <a:latin typeface="Consolas" pitchFamily="49" charset="0"/>
-                <a:cs typeface="Consolas" pitchFamily="49" charset="0"/>
-              </a:rPr>
-              <a:t> (); </a:t>
-            </a:r>
-          </a:p>
-          <a:p>
-            <a:endParaRPr lang="en-US" sz="1400" dirty="0" smtClean="0">
-              <a:latin typeface="Consolas" pitchFamily="49" charset="0"/>
-              <a:cs typeface="Consolas" pitchFamily="49" charset="0"/>
-            </a:endParaRPr>
-          </a:p>
-          <a:p>
-            <a:r>
-              <a:rPr lang="en-US" sz="1400" dirty="0" smtClean="0">
-                <a:latin typeface="Consolas" pitchFamily="49" charset="0"/>
-                <a:cs typeface="Consolas" pitchFamily="49" charset="0"/>
-              </a:rPr>
-              <a:t> </a:t>
-            </a:r>
-            <a:r>
-              <a:rPr lang="en-US" sz="1400" dirty="0" err="1" smtClean="0">
-                <a:latin typeface="Consolas" pitchFamily="49" charset="0"/>
-                <a:cs typeface="Consolas" pitchFamily="49" charset="0"/>
-              </a:rPr>
-              <a:t>cout</a:t>
-            </a:r>
-            <a:r>
-              <a:rPr lang="en-US" sz="1400" dirty="0" smtClean="0">
-                <a:latin typeface="Consolas" pitchFamily="49" charset="0"/>
-                <a:cs typeface="Consolas" pitchFamily="49" charset="0"/>
-              </a:rPr>
-              <a:t> &lt;&lt; "Job State: " &lt;&lt; </a:t>
-            </a:r>
-            <a:r>
-              <a:rPr lang="en-US" sz="1400" dirty="0" err="1" smtClean="0">
-                <a:latin typeface="Consolas" pitchFamily="49" charset="0"/>
-                <a:cs typeface="Consolas" pitchFamily="49" charset="0"/>
-              </a:rPr>
-              <a:t>j.get_state</a:t>
-            </a:r>
-            <a:r>
-              <a:rPr lang="en-US" sz="1400" dirty="0" smtClean="0">
-                <a:latin typeface="Consolas" pitchFamily="49" charset="0"/>
-                <a:cs typeface="Consolas" pitchFamily="49" charset="0"/>
-              </a:rPr>
-              <a:t> () &lt;&lt; </a:t>
-            </a:r>
-            <a:r>
-              <a:rPr lang="en-US" sz="1400" dirty="0" err="1" smtClean="0">
-                <a:latin typeface="Consolas" pitchFamily="49" charset="0"/>
-                <a:cs typeface="Consolas" pitchFamily="49" charset="0"/>
-              </a:rPr>
-              <a:t>endl</a:t>
-            </a:r>
-            <a:r>
-              <a:rPr lang="en-US" sz="1400" dirty="0" smtClean="0">
-                <a:latin typeface="Consolas" pitchFamily="49" charset="0"/>
-                <a:cs typeface="Consolas" pitchFamily="49" charset="0"/>
-              </a:rPr>
-              <a:t>; </a:t>
-            </a:r>
-          </a:p>
-          <a:p>
-            <a:endParaRPr lang="en-US" sz="1400" dirty="0" smtClean="0">
-              <a:latin typeface="Consolas" pitchFamily="49" charset="0"/>
-              <a:cs typeface="Consolas" pitchFamily="49" charset="0"/>
-            </a:endParaRPr>
-          </a:p>
-          <a:p>
-            <a:r>
-              <a:rPr lang="en-US" sz="1400" dirty="0" smtClean="0">
-                <a:latin typeface="Consolas" pitchFamily="49" charset="0"/>
-                <a:cs typeface="Consolas" pitchFamily="49" charset="0"/>
-              </a:rPr>
-              <a:t> </a:t>
-            </a:r>
-            <a:r>
-              <a:rPr lang="en-US" sz="1400" dirty="0" err="1" smtClean="0">
-                <a:latin typeface="Consolas" pitchFamily="49" charset="0"/>
-                <a:cs typeface="Consolas" pitchFamily="49" charset="0"/>
-              </a:rPr>
-              <a:t>j.wait</a:t>
-            </a:r>
-            <a:r>
-              <a:rPr lang="en-US" sz="1400" dirty="0" smtClean="0">
-                <a:latin typeface="Consolas" pitchFamily="49" charset="0"/>
-                <a:cs typeface="Consolas" pitchFamily="49" charset="0"/>
-              </a:rPr>
-              <a:t> (); </a:t>
-            </a:r>
-          </a:p>
-          <a:p>
-            <a:endParaRPr lang="en-US" sz="1400" dirty="0" smtClean="0">
-              <a:latin typeface="Consolas" pitchFamily="49" charset="0"/>
-              <a:cs typeface="Consolas" pitchFamily="49" charset="0"/>
-            </a:endParaRPr>
-          </a:p>
-          <a:p>
-            <a:r>
-              <a:rPr lang="en-US" sz="1400" dirty="0" smtClean="0">
-                <a:latin typeface="Consolas" pitchFamily="49" charset="0"/>
-                <a:cs typeface="Consolas" pitchFamily="49" charset="0"/>
-              </a:rPr>
-              <a:t> </a:t>
-            </a:r>
-            <a:r>
-              <a:rPr lang="en-US" sz="1400" dirty="0" err="1" smtClean="0">
-                <a:latin typeface="Consolas" pitchFamily="49" charset="0"/>
-                <a:cs typeface="Consolas" pitchFamily="49" charset="0"/>
-              </a:rPr>
-              <a:t>cout</a:t>
-            </a:r>
-            <a:r>
-              <a:rPr lang="en-US" sz="1400" dirty="0" smtClean="0">
-                <a:latin typeface="Consolas" pitchFamily="49" charset="0"/>
-                <a:cs typeface="Consolas" pitchFamily="49" charset="0"/>
-              </a:rPr>
-              <a:t> &lt;&lt; "</a:t>
-            </a:r>
-            <a:r>
-              <a:rPr lang="en-US" sz="1400" dirty="0" err="1" smtClean="0">
-                <a:latin typeface="Consolas" pitchFamily="49" charset="0"/>
-                <a:cs typeface="Consolas" pitchFamily="49" charset="0"/>
-              </a:rPr>
-              <a:t>Retval</a:t>
-            </a:r>
-            <a:r>
-              <a:rPr lang="en-US" sz="1400" dirty="0" smtClean="0">
-                <a:latin typeface="Consolas" pitchFamily="49" charset="0"/>
-                <a:cs typeface="Consolas" pitchFamily="49" charset="0"/>
-              </a:rPr>
-              <a:t> " &lt;&lt; </a:t>
-            </a:r>
-            <a:r>
-              <a:rPr lang="en-US" sz="1400" dirty="0" err="1" smtClean="0">
-                <a:latin typeface="Consolas" pitchFamily="49" charset="0"/>
-                <a:cs typeface="Consolas" pitchFamily="49" charset="0"/>
-              </a:rPr>
-              <a:t>j.get_attribute</a:t>
-            </a:r>
-            <a:r>
-              <a:rPr lang="en-US" sz="1400" dirty="0" smtClean="0">
-                <a:latin typeface="Consolas" pitchFamily="49" charset="0"/>
-                <a:cs typeface="Consolas" pitchFamily="49" charset="0"/>
-              </a:rPr>
-              <a:t> ("</a:t>
-            </a:r>
-            <a:r>
-              <a:rPr lang="en-US" sz="1400" dirty="0" err="1" smtClean="0">
-                <a:latin typeface="Consolas" pitchFamily="49" charset="0"/>
-                <a:cs typeface="Consolas" pitchFamily="49" charset="0"/>
-              </a:rPr>
-              <a:t>ExitCode</a:t>
-            </a:r>
-            <a:r>
-              <a:rPr lang="en-US" sz="1400" dirty="0" smtClean="0">
-                <a:latin typeface="Consolas" pitchFamily="49" charset="0"/>
-                <a:cs typeface="Consolas" pitchFamily="49" charset="0"/>
-              </a:rPr>
-              <a:t>") &lt;&lt; </a:t>
-            </a:r>
-            <a:r>
-              <a:rPr lang="en-US" sz="1400" dirty="0" err="1" smtClean="0">
-                <a:latin typeface="Consolas" pitchFamily="49" charset="0"/>
-                <a:cs typeface="Consolas" pitchFamily="49" charset="0"/>
-              </a:rPr>
-              <a:t>endl</a:t>
-            </a:r>
-            <a:r>
-              <a:rPr lang="en-US" sz="1400" dirty="0" smtClean="0">
-                <a:latin typeface="Consolas" pitchFamily="49" charset="0"/>
-                <a:cs typeface="Consolas" pitchFamily="49" charset="0"/>
-              </a:rPr>
-              <a:t>;</a:t>
-            </a:r>
-          </a:p>
-          <a:p>
-            <a:endParaRPr lang="en-US" sz="1400" dirty="0">
-              <a:latin typeface="Consolas" pitchFamily="49" charset="0"/>
-              <a:cs typeface="Consolas" pitchFamily="49" charset="0"/>
-            </a:endParaRPr>
+            <a:r>
+              <a:rPr lang="en-US" dirty="0" smtClean="0"/>
+              <a:t>OGF focuses on services </a:t>
+            </a:r>
+          </a:p>
+          <a:p>
+            <a:r>
+              <a:rPr lang="en-US" dirty="0" smtClean="0"/>
+              <a:t>numerous service interfaces</a:t>
+            </a:r>
+          </a:p>
+          <a:p>
+            <a:pPr lvl="1"/>
+            <a:r>
+              <a:rPr lang="en-US" dirty="0" smtClean="0"/>
+              <a:t>often WS-based, but also REST, others</a:t>
+            </a:r>
+          </a:p>
+          <a:p>
+            <a:r>
+              <a:rPr lang="en-US" dirty="0" smtClean="0"/>
+              <a:t>some </a:t>
+            </a:r>
+            <a:r>
+              <a:rPr lang="en-US" dirty="0" smtClean="0"/>
+              <a:t>effort on higher level APIs </a:t>
+            </a:r>
+          </a:p>
+          <a:p>
+            <a:pPr lvl="1"/>
+            <a:r>
+              <a:rPr lang="en-US" dirty="0" smtClean="0"/>
+              <a:t>Distributed Resource Management Application API (DRMAA) </a:t>
+            </a:r>
+          </a:p>
+          <a:p>
+            <a:pPr lvl="1"/>
+            <a:r>
+              <a:rPr lang="en-US" dirty="0" smtClean="0"/>
+              <a:t>Remote Procedure Calls (</a:t>
+            </a:r>
+            <a:r>
+              <a:rPr lang="en-US" dirty="0" err="1" smtClean="0"/>
+              <a:t>GridRPC</a:t>
+            </a:r>
+            <a:r>
+              <a:rPr lang="en-US" dirty="0" smtClean="0"/>
+              <a:t>) </a:t>
+            </a:r>
+          </a:p>
+          <a:p>
+            <a:pPr lvl="1"/>
+            <a:r>
+              <a:rPr lang="en-US" dirty="0" smtClean="0"/>
+              <a:t>Checkpoint and Recovery (</a:t>
+            </a:r>
+            <a:r>
+              <a:rPr lang="en-US" dirty="0" err="1" smtClean="0"/>
+              <a:t>GridCPR</a:t>
+            </a:r>
+            <a:r>
+              <a:rPr lang="en-US" dirty="0" smtClean="0"/>
+              <a:t>) </a:t>
+            </a:r>
+          </a:p>
+          <a:p>
+            <a:pPr lvl="1"/>
+            <a:r>
+              <a:rPr lang="en-US" dirty="0" smtClean="0"/>
+              <a:t>[ Job </a:t>
+            </a:r>
+            <a:r>
+              <a:rPr lang="en-US" dirty="0" smtClean="0"/>
+              <a:t>Submission and Description Language (JSDL</a:t>
+            </a:r>
+            <a:r>
+              <a:rPr lang="en-US" dirty="0" smtClean="0"/>
+              <a:t>) ] </a:t>
+            </a:r>
+            <a:endParaRPr lang="en-US" dirty="0" smtClean="0"/>
           </a:p>
         </p:txBody>
       </p:sp>
     </p:spTree>
+    <p:extLst>
+      <p:ext uri="{BB962C8B-B14F-4D97-AF65-F5344CB8AC3E}">
+        <p14:creationId xmlns:p14="http://schemas.microsoft.com/office/powerpoint/2010/main" val="2668736708"/>
+      </p:ext>
+    </p:extLst>
   </p:cSld>
   <p:clrMapOvr>
     <a:masterClrMapping/>
@@ -18114,7 +21640,7 @@
           <a:p>
             <a:r>
               <a:rPr lang="en-US" dirty="0" smtClean="0"/>
-              <a:t>SAGA Intro: Example 2’</a:t>
+              <a:t>OGF: DRMAA</a:t>
             </a:r>
             <a:endParaRPr lang="en-US" dirty="0"/>
           </a:p>
@@ -18122,361 +21648,82 @@
       </p:sp>
       <p:sp>
         <p:nvSpPr>
-          <p:cNvPr id="4" name="TextBox 3"/>
-          <p:cNvSpPr txBox="1"/>
-          <p:nvPr/>
+          <p:cNvPr id="3" name="Content Placeholder 2"/>
+          <p:cNvSpPr>
+            <a:spLocks noGrp="1"/>
+          </p:cNvSpPr>
+          <p:nvPr>
+            <p:ph idx="1"/>
+          </p:nvPr>
         </p:nvSpPr>
-        <p:spPr>
-          <a:xfrm>
-            <a:off x="946859" y="2164665"/>
-            <a:ext cx="7966954" cy="3754874"/>
-          </a:xfrm>
-          <a:prstGeom prst="rect">
-            <a:avLst/>
-          </a:prstGeom>
-          <a:solidFill>
-            <a:srgbClr val="D7D9CD"/>
-          </a:solidFill>
-          <a:ln>
-            <a:solidFill>
-              <a:srgbClr val="8BADBD"/>
-            </a:solidFill>
-          </a:ln>
-        </p:spPr>
-        <p:style>
-          <a:lnRef idx="2">
-            <a:schemeClr val="accent4"/>
-          </a:lnRef>
-          <a:fillRef idx="1">
-            <a:schemeClr val="lt1"/>
-          </a:fillRef>
-          <a:effectRef idx="0">
-            <a:schemeClr val="accent4"/>
-          </a:effectRef>
-          <a:fontRef idx="minor">
-            <a:schemeClr val="dk1"/>
-          </a:fontRef>
-        </p:style>
+        <p:spPr/>
         <p:txBody>
-          <a:bodyPr wrap="square" rtlCol="0">
-            <a:spAutoFit/>
-          </a:bodyPr>
+          <a:bodyPr/>
           <a:lstStyle/>
           <a:p>
-            <a:endParaRPr lang="en-US" sz="1400" dirty="0" smtClean="0">
-              <a:latin typeface="Consolas" pitchFamily="49" charset="0"/>
-              <a:cs typeface="Consolas" pitchFamily="49" charset="0"/>
-            </a:endParaRPr>
-          </a:p>
-          <a:p>
-            <a:r>
-              <a:rPr lang="en-US" sz="1400" dirty="0" smtClean="0">
-                <a:latin typeface="Consolas" pitchFamily="49" charset="0"/>
-                <a:cs typeface="Consolas" pitchFamily="49" charset="0"/>
-              </a:rPr>
-              <a:t> // SAGA: Job Submission example</a:t>
-            </a:r>
-          </a:p>
-          <a:p>
-            <a:endParaRPr lang="en-US" sz="1400" dirty="0" smtClean="0">
-              <a:latin typeface="Consolas" pitchFamily="49" charset="0"/>
-              <a:cs typeface="Consolas" pitchFamily="49" charset="0"/>
-            </a:endParaRPr>
-          </a:p>
-          <a:p>
-            <a:endParaRPr lang="en-US" sz="1400" dirty="0" smtClean="0">
-              <a:latin typeface="Consolas" pitchFamily="49" charset="0"/>
-              <a:cs typeface="Consolas" pitchFamily="49" charset="0"/>
-            </a:endParaRPr>
-          </a:p>
-          <a:p>
-            <a:endParaRPr lang="en-US" sz="1400" dirty="0" smtClean="0">
-              <a:latin typeface="Consolas" pitchFamily="49" charset="0"/>
-              <a:cs typeface="Consolas" pitchFamily="49" charset="0"/>
-            </a:endParaRPr>
-          </a:p>
-          <a:p>
-            <a:endParaRPr lang="en-US" sz="1400" dirty="0" smtClean="0">
-              <a:latin typeface="Consolas" pitchFamily="49" charset="0"/>
-              <a:cs typeface="Consolas" pitchFamily="49" charset="0"/>
-            </a:endParaRPr>
-          </a:p>
-          <a:p>
-            <a:r>
-              <a:rPr lang="en-US" sz="1400" dirty="0" smtClean="0">
-                <a:latin typeface="Consolas" pitchFamily="49" charset="0"/>
-                <a:cs typeface="Consolas" pitchFamily="49" charset="0"/>
-              </a:rPr>
-              <a:t> saga::job::service </a:t>
-            </a:r>
-            <a:r>
-              <a:rPr lang="en-US" sz="1400" dirty="0" err="1" smtClean="0">
-                <a:latin typeface="Consolas" pitchFamily="49" charset="0"/>
-                <a:cs typeface="Consolas" pitchFamily="49" charset="0"/>
-              </a:rPr>
-              <a:t>js</a:t>
-            </a:r>
-            <a:r>
-              <a:rPr lang="en-US" sz="1400" dirty="0" smtClean="0">
-                <a:latin typeface="Consolas" pitchFamily="49" charset="0"/>
-                <a:cs typeface="Consolas" pitchFamily="49" charset="0"/>
-              </a:rPr>
-              <a:t> ("any://</a:t>
-            </a:r>
-            <a:r>
-              <a:rPr lang="en-US" sz="1400" dirty="0" err="1" smtClean="0">
-                <a:latin typeface="Consolas" pitchFamily="49" charset="0"/>
-                <a:cs typeface="Consolas" pitchFamily="49" charset="0"/>
-              </a:rPr>
-              <a:t>remote.host.net</a:t>
-            </a:r>
-            <a:r>
-              <a:rPr lang="en-US" sz="1400" dirty="0" smtClean="0">
-                <a:latin typeface="Consolas" pitchFamily="49" charset="0"/>
-                <a:cs typeface="Consolas" pitchFamily="49" charset="0"/>
-              </a:rPr>
-              <a:t>"); </a:t>
-            </a:r>
-          </a:p>
-          <a:p>
-            <a:r>
-              <a:rPr lang="en-US" sz="1400" dirty="0" smtClean="0">
-                <a:latin typeface="Consolas" pitchFamily="49" charset="0"/>
-                <a:cs typeface="Consolas" pitchFamily="49" charset="0"/>
-              </a:rPr>
-              <a:t> saga::job::job     j = </a:t>
-            </a:r>
-            <a:r>
-              <a:rPr lang="en-US" sz="1400" dirty="0" err="1" smtClean="0">
-                <a:latin typeface="Consolas" pitchFamily="49" charset="0"/>
-                <a:cs typeface="Consolas" pitchFamily="49" charset="0"/>
-              </a:rPr>
-              <a:t>js.run_job</a:t>
-            </a:r>
-            <a:r>
-              <a:rPr lang="en-US" sz="1400" dirty="0" smtClean="0">
-                <a:latin typeface="Consolas" pitchFamily="49" charset="0"/>
-                <a:cs typeface="Consolas" pitchFamily="49" charset="0"/>
-              </a:rPr>
-              <a:t> ("touch /</a:t>
-            </a:r>
-            <a:r>
-              <a:rPr lang="en-US" sz="1400" dirty="0" err="1" smtClean="0">
-                <a:latin typeface="Consolas" pitchFamily="49" charset="0"/>
-                <a:cs typeface="Consolas" pitchFamily="49" charset="0"/>
-              </a:rPr>
-              <a:t>tmp/touch.me</a:t>
-            </a:r>
-            <a:r>
-              <a:rPr lang="en-US" sz="1400" dirty="0" smtClean="0">
-                <a:latin typeface="Consolas" pitchFamily="49" charset="0"/>
-                <a:cs typeface="Consolas" pitchFamily="49" charset="0"/>
-              </a:rPr>
-              <a:t>");</a:t>
-            </a:r>
-          </a:p>
-          <a:p>
-            <a:endParaRPr lang="en-US" sz="1400" dirty="0" smtClean="0">
-              <a:latin typeface="Consolas" pitchFamily="49" charset="0"/>
-              <a:cs typeface="Consolas" pitchFamily="49" charset="0"/>
-            </a:endParaRPr>
-          </a:p>
-          <a:p>
-            <a:r>
-              <a:rPr lang="en-US" sz="1400" dirty="0" smtClean="0">
-                <a:latin typeface="Consolas" pitchFamily="49" charset="0"/>
-                <a:cs typeface="Consolas" pitchFamily="49" charset="0"/>
-              </a:rPr>
-              <a:t> </a:t>
-            </a:r>
-          </a:p>
-          <a:p>
-            <a:endParaRPr lang="en-US" sz="1400" dirty="0" smtClean="0">
-              <a:latin typeface="Consolas" pitchFamily="49" charset="0"/>
-              <a:cs typeface="Consolas" pitchFamily="49" charset="0"/>
-            </a:endParaRPr>
-          </a:p>
-          <a:p>
-            <a:r>
-              <a:rPr lang="en-US" sz="1400" dirty="0" smtClean="0">
-                <a:latin typeface="Consolas" pitchFamily="49" charset="0"/>
-                <a:cs typeface="Consolas" pitchFamily="49" charset="0"/>
-              </a:rPr>
-              <a:t> </a:t>
-            </a:r>
-            <a:r>
-              <a:rPr lang="en-US" sz="1400" dirty="0" err="1" smtClean="0">
-                <a:latin typeface="Consolas" pitchFamily="49" charset="0"/>
-                <a:cs typeface="Consolas" pitchFamily="49" charset="0"/>
-              </a:rPr>
-              <a:t>cout</a:t>
-            </a:r>
-            <a:r>
-              <a:rPr lang="en-US" sz="1400" dirty="0" smtClean="0">
-                <a:latin typeface="Consolas" pitchFamily="49" charset="0"/>
-                <a:cs typeface="Consolas" pitchFamily="49" charset="0"/>
-              </a:rPr>
-              <a:t> &lt;&lt; "Job State: " &lt;&lt; </a:t>
-            </a:r>
-            <a:r>
-              <a:rPr lang="en-US" sz="1400" dirty="0" err="1" smtClean="0">
-                <a:latin typeface="Consolas" pitchFamily="49" charset="0"/>
-                <a:cs typeface="Consolas" pitchFamily="49" charset="0"/>
-              </a:rPr>
-              <a:t>j.get_state</a:t>
-            </a:r>
-            <a:r>
-              <a:rPr lang="en-US" sz="1400" dirty="0" smtClean="0">
-                <a:latin typeface="Consolas" pitchFamily="49" charset="0"/>
-                <a:cs typeface="Consolas" pitchFamily="49" charset="0"/>
-              </a:rPr>
-              <a:t> () &lt;&lt; </a:t>
-            </a:r>
-            <a:r>
-              <a:rPr lang="en-US" sz="1400" dirty="0" err="1" smtClean="0">
-                <a:latin typeface="Consolas" pitchFamily="49" charset="0"/>
-                <a:cs typeface="Consolas" pitchFamily="49" charset="0"/>
-              </a:rPr>
-              <a:t>endl</a:t>
-            </a:r>
-            <a:r>
-              <a:rPr lang="en-US" sz="1400" dirty="0" smtClean="0">
-                <a:latin typeface="Consolas" pitchFamily="49" charset="0"/>
-                <a:cs typeface="Consolas" pitchFamily="49" charset="0"/>
-              </a:rPr>
-              <a:t>; </a:t>
-            </a:r>
-          </a:p>
-          <a:p>
-            <a:endParaRPr lang="en-US" sz="1400" dirty="0" smtClean="0">
-              <a:latin typeface="Consolas" pitchFamily="49" charset="0"/>
-              <a:cs typeface="Consolas" pitchFamily="49" charset="0"/>
-            </a:endParaRPr>
-          </a:p>
-          <a:p>
-            <a:r>
-              <a:rPr lang="en-US" sz="1400" dirty="0" smtClean="0">
-                <a:latin typeface="Consolas" pitchFamily="49" charset="0"/>
-                <a:cs typeface="Consolas" pitchFamily="49" charset="0"/>
-              </a:rPr>
-              <a:t> </a:t>
-            </a:r>
-            <a:r>
-              <a:rPr lang="en-US" sz="1400" dirty="0" err="1" smtClean="0">
-                <a:latin typeface="Consolas" pitchFamily="49" charset="0"/>
-                <a:cs typeface="Consolas" pitchFamily="49" charset="0"/>
-              </a:rPr>
-              <a:t>j.wait</a:t>
-            </a:r>
-            <a:r>
-              <a:rPr lang="en-US" sz="1400" dirty="0" smtClean="0">
-                <a:latin typeface="Consolas" pitchFamily="49" charset="0"/>
-                <a:cs typeface="Consolas" pitchFamily="49" charset="0"/>
-              </a:rPr>
-              <a:t> (); </a:t>
-            </a:r>
-          </a:p>
-          <a:p>
-            <a:endParaRPr lang="en-US" sz="1400" dirty="0" smtClean="0">
-              <a:latin typeface="Consolas" pitchFamily="49" charset="0"/>
-              <a:cs typeface="Consolas" pitchFamily="49" charset="0"/>
-            </a:endParaRPr>
-          </a:p>
-          <a:p>
-            <a:r>
-              <a:rPr lang="en-US" sz="1400" dirty="0" smtClean="0">
-                <a:latin typeface="Consolas" pitchFamily="49" charset="0"/>
-                <a:cs typeface="Consolas" pitchFamily="49" charset="0"/>
-              </a:rPr>
-              <a:t> </a:t>
-            </a:r>
-            <a:r>
-              <a:rPr lang="en-US" sz="1400" dirty="0" err="1" smtClean="0">
-                <a:latin typeface="Consolas" pitchFamily="49" charset="0"/>
-                <a:cs typeface="Consolas" pitchFamily="49" charset="0"/>
-              </a:rPr>
-              <a:t>cout</a:t>
-            </a:r>
-            <a:r>
-              <a:rPr lang="en-US" sz="1400" dirty="0" smtClean="0">
-                <a:latin typeface="Consolas" pitchFamily="49" charset="0"/>
-                <a:cs typeface="Consolas" pitchFamily="49" charset="0"/>
-              </a:rPr>
-              <a:t> &lt;&lt; "</a:t>
-            </a:r>
-            <a:r>
-              <a:rPr lang="en-US" sz="1400" dirty="0" err="1" smtClean="0">
-                <a:latin typeface="Consolas" pitchFamily="49" charset="0"/>
-                <a:cs typeface="Consolas" pitchFamily="49" charset="0"/>
-              </a:rPr>
-              <a:t>Retval</a:t>
-            </a:r>
-            <a:r>
-              <a:rPr lang="en-US" sz="1400" dirty="0" smtClean="0">
-                <a:latin typeface="Consolas" pitchFamily="49" charset="0"/>
-                <a:cs typeface="Consolas" pitchFamily="49" charset="0"/>
-              </a:rPr>
-              <a:t> " &lt;&lt; </a:t>
-            </a:r>
-            <a:r>
-              <a:rPr lang="en-US" sz="1400" dirty="0" err="1" smtClean="0">
-                <a:latin typeface="Consolas" pitchFamily="49" charset="0"/>
-                <a:cs typeface="Consolas" pitchFamily="49" charset="0"/>
-              </a:rPr>
-              <a:t>j.get_attribute</a:t>
-            </a:r>
-            <a:r>
-              <a:rPr lang="en-US" sz="1400" dirty="0" smtClean="0">
-                <a:latin typeface="Consolas" pitchFamily="49" charset="0"/>
-                <a:cs typeface="Consolas" pitchFamily="49" charset="0"/>
-              </a:rPr>
-              <a:t> ("</a:t>
-            </a:r>
-            <a:r>
-              <a:rPr lang="en-US" sz="1400" dirty="0" err="1" smtClean="0">
-                <a:latin typeface="Consolas" pitchFamily="49" charset="0"/>
-                <a:cs typeface="Consolas" pitchFamily="49" charset="0"/>
-              </a:rPr>
-              <a:t>ExitCode</a:t>
-            </a:r>
-            <a:r>
-              <a:rPr lang="en-US" sz="1400" dirty="0" smtClean="0">
-                <a:latin typeface="Consolas" pitchFamily="49" charset="0"/>
-                <a:cs typeface="Consolas" pitchFamily="49" charset="0"/>
-              </a:rPr>
-              <a:t>") &lt;&lt; </a:t>
-            </a:r>
-            <a:r>
-              <a:rPr lang="en-US" sz="1400" dirty="0" err="1" smtClean="0">
-                <a:latin typeface="Consolas" pitchFamily="49" charset="0"/>
-                <a:cs typeface="Consolas" pitchFamily="49" charset="0"/>
-              </a:rPr>
-              <a:t>endl</a:t>
-            </a:r>
-            <a:r>
-              <a:rPr lang="en-US" sz="1400" dirty="0" smtClean="0">
-                <a:latin typeface="Consolas" pitchFamily="49" charset="0"/>
-                <a:cs typeface="Consolas" pitchFamily="49" charset="0"/>
-              </a:rPr>
-              <a:t>;</a:t>
-            </a:r>
-          </a:p>
-          <a:p>
-            <a:r>
-              <a:rPr lang="en-US" sz="1400" dirty="0" smtClean="0">
-                <a:latin typeface="Consolas" pitchFamily="49" charset="0"/>
-                <a:cs typeface="Consolas" pitchFamily="49" charset="0"/>
-              </a:rPr>
-              <a:t> </a:t>
-            </a:r>
-            <a:endParaRPr lang="en-US" sz="1400" dirty="0">
-              <a:latin typeface="Consolas" pitchFamily="49" charset="0"/>
-              <a:cs typeface="Consolas" pitchFamily="49" charset="0"/>
-            </a:endParaRPr>
+            <a:r>
+              <a:rPr lang="en-US" dirty="0" smtClean="0"/>
+              <a:t>implementable on all major resource management services </a:t>
+            </a:r>
+          </a:p>
+          <a:p>
+            <a:r>
+              <a:rPr lang="en-US" dirty="0" smtClean="0"/>
+              <a:t>simple means to define and submit jobs</a:t>
+            </a:r>
+          </a:p>
+          <a:p>
+            <a:r>
+              <a:rPr lang="en-US" dirty="0" smtClean="0"/>
+              <a:t>basic job management features (status, kill) </a:t>
+            </a:r>
+          </a:p>
+          <a:p>
+            <a:r>
+              <a:rPr lang="en-US" dirty="0" smtClean="0"/>
+              <a:t>job templates for bulk job management</a:t>
+            </a:r>
+          </a:p>
+          <a:p>
+            <a:r>
+              <a:rPr lang="en-US" dirty="0" smtClean="0"/>
+              <a:t>DRMAA.v2 is expected by end of </a:t>
+            </a:r>
+            <a:r>
+              <a:rPr lang="en-US" dirty="0" smtClean="0"/>
+              <a:t>2010 (oops) </a:t>
+            </a:r>
+          </a:p>
+          <a:p>
+            <a:pPr lvl="1"/>
+            <a:r>
+              <a:rPr lang="en-US" dirty="0" smtClean="0"/>
+              <a:t>OO</a:t>
+            </a:r>
+          </a:p>
+          <a:p>
+            <a:pPr lvl="1"/>
+            <a:r>
+              <a:rPr lang="en-US" dirty="0" smtClean="0"/>
+              <a:t>extended</a:t>
+            </a:r>
+          </a:p>
+          <a:p>
+            <a:pPr lvl="1"/>
+            <a:r>
+              <a:rPr lang="en-US" dirty="0" smtClean="0"/>
+              <a:t>SAGA aligned !</a:t>
+            </a:r>
+            <a:endParaRPr lang="en-US" dirty="0"/>
           </a:p>
         </p:txBody>
       </p:sp>
     </p:spTree>
+    <p:extLst>
+      <p:ext uri="{BB962C8B-B14F-4D97-AF65-F5344CB8AC3E}">
+        <p14:creationId xmlns:p14="http://schemas.microsoft.com/office/powerpoint/2010/main" val="2379363123"/>
+      </p:ext>
+    </p:extLst>
   </p:cSld>
   <p:clrMapOvr>
     <a:masterClrMapping/>
@@ -18518,7 +21765,7 @@
           <a:p>
             <a:r>
               <a:rPr lang="en-US" dirty="0" smtClean="0"/>
-              <a:t>SAGA Intro: Example 2</a:t>
+              <a:t>DRMAA Example</a:t>
             </a:r>
             <a:endParaRPr lang="en-US" dirty="0"/>
           </a:p>
@@ -18526,63 +21773,513 @@
       </p:sp>
       <p:sp>
         <p:nvSpPr>
-          <p:cNvPr id="3" name="Content Placeholder 2"/>
-          <p:cNvSpPr>
-            <a:spLocks noGrp="1"/>
-          </p:cNvSpPr>
-          <p:nvPr>
-            <p:ph idx="1"/>
-          </p:nvPr>
+          <p:cNvPr id="5" name="TextBox 4"/>
+          <p:cNvSpPr txBox="1"/>
+          <p:nvPr/>
         </p:nvSpPr>
-        <p:spPr/>
+        <p:spPr>
+          <a:xfrm>
+            <a:off x="946859" y="2165812"/>
+            <a:ext cx="7966954" cy="4401205"/>
+          </a:xfrm>
+          <a:prstGeom prst="rect">
+            <a:avLst/>
+          </a:prstGeom>
+          <a:solidFill>
+            <a:srgbClr val="D7D9CD"/>
+          </a:solidFill>
+          <a:ln>
+            <a:solidFill>
+              <a:srgbClr val="8BADBD"/>
+            </a:solidFill>
+          </a:ln>
+        </p:spPr>
+        <p:style>
+          <a:lnRef idx="2">
+            <a:schemeClr val="accent4"/>
+          </a:lnRef>
+          <a:fillRef idx="1">
+            <a:schemeClr val="lt1"/>
+          </a:fillRef>
+          <a:effectRef idx="0">
+            <a:schemeClr val="accent4"/>
+          </a:effectRef>
+          <a:fontRef idx="minor">
+            <a:schemeClr val="dk1"/>
+          </a:fontRef>
+        </p:style>
         <p:txBody>
-          <a:bodyPr/>
+          <a:bodyPr wrap="square" rtlCol="0">
+            <a:spAutoFit/>
+          </a:bodyPr>
           <a:lstStyle/>
           <a:p>
-            <a:r>
-              <a:rPr lang="en-US" dirty="0" err="1" smtClean="0"/>
-              <a:t>stateful</a:t>
-            </a:r>
-            <a:r>
-              <a:rPr lang="en-US" dirty="0" smtClean="0"/>
-              <a:t> objects! </a:t>
-            </a:r>
-          </a:p>
-          <a:p>
-            <a:r>
-              <a:rPr lang="en-US" dirty="0" smtClean="0"/>
-              <a:t>yet another job description language? :-( </a:t>
-            </a:r>
-          </a:p>
-          <a:p>
-            <a:r>
-              <a:rPr lang="en-US" dirty="0" smtClean="0"/>
-              <a:t>many hidden/default parameters </a:t>
-            </a:r>
-          </a:p>
-          <a:p>
-            <a:pPr lvl="1"/>
-            <a:r>
-              <a:rPr lang="en-US" dirty="0" smtClean="0"/>
-              <a:t>keeps call signatures small</a:t>
-            </a:r>
-          </a:p>
-          <a:p>
-            <a:r>
-              <a:rPr lang="en-US" dirty="0" smtClean="0"/>
-              <a:t>’any://’ again! </a:t>
-            </a:r>
-          </a:p>
-          <a:p>
-            <a:r>
-              <a:rPr lang="en-US" dirty="0" smtClean="0"/>
-              <a:t>TIMTOWTDI (there is more than one way to do it) </a:t>
-            </a:r>
-            <a:endParaRPr lang="en-US" dirty="0"/>
+            <a:pPr>
+              <a:buNone/>
+            </a:pPr>
+            <a:endParaRPr lang="en-US" sz="1400" dirty="0" smtClean="0">
+              <a:latin typeface="Consolas" pitchFamily="49" charset="0"/>
+              <a:cs typeface="Consolas" pitchFamily="49" charset="0"/>
+            </a:endParaRPr>
+          </a:p>
+          <a:p>
+            <a:pPr>
+              <a:buNone/>
+            </a:pPr>
+            <a:r>
+              <a:rPr lang="en-US" sz="1400" dirty="0" smtClean="0">
+                <a:latin typeface="Consolas" pitchFamily="49" charset="0"/>
+                <a:cs typeface="Consolas" pitchFamily="49" charset="0"/>
+              </a:rPr>
+              <a:t> </a:t>
+            </a:r>
+            <a:r>
+              <a:rPr lang="en-US" sz="1400" dirty="0" err="1" smtClean="0">
+                <a:latin typeface="Consolas" pitchFamily="49" charset="0"/>
+                <a:cs typeface="Consolas" pitchFamily="49" charset="0"/>
+              </a:rPr>
+              <a:t>drmaa_job_template_t</a:t>
+            </a:r>
+            <a:r>
+              <a:rPr lang="en-US" sz="1400" dirty="0" smtClean="0">
+                <a:latin typeface="Consolas" pitchFamily="49" charset="0"/>
+                <a:cs typeface="Consolas" pitchFamily="49" charset="0"/>
+              </a:rPr>
+              <a:t> * </a:t>
+            </a:r>
+            <a:r>
+              <a:rPr lang="en-US" sz="1400" dirty="0" err="1" smtClean="0">
+                <a:latin typeface="Consolas" pitchFamily="49" charset="0"/>
+                <a:cs typeface="Consolas" pitchFamily="49" charset="0"/>
+              </a:rPr>
+              <a:t>job_template</a:t>
+            </a:r>
+            <a:r>
+              <a:rPr lang="en-US" sz="1400" dirty="0" smtClean="0">
+                <a:latin typeface="Consolas" pitchFamily="49" charset="0"/>
+                <a:cs typeface="Consolas" pitchFamily="49" charset="0"/>
+              </a:rPr>
+              <a:t>;</a:t>
+            </a:r>
+          </a:p>
+          <a:p>
+            <a:pPr>
+              <a:buNone/>
+            </a:pPr>
+            <a:endParaRPr lang="en-US" sz="1400" dirty="0" smtClean="0">
+              <a:latin typeface="Consolas" pitchFamily="49" charset="0"/>
+              <a:cs typeface="Consolas" pitchFamily="49" charset="0"/>
+            </a:endParaRPr>
+          </a:p>
+          <a:p>
+            <a:pPr>
+              <a:buNone/>
+            </a:pPr>
+            <a:r>
+              <a:rPr lang="en-US" sz="1400" dirty="0" smtClean="0">
+                <a:latin typeface="Consolas" pitchFamily="49" charset="0"/>
+                <a:cs typeface="Consolas" pitchFamily="49" charset="0"/>
+              </a:rPr>
+              <a:t> if ( ! ( </a:t>
+            </a:r>
+            <a:r>
+              <a:rPr lang="en-US" sz="1400" dirty="0" err="1" smtClean="0">
+                <a:latin typeface="Consolas" pitchFamily="49" charset="0"/>
+                <a:cs typeface="Consolas" pitchFamily="49" charset="0"/>
+              </a:rPr>
+              <a:t>job_template</a:t>
+            </a:r>
+            <a:r>
+              <a:rPr lang="en-US" sz="1400" dirty="0" smtClean="0">
+                <a:latin typeface="Consolas" pitchFamily="49" charset="0"/>
+                <a:cs typeface="Consolas" pitchFamily="49" charset="0"/>
+              </a:rPr>
+              <a:t> = </a:t>
+            </a:r>
+            <a:r>
+              <a:rPr lang="en-US" sz="1400" dirty="0" err="1" smtClean="0">
+                <a:latin typeface="Consolas" pitchFamily="49" charset="0"/>
+                <a:cs typeface="Consolas" pitchFamily="49" charset="0"/>
+              </a:rPr>
+              <a:t>create_job_template</a:t>
+            </a:r>
+            <a:r>
+              <a:rPr lang="en-US" sz="1400" dirty="0" smtClean="0">
+                <a:latin typeface="Consolas" pitchFamily="49" charset="0"/>
+                <a:cs typeface="Consolas" pitchFamily="49" charset="0"/>
+              </a:rPr>
+              <a:t> (exe, 5, 0) ) )</a:t>
+            </a:r>
+          </a:p>
+          <a:p>
+            <a:pPr>
+              <a:buNone/>
+            </a:pPr>
+            <a:r>
+              <a:rPr lang="en-US" sz="1400" dirty="0" smtClean="0">
+                <a:latin typeface="Consolas" pitchFamily="49" charset="0"/>
+                <a:cs typeface="Consolas" pitchFamily="49" charset="0"/>
+              </a:rPr>
+              <a:t> {</a:t>
+            </a:r>
+          </a:p>
+          <a:p>
+            <a:pPr>
+              <a:buNone/>
+            </a:pPr>
+            <a:r>
+              <a:rPr lang="en-US" sz="1400" dirty="0" smtClean="0">
+                <a:latin typeface="Consolas" pitchFamily="49" charset="0"/>
+                <a:cs typeface="Consolas" pitchFamily="49" charset="0"/>
+              </a:rPr>
+              <a:t>   </a:t>
+            </a:r>
+            <a:r>
+              <a:rPr lang="en-US" sz="1400" dirty="0" err="1" smtClean="0">
+                <a:latin typeface="Consolas" pitchFamily="49" charset="0"/>
+                <a:cs typeface="Consolas" pitchFamily="49" charset="0"/>
+              </a:rPr>
+              <a:t>fprintf</a:t>
+            </a:r>
+            <a:r>
+              <a:rPr lang="en-US" sz="1400" dirty="0" smtClean="0">
+                <a:latin typeface="Consolas" pitchFamily="49" charset="0"/>
+                <a:cs typeface="Consolas" pitchFamily="49" charset="0"/>
+              </a:rPr>
+              <a:t> (</a:t>
+            </a:r>
+            <a:r>
+              <a:rPr lang="en-US" sz="1400" dirty="0" err="1" smtClean="0">
+                <a:latin typeface="Consolas" pitchFamily="49" charset="0"/>
+                <a:cs typeface="Consolas" pitchFamily="49" charset="0"/>
+              </a:rPr>
+              <a:t>stderr</a:t>
+            </a:r>
+            <a:r>
+              <a:rPr lang="en-US" sz="1400" dirty="0" smtClean="0">
+                <a:latin typeface="Consolas" pitchFamily="49" charset="0"/>
+                <a:cs typeface="Consolas" pitchFamily="49" charset="0"/>
+              </a:rPr>
+              <a:t>, "</a:t>
+            </a:r>
+            <a:r>
+              <a:rPr lang="en-US" sz="1400" dirty="0" err="1" smtClean="0">
+                <a:latin typeface="Consolas" pitchFamily="49" charset="0"/>
+                <a:cs typeface="Consolas" pitchFamily="49" charset="0"/>
+              </a:rPr>
+              <a:t>create_job_template</a:t>
+            </a:r>
+            <a:r>
+              <a:rPr lang="en-US" sz="1400" dirty="0" smtClean="0">
+                <a:latin typeface="Consolas" pitchFamily="49" charset="0"/>
+                <a:cs typeface="Consolas" pitchFamily="49" charset="0"/>
+              </a:rPr>
+              <a:t> failed\n"); </a:t>
+            </a:r>
+          </a:p>
+          <a:p>
+            <a:pPr>
+              <a:buNone/>
+            </a:pPr>
+            <a:r>
+              <a:rPr lang="en-US" sz="1400" dirty="0" smtClean="0">
+                <a:latin typeface="Consolas" pitchFamily="49" charset="0"/>
+                <a:cs typeface="Consolas" pitchFamily="49" charset="0"/>
+              </a:rPr>
+              <a:t>   return 1; </a:t>
+            </a:r>
+          </a:p>
+          <a:p>
+            <a:pPr>
+              <a:buNone/>
+            </a:pPr>
+            <a:r>
+              <a:rPr lang="en-US" sz="1400" dirty="0" smtClean="0">
+                <a:latin typeface="Consolas" pitchFamily="49" charset="0"/>
+                <a:cs typeface="Consolas" pitchFamily="49" charset="0"/>
+              </a:rPr>
+              <a:t> }</a:t>
+            </a:r>
+          </a:p>
+          <a:p>
+            <a:pPr>
+              <a:buNone/>
+            </a:pPr>
+            <a:r>
+              <a:rPr lang="en-US" sz="1400" dirty="0" smtClean="0">
+                <a:latin typeface="Consolas" pitchFamily="49" charset="0"/>
+                <a:cs typeface="Consolas" pitchFamily="49" charset="0"/>
+              </a:rPr>
+              <a:t> </a:t>
+            </a:r>
+            <a:br>
+              <a:rPr lang="en-US" sz="1400" dirty="0" smtClean="0">
+                <a:latin typeface="Consolas" pitchFamily="49" charset="0"/>
+                <a:cs typeface="Consolas" pitchFamily="49" charset="0"/>
+              </a:rPr>
+            </a:br>
+            <a:r>
+              <a:rPr lang="en-US" sz="1400" dirty="0" smtClean="0">
+                <a:latin typeface="Consolas" pitchFamily="49" charset="0"/>
+                <a:cs typeface="Consolas" pitchFamily="49" charset="0"/>
+              </a:rPr>
+              <a:t> while ( ( </a:t>
+            </a:r>
+            <a:r>
+              <a:rPr lang="en-US" sz="1400" dirty="0" err="1" smtClean="0">
+                <a:latin typeface="Consolas" pitchFamily="49" charset="0"/>
+                <a:cs typeface="Consolas" pitchFamily="49" charset="0"/>
+              </a:rPr>
+              <a:t>drmaa_errno</a:t>
+            </a:r>
+            <a:r>
+              <a:rPr lang="en-US" sz="1400" dirty="0" smtClean="0">
+                <a:latin typeface="Consolas" pitchFamily="49" charset="0"/>
+                <a:cs typeface="Consolas" pitchFamily="49" charset="0"/>
+              </a:rPr>
+              <a:t> = </a:t>
+            </a:r>
+            <a:r>
+              <a:rPr lang="en-US" sz="1400" dirty="0" err="1" smtClean="0">
+                <a:latin typeface="Consolas" pitchFamily="49" charset="0"/>
+                <a:cs typeface="Consolas" pitchFamily="49" charset="0"/>
+              </a:rPr>
+              <a:t>drmaa_run_job</a:t>
+            </a:r>
+            <a:r>
+              <a:rPr lang="en-US" sz="1400" dirty="0" smtClean="0">
+                <a:latin typeface="Consolas" pitchFamily="49" charset="0"/>
+                <a:cs typeface="Consolas" pitchFamily="49" charset="0"/>
+              </a:rPr>
+              <a:t> (</a:t>
+            </a:r>
+            <a:r>
+              <a:rPr lang="en-US" sz="1400" dirty="0" err="1" smtClean="0">
+                <a:latin typeface="Consolas" pitchFamily="49" charset="0"/>
+                <a:cs typeface="Consolas" pitchFamily="49" charset="0"/>
+              </a:rPr>
+              <a:t>job_id</a:t>
+            </a:r>
+            <a:r>
+              <a:rPr lang="en-US" sz="1400" dirty="0" smtClean="0">
+                <a:latin typeface="Consolas" pitchFamily="49" charset="0"/>
+                <a:cs typeface="Consolas" pitchFamily="49" charset="0"/>
+              </a:rPr>
+              <a:t>, </a:t>
+            </a:r>
+          </a:p>
+          <a:p>
+            <a:pPr>
+              <a:buNone/>
+            </a:pPr>
+            <a:r>
+              <a:rPr lang="en-US" sz="1400" dirty="0" smtClean="0">
+                <a:latin typeface="Consolas" pitchFamily="49" charset="0"/>
+                <a:cs typeface="Consolas" pitchFamily="49" charset="0"/>
+              </a:rPr>
+              <a:t>                                        </a:t>
+            </a:r>
+            <a:r>
+              <a:rPr lang="en-US" sz="1400" dirty="0" err="1" smtClean="0">
+                <a:latin typeface="Consolas" pitchFamily="49" charset="0"/>
+                <a:cs typeface="Consolas" pitchFamily="49" charset="0"/>
+              </a:rPr>
+              <a:t>sizeof</a:t>
+            </a:r>
+            <a:r>
+              <a:rPr lang="en-US" sz="1400" dirty="0" smtClean="0">
+                <a:latin typeface="Consolas" pitchFamily="49" charset="0"/>
+                <a:cs typeface="Consolas" pitchFamily="49" charset="0"/>
+              </a:rPr>
+              <a:t> (jobid)-1,</a:t>
+            </a:r>
+          </a:p>
+          <a:p>
+            <a:pPr>
+              <a:buNone/>
+            </a:pPr>
+            <a:r>
+              <a:rPr lang="en-US" sz="1400" dirty="0" smtClean="0">
+                <a:latin typeface="Consolas" pitchFamily="49" charset="0"/>
+                <a:cs typeface="Consolas" pitchFamily="49" charset="0"/>
+              </a:rPr>
+              <a:t>                                        </a:t>
+            </a:r>
+            <a:r>
+              <a:rPr lang="en-US" sz="1400" dirty="0" err="1" smtClean="0">
+                <a:latin typeface="Consolas" pitchFamily="49" charset="0"/>
+                <a:cs typeface="Consolas" pitchFamily="49" charset="0"/>
+              </a:rPr>
+              <a:t>job_template</a:t>
+            </a:r>
+            <a:r>
+              <a:rPr lang="en-US" sz="1400" dirty="0" smtClean="0">
+                <a:latin typeface="Consolas" pitchFamily="49" charset="0"/>
+                <a:cs typeface="Consolas" pitchFamily="49" charset="0"/>
+              </a:rPr>
+              <a:t>, </a:t>
+            </a:r>
+          </a:p>
+          <a:p>
+            <a:pPr>
+              <a:buNone/>
+            </a:pPr>
+            <a:r>
+              <a:rPr lang="en-US" sz="1400" dirty="0" smtClean="0">
+                <a:latin typeface="Consolas" pitchFamily="49" charset="0"/>
+                <a:cs typeface="Consolas" pitchFamily="49" charset="0"/>
+              </a:rPr>
+              <a:t>                                        diagnosis, </a:t>
+            </a:r>
+          </a:p>
+          <a:p>
+            <a:pPr>
+              <a:buNone/>
+            </a:pPr>
+            <a:r>
+              <a:rPr lang="en-US" sz="1400" dirty="0" smtClean="0">
+                <a:latin typeface="Consolas" pitchFamily="49" charset="0"/>
+                <a:cs typeface="Consolas" pitchFamily="49" charset="0"/>
+              </a:rPr>
+              <a:t>                                        </a:t>
+            </a:r>
+            <a:r>
+              <a:rPr lang="en-US" sz="1400" dirty="0" err="1" smtClean="0">
+                <a:latin typeface="Consolas" pitchFamily="49" charset="0"/>
+                <a:cs typeface="Consolas" pitchFamily="49" charset="0"/>
+              </a:rPr>
+              <a:t>sizeof</a:t>
+            </a:r>
+            <a:r>
+              <a:rPr lang="en-US" sz="1400" dirty="0" smtClean="0">
+                <a:latin typeface="Consolas" pitchFamily="49" charset="0"/>
+                <a:cs typeface="Consolas" pitchFamily="49" charset="0"/>
+              </a:rPr>
+              <a:t> (diagnosis)-1) )</a:t>
+            </a:r>
+          </a:p>
+          <a:p>
+            <a:pPr>
+              <a:buNone/>
+            </a:pPr>
+            <a:r>
+              <a:rPr lang="en-US" sz="1400" dirty="0" smtClean="0">
+                <a:latin typeface="Consolas" pitchFamily="49" charset="0"/>
+                <a:cs typeface="Consolas" pitchFamily="49" charset="0"/>
+              </a:rPr>
+              <a:t>          == DRMAA_ERRNO_DRM_COMMUNICATION_FAILURE ) </a:t>
+            </a:r>
+          </a:p>
+          <a:p>
+            <a:pPr>
+              <a:buNone/>
+            </a:pPr>
+            <a:r>
+              <a:rPr lang="en-US" sz="1400" dirty="0" smtClean="0">
+                <a:latin typeface="Consolas" pitchFamily="49" charset="0"/>
+                <a:cs typeface="Consolas" pitchFamily="49" charset="0"/>
+              </a:rPr>
+              <a:t> {</a:t>
+            </a:r>
+          </a:p>
+          <a:p>
+            <a:pPr>
+              <a:buNone/>
+            </a:pPr>
+            <a:r>
+              <a:rPr lang="en-US" sz="1400" dirty="0" smtClean="0">
+                <a:latin typeface="Consolas" pitchFamily="49" charset="0"/>
+                <a:cs typeface="Consolas" pitchFamily="49" charset="0"/>
+              </a:rPr>
+              <a:t>  </a:t>
+            </a:r>
+            <a:r>
+              <a:rPr lang="en-US" sz="1400" dirty="0" err="1" smtClean="0">
+                <a:latin typeface="Consolas" pitchFamily="49" charset="0"/>
+                <a:cs typeface="Consolas" pitchFamily="49" charset="0"/>
+              </a:rPr>
+              <a:t>fprintf</a:t>
+            </a:r>
+            <a:r>
+              <a:rPr lang="en-US" sz="1400" dirty="0" smtClean="0">
+                <a:latin typeface="Consolas" pitchFamily="49" charset="0"/>
+                <a:cs typeface="Consolas" pitchFamily="49" charset="0"/>
+              </a:rPr>
+              <a:t> (</a:t>
+            </a:r>
+            <a:r>
+              <a:rPr lang="en-US" sz="1400" dirty="0" err="1" smtClean="0">
+                <a:latin typeface="Consolas" pitchFamily="49" charset="0"/>
+                <a:cs typeface="Consolas" pitchFamily="49" charset="0"/>
+              </a:rPr>
+              <a:t>stderr</a:t>
+            </a:r>
+            <a:r>
+              <a:rPr lang="en-US" sz="1400" dirty="0" smtClean="0">
+                <a:latin typeface="Consolas" pitchFamily="49" charset="0"/>
+                <a:cs typeface="Consolas" pitchFamily="49" charset="0"/>
+              </a:rPr>
+              <a:t>, "</a:t>
+            </a:r>
+            <a:r>
+              <a:rPr lang="en-US" sz="1400" dirty="0" err="1" smtClean="0">
+                <a:latin typeface="Consolas" pitchFamily="49" charset="0"/>
+                <a:cs typeface="Consolas" pitchFamily="49" charset="0"/>
+              </a:rPr>
+              <a:t>drmaa_run_job</a:t>
+            </a:r>
+            <a:r>
+              <a:rPr lang="en-US" sz="1400" dirty="0" smtClean="0">
+                <a:latin typeface="Consolas" pitchFamily="49" charset="0"/>
+                <a:cs typeface="Consolas" pitchFamily="49" charset="0"/>
+              </a:rPr>
+              <a:t> failed: %s\n", diagnosis);</a:t>
+            </a:r>
+          </a:p>
+          <a:p>
+            <a:pPr>
+              <a:buNone/>
+            </a:pPr>
+            <a:r>
+              <a:rPr lang="en-US" sz="1400" dirty="0" smtClean="0">
+                <a:latin typeface="Consolas" pitchFamily="49" charset="0"/>
+                <a:cs typeface="Consolas" pitchFamily="49" charset="0"/>
+              </a:rPr>
+              <a:t>  sleep (1); </a:t>
+            </a:r>
+          </a:p>
+          <a:p>
+            <a:pPr>
+              <a:buNone/>
+            </a:pPr>
+            <a:r>
+              <a:rPr lang="en-US" sz="1400" dirty="0" smtClean="0">
+                <a:latin typeface="Consolas" pitchFamily="49" charset="0"/>
+                <a:cs typeface="Consolas" pitchFamily="49" charset="0"/>
+              </a:rPr>
+              <a:t> }</a:t>
+            </a:r>
+          </a:p>
+          <a:p>
+            <a:pPr>
+              <a:buNone/>
+            </a:pPr>
+            <a:r>
+              <a:rPr lang="en-US" sz="1400" dirty="0" smtClean="0">
+                <a:latin typeface="Consolas" pitchFamily="49" charset="0"/>
+                <a:cs typeface="Consolas" pitchFamily="49" charset="0"/>
+              </a:rPr>
+              <a:t> </a:t>
+            </a:r>
           </a:p>
         </p:txBody>
       </p:sp>
     </p:spTree>
+    <p:extLst>
+      <p:ext uri="{BB962C8B-B14F-4D97-AF65-F5344CB8AC3E}">
+        <p14:creationId xmlns:p14="http://schemas.microsoft.com/office/powerpoint/2010/main" val="1418445434"/>
+      </p:ext>
+    </p:extLst>
   </p:cSld>
   <p:clrMapOvr>
     <a:masterClrMapping/>
@@ -18593,11 +22290,6 @@
 <file path=ppt/slides/slide9.xml><?xml version="1.0" encoding="utf-8"?>
 <p:sld xmlns:a="http://schemas.openxmlformats.org/drawingml/2006/main" xmlns:r="http://schemas.openxmlformats.org/officeDocument/2006/relationships" xmlns:p="http://schemas.openxmlformats.org/presentationml/2006/main">
   <p:cSld>
-    <p:bg>
-      <p:bgRef idx="1001">
-        <a:schemeClr val="bg1"/>
-      </p:bgRef>
-    </p:bg>
     <p:spTree>
       <p:nvGrpSpPr>
         <p:cNvPr id="1" name=""/>
@@ -18629,7 +22321,11 @@
           <a:p>
             <a:r>
               <a:rPr lang="en-US" dirty="0" smtClean="0"/>
-              <a:t>SAGA Intro: 10.000 feet</a:t>
+              <a:t>OGF: </a:t>
+            </a:r>
+            <a:r>
+              <a:rPr lang="en-US" dirty="0" err="1" smtClean="0"/>
+              <a:t>GridRPC</a:t>
             </a:r>
             <a:endParaRPr lang="en-US" dirty="0"/>
           </a:p>
@@ -18647,144 +22343,100 @@
         </p:nvSpPr>
         <p:spPr/>
         <p:txBody>
-          <a:bodyPr>
-            <a:normAutofit fontScale="92500" lnSpcReduction="20000"/>
-          </a:bodyPr>
+          <a:bodyPr/>
           <a:lstStyle/>
           <a:p>
             <a:r>
               <a:rPr lang="en-US" dirty="0" smtClean="0"/>
-              <a:t>object oriented: </a:t>
+              <a:t>standardizes the three existing RPC implementations for Grids </a:t>
+            </a:r>
+            <a:r>
+              <a:rPr lang="en-US" dirty="0" smtClean="0"/>
+              <a:t>(</a:t>
+            </a:r>
+            <a:r>
+              <a:rPr lang="en-US" dirty="0" err="1" smtClean="0"/>
+              <a:t>Ninf</a:t>
+            </a:r>
+            <a:r>
+              <a:rPr lang="en-US" dirty="0" smtClean="0"/>
+              <a:t>-G, DIET)</a:t>
+            </a:r>
+            <a:endParaRPr lang="en-US" dirty="0" smtClean="0"/>
+          </a:p>
+          <a:p>
+            <a:r>
+              <a:rPr lang="en-US" dirty="0" smtClean="0"/>
+              <a:t>example of </a:t>
+            </a:r>
+            <a:r>
+              <a:rPr lang="en-US" i="1" dirty="0" smtClean="0"/>
+              <a:t>’</a:t>
+            </a:r>
+            <a:r>
+              <a:rPr lang="en-US" i="1" dirty="0" err="1" smtClean="0"/>
+              <a:t>gridified</a:t>
+            </a:r>
+            <a:r>
+              <a:rPr lang="en-US" i="1" dirty="0" smtClean="0"/>
+              <a:t> API’ </a:t>
+            </a:r>
+            <a:endParaRPr lang="en-US" dirty="0" smtClean="0"/>
+          </a:p>
+          <a:p>
+            <a:r>
+              <a:rPr lang="en-US" dirty="0" smtClean="0"/>
+              <a:t>simple: get function handle, call function </a:t>
+            </a:r>
+          </a:p>
+          <a:p>
+            <a:r>
+              <a:rPr lang="en-US" dirty="0" smtClean="0"/>
+              <a:t>explicit support for </a:t>
+            </a:r>
+            <a:r>
+              <a:rPr lang="en-US" dirty="0" smtClean="0"/>
+              <a:t>asynchronous method calls</a:t>
+            </a:r>
+            <a:endParaRPr lang="en-US" dirty="0" smtClean="0"/>
+          </a:p>
+          <a:p>
+            <a:r>
+              <a:rPr lang="en-US" dirty="0" smtClean="0"/>
+              <a:t>G</a:t>
+            </a:r>
+            <a:r>
+              <a:rPr lang="en-US" dirty="0" smtClean="0"/>
+              <a:t>ridRPC.v2 </a:t>
+            </a:r>
+            <a:r>
+              <a:rPr lang="en-US" dirty="0" smtClean="0"/>
+              <a:t>adds support for remote </a:t>
+            </a:r>
+            <a:r>
+              <a:rPr lang="en-US" dirty="0" smtClean="0"/>
+              <a:t>persistent data handles</a:t>
             </a:r>
           </a:p>
           <a:p>
             <a:pPr lvl="1"/>
             <a:r>
               <a:rPr lang="en-US" dirty="0" smtClean="0"/>
-              <a:t>uses inheritance</a:t>
-            </a:r>
-            <a:r>
-              <a:rPr lang="en-US" dirty="0"/>
-              <a:t> </a:t>
-            </a:r>
-            <a:r>
-              <a:rPr lang="en-US" dirty="0" smtClean="0"/>
-              <a:t>and interfaces </a:t>
-            </a:r>
-          </a:p>
-          <a:p>
-            <a:pPr lvl="1"/>
-            <a:r>
-              <a:rPr lang="en-US" dirty="0" smtClean="0"/>
-              <a:t>very moderate use of templates though! </a:t>
-            </a:r>
-          </a:p>
-          <a:p>
-            <a:r>
-              <a:rPr lang="en-US" dirty="0" smtClean="0"/>
-              <a:t>functional and non-functional elements strictly separated </a:t>
-            </a:r>
-          </a:p>
-          <a:p>
-            <a:pPr lvl="1"/>
-            <a:r>
-              <a:rPr lang="en-US" dirty="0" smtClean="0"/>
-              <a:t>functional API: </a:t>
-            </a:r>
-          </a:p>
-          <a:p>
-            <a:pPr lvl="2"/>
-            <a:r>
-              <a:rPr lang="en-US" dirty="0" smtClean="0"/>
-              <a:t>typically </a:t>
-            </a:r>
-            <a:r>
-              <a:rPr lang="en-US" dirty="0" err="1" smtClean="0"/>
-              <a:t>mappable</a:t>
-            </a:r>
-            <a:r>
-              <a:rPr lang="en-US" dirty="0" smtClean="0"/>
-              <a:t> to remote operations </a:t>
-            </a:r>
-          </a:p>
-          <a:p>
-            <a:pPr lvl="2"/>
-            <a:r>
-              <a:rPr lang="en-US" dirty="0" smtClean="0"/>
-              <a:t>ordered in API </a:t>
-            </a:r>
-            <a:r>
-              <a:rPr lang="en-US" dirty="0"/>
-              <a:t>’Packages</a:t>
-            </a:r>
-            <a:r>
-              <a:rPr lang="en-US" dirty="0" smtClean="0"/>
-              <a:t>’:  </a:t>
-            </a:r>
-            <a:r>
-              <a:rPr lang="en-US" dirty="0"/>
-              <a:t>extensible </a:t>
-            </a:r>
-            <a:endParaRPr lang="en-US" dirty="0" smtClean="0"/>
-          </a:p>
-          <a:p>
-            <a:pPr lvl="1"/>
-            <a:r>
-              <a:rPr lang="en-US" dirty="0"/>
-              <a:t> non-functional API: </a:t>
-            </a:r>
-          </a:p>
-          <a:p>
-            <a:pPr lvl="2"/>
-            <a:r>
-              <a:rPr lang="en-US" dirty="0"/>
-              <a:t>typically not </a:t>
-            </a:r>
-            <a:r>
-              <a:rPr lang="en-US" dirty="0" err="1"/>
-              <a:t>mappable</a:t>
-            </a:r>
-            <a:r>
-              <a:rPr lang="en-US" dirty="0"/>
-              <a:t> to </a:t>
-            </a:r>
-            <a:r>
-              <a:rPr lang="en-US" dirty="0" smtClean="0"/>
-              <a:t>explicit remote </a:t>
-            </a:r>
-            <a:r>
-              <a:rPr lang="en-US" dirty="0"/>
-              <a:t>operations </a:t>
-            </a:r>
-          </a:p>
-          <a:p>
-            <a:pPr lvl="2"/>
-            <a:r>
-              <a:rPr lang="en-US" dirty="0"/>
-              <a:t>“look &amp; feel”: orthogonal to functional API </a:t>
-            </a:r>
-            <a:endParaRPr lang="en-US" dirty="0" smtClean="0"/>
-          </a:p>
-          <a:p>
-            <a:pPr lvl="2"/>
-            <a:r>
-              <a:rPr lang="en-US" dirty="0" smtClean="0"/>
-              <a:t>security, asynchronous ops, notifications, ...</a:t>
-            </a:r>
-          </a:p>
-          <a:p>
-            <a:r>
-              <a:rPr lang="en-US" dirty="0" smtClean="0"/>
-              <a:t>few inter-package dependencies - allows for partial implementations </a:t>
+              <a:t>SAGA aligned !</a:t>
             </a:r>
             <a:endParaRPr lang="en-US" dirty="0"/>
           </a:p>
         </p:txBody>
       </p:sp>
     </p:spTree>
+    <p:extLst>
+      <p:ext uri="{BB962C8B-B14F-4D97-AF65-F5344CB8AC3E}">
+        <p14:creationId xmlns:p14="http://schemas.microsoft.com/office/powerpoint/2010/main" val="1517875302"/>
+      </p:ext>
+    </p:extLst>
   </p:cSld>
   <p:clrMapOvr>
-    <a:overrideClrMapping bg1="lt1" tx1="dk1" bg2="lt2" tx2="dk2" accent1="accent1" accent2="accent2" accent3="accent3" accent4="accent4" accent5="accent5" accent6="accent6" hlink="hlink" folHlink="folHlink"/>
+    <a:masterClrMapping/>
   </p:clrMapOvr>
 </p:sld>
 </file>

--- a/tutorial/EGI-2011/02_api1.pptx
+++ b/tutorial/EGI-2011/02_api1.pptx
@@ -5,10 +5,10 @@
     <p:sldMasterId id="2147483648" r:id="rId1"/>
   </p:sldMasterIdLst>
   <p:notesMasterIdLst>
-    <p:notesMasterId r:id="rId59"/>
+    <p:notesMasterId r:id="rId61"/>
   </p:notesMasterIdLst>
   <p:handoutMasterIdLst>
-    <p:handoutMasterId r:id="rId60"/>
+    <p:handoutMasterId r:id="rId62"/>
   </p:handoutMasterIdLst>
   <p:sldIdLst>
     <p:sldId id="256" r:id="rId2"/>
@@ -61,13 +61,15 @@
     <p:sldId id="319" r:id="rId49"/>
     <p:sldId id="318" r:id="rId50"/>
     <p:sldId id="320" r:id="rId51"/>
-    <p:sldId id="321" r:id="rId52"/>
-    <p:sldId id="322" r:id="rId53"/>
-    <p:sldId id="324" r:id="rId54"/>
-    <p:sldId id="325" r:id="rId55"/>
-    <p:sldId id="326" r:id="rId56"/>
-    <p:sldId id="327" r:id="rId57"/>
-    <p:sldId id="328" r:id="rId58"/>
+    <p:sldId id="343" r:id="rId52"/>
+    <p:sldId id="321" r:id="rId53"/>
+    <p:sldId id="322" r:id="rId54"/>
+    <p:sldId id="344" r:id="rId55"/>
+    <p:sldId id="324" r:id="rId56"/>
+    <p:sldId id="325" r:id="rId57"/>
+    <p:sldId id="326" r:id="rId58"/>
+    <p:sldId id="327" r:id="rId59"/>
+    <p:sldId id="328" r:id="rId60"/>
   </p:sldIdLst>
   <p:sldSz cx="9144000" cy="6858000" type="screen4x3"/>
   <p:notesSz cx="6858000" cy="9144000"/>
@@ -18260,7 +18262,7 @@
         <p:spPr>
           <a:xfrm>
             <a:off x="946859" y="2162915"/>
-            <a:ext cx="7966954" cy="4401205"/>
+            <a:ext cx="7966954" cy="4185761"/>
           </a:xfrm>
           <a:prstGeom prst="rect">
             <a:avLst/>
@@ -18312,7 +18314,7 @@
                 <a:latin typeface="Consolas" pitchFamily="49" charset="0"/>
                 <a:cs typeface="Consolas" pitchFamily="49" charset="0"/>
               </a:rPr>
-              <a:t>saga::filesystem::file file;</a:t>
+              <a:t>saga::filesystem::file f;</a:t>
             </a:r>
           </a:p>
           <a:p>
@@ -18457,18 +18459,57 @@
                 <a:latin typeface="Consolas" pitchFamily="49" charset="0"/>
                 <a:cs typeface="Consolas" pitchFamily="49" charset="0"/>
               </a:rPr>
-              <a:t>::session s;</a:t>
-            </a:r>
-          </a:p>
-          <a:p>
+              <a:t>::session </a:t>
+            </a:r>
+            <a:r>
+              <a:rPr lang="en-US" sz="1400" dirty="0" smtClean="0">
+                <a:latin typeface="Consolas" pitchFamily="49" charset="0"/>
+                <a:cs typeface="Consolas" pitchFamily="49" charset="0"/>
+              </a:rPr>
+              <a:t>s;  </a:t>
+            </a:r>
+            <a:r>
+              <a:rPr lang="en-US" sz="1400" dirty="0" err="1" smtClean="0">
+                <a:latin typeface="Consolas" pitchFamily="49" charset="0"/>
+                <a:cs typeface="Consolas" pitchFamily="49" charset="0"/>
+              </a:rPr>
+              <a:t>s.add_context</a:t>
+            </a:r>
+            <a:r>
+              <a:rPr lang="en-US" sz="1400" dirty="0" smtClean="0">
+                <a:latin typeface="Consolas" pitchFamily="49" charset="0"/>
+                <a:cs typeface="Consolas" pitchFamily="49" charset="0"/>
+              </a:rPr>
+              <a:t> </a:t>
+            </a:r>
+            <a:r>
+              <a:rPr lang="en-US" sz="1400" dirty="0">
+                <a:latin typeface="Consolas" pitchFamily="49" charset="0"/>
+                <a:cs typeface="Consolas" pitchFamily="49" charset="0"/>
+              </a:rPr>
+              <a:t>(</a:t>
+            </a:r>
+            <a:r>
+              <a:rPr lang="en-US" sz="1400" dirty="0" smtClean="0">
+                <a:latin typeface="Consolas" pitchFamily="49" charset="0"/>
+                <a:cs typeface="Consolas" pitchFamily="49" charset="0"/>
+              </a:rPr>
+              <a:t>c);</a:t>
+            </a:r>
             <a:endParaRPr lang="en-US" sz="1400" dirty="0">
               <a:latin typeface="Consolas" pitchFamily="49" charset="0"/>
               <a:cs typeface="Consolas" pitchFamily="49" charset="0"/>
             </a:endParaRPr>
           </a:p>
           <a:p>
-            <a:r>
-              <a:rPr lang="en-US" sz="1400" dirty="0">
+            <a:endParaRPr lang="pt-BR" sz="1400" dirty="0" smtClean="0">
+              <a:latin typeface="Consolas" pitchFamily="49" charset="0"/>
+              <a:cs typeface="Consolas" pitchFamily="49" charset="0"/>
+            </a:endParaRPr>
+          </a:p>
+          <a:p>
+            <a:r>
+              <a:rPr lang="en-US" sz="1400" dirty="0" smtClean="0">
                 <a:latin typeface="Consolas" pitchFamily="49" charset="0"/>
                 <a:cs typeface="Consolas" pitchFamily="49" charset="0"/>
               </a:rPr>
@@ -18479,6 +18520,80 @@
                 <a:latin typeface="Consolas" pitchFamily="49" charset="0"/>
                 <a:cs typeface="Consolas" pitchFamily="49" charset="0"/>
               </a:rPr>
+              <a:t>  saga::</a:t>
+            </a:r>
+            <a:r>
+              <a:rPr lang="en-US" sz="1400" dirty="0" err="1" smtClean="0">
+                <a:latin typeface="Consolas" pitchFamily="49" charset="0"/>
+                <a:cs typeface="Consolas" pitchFamily="49" charset="0"/>
+              </a:rPr>
+              <a:t>filesystem</a:t>
+            </a:r>
+            <a:r>
+              <a:rPr lang="en-US" sz="1400" dirty="0" smtClean="0">
+                <a:latin typeface="Consolas" pitchFamily="49" charset="0"/>
+                <a:cs typeface="Consolas" pitchFamily="49" charset="0"/>
+              </a:rPr>
+              <a:t>::</a:t>
+            </a:r>
+            <a:r>
+              <a:rPr lang="en-US" sz="1400" dirty="0" err="1" smtClean="0">
+                <a:latin typeface="Consolas" pitchFamily="49" charset="0"/>
+                <a:cs typeface="Consolas" pitchFamily="49" charset="0"/>
+              </a:rPr>
+              <a:t>dir</a:t>
+            </a:r>
+            <a:r>
+              <a:rPr lang="en-US" sz="1400" dirty="0" smtClean="0">
+                <a:latin typeface="Consolas" pitchFamily="49" charset="0"/>
+                <a:cs typeface="Consolas" pitchFamily="49" charset="0"/>
+              </a:rPr>
+              <a:t> d </a:t>
+            </a:r>
+            <a:r>
+              <a:rPr lang="en-US" sz="1400" dirty="0">
+                <a:latin typeface="Consolas" pitchFamily="49" charset="0"/>
+                <a:cs typeface="Consolas" pitchFamily="49" charset="0"/>
+              </a:rPr>
+              <a:t>(s, "</a:t>
+            </a:r>
+            <a:r>
+              <a:rPr lang="en-US" sz="1400" dirty="0" err="1">
+                <a:latin typeface="Consolas" pitchFamily="49" charset="0"/>
+                <a:cs typeface="Consolas" pitchFamily="49" charset="0"/>
+              </a:rPr>
+              <a:t>gridftp</a:t>
+            </a:r>
+            <a:r>
+              <a:rPr lang="en-US" sz="1400" dirty="0">
+                <a:latin typeface="Consolas" pitchFamily="49" charset="0"/>
+                <a:cs typeface="Consolas" pitchFamily="49" charset="0"/>
+              </a:rPr>
+              <a:t>://remote.host.net/data/");</a:t>
+            </a:r>
+          </a:p>
+          <a:p>
+            <a:r>
+              <a:rPr lang="en-US" sz="1400" dirty="0" smtClean="0">
+                <a:latin typeface="Consolas" pitchFamily="49" charset="0"/>
+                <a:cs typeface="Consolas" pitchFamily="49" charset="0"/>
+              </a:rPr>
+              <a:t>   </a:t>
+            </a:r>
+          </a:p>
+          <a:p>
+            <a:r>
+              <a:rPr lang="en-US" sz="1400" dirty="0">
+                <a:latin typeface="Consolas" pitchFamily="49" charset="0"/>
+                <a:cs typeface="Consolas" pitchFamily="49" charset="0"/>
+              </a:rPr>
+              <a:t> </a:t>
+            </a:r>
+            <a:r>
+              <a:rPr lang="en-US" sz="1400" dirty="0" smtClean="0">
+                <a:latin typeface="Consolas" pitchFamily="49" charset="0"/>
+                <a:cs typeface="Consolas" pitchFamily="49" charset="0"/>
+              </a:rPr>
               <a:t>  </a:t>
             </a:r>
             <a:r>
@@ -18486,7 +18601,7 @@
                 <a:latin typeface="Consolas" pitchFamily="49" charset="0"/>
                 <a:cs typeface="Consolas" pitchFamily="49" charset="0"/>
               </a:rPr>
-              <a:t>s.add_context</a:t>
+              <a:t>s.remove_context</a:t>
             </a:r>
             <a:r>
               <a:rPr lang="en-US" sz="1400" dirty="0" smtClean="0">
@@ -18500,14 +18615,64 @@
                 <a:latin typeface="Consolas" pitchFamily="49" charset="0"/>
                 <a:cs typeface="Consolas" pitchFamily="49" charset="0"/>
               </a:rPr>
-              <a:t>(</a:t>
-            </a:r>
-            <a:r>
-              <a:rPr lang="en-US" sz="1400" dirty="0" smtClean="0">
-                <a:latin typeface="Consolas" pitchFamily="49" charset="0"/>
-                <a:cs typeface="Consolas" pitchFamily="49" charset="0"/>
-              </a:rPr>
-              <a:t>c);</a:t>
+              <a:t>(c1);</a:t>
+            </a:r>
+          </a:p>
+          <a:p>
+            <a:endParaRPr lang="en-US" sz="1400" dirty="0" smtClean="0">
+              <a:latin typeface="Consolas" pitchFamily="49" charset="0"/>
+              <a:cs typeface="Consolas" pitchFamily="49" charset="0"/>
+            </a:endParaRPr>
+          </a:p>
+          <a:p>
+            <a:r>
+              <a:rPr lang="en-US" sz="1400" dirty="0" smtClean="0">
+                <a:latin typeface="Consolas" pitchFamily="49" charset="0"/>
+                <a:cs typeface="Consolas" pitchFamily="49" charset="0"/>
+              </a:rPr>
+              <a:t> </a:t>
+            </a:r>
+            <a:r>
+              <a:rPr lang="en-US" sz="1400" dirty="0" smtClean="0">
+                <a:latin typeface="Consolas" pitchFamily="49" charset="0"/>
+                <a:cs typeface="Consolas" pitchFamily="49" charset="0"/>
+              </a:rPr>
+              <a:t>  f </a:t>
+            </a:r>
+            <a:r>
+              <a:rPr lang="en-US" sz="1400" dirty="0">
+                <a:latin typeface="Consolas" pitchFamily="49" charset="0"/>
+                <a:cs typeface="Consolas" pitchFamily="49" charset="0"/>
+              </a:rPr>
+              <a:t>= </a:t>
+            </a:r>
+            <a:r>
+              <a:rPr lang="en-US" sz="1400" dirty="0" err="1" smtClean="0">
+                <a:latin typeface="Consolas" pitchFamily="49" charset="0"/>
+                <a:cs typeface="Consolas" pitchFamily="49" charset="0"/>
+              </a:rPr>
+              <a:t>d.open</a:t>
+            </a:r>
+            <a:r>
+              <a:rPr lang="en-US" sz="1400" dirty="0" smtClean="0">
+                <a:latin typeface="Consolas" pitchFamily="49" charset="0"/>
+                <a:cs typeface="Consolas" pitchFamily="49" charset="0"/>
+              </a:rPr>
+              <a:t> (“</a:t>
+            </a:r>
+            <a:r>
+              <a:rPr lang="en-US" sz="1400" dirty="0" smtClean="0">
+                <a:latin typeface="Consolas" pitchFamily="49" charset="0"/>
+                <a:cs typeface="Consolas" pitchFamily="49" charset="0"/>
+              </a:rPr>
+              <a:t>a</a:t>
+            </a:r>
+            <a:r>
+              <a:rPr lang="en-US" sz="1400" dirty="0" smtClean="0">
+                <a:latin typeface="Consolas" pitchFamily="49" charset="0"/>
+                <a:cs typeface="Consolas" pitchFamily="49" charset="0"/>
+              </a:rPr>
+              <a:t>");</a:t>
             </a:r>
             <a:endParaRPr lang="en-US" sz="1400" dirty="0">
               <a:latin typeface="Consolas" pitchFamily="49" charset="0"/>
@@ -18515,190 +18680,25 @@
             </a:endParaRPr>
           </a:p>
           <a:p>
-            <a:endParaRPr lang="pt-BR" sz="1400" dirty="0" smtClean="0">
-              <a:latin typeface="Consolas" pitchFamily="49" charset="0"/>
-              <a:cs typeface="Consolas" pitchFamily="49" charset="0"/>
-            </a:endParaRPr>
-          </a:p>
-          <a:p>
-            <a:r>
-              <a:rPr lang="en-US" sz="1400" dirty="0" smtClean="0">
-                <a:latin typeface="Consolas" pitchFamily="49" charset="0"/>
-                <a:cs typeface="Consolas" pitchFamily="49" charset="0"/>
-              </a:rPr>
-              <a:t> </a:t>
-            </a:r>
-            <a:r>
-              <a:rPr lang="en-US" sz="1400" dirty="0" smtClean="0">
-                <a:latin typeface="Consolas" pitchFamily="49" charset="0"/>
-                <a:cs typeface="Consolas" pitchFamily="49" charset="0"/>
-              </a:rPr>
-              <a:t>  saga::</a:t>
-            </a:r>
-            <a:r>
-              <a:rPr lang="en-US" sz="1400" dirty="0" err="1" smtClean="0">
-                <a:latin typeface="Consolas" pitchFamily="49" charset="0"/>
-                <a:cs typeface="Consolas" pitchFamily="49" charset="0"/>
-              </a:rPr>
-              <a:t>filesystem</a:t>
-            </a:r>
-            <a:r>
-              <a:rPr lang="en-US" sz="1400" dirty="0" smtClean="0">
-                <a:latin typeface="Consolas" pitchFamily="49" charset="0"/>
-                <a:cs typeface="Consolas" pitchFamily="49" charset="0"/>
-              </a:rPr>
-              <a:t>::</a:t>
-            </a:r>
-            <a:r>
-              <a:rPr lang="en-US" sz="1400" dirty="0" err="1" smtClean="0">
-                <a:latin typeface="Consolas" pitchFamily="49" charset="0"/>
-                <a:cs typeface="Consolas" pitchFamily="49" charset="0"/>
-              </a:rPr>
-              <a:t>dir</a:t>
-            </a:r>
-            <a:r>
-              <a:rPr lang="en-US" sz="1400" dirty="0" smtClean="0">
-                <a:latin typeface="Consolas" pitchFamily="49" charset="0"/>
-                <a:cs typeface="Consolas" pitchFamily="49" charset="0"/>
-              </a:rPr>
-              <a:t>  </a:t>
-            </a:r>
-            <a:r>
-              <a:rPr lang="en-US" sz="1400" dirty="0" err="1" smtClean="0">
-                <a:latin typeface="Consolas" pitchFamily="49" charset="0"/>
-                <a:cs typeface="Consolas" pitchFamily="49" charset="0"/>
-              </a:rPr>
-              <a:t>dir</a:t>
-            </a:r>
-            <a:r>
-              <a:rPr lang="en-US" sz="1400" dirty="0" smtClean="0">
-                <a:latin typeface="Consolas" pitchFamily="49" charset="0"/>
-                <a:cs typeface="Consolas" pitchFamily="49" charset="0"/>
-              </a:rPr>
-              <a:t> </a:t>
-            </a:r>
-            <a:r>
-              <a:rPr lang="en-US" sz="1400" dirty="0">
-                <a:latin typeface="Consolas" pitchFamily="49" charset="0"/>
-                <a:cs typeface="Consolas" pitchFamily="49" charset="0"/>
-              </a:rPr>
-              <a:t>(s, "</a:t>
-            </a:r>
-            <a:r>
-              <a:rPr lang="en-US" sz="1400" dirty="0" err="1">
-                <a:latin typeface="Consolas" pitchFamily="49" charset="0"/>
-                <a:cs typeface="Consolas" pitchFamily="49" charset="0"/>
-              </a:rPr>
-              <a:t>gridftp</a:t>
-            </a:r>
-            <a:r>
-              <a:rPr lang="en-US" sz="1400" dirty="0">
-                <a:latin typeface="Consolas" pitchFamily="49" charset="0"/>
-                <a:cs typeface="Consolas" pitchFamily="49" charset="0"/>
-              </a:rPr>
-              <a:t>://remote.host.net/data/");</a:t>
-            </a:r>
-          </a:p>
-          <a:p>
-            <a:r>
-              <a:rPr lang="en-US" sz="1400" dirty="0" smtClean="0">
-                <a:latin typeface="Consolas" pitchFamily="49" charset="0"/>
-                <a:cs typeface="Consolas" pitchFamily="49" charset="0"/>
-              </a:rPr>
-              <a:t>   </a:t>
-            </a:r>
-            <a:r>
-              <a:rPr lang="en-US" sz="1400" dirty="0" err="1">
-                <a:latin typeface="Consolas" pitchFamily="49" charset="0"/>
-                <a:cs typeface="Consolas" pitchFamily="49" charset="0"/>
-              </a:rPr>
-              <a:t>s.remove_context</a:t>
-            </a:r>
-            <a:r>
-              <a:rPr lang="en-US" sz="1400" dirty="0">
-                <a:latin typeface="Consolas" pitchFamily="49" charset="0"/>
-                <a:cs typeface="Consolas" pitchFamily="49" charset="0"/>
-              </a:rPr>
-              <a:t> (c1);</a:t>
-            </a:r>
-          </a:p>
-          <a:p>
+            <a:r>
+              <a:rPr lang="en-US" sz="1400" dirty="0" smtClean="0">
+                <a:latin typeface="Consolas" pitchFamily="49" charset="0"/>
+                <a:cs typeface="Consolas" pitchFamily="49" charset="0"/>
+              </a:rPr>
+              <a:t> }</a:t>
+            </a:r>
             <a:endParaRPr lang="en-US" sz="1400" dirty="0" smtClean="0">
               <a:latin typeface="Consolas" pitchFamily="49" charset="0"/>
               <a:cs typeface="Consolas" pitchFamily="49" charset="0"/>
             </a:endParaRPr>
           </a:p>
           <a:p>
-            <a:r>
-              <a:rPr lang="en-US" sz="1400" dirty="0" smtClean="0">
-                <a:latin typeface="Consolas" pitchFamily="49" charset="0"/>
-                <a:cs typeface="Consolas" pitchFamily="49" charset="0"/>
-              </a:rPr>
-              <a:t> </a:t>
-            </a:r>
-            <a:r>
-              <a:rPr lang="en-US" sz="1400" dirty="0" smtClean="0">
-                <a:latin typeface="Consolas" pitchFamily="49" charset="0"/>
-                <a:cs typeface="Consolas" pitchFamily="49" charset="0"/>
-              </a:rPr>
-              <a:t>  file </a:t>
-            </a:r>
-            <a:r>
-              <a:rPr lang="en-US" sz="1400" dirty="0">
-                <a:latin typeface="Consolas" pitchFamily="49" charset="0"/>
-                <a:cs typeface="Consolas" pitchFamily="49" charset="0"/>
-              </a:rPr>
-              <a:t>= </a:t>
-            </a:r>
-            <a:r>
-              <a:rPr lang="en-US" sz="1400" dirty="0" err="1">
-                <a:latin typeface="Consolas" pitchFamily="49" charset="0"/>
-                <a:cs typeface="Consolas" pitchFamily="49" charset="0"/>
-              </a:rPr>
-              <a:t>dir.open</a:t>
-            </a:r>
-            <a:r>
-              <a:rPr lang="en-US" sz="1400" dirty="0">
-                <a:latin typeface="Consolas" pitchFamily="49" charset="0"/>
-                <a:cs typeface="Consolas" pitchFamily="49" charset="0"/>
-              </a:rPr>
-              <a:t> ("</a:t>
-            </a:r>
-            <a:r>
-              <a:rPr lang="en-US" sz="1400" dirty="0" err="1">
-                <a:latin typeface="Consolas" pitchFamily="49" charset="0"/>
-                <a:cs typeface="Consolas" pitchFamily="49" charset="0"/>
-              </a:rPr>
-              <a:t>data.bin</a:t>
-            </a:r>
-            <a:r>
-              <a:rPr lang="en-US" sz="1400" dirty="0">
-                <a:latin typeface="Consolas" pitchFamily="49" charset="0"/>
-                <a:cs typeface="Consolas" pitchFamily="49" charset="0"/>
-              </a:rPr>
-              <a:t>");</a:t>
-            </a:r>
-          </a:p>
-          <a:p>
-            <a:r>
-              <a:rPr lang="en-US" sz="1400" dirty="0" smtClean="0">
-                <a:latin typeface="Consolas" pitchFamily="49" charset="0"/>
-                <a:cs typeface="Consolas" pitchFamily="49" charset="0"/>
-              </a:rPr>
-              <a:t> }</a:t>
-            </a:r>
             <a:endParaRPr lang="en-US" sz="1400" dirty="0" smtClean="0">
               <a:latin typeface="Consolas" pitchFamily="49" charset="0"/>
               <a:cs typeface="Consolas" pitchFamily="49" charset="0"/>
             </a:endParaRPr>
           </a:p>
           <a:p>
-            <a:endParaRPr lang="en-US" sz="1400" dirty="0" smtClean="0">
-              <a:latin typeface="Consolas" pitchFamily="49" charset="0"/>
-              <a:cs typeface="Consolas" pitchFamily="49" charset="0"/>
-            </a:endParaRPr>
-          </a:p>
-          <a:p>
             <a:r>
               <a:rPr lang="en-US" sz="1400" dirty="0" smtClean="0">
                 <a:latin typeface="Consolas" pitchFamily="49" charset="0"/>
@@ -18711,49 +18711,28 @@
                 <a:latin typeface="Consolas" pitchFamily="49" charset="0"/>
                 <a:cs typeface="Consolas" pitchFamily="49" charset="0"/>
               </a:rPr>
-              <a:t>file.copy</a:t>
-            </a:r>
-            <a:r>
-              <a:rPr lang="en-US" sz="1400" dirty="0" smtClean="0">
-                <a:latin typeface="Consolas" pitchFamily="49" charset="0"/>
-                <a:cs typeface="Consolas" pitchFamily="49" charset="0"/>
-              </a:rPr>
-              <a:t> </a:t>
-            </a:r>
-            <a:r>
-              <a:rPr lang="en-US" sz="1400" dirty="0">
-                <a:latin typeface="Consolas" pitchFamily="49" charset="0"/>
-                <a:cs typeface="Consolas" pitchFamily="49" charset="0"/>
-              </a:rPr>
-              <a:t>("</a:t>
-            </a:r>
-            <a:r>
-              <a:rPr lang="en-US" sz="1400" dirty="0" err="1">
-                <a:latin typeface="Consolas" pitchFamily="49" charset="0"/>
-                <a:cs typeface="Consolas" pitchFamily="49" charset="0"/>
-              </a:rPr>
-              <a:t>data.bin.bak</a:t>
-            </a:r>
-            <a:r>
-              <a:rPr lang="en-US" sz="1400" dirty="0">
-                <a:latin typeface="Consolas" pitchFamily="49" charset="0"/>
-                <a:cs typeface="Consolas" pitchFamily="49" charset="0"/>
-              </a:rPr>
-              <a:t>"); </a:t>
-            </a:r>
-            <a:r>
-              <a:rPr lang="en-US" sz="1400" dirty="0" smtClean="0">
-                <a:latin typeface="Consolas" pitchFamily="49" charset="0"/>
-                <a:cs typeface="Consolas" pitchFamily="49" charset="0"/>
-              </a:rPr>
-              <a:t> // this works – session </a:t>
-            </a:r>
-            <a:r>
-              <a:rPr lang="en-US" sz="1400" dirty="0" smtClean="0">
-                <a:latin typeface="Consolas" pitchFamily="49" charset="0"/>
-                <a:cs typeface="Consolas" pitchFamily="49" charset="0"/>
-              </a:rPr>
-              <a:t>and contexts are </a:t>
+              <a:t>f.copy</a:t>
+            </a:r>
+            <a:r>
+              <a:rPr lang="en-US" sz="1400" dirty="0" smtClean="0">
+                <a:latin typeface="Consolas" pitchFamily="49" charset="0"/>
+                <a:cs typeface="Consolas" pitchFamily="49" charset="0"/>
+              </a:rPr>
+              <a:t> ("b");  </a:t>
+            </a:r>
+            <a:r>
+              <a:rPr lang="en-US" sz="1400" dirty="0" smtClean="0">
+                <a:latin typeface="Consolas" pitchFamily="49" charset="0"/>
+                <a:cs typeface="Consolas" pitchFamily="49" charset="0"/>
+              </a:rPr>
+              <a:t>// this works – session </a:t>
+            </a:r>
+            <a:r>
+              <a:rPr lang="en-US" sz="1400" dirty="0" smtClean="0">
+                <a:latin typeface="Consolas" pitchFamily="49" charset="0"/>
+                <a:cs typeface="Consolas" pitchFamily="49" charset="0"/>
+              </a:rPr>
+              <a:t>and context are </a:t>
             </a:r>
             <a:r>
               <a:rPr lang="en-US" sz="1400" dirty="0">
@@ -18824,6 +18803,454 @@
           <a:lstStyle/>
           <a:p>
             <a:r>
+              <a:rPr lang="en-US" dirty="0" smtClean="0"/>
+              <a:t>SAGA Session: Lifetime</a:t>
+            </a:r>
+            <a:endParaRPr lang="en-US" dirty="0"/>
+          </a:p>
+        </p:txBody>
+      </p:sp>
+      <p:sp>
+        <p:nvSpPr>
+          <p:cNvPr id="4" name="TextBox 3"/>
+          <p:cNvSpPr txBox="1"/>
+          <p:nvPr/>
+        </p:nvSpPr>
+        <p:spPr>
+          <a:xfrm>
+            <a:off x="946859" y="2162915"/>
+            <a:ext cx="7966954" cy="3108543"/>
+          </a:xfrm>
+          <a:prstGeom prst="rect">
+            <a:avLst/>
+          </a:prstGeom>
+          <a:solidFill>
+            <a:srgbClr val="D7D9CD"/>
+          </a:solidFill>
+          <a:ln>
+            <a:solidFill>
+              <a:srgbClr val="8BADBD"/>
+            </a:solidFill>
+          </a:ln>
+        </p:spPr>
+        <p:style>
+          <a:lnRef idx="2">
+            <a:schemeClr val="accent4"/>
+          </a:lnRef>
+          <a:fillRef idx="1">
+            <a:schemeClr val="lt1"/>
+          </a:fillRef>
+          <a:effectRef idx="0">
+            <a:schemeClr val="accent4"/>
+          </a:effectRef>
+          <a:fontRef idx="minor">
+            <a:schemeClr val="dk1"/>
+          </a:fontRef>
+        </p:style>
+        <p:txBody>
+          <a:bodyPr wrap="square" rtlCol="0">
+            <a:spAutoFit/>
+          </a:bodyPr>
+          <a:lstStyle/>
+          <a:p>
+            <a:endParaRPr lang="pt-BR" sz="1400" dirty="0" smtClean="0">
+              <a:latin typeface="Consolas" pitchFamily="49" charset="0"/>
+              <a:cs typeface="Consolas" pitchFamily="49" charset="0"/>
+            </a:endParaRPr>
+          </a:p>
+          <a:p>
+            <a:r>
+              <a:rPr lang="pt-BR" sz="1400" dirty="0">
+                <a:latin typeface="Consolas" pitchFamily="49" charset="0"/>
+                <a:cs typeface="Consolas" pitchFamily="49" charset="0"/>
+              </a:rPr>
+              <a:t> </a:t>
+            </a:r>
+            <a:r>
+              <a:rPr lang="pt-BR" sz="1400" dirty="0" smtClean="0">
+                <a:latin typeface="Consolas" pitchFamily="49" charset="0"/>
+                <a:cs typeface="Consolas" pitchFamily="49" charset="0"/>
+              </a:rPr>
+              <a:t>// as a rule: don’t worry about object lifetime too much...</a:t>
+            </a:r>
+            <a:endParaRPr lang="pt-BR" sz="1400" dirty="0" smtClean="0">
+              <a:latin typeface="Consolas" pitchFamily="49" charset="0"/>
+              <a:cs typeface="Consolas" pitchFamily="49" charset="0"/>
+            </a:endParaRPr>
+          </a:p>
+          <a:p>
+            <a:endParaRPr lang="pt-BR" sz="1400" dirty="0">
+              <a:latin typeface="Consolas" pitchFamily="49" charset="0"/>
+              <a:cs typeface="Consolas" pitchFamily="49" charset="0"/>
+            </a:endParaRPr>
+          </a:p>
+          <a:p>
+            <a:r>
+              <a:rPr lang="en-US" sz="1400" dirty="0" smtClean="0">
+                <a:latin typeface="Consolas" pitchFamily="49" charset="0"/>
+                <a:cs typeface="Consolas" pitchFamily="49" charset="0"/>
+              </a:rPr>
+              <a:t> saga</a:t>
+            </a:r>
+            <a:r>
+              <a:rPr lang="en-US" sz="1400" dirty="0">
+                <a:latin typeface="Consolas" pitchFamily="49" charset="0"/>
+                <a:cs typeface="Consolas" pitchFamily="49" charset="0"/>
+              </a:rPr>
+              <a:t>::session s;</a:t>
+            </a:r>
+          </a:p>
+          <a:p>
+            <a:r>
+              <a:rPr lang="pt-BR" sz="1400" dirty="0">
+                <a:latin typeface="Consolas" pitchFamily="49" charset="0"/>
+                <a:cs typeface="Consolas" pitchFamily="49" charset="0"/>
+              </a:rPr>
+              <a:t> saga::context c (saga::context::X509);</a:t>
+            </a:r>
+          </a:p>
+          <a:p>
+            <a:endParaRPr lang="en-US" sz="1400" dirty="0" smtClean="0">
+              <a:latin typeface="Consolas" pitchFamily="49" charset="0"/>
+              <a:cs typeface="Consolas" pitchFamily="49" charset="0"/>
+            </a:endParaRPr>
+          </a:p>
+          <a:p>
+            <a:r>
+              <a:rPr lang="en-US" sz="1400" dirty="0" smtClean="0">
+                <a:latin typeface="Consolas" pitchFamily="49" charset="0"/>
+                <a:cs typeface="Consolas" pitchFamily="49" charset="0"/>
+              </a:rPr>
+              <a:t> </a:t>
+            </a:r>
+            <a:r>
+              <a:rPr lang="en-US" sz="1400" dirty="0" err="1" smtClean="0">
+                <a:latin typeface="Consolas" pitchFamily="49" charset="0"/>
+                <a:cs typeface="Consolas" pitchFamily="49" charset="0"/>
+              </a:rPr>
+              <a:t>c.set_attribute</a:t>
+            </a:r>
+            <a:r>
+              <a:rPr lang="en-US" sz="1400" dirty="0" smtClean="0">
+                <a:latin typeface="Consolas" pitchFamily="49" charset="0"/>
+                <a:cs typeface="Consolas" pitchFamily="49" charset="0"/>
+              </a:rPr>
+              <a:t> </a:t>
+            </a:r>
+            <a:r>
+              <a:rPr lang="en-US" sz="1400" dirty="0">
+                <a:latin typeface="Consolas" pitchFamily="49" charset="0"/>
+                <a:cs typeface="Consolas" pitchFamily="49" charset="0"/>
+              </a:rPr>
+              <a:t>("</a:t>
+            </a:r>
+            <a:r>
+              <a:rPr lang="en-US" sz="1400" dirty="0" err="1">
+                <a:latin typeface="Consolas" pitchFamily="49" charset="0"/>
+                <a:cs typeface="Consolas" pitchFamily="49" charset="0"/>
+              </a:rPr>
+              <a:t>UserProxy</a:t>
+            </a:r>
+            <a:r>
+              <a:rPr lang="en-US" sz="1400" dirty="0">
+                <a:latin typeface="Consolas" pitchFamily="49" charset="0"/>
+                <a:cs typeface="Consolas" pitchFamily="49" charset="0"/>
+              </a:rPr>
+              <a:t>", "/</a:t>
+            </a:r>
+            <a:r>
+              <a:rPr lang="en-US" sz="1400" dirty="0" err="1">
+                <a:latin typeface="Consolas" pitchFamily="49" charset="0"/>
+                <a:cs typeface="Consolas" pitchFamily="49" charset="0"/>
+              </a:rPr>
+              <a:t>tmp</a:t>
+            </a:r>
+            <a:r>
+              <a:rPr lang="en-US" sz="1400" dirty="0">
+                <a:latin typeface="Consolas" pitchFamily="49" charset="0"/>
+                <a:cs typeface="Consolas" pitchFamily="49" charset="0"/>
+              </a:rPr>
+              <a:t>/x509up_u123.special");</a:t>
+            </a:r>
+          </a:p>
+          <a:p>
+            <a:r>
+              <a:rPr lang="en-US" sz="1400" dirty="0" smtClean="0">
+                <a:latin typeface="Consolas" pitchFamily="49" charset="0"/>
+                <a:cs typeface="Consolas" pitchFamily="49" charset="0"/>
+              </a:rPr>
+              <a:t> </a:t>
+            </a:r>
+            <a:r>
+              <a:rPr lang="en-US" sz="1400" dirty="0" err="1" smtClean="0">
+                <a:latin typeface="Consolas" pitchFamily="49" charset="0"/>
+                <a:cs typeface="Consolas" pitchFamily="49" charset="0"/>
+              </a:rPr>
+              <a:t>s.add_context</a:t>
+            </a:r>
+            <a:r>
+              <a:rPr lang="en-US" sz="1400" dirty="0" smtClean="0">
+                <a:latin typeface="Consolas" pitchFamily="49" charset="0"/>
+                <a:cs typeface="Consolas" pitchFamily="49" charset="0"/>
+              </a:rPr>
+              <a:t> </a:t>
+            </a:r>
+            <a:r>
+              <a:rPr lang="en-US" sz="1400" dirty="0">
+                <a:latin typeface="Consolas" pitchFamily="49" charset="0"/>
+                <a:cs typeface="Consolas" pitchFamily="49" charset="0"/>
+              </a:rPr>
+              <a:t>(</a:t>
+            </a:r>
+            <a:r>
+              <a:rPr lang="en-US" sz="1400" dirty="0" smtClean="0">
+                <a:latin typeface="Consolas" pitchFamily="49" charset="0"/>
+                <a:cs typeface="Consolas" pitchFamily="49" charset="0"/>
+              </a:rPr>
+              <a:t>c);</a:t>
+            </a:r>
+            <a:endParaRPr lang="en-US" sz="1400" dirty="0">
+              <a:latin typeface="Consolas" pitchFamily="49" charset="0"/>
+              <a:cs typeface="Consolas" pitchFamily="49" charset="0"/>
+            </a:endParaRPr>
+          </a:p>
+          <a:p>
+            <a:endParaRPr lang="pt-BR" sz="1400" dirty="0" smtClean="0">
+              <a:latin typeface="Consolas" pitchFamily="49" charset="0"/>
+              <a:cs typeface="Consolas" pitchFamily="49" charset="0"/>
+            </a:endParaRPr>
+          </a:p>
+          <a:p>
+            <a:r>
+              <a:rPr lang="en-US" sz="1400" dirty="0" smtClean="0">
+                <a:latin typeface="Consolas" pitchFamily="49" charset="0"/>
+                <a:cs typeface="Consolas" pitchFamily="49" charset="0"/>
+              </a:rPr>
+              <a:t> </a:t>
+            </a:r>
+            <a:r>
+              <a:rPr lang="en-US" sz="1400" dirty="0" smtClean="0">
+                <a:latin typeface="Consolas" pitchFamily="49" charset="0"/>
+                <a:cs typeface="Consolas" pitchFamily="49" charset="0"/>
+              </a:rPr>
+              <a:t>saga::</a:t>
+            </a:r>
+            <a:r>
+              <a:rPr lang="en-US" sz="1400" dirty="0" err="1" smtClean="0">
+                <a:latin typeface="Consolas" pitchFamily="49" charset="0"/>
+                <a:cs typeface="Consolas" pitchFamily="49" charset="0"/>
+              </a:rPr>
+              <a:t>filesystem</a:t>
+            </a:r>
+            <a:r>
+              <a:rPr lang="en-US" sz="1400" dirty="0" smtClean="0">
+                <a:latin typeface="Consolas" pitchFamily="49" charset="0"/>
+                <a:cs typeface="Consolas" pitchFamily="49" charset="0"/>
+              </a:rPr>
+              <a:t>::</a:t>
+            </a:r>
+            <a:r>
+              <a:rPr lang="en-US" sz="1400" dirty="0" err="1" smtClean="0">
+                <a:latin typeface="Consolas" pitchFamily="49" charset="0"/>
+                <a:cs typeface="Consolas" pitchFamily="49" charset="0"/>
+              </a:rPr>
+              <a:t>dir</a:t>
+            </a:r>
+            <a:r>
+              <a:rPr lang="en-US" sz="1400" dirty="0" smtClean="0">
+                <a:latin typeface="Consolas" pitchFamily="49" charset="0"/>
+                <a:cs typeface="Consolas" pitchFamily="49" charset="0"/>
+              </a:rPr>
+              <a:t>  d </a:t>
+            </a:r>
+            <a:r>
+              <a:rPr lang="en-US" sz="1400" dirty="0">
+                <a:latin typeface="Consolas" pitchFamily="49" charset="0"/>
+                <a:cs typeface="Consolas" pitchFamily="49" charset="0"/>
+              </a:rPr>
+              <a:t>(s, "</a:t>
+            </a:r>
+            <a:r>
+              <a:rPr lang="en-US" sz="1400" dirty="0" err="1">
+                <a:latin typeface="Consolas" pitchFamily="49" charset="0"/>
+                <a:cs typeface="Consolas" pitchFamily="49" charset="0"/>
+              </a:rPr>
+              <a:t>gridftp</a:t>
+            </a:r>
+            <a:r>
+              <a:rPr lang="en-US" sz="1400" dirty="0">
+                <a:latin typeface="Consolas" pitchFamily="49" charset="0"/>
+                <a:cs typeface="Consolas" pitchFamily="49" charset="0"/>
+              </a:rPr>
+              <a:t>://remote.host.net/data</a:t>
+            </a:r>
+            <a:r>
+              <a:rPr lang="en-US" sz="1400" dirty="0" smtClean="0">
+                <a:latin typeface="Consolas" pitchFamily="49" charset="0"/>
+                <a:cs typeface="Consolas" pitchFamily="49" charset="0"/>
+              </a:rPr>
+              <a:t>/");</a:t>
+            </a:r>
+            <a:endParaRPr lang="en-US" sz="1400" dirty="0" smtClean="0">
+              <a:latin typeface="Consolas" pitchFamily="49" charset="0"/>
+              <a:cs typeface="Consolas" pitchFamily="49" charset="0"/>
+            </a:endParaRPr>
+          </a:p>
+          <a:p>
+            <a:r>
+              <a:rPr lang="pt-BR" sz="1400" dirty="0" smtClean="0">
+                <a:latin typeface="Consolas" pitchFamily="49" charset="0"/>
+                <a:cs typeface="Consolas" pitchFamily="49" charset="0"/>
+              </a:rPr>
+              <a:t> </a:t>
+            </a:r>
+            <a:r>
+              <a:rPr lang="pt-BR" sz="1400" dirty="0">
+                <a:latin typeface="Consolas" pitchFamily="49" charset="0"/>
+                <a:cs typeface="Consolas" pitchFamily="49" charset="0"/>
+              </a:rPr>
+              <a:t>saga::filesystem::file </a:t>
+            </a:r>
+            <a:r>
+              <a:rPr lang="en-US" sz="1400" dirty="0" smtClean="0">
+                <a:latin typeface="Consolas" pitchFamily="49" charset="0"/>
+                <a:cs typeface="Consolas" pitchFamily="49" charset="0"/>
+              </a:rPr>
+              <a:t>f </a:t>
+            </a:r>
+            <a:r>
+              <a:rPr lang="en-US" sz="1400" dirty="0">
+                <a:latin typeface="Consolas" pitchFamily="49" charset="0"/>
+                <a:cs typeface="Consolas" pitchFamily="49" charset="0"/>
+              </a:rPr>
+              <a:t>= </a:t>
+            </a:r>
+            <a:r>
+              <a:rPr lang="en-US" sz="1400" dirty="0" err="1" smtClean="0">
+                <a:latin typeface="Consolas" pitchFamily="49" charset="0"/>
+                <a:cs typeface="Consolas" pitchFamily="49" charset="0"/>
+              </a:rPr>
+              <a:t>d.open</a:t>
+            </a:r>
+            <a:r>
+              <a:rPr lang="en-US" sz="1400" dirty="0" smtClean="0">
+                <a:latin typeface="Consolas" pitchFamily="49" charset="0"/>
+                <a:cs typeface="Consolas" pitchFamily="49" charset="0"/>
+              </a:rPr>
+              <a:t> (“</a:t>
+            </a:r>
+            <a:r>
+              <a:rPr lang="en-US" sz="1400" dirty="0" smtClean="0">
+                <a:latin typeface="Consolas" pitchFamily="49" charset="0"/>
+                <a:cs typeface="Consolas" pitchFamily="49" charset="0"/>
+              </a:rPr>
+              <a:t>a</a:t>
+            </a:r>
+            <a:r>
+              <a:rPr lang="en-US" sz="1400" dirty="0" smtClean="0">
+                <a:latin typeface="Consolas" pitchFamily="49" charset="0"/>
+                <a:cs typeface="Consolas" pitchFamily="49" charset="0"/>
+              </a:rPr>
+              <a:t>");</a:t>
+            </a:r>
+            <a:endParaRPr lang="en-US" sz="1400" dirty="0">
+              <a:latin typeface="Consolas" pitchFamily="49" charset="0"/>
+              <a:cs typeface="Consolas" pitchFamily="49" charset="0"/>
+            </a:endParaRPr>
+          </a:p>
+          <a:p>
+            <a:r>
+              <a:rPr lang="en-US" sz="1400" dirty="0" smtClean="0">
+                <a:latin typeface="Consolas" pitchFamily="49" charset="0"/>
+                <a:cs typeface="Consolas" pitchFamily="49" charset="0"/>
+              </a:rPr>
+              <a:t> </a:t>
+            </a:r>
+          </a:p>
+          <a:p>
+            <a:r>
+              <a:rPr lang="en-US" sz="1400" dirty="0">
+                <a:latin typeface="Consolas" pitchFamily="49" charset="0"/>
+                <a:cs typeface="Consolas" pitchFamily="49" charset="0"/>
+              </a:rPr>
+              <a:t> </a:t>
+            </a:r>
+            <a:r>
+              <a:rPr lang="en-US" sz="1400" dirty="0" err="1" smtClean="0">
+                <a:latin typeface="Consolas" pitchFamily="49" charset="0"/>
+                <a:cs typeface="Consolas" pitchFamily="49" charset="0"/>
+              </a:rPr>
+              <a:t>f.copy</a:t>
+            </a:r>
+            <a:r>
+              <a:rPr lang="en-US" sz="1400" dirty="0" smtClean="0">
+                <a:latin typeface="Consolas" pitchFamily="49" charset="0"/>
+                <a:cs typeface="Consolas" pitchFamily="49" charset="0"/>
+              </a:rPr>
+              <a:t> ("b");</a:t>
+            </a:r>
+          </a:p>
+          <a:p>
+            <a:endParaRPr lang="en-US" sz="1400" dirty="0">
+              <a:latin typeface="Consolas" pitchFamily="49" charset="0"/>
+              <a:cs typeface="Consolas" pitchFamily="49" charset="0"/>
+            </a:endParaRPr>
+          </a:p>
+        </p:txBody>
+      </p:sp>
+    </p:spTree>
+    <p:extLst>
+      <p:ext uri="{BB962C8B-B14F-4D97-AF65-F5344CB8AC3E}">
+        <p14:creationId xmlns:p14="http://schemas.microsoft.com/office/powerpoint/2010/main" val="2222704661"/>
+      </p:ext>
+    </p:extLst>
+  </p:cSld>
+  <p:clrMapOvr>
+    <a:masterClrMapping/>
+  </p:clrMapOvr>
+  <p:timing>
+    <p:tnLst>
+      <p:par>
+        <p:cTn id="1" dur="indefinite" restart="never" nodeType="tmRoot"/>
+      </p:par>
+    </p:tnLst>
+  </p:timing>
+</p:sld>
+</file>
+
+<file path=ppt/slides/slide52.xml><?xml version="1.0" encoding="utf-8"?>
+<p:sld xmlns:a="http://schemas.openxmlformats.org/drawingml/2006/main" xmlns:r="http://schemas.openxmlformats.org/officeDocument/2006/relationships" xmlns:p="http://schemas.openxmlformats.org/presentationml/2006/main">
+  <p:cSld>
+    <p:spTree>
+      <p:nvGrpSpPr>
+        <p:cNvPr id="1" name=""/>
+        <p:cNvGrpSpPr/>
+        <p:nvPr/>
+      </p:nvGrpSpPr>
+      <p:grpSpPr>
+        <a:xfrm>
+          <a:off x="0" y="0"/>
+          <a:ext cx="0" cy="0"/>
+          <a:chOff x="0" y="0"/>
+          <a:chExt cx="0" cy="0"/>
+        </a:xfrm>
+      </p:grpSpPr>
+      <p:sp>
+        <p:nvSpPr>
+          <p:cNvPr id="2" name="Title 1"/>
+          <p:cNvSpPr>
+            <a:spLocks noGrp="1"/>
+          </p:cNvSpPr>
+          <p:nvPr>
+            <p:ph type="title"/>
+          </p:nvPr>
+        </p:nvSpPr>
+        <p:spPr/>
+        <p:txBody>
+          <a:bodyPr/>
+          <a:lstStyle/>
+          <a:p>
+            <a:r>
               <a:rPr lang="en-US" dirty="0"/>
               <a:t>SAGA </a:t>
             </a:r>
@@ -18867,17 +19294,12 @@
             </a:r>
             <a:r>
               <a:rPr lang="en-US" dirty="0" smtClean="0"/>
-              <a:t>distributed systems</a:t>
-            </a:r>
-            <a:r>
-              <a:rPr lang="en-US" dirty="0"/>
-              <a:t>, and </a:t>
-            </a:r>
-            <a:r>
-              <a:rPr lang="en-US" dirty="0" smtClean="0"/>
-              <a:t>thus Grids</a:t>
-            </a:r>
-            <a:endParaRPr lang="en-US" dirty="0"/>
+              <a:t>distributed </a:t>
+            </a:r>
+            <a:r>
+              <a:rPr lang="en-US" dirty="0" smtClean="0"/>
+              <a:t>systems</a:t>
+            </a:r>
           </a:p>
           <a:p>
             <a:r>
@@ -19000,10 +19422,17 @@
   <p:clrMapOvr>
     <a:masterClrMapping/>
   </p:clrMapOvr>
+  <p:timing>
+    <p:tnLst>
+      <p:par>
+        <p:cTn id="1" dur="indefinite" restart="never" nodeType="tmRoot"/>
+      </p:par>
+    </p:tnLst>
+  </p:timing>
 </p:sld>
 </file>
 
-<file path=ppt/slides/slide52.xml><?xml version="1.0" encoding="utf-8"?>
+<file path=ppt/slides/slide53.xml><?xml version="1.0" encoding="utf-8"?>
 <p:sld xmlns:a="http://schemas.openxmlformats.org/drawingml/2006/main" xmlns:r="http://schemas.openxmlformats.org/officeDocument/2006/relationships" xmlns:p="http://schemas.openxmlformats.org/presentationml/2006/main">
   <p:cSld>
     <p:spTree>
@@ -19082,10 +19511,17 @@
   <p:clrMapOvr>
     <a:masterClrMapping/>
   </p:clrMapOvr>
+  <p:timing>
+    <p:tnLst>
+      <p:par>
+        <p:cTn id="1" dur="indefinite" restart="never" nodeType="tmRoot"/>
+      </p:par>
+    </p:tnLst>
+  </p:timing>
 </p:sld>
 </file>
 
-<file path=ppt/slides/slide53.xml><?xml version="1.0" encoding="utf-8"?>
+<file path=ppt/slides/slide54.xml><?xml version="1.0" encoding="utf-8"?>
 <p:sld xmlns:a="http://schemas.openxmlformats.org/drawingml/2006/main" xmlns:r="http://schemas.openxmlformats.org/officeDocument/2006/relationships" xmlns:p="http://schemas.openxmlformats.org/presentationml/2006/main">
   <p:cSld>
     <p:spTree>
@@ -19251,6 +19687,20 @@
               </a:rPr>
               <a:t>Done</a:t>
             </a:r>
+            <a:r>
+              <a:rPr lang="en-US" dirty="0" smtClean="0">
+                <a:latin typeface="Consolas" pitchFamily="49" charset="0"/>
+                <a:cs typeface="Consolas" pitchFamily="49" charset="0"/>
+              </a:rPr>
+              <a:t>	</a:t>
+            </a:r>
+            <a:r>
+              <a:rPr lang="en-US" dirty="0" smtClean="0">
+                <a:latin typeface="Consolas" pitchFamily="49" charset="0"/>
+                <a:cs typeface="Consolas" pitchFamily="49" charset="0"/>
+              </a:rPr>
+              <a:t>-&gt; create () ; run () ; wait () ;</a:t>
+            </a:r>
           </a:p>
           <a:p>
             <a:pPr lvl="1"/>
@@ -19270,62 +19720,28 @@
                 <a:latin typeface="Consolas" pitchFamily="49" charset="0"/>
                 <a:cs typeface="Consolas" pitchFamily="49" charset="0"/>
               </a:rPr>
-              <a:t>Running</a:t>
-            </a:r>
-            <a:r>
-              <a:rPr lang="en-US" dirty="0" smtClean="0"/>
-              <a:t>		-&gt; </a:t>
-            </a:r>
+              <a:t>Running	-&gt; create () ; run () ;</a:t>
+            </a:r>
+          </a:p>
+          <a:p>
+            <a:pPr lvl="1"/>
             <a:r>
               <a:rPr lang="en-US" dirty="0" smtClean="0">
                 <a:latin typeface="Consolas" pitchFamily="49" charset="0"/>
                 <a:cs typeface="Consolas" pitchFamily="49" charset="0"/>
               </a:rPr>
-              <a:t>wait();</a:t>
-            </a:r>
-          </a:p>
-          <a:p>
-            <a:pPr lvl="1"/>
+              <a:t>Task</a:t>
+            </a:r>
+            <a:r>
+              <a:rPr lang="en-US" dirty="0" smtClean="0"/>
+              <a:t>: 	task is </a:t>
+            </a:r>
             <a:r>
               <a:rPr lang="en-US" dirty="0" smtClean="0">
                 <a:latin typeface="Consolas" pitchFamily="49" charset="0"/>
                 <a:cs typeface="Consolas" pitchFamily="49" charset="0"/>
               </a:rPr>
-              <a:t>Task</a:t>
-            </a:r>
-            <a:r>
-              <a:rPr lang="en-US" dirty="0" smtClean="0"/>
-              <a:t>: </a:t>
-            </a:r>
-            <a:r>
-              <a:rPr lang="en-US" dirty="0"/>
-              <a:t>	</a:t>
-            </a:r>
-            <a:r>
-              <a:rPr lang="en-US" dirty="0" smtClean="0"/>
-              <a:t>task </a:t>
-            </a:r>
-            <a:r>
-              <a:rPr lang="en-US" dirty="0"/>
-              <a:t>is </a:t>
-            </a:r>
-            <a:r>
-              <a:rPr lang="en-US" dirty="0" smtClean="0">
-                <a:latin typeface="Consolas" pitchFamily="49" charset="0"/>
-                <a:cs typeface="Consolas" pitchFamily="49" charset="0"/>
-              </a:rPr>
-              <a:t>New</a:t>
-            </a:r>
-            <a:r>
-              <a:rPr lang="en-US" dirty="0" smtClean="0"/>
-              <a:t>		-&gt; </a:t>
-            </a:r>
-            <a:r>
-              <a:rPr lang="en-US" dirty="0" smtClean="0">
-                <a:latin typeface="Consolas" pitchFamily="49" charset="0"/>
-                <a:cs typeface="Consolas" pitchFamily="49" charset="0"/>
-              </a:rPr>
-              <a:t>run(); wait();</a:t>
+              <a:t>New	-&gt; create () ;</a:t>
             </a:r>
           </a:p>
           <a:p>
@@ -19334,7 +19750,443 @@
                 <a:latin typeface="Century Gothic" pitchFamily="34" charset="0"/>
                 <a:cs typeface="Consolas" pitchFamily="49" charset="0"/>
               </a:rPr>
-              <a:t>delayed exception delivery</a:t>
+              <a:t>delayed </a:t>
+            </a:r>
+            <a:r>
+              <a:rPr lang="en-US" dirty="0" smtClean="0">
+                <a:latin typeface="Century Gothic" pitchFamily="34" charset="0"/>
+                <a:cs typeface="Consolas" pitchFamily="49" charset="0"/>
+              </a:rPr>
+              <a:t>exception delivery</a:t>
+            </a:r>
+          </a:p>
+          <a:p>
+            <a:pPr marL="349250" lvl="1" indent="0">
+              <a:buNone/>
+            </a:pPr>
+            <a:r>
+              <a:rPr lang="en-US" sz="1400" dirty="0">
+                <a:latin typeface="Consolas" pitchFamily="49" charset="0"/>
+                <a:cs typeface="Consolas" pitchFamily="49" charset="0"/>
+              </a:rPr>
+              <a:t>i</a:t>
+            </a:r>
+            <a:r>
+              <a:rPr lang="en-US" sz="1400" dirty="0" smtClean="0">
+                <a:latin typeface="Consolas" pitchFamily="49" charset="0"/>
+                <a:cs typeface="Consolas" pitchFamily="49" charset="0"/>
+              </a:rPr>
+              <a:t>f ( saga::task::Failed == </a:t>
+            </a:r>
+            <a:r>
+              <a:rPr lang="en-US" sz="1400" dirty="0" err="1" smtClean="0">
+                <a:latin typeface="Consolas" pitchFamily="49" charset="0"/>
+                <a:cs typeface="Consolas" pitchFamily="49" charset="0"/>
+              </a:rPr>
+              <a:t>task.get_state</a:t>
+            </a:r>
+            <a:r>
+              <a:rPr lang="en-US" sz="1400" dirty="0" smtClean="0">
+                <a:latin typeface="Consolas" pitchFamily="49" charset="0"/>
+                <a:cs typeface="Consolas" pitchFamily="49" charset="0"/>
+              </a:rPr>
+              <a:t> () )</a:t>
+            </a:r>
+          </a:p>
+          <a:p>
+            <a:pPr marL="349250" lvl="1" indent="0">
+              <a:buNone/>
+            </a:pPr>
+            <a:r>
+              <a:rPr lang="en-US" sz="1400" dirty="0" smtClean="0">
+                <a:latin typeface="Consolas" pitchFamily="49" charset="0"/>
+                <a:cs typeface="Consolas" pitchFamily="49" charset="0"/>
+              </a:rPr>
+              <a:t>{</a:t>
+            </a:r>
+          </a:p>
+          <a:p>
+            <a:pPr marL="349250" lvl="1" indent="0">
+              <a:buNone/>
+            </a:pPr>
+            <a:r>
+              <a:rPr lang="en-US" sz="1400" dirty="0">
+                <a:latin typeface="Consolas" pitchFamily="49" charset="0"/>
+                <a:cs typeface="Consolas" pitchFamily="49" charset="0"/>
+              </a:rPr>
+              <a:t> </a:t>
+            </a:r>
+            <a:r>
+              <a:rPr lang="en-US" sz="1400" dirty="0" smtClean="0">
+                <a:latin typeface="Consolas" pitchFamily="49" charset="0"/>
+                <a:cs typeface="Consolas" pitchFamily="49" charset="0"/>
+              </a:rPr>
+              <a:t>   </a:t>
+            </a:r>
+            <a:r>
+              <a:rPr lang="en-US" sz="1400" dirty="0" err="1" smtClean="0">
+                <a:latin typeface="Consolas" pitchFamily="49" charset="0"/>
+                <a:cs typeface="Consolas" pitchFamily="49" charset="0"/>
+              </a:rPr>
+              <a:t>task.rethrow</a:t>
+            </a:r>
+            <a:r>
+              <a:rPr lang="en-US" sz="1400" dirty="0" smtClean="0">
+                <a:latin typeface="Consolas" pitchFamily="49" charset="0"/>
+                <a:cs typeface="Consolas" pitchFamily="49" charset="0"/>
+              </a:rPr>
+              <a:t> ();</a:t>
+            </a:r>
+          </a:p>
+          <a:p>
+            <a:pPr marL="349250" lvl="1" indent="0">
+              <a:buNone/>
+            </a:pPr>
+            <a:r>
+              <a:rPr lang="en-US" sz="1400" dirty="0">
+                <a:latin typeface="Consolas" pitchFamily="49" charset="0"/>
+                <a:cs typeface="Consolas" pitchFamily="49" charset="0"/>
+              </a:rPr>
+              <a:t>}</a:t>
+            </a:r>
+          </a:p>
+          <a:p>
+            <a:pPr lvl="1"/>
+            <a:endParaRPr lang="en-US" dirty="0"/>
+          </a:p>
+        </p:txBody>
+      </p:sp>
+    </p:spTree>
+    <p:extLst>
+      <p:ext uri="{BB962C8B-B14F-4D97-AF65-F5344CB8AC3E}">
+        <p14:creationId xmlns:p14="http://schemas.microsoft.com/office/powerpoint/2010/main" val="1591159757"/>
+      </p:ext>
+    </p:extLst>
+  </p:cSld>
+  <p:clrMapOvr>
+    <a:masterClrMapping/>
+  </p:clrMapOvr>
+  <p:timing>
+    <p:tnLst>
+      <p:par>
+        <p:cTn id="1" dur="indefinite" restart="never" nodeType="tmRoot"/>
+      </p:par>
+    </p:tnLst>
+  </p:timing>
+</p:sld>
+</file>
+
+<file path=ppt/slides/slide55.xml><?xml version="1.0" encoding="utf-8"?>
+<p:sld xmlns:a="http://schemas.openxmlformats.org/drawingml/2006/main" xmlns:r="http://schemas.openxmlformats.org/officeDocument/2006/relationships" xmlns:p="http://schemas.openxmlformats.org/presentationml/2006/main">
+  <p:cSld>
+    <p:spTree>
+      <p:nvGrpSpPr>
+        <p:cNvPr id="1" name=""/>
+        <p:cNvGrpSpPr/>
+        <p:nvPr/>
+      </p:nvGrpSpPr>
+      <p:grpSpPr>
+        <a:xfrm>
+          <a:off x="0" y="0"/>
+          <a:ext cx="0" cy="0"/>
+          <a:chOff x="0" y="0"/>
+          <a:chExt cx="0" cy="0"/>
+        </a:xfrm>
+      </p:grpSpPr>
+      <p:sp>
+        <p:nvSpPr>
+          <p:cNvPr id="2" name="Title 1"/>
+          <p:cNvSpPr>
+            <a:spLocks noGrp="1"/>
+          </p:cNvSpPr>
+          <p:nvPr>
+            <p:ph type="title"/>
+          </p:nvPr>
+        </p:nvSpPr>
+        <p:spPr/>
+        <p:txBody>
+          <a:bodyPr/>
+          <a:lstStyle/>
+          <a:p>
+            <a:r>
+              <a:rPr lang="en-US" dirty="0"/>
+              <a:t>SAGA </a:t>
+            </a:r>
+            <a:r>
+              <a:rPr lang="en-US" dirty="0" smtClean="0"/>
+              <a:t>Tasks</a:t>
+            </a:r>
+            <a:endParaRPr lang="en-US" dirty="0"/>
+          </a:p>
+        </p:txBody>
+      </p:sp>
+      <p:sp>
+        <p:nvSpPr>
+          <p:cNvPr id="3" name="Content Placeholder 2"/>
+          <p:cNvSpPr>
+            <a:spLocks noGrp="1"/>
+          </p:cNvSpPr>
+          <p:nvPr>
+            <p:ph idx="1"/>
+          </p:nvPr>
+        </p:nvSpPr>
+        <p:spPr>
+          <a:xfrm>
+            <a:off x="575067" y="2068619"/>
+            <a:ext cx="8155866" cy="4321030"/>
+          </a:xfrm>
+        </p:spPr>
+        <p:txBody>
+          <a:bodyPr numCol="1">
+            <a:noAutofit/>
+          </a:bodyPr>
+          <a:lstStyle/>
+          <a:p>
+            <a:r>
+              <a:rPr lang="en-US" dirty="0"/>
+              <a:t>different versions for each method call: </a:t>
+            </a:r>
+            <a:r>
+              <a:rPr lang="en-US" dirty="0" smtClean="0"/>
+              <a:t> </a:t>
+            </a:r>
+            <a:r>
+              <a:rPr lang="en-US" dirty="0">
+                <a:latin typeface="Consolas" pitchFamily="49" charset="0"/>
+                <a:cs typeface="Consolas" pitchFamily="49" charset="0"/>
+              </a:rPr>
+              <a:t>S</a:t>
+            </a:r>
+            <a:r>
+              <a:rPr lang="en-US" dirty="0" smtClean="0">
+                <a:latin typeface="Consolas" pitchFamily="49" charset="0"/>
+                <a:cs typeface="Consolas" pitchFamily="49" charset="0"/>
+              </a:rPr>
+              <a:t>ync</a:t>
+            </a:r>
+            <a:r>
+              <a:rPr lang="en-US" dirty="0">
+                <a:latin typeface="Consolas" pitchFamily="49" charset="0"/>
+                <a:cs typeface="Consolas" pitchFamily="49" charset="0"/>
+              </a:rPr>
+              <a:t>, </a:t>
+            </a:r>
+            <a:r>
+              <a:rPr lang="en-US" dirty="0" err="1" smtClean="0">
+                <a:latin typeface="Consolas" pitchFamily="49" charset="0"/>
+                <a:cs typeface="Consolas" pitchFamily="49" charset="0"/>
+              </a:rPr>
+              <a:t>Async</a:t>
+            </a:r>
+            <a:r>
+              <a:rPr lang="en-US" dirty="0" smtClean="0">
+                <a:latin typeface="Consolas" pitchFamily="49" charset="0"/>
+                <a:cs typeface="Consolas" pitchFamily="49" charset="0"/>
+              </a:rPr>
+              <a:t>, Task</a:t>
+            </a:r>
+            <a:endParaRPr lang="en-US" dirty="0">
+              <a:latin typeface="Consolas" pitchFamily="49" charset="0"/>
+              <a:cs typeface="Consolas" pitchFamily="49" charset="0"/>
+            </a:endParaRPr>
+          </a:p>
+          <a:p>
+            <a:r>
+              <a:rPr lang="en-US" dirty="0" smtClean="0"/>
+              <a:t>signature </a:t>
+            </a:r>
+            <a:r>
+              <a:rPr lang="en-US" dirty="0"/>
+              <a:t>basically the same</a:t>
+            </a:r>
+          </a:p>
+          <a:p>
+            <a:r>
+              <a:rPr lang="en-US" dirty="0" smtClean="0"/>
+              <a:t>differ </a:t>
+            </a:r>
+            <a:r>
+              <a:rPr lang="en-US" dirty="0"/>
+              <a:t>in state of </a:t>
+            </a:r>
+            <a:r>
+              <a:rPr lang="en-US" dirty="0" smtClean="0"/>
+              <a:t>the task </a:t>
+            </a:r>
+            <a:r>
+              <a:rPr lang="en-US" dirty="0"/>
+              <a:t>returned by that </a:t>
+            </a:r>
+            <a:r>
+              <a:rPr lang="en-US" dirty="0" smtClean="0"/>
+              <a:t>method</a:t>
+            </a:r>
+          </a:p>
+          <a:p>
+            <a:pPr lvl="1">
+              <a:tabLst>
+                <a:tab pos="1828800" algn="l"/>
+                <a:tab pos="1944688" algn="l"/>
+                <a:tab pos="3709988" algn="l"/>
+                <a:tab pos="5086350" algn="l"/>
+                <a:tab pos="6169025" algn="l"/>
+              </a:tabLst>
+            </a:pPr>
+            <a:r>
+              <a:rPr lang="en-US" dirty="0" smtClean="0">
+                <a:latin typeface="Consolas" pitchFamily="49" charset="0"/>
+                <a:cs typeface="Consolas" pitchFamily="49" charset="0"/>
+              </a:rPr>
+              <a:t>Sync</a:t>
+            </a:r>
+            <a:r>
+              <a:rPr lang="en-US" dirty="0" smtClean="0"/>
+              <a:t>: 	task is </a:t>
+            </a:r>
+            <a:r>
+              <a:rPr lang="en-US" dirty="0" smtClean="0">
+                <a:latin typeface="Consolas" pitchFamily="49" charset="0"/>
+                <a:cs typeface="Consolas" pitchFamily="49" charset="0"/>
+              </a:rPr>
+              <a:t>Done	-&gt; 		</a:t>
+            </a:r>
+            <a:r>
+              <a:rPr lang="en-US" dirty="0" err="1" smtClean="0">
+                <a:latin typeface="Consolas" pitchFamily="49" charset="0"/>
+                <a:cs typeface="Consolas" pitchFamily="49" charset="0"/>
+              </a:rPr>
+              <a:t>get_result</a:t>
+            </a:r>
+            <a:r>
+              <a:rPr lang="en-US" dirty="0" smtClean="0">
+                <a:latin typeface="Consolas" pitchFamily="49" charset="0"/>
+                <a:cs typeface="Consolas" pitchFamily="49" charset="0"/>
+              </a:rPr>
+              <a:t> ();</a:t>
+            </a:r>
+          </a:p>
+          <a:p>
+            <a:pPr lvl="1">
+              <a:tabLst>
+                <a:tab pos="1828800" algn="l"/>
+                <a:tab pos="1944688" algn="l"/>
+                <a:tab pos="3709988" algn="l"/>
+                <a:tab pos="5086350" algn="l"/>
+                <a:tab pos="6169025" algn="l"/>
+              </a:tabLst>
+            </a:pPr>
+            <a:r>
+              <a:rPr lang="en-US" dirty="0" err="1" smtClean="0">
+                <a:latin typeface="Consolas" pitchFamily="49" charset="0"/>
+                <a:cs typeface="Consolas" pitchFamily="49" charset="0"/>
+              </a:rPr>
+              <a:t>Async</a:t>
+            </a:r>
+            <a:r>
+              <a:rPr lang="en-US" dirty="0" smtClean="0"/>
+              <a:t>: 	task is </a:t>
+            </a:r>
+            <a:r>
+              <a:rPr lang="en-US" dirty="0" smtClean="0">
+                <a:latin typeface="Consolas" pitchFamily="49" charset="0"/>
+                <a:cs typeface="Consolas" pitchFamily="49" charset="0"/>
+              </a:rPr>
+              <a:t>Running</a:t>
+            </a:r>
+            <a:r>
+              <a:rPr lang="en-US" dirty="0" smtClean="0"/>
+              <a:t>	</a:t>
+            </a:r>
+            <a:r>
+              <a:rPr lang="en-US" dirty="0" smtClean="0">
+                <a:latin typeface="Consolas" pitchFamily="49" charset="0"/>
+                <a:cs typeface="Consolas" pitchFamily="49" charset="0"/>
+              </a:rPr>
+              <a:t>-&gt; 	wait();	</a:t>
+            </a:r>
+            <a:r>
+              <a:rPr lang="en-US" dirty="0" err="1" smtClean="0">
+                <a:latin typeface="Consolas" pitchFamily="49" charset="0"/>
+                <a:cs typeface="Consolas" pitchFamily="49" charset="0"/>
+              </a:rPr>
+              <a:t>get_result</a:t>
+            </a:r>
+            <a:r>
+              <a:rPr lang="en-US" dirty="0" smtClean="0">
+                <a:latin typeface="Consolas" pitchFamily="49" charset="0"/>
+                <a:cs typeface="Consolas" pitchFamily="49" charset="0"/>
+              </a:rPr>
+              <a:t> ();</a:t>
+            </a:r>
+          </a:p>
+          <a:p>
+            <a:pPr lvl="1">
+              <a:tabLst>
+                <a:tab pos="1828800" algn="l"/>
+                <a:tab pos="1944688" algn="l"/>
+                <a:tab pos="3709988" algn="l"/>
+                <a:tab pos="5086350" algn="l"/>
+                <a:tab pos="6169025" algn="l"/>
+              </a:tabLst>
+            </a:pPr>
+            <a:r>
+              <a:rPr lang="en-US" dirty="0" smtClean="0">
+                <a:latin typeface="Consolas" pitchFamily="49" charset="0"/>
+                <a:cs typeface="Consolas" pitchFamily="49" charset="0"/>
+              </a:rPr>
+              <a:t>Task</a:t>
+            </a:r>
+            <a:r>
+              <a:rPr lang="en-US" dirty="0" smtClean="0"/>
+              <a:t>: 	task is </a:t>
+            </a:r>
+            <a:r>
+              <a:rPr lang="en-US" dirty="0" smtClean="0">
+                <a:latin typeface="Consolas" pitchFamily="49" charset="0"/>
+                <a:cs typeface="Consolas" pitchFamily="49" charset="0"/>
+              </a:rPr>
+              <a:t>New</a:t>
+            </a:r>
+            <a:r>
+              <a:rPr lang="en-US" dirty="0" smtClean="0"/>
+              <a:t>	</a:t>
+            </a:r>
+            <a:r>
+              <a:rPr lang="en-US" dirty="0" smtClean="0">
+                <a:latin typeface="Consolas" pitchFamily="49" charset="0"/>
+                <a:cs typeface="Consolas" pitchFamily="49" charset="0"/>
+              </a:rPr>
+              <a:t>-&gt; run();	wait();	</a:t>
+            </a:r>
+            <a:r>
+              <a:rPr lang="en-US" dirty="0" err="1" smtClean="0">
+                <a:latin typeface="Consolas" pitchFamily="49" charset="0"/>
+                <a:cs typeface="Consolas" pitchFamily="49" charset="0"/>
+              </a:rPr>
+              <a:t>get_result</a:t>
+            </a:r>
+            <a:r>
+              <a:rPr lang="en-US" dirty="0" smtClean="0">
+                <a:latin typeface="Consolas" pitchFamily="49" charset="0"/>
+                <a:cs typeface="Consolas" pitchFamily="49" charset="0"/>
+              </a:rPr>
+              <a:t> ();</a:t>
+            </a:r>
+          </a:p>
+          <a:p>
+            <a:r>
+              <a:rPr lang="en-US" dirty="0" smtClean="0">
+                <a:latin typeface="Century Gothic" pitchFamily="34" charset="0"/>
+                <a:cs typeface="Consolas" pitchFamily="49" charset="0"/>
+              </a:rPr>
+              <a:t>delayed </a:t>
+            </a:r>
+            <a:r>
+              <a:rPr lang="en-US" dirty="0" smtClean="0">
+                <a:latin typeface="Century Gothic" pitchFamily="34" charset="0"/>
+                <a:cs typeface="Consolas" pitchFamily="49" charset="0"/>
+              </a:rPr>
+              <a:t>exception delivery</a:t>
             </a:r>
           </a:p>
           <a:p>
@@ -19443,10 +20295,17 @@
   <p:clrMapOvr>
     <a:masterClrMapping/>
   </p:clrMapOvr>
+  <p:timing>
+    <p:tnLst>
+      <p:par>
+        <p:cTn id="1" dur="indefinite" restart="never" nodeType="tmRoot"/>
+      </p:par>
+    </p:tnLst>
+  </p:timing>
 </p:sld>
 </file>
 
-<file path=ppt/slides/slide54.xml><?xml version="1.0" encoding="utf-8"?>
+<file path=ppt/slides/slide56.xml><?xml version="1.0" encoding="utf-8"?>
 <p:sld xmlns:a="http://schemas.openxmlformats.org/drawingml/2006/main" xmlns:r="http://schemas.openxmlformats.org/officeDocument/2006/relationships" xmlns:p="http://schemas.openxmlformats.org/presentationml/2006/main">
   <p:cSld>
     <p:spTree>
@@ -20004,10 +20863,17 @@
   <p:clrMapOvr>
     <a:masterClrMapping/>
   </p:clrMapOvr>
+  <p:timing>
+    <p:tnLst>
+      <p:par>
+        <p:cTn id="1" dur="indefinite" restart="never" nodeType="tmRoot"/>
+      </p:par>
+    </p:tnLst>
+  </p:timing>
 </p:sld>
 </file>
 
-<file path=ppt/slides/slide55.xml><?xml version="1.0" encoding="utf-8"?>
+<file path=ppt/slides/slide57.xml><?xml version="1.0" encoding="utf-8"?>
 <p:sld xmlns:a="http://schemas.openxmlformats.org/drawingml/2006/main" xmlns:r="http://schemas.openxmlformats.org/officeDocument/2006/relationships" xmlns:p="http://schemas.openxmlformats.org/presentationml/2006/main">
   <p:cSld>
     <p:spTree>
@@ -20591,10 +21457,17 @@
   <p:clrMapOvr>
     <a:masterClrMapping/>
   </p:clrMapOvr>
+  <p:timing>
+    <p:tnLst>
+      <p:par>
+        <p:cTn id="1" dur="indefinite" restart="never" nodeType="tmRoot"/>
+      </p:par>
+    </p:tnLst>
+  </p:timing>
 </p:sld>
 </file>
 
-<file path=ppt/slides/slide56.xml><?xml version="1.0" encoding="utf-8"?>
+<file path=ppt/slides/slide58.xml><?xml version="1.0" encoding="utf-8"?>
 <p:sld xmlns:a="http://schemas.openxmlformats.org/drawingml/2006/main" xmlns:r="http://schemas.openxmlformats.org/officeDocument/2006/relationships" xmlns:p="http://schemas.openxmlformats.org/presentationml/2006/main">
   <p:cSld>
     <p:spTree>
@@ -21025,10 +21898,17 @@
   <p:clrMapOvr>
     <a:masterClrMapping/>
   </p:clrMapOvr>
+  <p:timing>
+    <p:tnLst>
+      <p:par>
+        <p:cTn id="1" dur="indefinite" restart="never" nodeType="tmRoot"/>
+      </p:par>
+    </p:tnLst>
+  </p:timing>
 </p:sld>
 </file>
 
-<file path=ppt/slides/slide57.xml><?xml version="1.0" encoding="utf-8"?>
+<file path=ppt/slides/slide59.xml><?xml version="1.0" encoding="utf-8"?>
 <p:sld xmlns:a="http://schemas.openxmlformats.org/drawingml/2006/main" xmlns:r="http://schemas.openxmlformats.org/officeDocument/2006/relationships" xmlns:p="http://schemas.openxmlformats.org/presentationml/2006/main">
   <p:cSld>
     <p:spTree>
@@ -21445,6 +22325,13 @@
   <p:clrMapOvr>
     <a:masterClrMapping/>
   </p:clrMapOvr>
+  <p:timing>
+    <p:tnLst>
+      <p:par>
+        <p:cTn id="1" dur="indefinite" restart="never" nodeType="tmRoot"/>
+      </p:par>
+    </p:tnLst>
+  </p:timing>
 </p:sld>
 </file>
 
